--- a/src/lectures/ppt/Лекція_1_Rust.pptx
+++ b/src/lectures/ppt/Лекція_1_Rust.pptx
@@ -5,7 +5,7 @@
     <p:sldMasterId id="2147483648" r:id="rId1"/>
   </p:sldMasterIdLst>
   <p:notesMasterIdLst>
-    <p:notesMasterId r:id="rId42"/>
+    <p:notesMasterId r:id="rId43"/>
   </p:notesMasterIdLst>
   <p:sldIdLst>
     <p:sldId id="256" r:id="rId2"/>
@@ -18,36 +18,37 @@
     <p:sldId id="263" r:id="rId9"/>
     <p:sldId id="264" r:id="rId10"/>
     <p:sldId id="265" r:id="rId11"/>
-    <p:sldId id="266" r:id="rId12"/>
-    <p:sldId id="267" r:id="rId13"/>
-    <p:sldId id="268" r:id="rId14"/>
-    <p:sldId id="269" r:id="rId15"/>
-    <p:sldId id="270" r:id="rId16"/>
-    <p:sldId id="271" r:id="rId17"/>
-    <p:sldId id="272" r:id="rId18"/>
-    <p:sldId id="273" r:id="rId19"/>
-    <p:sldId id="274" r:id="rId20"/>
-    <p:sldId id="275" r:id="rId21"/>
-    <p:sldId id="276" r:id="rId22"/>
-    <p:sldId id="277" r:id="rId23"/>
-    <p:sldId id="278" r:id="rId24"/>
-    <p:sldId id="279" r:id="rId25"/>
-    <p:sldId id="280" r:id="rId26"/>
-    <p:sldId id="281" r:id="rId27"/>
-    <p:sldId id="282" r:id="rId28"/>
-    <p:sldId id="283" r:id="rId29"/>
-    <p:sldId id="284" r:id="rId30"/>
-    <p:sldId id="285" r:id="rId31"/>
-    <p:sldId id="286" r:id="rId32"/>
-    <p:sldId id="287" r:id="rId33"/>
-    <p:sldId id="288" r:id="rId34"/>
-    <p:sldId id="289" r:id="rId35"/>
-    <p:sldId id="290" r:id="rId36"/>
-    <p:sldId id="291" r:id="rId37"/>
-    <p:sldId id="292" r:id="rId38"/>
-    <p:sldId id="293" r:id="rId39"/>
-    <p:sldId id="294" r:id="rId40"/>
-    <p:sldId id="295" r:id="rId41"/>
+    <p:sldId id="296" r:id="rId12"/>
+    <p:sldId id="266" r:id="rId13"/>
+    <p:sldId id="267" r:id="rId14"/>
+    <p:sldId id="268" r:id="rId15"/>
+    <p:sldId id="269" r:id="rId16"/>
+    <p:sldId id="270" r:id="rId17"/>
+    <p:sldId id="271" r:id="rId18"/>
+    <p:sldId id="272" r:id="rId19"/>
+    <p:sldId id="273" r:id="rId20"/>
+    <p:sldId id="274" r:id="rId21"/>
+    <p:sldId id="275" r:id="rId22"/>
+    <p:sldId id="276" r:id="rId23"/>
+    <p:sldId id="277" r:id="rId24"/>
+    <p:sldId id="278" r:id="rId25"/>
+    <p:sldId id="279" r:id="rId26"/>
+    <p:sldId id="280" r:id="rId27"/>
+    <p:sldId id="281" r:id="rId28"/>
+    <p:sldId id="282" r:id="rId29"/>
+    <p:sldId id="283" r:id="rId30"/>
+    <p:sldId id="284" r:id="rId31"/>
+    <p:sldId id="285" r:id="rId32"/>
+    <p:sldId id="286" r:id="rId33"/>
+    <p:sldId id="287" r:id="rId34"/>
+    <p:sldId id="288" r:id="rId35"/>
+    <p:sldId id="289" r:id="rId36"/>
+    <p:sldId id="290" r:id="rId37"/>
+    <p:sldId id="291" r:id="rId38"/>
+    <p:sldId id="292" r:id="rId39"/>
+    <p:sldId id="293" r:id="rId40"/>
+    <p:sldId id="294" r:id="rId41"/>
+    <p:sldId id="295" r:id="rId42"/>
   </p:sldIdLst>
   <p:sldSz cx="9144000" cy="5143500" type="screen16x9"/>
   <p:notesSz cx="5143500" cy="9144000"/>
@@ -518,7 +519,7 @@
     </p:spTree>
     <p:extLst>
       <p:ext uri="{BB962C8B-B14F-4D97-AF65-F5344CB8AC3E}">
-        <p14:creationId xmlns:p14="http://schemas.microsoft.com/office/powerpoint/2010/main" val="1024086991"/>
+        <p14:creationId xmlns:p14="http://schemas.microsoft.com/office/powerpoint/2010/main" val="4275253004"/>
       </p:ext>
     </p:extLst>
   </p:cSld>
@@ -3198,6 +3199,90 @@
             <a:fld id="{F7021451-1387-4CA6-816F-3879F97B5CBC}" type="slidenum">
               <a:rPr lang="en-US"/>
               <a:t>40</a:t>
+            </a:fld>
+            <a:endParaRPr lang="en-US"/>
+          </a:p>
+        </p:txBody>
+      </p:sp>
+    </p:spTree>
+    <p:extLst>
+      <p:ext uri="{BB962C8B-B14F-4D97-AF65-F5344CB8AC3E}">
+        <p14:creationId xmlns:p14="http://schemas.microsoft.com/office/powerpoint/2010/main" val="1024086991"/>
+      </p:ext>
+    </p:extLst>
+  </p:cSld>
+  <p:clrMapOvr>
+    <a:masterClrMapping/>
+  </p:clrMapOvr>
+</p:notes>
+</file>
+
+<file path=ppt/notesSlides/notesSlide41.xml><?xml version="1.0" encoding="utf-8"?>
+<p:notes xmlns:a="http://schemas.openxmlformats.org/drawingml/2006/main" xmlns:r="http://schemas.openxmlformats.org/officeDocument/2006/relationships" xmlns:p="http://schemas.openxmlformats.org/presentationml/2006/main">
+  <p:cSld>
+    <p:spTree>
+      <p:nvGrpSpPr>
+        <p:cNvPr id="1" name=""/>
+        <p:cNvGrpSpPr/>
+        <p:nvPr/>
+      </p:nvGrpSpPr>
+      <p:grpSpPr>
+        <a:xfrm>
+          <a:off x="0" y="0"/>
+          <a:ext cx="0" cy="0"/>
+          <a:chOff x="0" y="0"/>
+          <a:chExt cx="0" cy="0"/>
+        </a:xfrm>
+      </p:grpSpPr>
+      <p:sp>
+        <p:nvSpPr>
+          <p:cNvPr id="2" name="Slide Image Placeholder 1"/>
+          <p:cNvSpPr>
+            <a:spLocks noGrp="1" noRot="1" noChangeAspect="1"/>
+          </p:cNvSpPr>
+          <p:nvPr>
+            <p:ph type="sldImg"/>
+          </p:nvPr>
+        </p:nvSpPr>
+        <p:spPr/>
+      </p:sp>
+      <p:sp>
+        <p:nvSpPr>
+          <p:cNvPr id="3" name="Notes Placeholder 2"/>
+          <p:cNvSpPr>
+            <a:spLocks noGrp="1"/>
+          </p:cNvSpPr>
+          <p:nvPr>
+            <p:ph type="body" idx="1"/>
+          </p:nvPr>
+        </p:nvSpPr>
+        <p:spPr/>
+        <p:txBody>
+          <a:bodyPr/>
+          <a:lstStyle/>
+          <a:p>
+            <a:endParaRPr lang="en-US" dirty="0"/>
+          </a:p>
+        </p:txBody>
+      </p:sp>
+      <p:sp>
+        <p:nvSpPr>
+          <p:cNvPr id="4" name="Slide Number Placeholder 3"/>
+          <p:cNvSpPr>
+            <a:spLocks noGrp="1"/>
+          </p:cNvSpPr>
+          <p:nvPr>
+            <p:ph type="sldNum" sz="quarter" idx="10"/>
+          </p:nvPr>
+        </p:nvSpPr>
+        <p:spPr/>
+        <p:txBody>
+          <a:bodyPr/>
+          <a:lstStyle/>
+          <a:p>
+            <a:fld id="{F7021451-1387-4CA6-816F-3879F97B5CBC}" type="slidenum">
+              <a:rPr lang="en-US"/>
+              <a:t>41</a:t>
             </a:fld>
             <a:endParaRPr lang="en-US"/>
           </a:p>
@@ -4401,6 +4486,1301 @@
 
 <file path=ppt/slides/slide11.xml><?xml version="1.0" encoding="utf-8"?>
 <p:sld xmlns:a="http://schemas.openxmlformats.org/drawingml/2006/main" xmlns:r="http://schemas.openxmlformats.org/officeDocument/2006/relationships" xmlns:p="http://schemas.openxmlformats.org/presentationml/2006/main">
+  <p:cSld>
+    <p:bg>
+      <p:bgPr>
+        <a:solidFill>
+          <a:srgbClr val="1E1E1E"/>
+        </a:solidFill>
+        <a:effectLst/>
+      </p:bgPr>
+    </p:bg>
+    <p:spTree>
+      <p:nvGrpSpPr>
+        <p:cNvPr id="1" name=""/>
+        <p:cNvGrpSpPr/>
+        <p:nvPr/>
+      </p:nvGrpSpPr>
+      <p:grpSpPr>
+        <a:xfrm>
+          <a:off x="0" y="0"/>
+          <a:ext cx="0" cy="0"/>
+          <a:chOff x="0" y="0"/>
+          <a:chExt cx="0" cy="0"/>
+        </a:xfrm>
+      </p:grpSpPr>
+      <p:sp>
+        <p:nvSpPr>
+          <p:cNvPr id="2" name="Text 0"/>
+          <p:cNvSpPr/>
+          <p:nvPr/>
+        </p:nvSpPr>
+        <p:spPr>
+          <a:xfrm>
+            <a:off x="457200" y="274320"/>
+            <a:ext cx="8229600" cy="457200"/>
+          </a:xfrm>
+          <a:prstGeom prst="rect">
+            <a:avLst/>
+          </a:prstGeom>
+          <a:noFill/>
+          <a:ln/>
+        </p:spPr>
+        <p:txBody>
+          <a:bodyPr wrap="square" rtlCol="0" anchor="ctr"/>
+          <a:lstStyle/>
+          <a:p>
+            <a:pPr marL="0" indent="0">
+              <a:buNone/>
+            </a:pPr>
+            <a:r>
+              <a:rPr lang="en-US" sz="3200" b="1" dirty="0" err="1">
+                <a:solidFill>
+                  <a:srgbClr val="CE422B"/>
+                </a:solidFill>
+              </a:rPr>
+              <a:t>Встановлення</a:t>
+            </a:r>
+            <a:r>
+              <a:rPr lang="en-US" sz="3200" b="1" dirty="0">
+                <a:solidFill>
+                  <a:srgbClr val="CE422B"/>
+                </a:solidFill>
+              </a:rPr>
+              <a:t> Rust</a:t>
+            </a:r>
+            <a:r>
+              <a:rPr lang="uk-UA" sz="3200" b="1" dirty="0">
+                <a:solidFill>
+                  <a:srgbClr val="CE422B"/>
+                </a:solidFill>
+              </a:rPr>
+              <a:t> як розширення </a:t>
+            </a:r>
+            <a:r>
+              <a:rPr lang="en-US" sz="3200" b="1" dirty="0">
+                <a:solidFill>
+                  <a:srgbClr val="CE422B"/>
+                </a:solidFill>
+              </a:rPr>
+              <a:t>Visual Code</a:t>
+            </a:r>
+            <a:endParaRPr lang="en-US" sz="3200" dirty="0"/>
+          </a:p>
+        </p:txBody>
+      </p:sp>
+      <p:sp>
+        <p:nvSpPr>
+          <p:cNvPr id="3" name="Text 1"/>
+          <p:cNvSpPr/>
+          <p:nvPr/>
+        </p:nvSpPr>
+        <p:spPr>
+          <a:xfrm>
+            <a:off x="457200" y="1800665"/>
+            <a:ext cx="8229600" cy="1350498"/>
+          </a:xfrm>
+          <a:prstGeom prst="rect">
+            <a:avLst/>
+          </a:prstGeom>
+          <a:noFill/>
+          <a:ln/>
+        </p:spPr>
+        <p:txBody>
+          <a:bodyPr wrap="square" rtlCol="0" anchor="ctr"/>
+          <a:lstStyle/>
+          <a:p>
+            <a:pPr algn="just"/>
+            <a:r>
+              <a:rPr lang="uk-UA" sz="1100" dirty="0">
+                <a:solidFill>
+                  <a:schemeClr val="bg1"/>
+                </a:solidFill>
+                <a:effectLst/>
+                <a:ea typeface="Calibri" panose="020F0502020204030204" pitchFamily="34" charset="0"/>
+                <a:cs typeface="Times New Roman" panose="02020603050405020304" pitchFamily="18" charset="0"/>
+              </a:rPr>
+              <a:t>Встановлюємо та налаштовуємо </a:t>
+            </a:r>
+            <a:r>
+              <a:rPr lang="uk-UA" sz="1100" dirty="0" err="1">
+                <a:solidFill>
+                  <a:schemeClr val="bg1"/>
+                </a:solidFill>
+                <a:effectLst/>
+                <a:ea typeface="Calibri" panose="020F0502020204030204" pitchFamily="34" charset="0"/>
+                <a:cs typeface="Times New Roman" panose="02020603050405020304" pitchFamily="18" charset="0"/>
+              </a:rPr>
+              <a:t>Visual</a:t>
+            </a:r>
+            <a:r>
+              <a:rPr lang="uk-UA" sz="1100" dirty="0">
+                <a:solidFill>
+                  <a:schemeClr val="bg1"/>
+                </a:solidFill>
+                <a:effectLst/>
+                <a:ea typeface="Calibri" panose="020F0502020204030204" pitchFamily="34" charset="0"/>
+                <a:cs typeface="Times New Roman" panose="02020603050405020304" pitchFamily="18" charset="0"/>
+              </a:rPr>
+              <a:t> </a:t>
+            </a:r>
+            <a:r>
+              <a:rPr lang="uk-UA" sz="1100" dirty="0" err="1">
+                <a:solidFill>
+                  <a:schemeClr val="bg1"/>
+                </a:solidFill>
+                <a:effectLst/>
+                <a:ea typeface="Calibri" panose="020F0502020204030204" pitchFamily="34" charset="0"/>
+                <a:cs typeface="Times New Roman" panose="02020603050405020304" pitchFamily="18" charset="0"/>
+              </a:rPr>
+              <a:t>Studio</a:t>
+            </a:r>
+            <a:r>
+              <a:rPr lang="uk-UA" sz="1100" dirty="0">
+                <a:solidFill>
+                  <a:schemeClr val="bg1"/>
+                </a:solidFill>
+                <a:effectLst/>
+                <a:ea typeface="Calibri" panose="020F0502020204030204" pitchFamily="34" charset="0"/>
+                <a:cs typeface="Times New Roman" panose="02020603050405020304" pitchFamily="18" charset="0"/>
+              </a:rPr>
+              <a:t> </a:t>
+            </a:r>
+            <a:r>
+              <a:rPr lang="uk-UA" sz="1100" dirty="0" err="1">
+                <a:solidFill>
+                  <a:schemeClr val="bg1"/>
+                </a:solidFill>
+                <a:effectLst/>
+                <a:ea typeface="Calibri" panose="020F0502020204030204" pitchFamily="34" charset="0"/>
+                <a:cs typeface="Times New Roman" panose="02020603050405020304" pitchFamily="18" charset="0"/>
+              </a:rPr>
+              <a:t>Code</a:t>
+            </a:r>
+            <a:endParaRPr lang="ru-RU" sz="1100" dirty="0">
+              <a:solidFill>
+                <a:schemeClr val="bg1"/>
+              </a:solidFill>
+              <a:effectLst/>
+              <a:ea typeface="Calibri" panose="020F0502020204030204" pitchFamily="34" charset="0"/>
+              <a:cs typeface="Times New Roman" panose="02020603050405020304" pitchFamily="18" charset="0"/>
+            </a:endParaRPr>
+          </a:p>
+          <a:p>
+            <a:pPr algn="just"/>
+            <a:r>
+              <a:rPr lang="uk-UA" sz="1100" dirty="0">
+                <a:solidFill>
+                  <a:schemeClr val="bg1"/>
+                </a:solidFill>
+                <a:effectLst/>
+                <a:ea typeface="Calibri" panose="020F0502020204030204" pitchFamily="34" charset="0"/>
+                <a:cs typeface="Times New Roman" panose="02020603050405020304" pitchFamily="18" charset="0"/>
+              </a:rPr>
+              <a:t>По-перше, необхідно встановити </a:t>
+            </a:r>
+            <a:r>
+              <a:rPr lang="uk-UA" sz="1100" dirty="0" err="1">
+                <a:solidFill>
+                  <a:schemeClr val="bg1"/>
+                </a:solidFill>
+                <a:effectLst/>
+                <a:ea typeface="Calibri" panose="020F0502020204030204" pitchFamily="34" charset="0"/>
+                <a:cs typeface="Times New Roman" panose="02020603050405020304" pitchFamily="18" charset="0"/>
+              </a:rPr>
+              <a:t>vs</a:t>
+            </a:r>
+            <a:r>
+              <a:rPr lang="uk-UA" sz="1100" dirty="0">
+                <a:solidFill>
+                  <a:schemeClr val="bg1"/>
+                </a:solidFill>
+                <a:effectLst/>
+                <a:ea typeface="Calibri" panose="020F0502020204030204" pitchFamily="34" charset="0"/>
+                <a:cs typeface="Times New Roman" panose="02020603050405020304" pitchFamily="18" charset="0"/>
+              </a:rPr>
+              <a:t> </a:t>
+            </a:r>
+            <a:r>
+              <a:rPr lang="uk-UA" sz="1100" dirty="0" err="1">
+                <a:solidFill>
+                  <a:schemeClr val="bg1"/>
+                </a:solidFill>
+                <a:effectLst/>
+                <a:ea typeface="Calibri" panose="020F0502020204030204" pitchFamily="34" charset="0"/>
+                <a:cs typeface="Times New Roman" panose="02020603050405020304" pitchFamily="18" charset="0"/>
+              </a:rPr>
+              <a:t>code</a:t>
+            </a:r>
+            <a:r>
+              <a:rPr lang="uk-UA" sz="1100" dirty="0">
+                <a:solidFill>
+                  <a:schemeClr val="bg1"/>
+                </a:solidFill>
+                <a:effectLst/>
+                <a:ea typeface="Calibri" panose="020F0502020204030204" pitchFamily="34" charset="0"/>
+                <a:cs typeface="Times New Roman" panose="02020603050405020304" pitchFamily="18" charset="0"/>
+              </a:rPr>
+              <a:t>: https://code.visualstudio.com/</a:t>
+            </a:r>
+            <a:endParaRPr lang="ru-RU" sz="1100" dirty="0">
+              <a:solidFill>
+                <a:schemeClr val="bg1"/>
+              </a:solidFill>
+              <a:effectLst/>
+              <a:ea typeface="Calibri" panose="020F0502020204030204" pitchFamily="34" charset="0"/>
+              <a:cs typeface="Times New Roman" panose="02020603050405020304" pitchFamily="18" charset="0"/>
+            </a:endParaRPr>
+          </a:p>
+          <a:p>
+            <a:pPr algn="just"/>
+            <a:r>
+              <a:rPr lang="uk-UA" sz="1100" dirty="0">
+                <a:solidFill>
+                  <a:schemeClr val="bg1"/>
+                </a:solidFill>
+                <a:effectLst/>
+                <a:ea typeface="Calibri" panose="020F0502020204030204" pitchFamily="34" charset="0"/>
+                <a:cs typeface="Times New Roman" panose="02020603050405020304" pitchFamily="18" charset="0"/>
+              </a:rPr>
+              <a:t> </a:t>
+            </a:r>
+            <a:endParaRPr lang="ru-RU" sz="1100" dirty="0">
+              <a:solidFill>
+                <a:schemeClr val="bg1"/>
+              </a:solidFill>
+              <a:effectLst/>
+              <a:ea typeface="Calibri" panose="020F0502020204030204" pitchFamily="34" charset="0"/>
+              <a:cs typeface="Times New Roman" panose="02020603050405020304" pitchFamily="18" charset="0"/>
+            </a:endParaRPr>
+          </a:p>
+          <a:p>
+            <a:pPr algn="just"/>
+            <a:r>
+              <a:rPr lang="uk-UA" sz="1100" dirty="0">
+                <a:solidFill>
+                  <a:schemeClr val="bg1"/>
+                </a:solidFill>
+                <a:effectLst/>
+                <a:ea typeface="Calibri" panose="020F0502020204030204" pitchFamily="34" charset="0"/>
+                <a:cs typeface="Times New Roman" panose="02020603050405020304" pitchFamily="18" charset="0"/>
+              </a:rPr>
+              <a:t>Тепер нам потрібно навчити його працювати з </a:t>
+            </a:r>
+            <a:r>
+              <a:rPr lang="uk-UA" sz="1100" dirty="0" err="1">
+                <a:solidFill>
+                  <a:schemeClr val="bg1"/>
+                </a:solidFill>
+                <a:effectLst/>
+                <a:ea typeface="Calibri" panose="020F0502020204030204" pitchFamily="34" charset="0"/>
+                <a:cs typeface="Times New Roman" panose="02020603050405020304" pitchFamily="18" charset="0"/>
+              </a:rPr>
+              <a:t>Rust</a:t>
+            </a:r>
+            <a:r>
+              <a:rPr lang="uk-UA" sz="1100" dirty="0">
+                <a:solidFill>
+                  <a:schemeClr val="bg1"/>
+                </a:solidFill>
+                <a:effectLst/>
+                <a:ea typeface="Calibri" panose="020F0502020204030204" pitchFamily="34" charset="0"/>
+                <a:cs typeface="Times New Roman" panose="02020603050405020304" pitchFamily="18" charset="0"/>
+              </a:rPr>
+              <a:t>, це робиться за допомогою розширень. Перелічимо розширення, які рекомендовано встановити:</a:t>
+            </a:r>
+            <a:endParaRPr lang="ru-RU" sz="1100" dirty="0">
+              <a:solidFill>
+                <a:schemeClr val="bg1"/>
+              </a:solidFill>
+              <a:effectLst/>
+              <a:ea typeface="Calibri" panose="020F0502020204030204" pitchFamily="34" charset="0"/>
+              <a:cs typeface="Times New Roman" panose="02020603050405020304" pitchFamily="18" charset="0"/>
+            </a:endParaRPr>
+          </a:p>
+          <a:p>
+            <a:pPr algn="just"/>
+            <a:r>
+              <a:rPr lang="uk-UA" sz="1100" dirty="0">
+                <a:solidFill>
+                  <a:schemeClr val="bg1"/>
+                </a:solidFill>
+                <a:effectLst/>
+                <a:ea typeface="Calibri" panose="020F0502020204030204" pitchFamily="34" charset="0"/>
+                <a:cs typeface="Times New Roman" panose="02020603050405020304" pitchFamily="18" charset="0"/>
+              </a:rPr>
+              <a:t>- розширення для підсвічування синтаксису та автодоповнень, </a:t>
+            </a:r>
+            <a:endParaRPr lang="ru-RU" sz="1100" dirty="0">
+              <a:solidFill>
+                <a:schemeClr val="bg1"/>
+              </a:solidFill>
+              <a:effectLst/>
+              <a:ea typeface="Calibri" panose="020F0502020204030204" pitchFamily="34" charset="0"/>
+              <a:cs typeface="Times New Roman" panose="02020603050405020304" pitchFamily="18" charset="0"/>
+            </a:endParaRPr>
+          </a:p>
+          <a:p>
+            <a:pPr algn="just"/>
+            <a:r>
+              <a:rPr lang="uk-UA" sz="1100" dirty="0">
+                <a:solidFill>
+                  <a:schemeClr val="bg1"/>
+                </a:solidFill>
+                <a:effectLst/>
+                <a:ea typeface="Calibri" panose="020F0502020204030204" pitchFamily="34" charset="0"/>
+                <a:cs typeface="Times New Roman" panose="02020603050405020304" pitchFamily="18" charset="0"/>
+              </a:rPr>
+              <a:t>- розширення для </a:t>
+            </a:r>
+            <a:r>
+              <a:rPr lang="uk-UA" sz="1100" dirty="0" err="1">
+                <a:solidFill>
+                  <a:schemeClr val="bg1"/>
+                </a:solidFill>
+                <a:effectLst/>
+                <a:ea typeface="Calibri" panose="020F0502020204030204" pitchFamily="34" charset="0"/>
+                <a:cs typeface="Times New Roman" panose="02020603050405020304" pitchFamily="18" charset="0"/>
+              </a:rPr>
+              <a:t>відладки</a:t>
+            </a:r>
+            <a:endParaRPr lang="ru-RU" sz="1100" dirty="0">
+              <a:solidFill>
+                <a:schemeClr val="bg1"/>
+              </a:solidFill>
+              <a:effectLst/>
+              <a:ea typeface="Calibri" panose="020F0502020204030204" pitchFamily="34" charset="0"/>
+              <a:cs typeface="Times New Roman" panose="02020603050405020304" pitchFamily="18" charset="0"/>
+            </a:endParaRPr>
+          </a:p>
+          <a:p>
+            <a:pPr marL="171450" indent="-171450" algn="just">
+              <a:buFontTx/>
+              <a:buChar char="-"/>
+            </a:pPr>
+            <a:r>
+              <a:rPr lang="uk-UA" sz="1100" dirty="0">
+                <a:solidFill>
+                  <a:schemeClr val="bg1"/>
+                </a:solidFill>
+                <a:effectLst/>
+                <a:ea typeface="Calibri" panose="020F0502020204030204" pitchFamily="34" charset="0"/>
+                <a:cs typeface="Times New Roman" panose="02020603050405020304" pitchFamily="18" charset="0"/>
+              </a:rPr>
+              <a:t>розширення для комфортного редагування </a:t>
+            </a:r>
+            <a:r>
+              <a:rPr lang="uk-UA" sz="1100" dirty="0" err="1">
+                <a:solidFill>
+                  <a:schemeClr val="bg1"/>
+                </a:solidFill>
+                <a:effectLst/>
+                <a:ea typeface="Calibri" panose="020F0502020204030204" pitchFamily="34" charset="0"/>
+                <a:cs typeface="Times New Roman" panose="02020603050405020304" pitchFamily="18" charset="0"/>
+              </a:rPr>
+              <a:t>cargo.toml</a:t>
+            </a:r>
+            <a:r>
+              <a:rPr lang="uk-UA" sz="1100" dirty="0">
+                <a:solidFill>
+                  <a:schemeClr val="bg1"/>
+                </a:solidFill>
+                <a:effectLst/>
+                <a:ea typeface="Calibri" panose="020F0502020204030204" pitchFamily="34" charset="0"/>
+                <a:cs typeface="Times New Roman" panose="02020603050405020304" pitchFamily="18" charset="0"/>
+              </a:rPr>
+              <a:t>.</a:t>
+            </a:r>
+            <a:endParaRPr lang="en-US" sz="1100" dirty="0">
+              <a:solidFill>
+                <a:schemeClr val="bg1"/>
+              </a:solidFill>
+              <a:effectLst/>
+              <a:ea typeface="Calibri" panose="020F0502020204030204" pitchFamily="34" charset="0"/>
+              <a:cs typeface="Times New Roman" panose="02020603050405020304" pitchFamily="18" charset="0"/>
+            </a:endParaRPr>
+          </a:p>
+          <a:p>
+            <a:pPr algn="just"/>
+            <a:endParaRPr lang="en-US" sz="1100" dirty="0">
+              <a:solidFill>
+                <a:schemeClr val="bg1"/>
+              </a:solidFill>
+              <a:effectLst/>
+              <a:ea typeface="Calibri" panose="020F0502020204030204" pitchFamily="34" charset="0"/>
+              <a:cs typeface="Times New Roman" panose="02020603050405020304" pitchFamily="18" charset="0"/>
+            </a:endParaRPr>
+          </a:p>
+          <a:p>
+            <a:pPr algn="just"/>
+            <a:r>
+              <a:rPr lang="uk-UA" sz="1100" dirty="0">
+                <a:solidFill>
+                  <a:schemeClr val="bg1"/>
+                </a:solidFill>
+                <a:effectLst/>
+                <a:ea typeface="Calibri" panose="020F0502020204030204" pitchFamily="34" charset="0"/>
+                <a:cs typeface="Times New Roman" panose="02020603050405020304" pitchFamily="18" charset="0"/>
+              </a:rPr>
+              <a:t>Для підсвічування синтаксису та автодоповнень будемо використовувати </a:t>
+            </a:r>
+            <a:r>
+              <a:rPr lang="uk-UA" sz="1100" dirty="0" err="1">
+                <a:solidFill>
+                  <a:schemeClr val="bg1"/>
+                </a:solidFill>
+                <a:effectLst/>
+                <a:ea typeface="Calibri" panose="020F0502020204030204" pitchFamily="34" charset="0"/>
+                <a:cs typeface="Times New Roman" panose="02020603050405020304" pitchFamily="18" charset="0"/>
+              </a:rPr>
+              <a:t>rust-analyzer</a:t>
+            </a:r>
+            <a:r>
+              <a:rPr lang="uk-UA" sz="1100" dirty="0">
+                <a:solidFill>
+                  <a:schemeClr val="bg1"/>
+                </a:solidFill>
+                <a:effectLst/>
+                <a:ea typeface="Calibri" panose="020F0502020204030204" pitchFamily="34" charset="0"/>
+                <a:cs typeface="Times New Roman" panose="02020603050405020304" pitchFamily="18" charset="0"/>
+              </a:rPr>
+              <a:t>. </a:t>
+            </a:r>
+            <a:endParaRPr lang="ru-RU" sz="1100" dirty="0">
+              <a:solidFill>
+                <a:schemeClr val="bg1"/>
+              </a:solidFill>
+              <a:effectLst/>
+              <a:ea typeface="Calibri" panose="020F0502020204030204" pitchFamily="34" charset="0"/>
+              <a:cs typeface="Times New Roman" panose="02020603050405020304" pitchFamily="18" charset="0"/>
+            </a:endParaRPr>
+          </a:p>
+          <a:p>
+            <a:pPr algn="just"/>
+            <a:r>
+              <a:rPr lang="uk-UA" sz="1100" dirty="0">
+                <a:solidFill>
+                  <a:schemeClr val="bg1"/>
+                </a:solidFill>
+                <a:effectLst/>
+                <a:ea typeface="Calibri" panose="020F0502020204030204" pitchFamily="34" charset="0"/>
+                <a:cs typeface="Times New Roman" panose="02020603050405020304" pitchFamily="18" charset="0"/>
+              </a:rPr>
+              <a:t>Для </a:t>
+            </a:r>
+            <a:r>
+              <a:rPr lang="uk-UA" sz="1100" dirty="0" err="1">
+                <a:solidFill>
+                  <a:schemeClr val="bg1"/>
+                </a:solidFill>
+                <a:effectLst/>
+                <a:ea typeface="Calibri" panose="020F0502020204030204" pitchFamily="34" charset="0"/>
+                <a:cs typeface="Times New Roman" panose="02020603050405020304" pitchFamily="18" charset="0"/>
+              </a:rPr>
+              <a:t>відладки</a:t>
+            </a:r>
+            <a:r>
+              <a:rPr lang="uk-UA" sz="1100" dirty="0">
+                <a:solidFill>
+                  <a:schemeClr val="bg1"/>
+                </a:solidFill>
+                <a:effectLst/>
+                <a:ea typeface="Calibri" panose="020F0502020204030204" pitchFamily="34" charset="0"/>
+                <a:cs typeface="Times New Roman" panose="02020603050405020304" pitchFamily="18" charset="0"/>
+              </a:rPr>
+              <a:t> встановлюємо </a:t>
+            </a:r>
+            <a:r>
+              <a:rPr lang="uk-UA" sz="1100" dirty="0" err="1">
+                <a:solidFill>
+                  <a:schemeClr val="bg1"/>
+                </a:solidFill>
+                <a:effectLst/>
+                <a:ea typeface="Calibri" panose="020F0502020204030204" pitchFamily="34" charset="0"/>
+                <a:cs typeface="Times New Roman" panose="02020603050405020304" pitchFamily="18" charset="0"/>
+              </a:rPr>
+              <a:t>CodeLLDB</a:t>
+            </a:r>
+            <a:r>
+              <a:rPr lang="uk-UA" sz="1100" dirty="0">
+                <a:solidFill>
+                  <a:schemeClr val="bg1"/>
+                </a:solidFill>
+                <a:effectLst/>
+                <a:ea typeface="Calibri" panose="020F0502020204030204" pitchFamily="34" charset="0"/>
+                <a:cs typeface="Times New Roman" panose="02020603050405020304" pitchFamily="18" charset="0"/>
+              </a:rPr>
+              <a:t>.</a:t>
+            </a:r>
+            <a:endParaRPr lang="ru-RU" sz="1100" dirty="0">
+              <a:solidFill>
+                <a:schemeClr val="bg1"/>
+              </a:solidFill>
+              <a:effectLst/>
+              <a:ea typeface="Calibri" panose="020F0502020204030204" pitchFamily="34" charset="0"/>
+              <a:cs typeface="Times New Roman" panose="02020603050405020304" pitchFamily="18" charset="0"/>
+            </a:endParaRPr>
+          </a:p>
+          <a:p>
+            <a:pPr algn="just"/>
+            <a:r>
+              <a:rPr lang="uk-UA" sz="1100" dirty="0">
+                <a:solidFill>
+                  <a:schemeClr val="bg1"/>
+                </a:solidFill>
+                <a:effectLst/>
+                <a:ea typeface="Calibri" panose="020F0502020204030204" pitchFamily="34" charset="0"/>
+                <a:cs typeface="Times New Roman" panose="02020603050405020304" pitchFamily="18" charset="0"/>
+              </a:rPr>
+              <a:t>Для роботи з </a:t>
+            </a:r>
+            <a:r>
+              <a:rPr lang="uk-UA" sz="1100" dirty="0" err="1">
+                <a:solidFill>
+                  <a:schemeClr val="bg1"/>
+                </a:solidFill>
+                <a:effectLst/>
+                <a:ea typeface="Calibri" panose="020F0502020204030204" pitchFamily="34" charset="0"/>
+                <a:cs typeface="Times New Roman" panose="02020603050405020304" pitchFamily="18" charset="0"/>
+              </a:rPr>
+              <a:t>toml</a:t>
+            </a:r>
+            <a:r>
+              <a:rPr lang="uk-UA" sz="1100" dirty="0">
+                <a:solidFill>
+                  <a:schemeClr val="bg1"/>
+                </a:solidFill>
+                <a:effectLst/>
+                <a:ea typeface="Calibri" panose="020F0502020204030204" pitchFamily="34" charset="0"/>
+                <a:cs typeface="Times New Roman" panose="02020603050405020304" pitchFamily="18" charset="0"/>
+              </a:rPr>
+              <a:t> ставимо </a:t>
+            </a:r>
+            <a:r>
+              <a:rPr lang="uk-UA" sz="1100" dirty="0" err="1">
+                <a:solidFill>
+                  <a:schemeClr val="bg1"/>
+                </a:solidFill>
+                <a:effectLst/>
+                <a:ea typeface="Calibri" panose="020F0502020204030204" pitchFamily="34" charset="0"/>
+                <a:cs typeface="Times New Roman" panose="02020603050405020304" pitchFamily="18" charset="0"/>
+              </a:rPr>
+              <a:t>Even</a:t>
+            </a:r>
+            <a:r>
+              <a:rPr lang="uk-UA" sz="1100" dirty="0">
+                <a:solidFill>
+                  <a:schemeClr val="bg1"/>
+                </a:solidFill>
+                <a:effectLst/>
+                <a:ea typeface="Calibri" panose="020F0502020204030204" pitchFamily="34" charset="0"/>
+                <a:cs typeface="Times New Roman" panose="02020603050405020304" pitchFamily="18" charset="0"/>
+              </a:rPr>
+              <a:t> </a:t>
+            </a:r>
+            <a:r>
+              <a:rPr lang="uk-UA" sz="1100" dirty="0" err="1">
+                <a:solidFill>
+                  <a:schemeClr val="bg1"/>
+                </a:solidFill>
+                <a:effectLst/>
+                <a:ea typeface="Calibri" panose="020F0502020204030204" pitchFamily="34" charset="0"/>
+                <a:cs typeface="Times New Roman" panose="02020603050405020304" pitchFamily="18" charset="0"/>
+              </a:rPr>
+              <a:t>Better</a:t>
+            </a:r>
+            <a:r>
+              <a:rPr lang="uk-UA" sz="1100" dirty="0">
+                <a:solidFill>
+                  <a:schemeClr val="bg1"/>
+                </a:solidFill>
+                <a:effectLst/>
+                <a:ea typeface="Calibri" panose="020F0502020204030204" pitchFamily="34" charset="0"/>
+                <a:cs typeface="Times New Roman" panose="02020603050405020304" pitchFamily="18" charset="0"/>
+              </a:rPr>
+              <a:t> TOML (для підсвічування), </a:t>
+            </a:r>
+            <a:r>
+              <a:rPr lang="uk-UA" sz="1100" dirty="0" err="1">
+                <a:solidFill>
+                  <a:schemeClr val="bg1"/>
+                </a:solidFill>
+                <a:effectLst/>
+                <a:ea typeface="Calibri" panose="020F0502020204030204" pitchFamily="34" charset="0"/>
+                <a:cs typeface="Times New Roman" panose="02020603050405020304" pitchFamily="18" charset="0"/>
+              </a:rPr>
+              <a:t>crates</a:t>
+            </a:r>
+            <a:r>
+              <a:rPr lang="uk-UA" sz="1100" dirty="0">
+                <a:solidFill>
+                  <a:schemeClr val="bg1"/>
+                </a:solidFill>
+                <a:effectLst/>
+                <a:ea typeface="Calibri" panose="020F0502020204030204" pitchFamily="34" charset="0"/>
+                <a:cs typeface="Times New Roman" panose="02020603050405020304" pitchFamily="18" charset="0"/>
+              </a:rPr>
+              <a:t> (для зручного оновлення </a:t>
+            </a:r>
+            <a:r>
+              <a:rPr lang="uk-UA" sz="1100" dirty="0" err="1">
+                <a:solidFill>
+                  <a:schemeClr val="bg1"/>
+                </a:solidFill>
+                <a:effectLst/>
+                <a:ea typeface="Calibri" panose="020F0502020204030204" pitchFamily="34" charset="0"/>
+                <a:cs typeface="Times New Roman" panose="02020603050405020304" pitchFamily="18" charset="0"/>
+              </a:rPr>
+              <a:t>залежностей</a:t>
+            </a:r>
+            <a:r>
+              <a:rPr lang="uk-UA" sz="1100" dirty="0">
+                <a:solidFill>
+                  <a:schemeClr val="bg1"/>
+                </a:solidFill>
+                <a:effectLst/>
+                <a:ea typeface="Calibri" panose="020F0502020204030204" pitchFamily="34" charset="0"/>
+                <a:cs typeface="Times New Roman" panose="02020603050405020304" pitchFamily="18" charset="0"/>
+              </a:rPr>
+              <a:t>), та </a:t>
+            </a:r>
+            <a:r>
+              <a:rPr lang="uk-UA" sz="1100" dirty="0" err="1">
+                <a:solidFill>
+                  <a:schemeClr val="bg1"/>
+                </a:solidFill>
+                <a:effectLst/>
+                <a:ea typeface="Calibri" panose="020F0502020204030204" pitchFamily="34" charset="0"/>
+                <a:cs typeface="Times New Roman" panose="02020603050405020304" pitchFamily="18" charset="0"/>
+              </a:rPr>
+              <a:t>crates</a:t>
+            </a:r>
+            <a:r>
+              <a:rPr lang="uk-UA" sz="1100" dirty="0">
+                <a:solidFill>
+                  <a:schemeClr val="bg1"/>
+                </a:solidFill>
+                <a:effectLst/>
+                <a:ea typeface="Calibri" panose="020F0502020204030204" pitchFamily="34" charset="0"/>
+                <a:cs typeface="Times New Roman" panose="02020603050405020304" pitchFamily="18" charset="0"/>
+              </a:rPr>
+              <a:t> </a:t>
+            </a:r>
+            <a:r>
+              <a:rPr lang="uk-UA" sz="1100" dirty="0" err="1">
+                <a:solidFill>
+                  <a:schemeClr val="bg1"/>
+                </a:solidFill>
+                <a:effectLst/>
+                <a:ea typeface="Calibri" panose="020F0502020204030204" pitchFamily="34" charset="0"/>
+                <a:cs typeface="Times New Roman" panose="02020603050405020304" pitchFamily="18" charset="0"/>
+              </a:rPr>
+              <a:t>completer</a:t>
+            </a:r>
+            <a:r>
+              <a:rPr lang="uk-UA" sz="1100" dirty="0">
+                <a:solidFill>
+                  <a:schemeClr val="bg1"/>
+                </a:solidFill>
+                <a:effectLst/>
+                <a:ea typeface="Calibri" panose="020F0502020204030204" pitchFamily="34" charset="0"/>
+                <a:cs typeface="Times New Roman" panose="02020603050405020304" pitchFamily="18" charset="0"/>
+              </a:rPr>
+              <a:t> (для автодоповнення імен пакетів та версій)</a:t>
+            </a:r>
+            <a:endParaRPr lang="ru-RU" sz="1100" dirty="0">
+              <a:solidFill>
+                <a:schemeClr val="bg1"/>
+              </a:solidFill>
+              <a:effectLst/>
+              <a:ea typeface="Calibri" panose="020F0502020204030204" pitchFamily="34" charset="0"/>
+              <a:cs typeface="Times New Roman" panose="02020603050405020304" pitchFamily="18" charset="0"/>
+            </a:endParaRPr>
+          </a:p>
+          <a:p>
+            <a:pPr algn="just"/>
+            <a:r>
+              <a:rPr lang="uk-UA" sz="1100" dirty="0">
+                <a:solidFill>
+                  <a:schemeClr val="bg1"/>
+                </a:solidFill>
+                <a:effectLst/>
+                <a:ea typeface="Calibri" panose="020F0502020204030204" pitchFamily="34" charset="0"/>
+                <a:cs typeface="Times New Roman" panose="02020603050405020304" pitchFamily="18" charset="0"/>
+              </a:rPr>
+              <a:t>Також, встановлюємо </a:t>
+            </a:r>
+            <a:r>
+              <a:rPr lang="uk-UA" sz="1100" dirty="0" err="1">
+                <a:solidFill>
+                  <a:schemeClr val="bg1"/>
+                </a:solidFill>
+                <a:effectLst/>
+                <a:ea typeface="Calibri" panose="020F0502020204030204" pitchFamily="34" charset="0"/>
+                <a:cs typeface="Times New Roman" panose="02020603050405020304" pitchFamily="18" charset="0"/>
+              </a:rPr>
+              <a:t>Test</a:t>
+            </a:r>
+            <a:r>
+              <a:rPr lang="uk-UA" sz="1100" dirty="0">
+                <a:solidFill>
+                  <a:schemeClr val="bg1"/>
+                </a:solidFill>
+                <a:effectLst/>
+                <a:ea typeface="Calibri" panose="020F0502020204030204" pitchFamily="34" charset="0"/>
+                <a:cs typeface="Times New Roman" panose="02020603050405020304" pitchFamily="18" charset="0"/>
+              </a:rPr>
+              <a:t> Explorer UI і </a:t>
+            </a:r>
+            <a:r>
+              <a:rPr lang="uk-UA" sz="1100" dirty="0" err="1">
+                <a:solidFill>
+                  <a:schemeClr val="bg1"/>
+                </a:solidFill>
+                <a:effectLst/>
+                <a:ea typeface="Calibri" panose="020F0502020204030204" pitchFamily="34" charset="0"/>
+                <a:cs typeface="Times New Roman" panose="02020603050405020304" pitchFamily="18" charset="0"/>
+              </a:rPr>
+              <a:t>Rust</a:t>
+            </a:r>
+            <a:r>
+              <a:rPr lang="uk-UA" sz="1100" dirty="0">
+                <a:solidFill>
+                  <a:schemeClr val="bg1"/>
+                </a:solidFill>
+                <a:effectLst/>
+                <a:ea typeface="Calibri" panose="020F0502020204030204" pitchFamily="34" charset="0"/>
+                <a:cs typeface="Times New Roman" panose="02020603050405020304" pitchFamily="18" charset="0"/>
+              </a:rPr>
+              <a:t> </a:t>
+            </a:r>
+            <a:r>
+              <a:rPr lang="uk-UA" sz="1100" dirty="0" err="1">
+                <a:solidFill>
+                  <a:schemeClr val="bg1"/>
+                </a:solidFill>
+                <a:effectLst/>
+                <a:ea typeface="Calibri" panose="020F0502020204030204" pitchFamily="34" charset="0"/>
+                <a:cs typeface="Times New Roman" panose="02020603050405020304" pitchFamily="18" charset="0"/>
+              </a:rPr>
+              <a:t>Test</a:t>
+            </a:r>
+            <a:r>
+              <a:rPr lang="uk-UA" sz="1100" dirty="0">
+                <a:solidFill>
+                  <a:schemeClr val="bg1"/>
+                </a:solidFill>
+                <a:effectLst/>
+                <a:ea typeface="Calibri" panose="020F0502020204030204" pitchFamily="34" charset="0"/>
+                <a:cs typeface="Times New Roman" panose="02020603050405020304" pitchFamily="18" charset="0"/>
+              </a:rPr>
+              <a:t> Explorer для того, щоб запускати тести з бічної панелі, а не з консолі.</a:t>
+            </a:r>
+            <a:endParaRPr lang="ru-RU" sz="1100" dirty="0">
+              <a:solidFill>
+                <a:schemeClr val="bg1"/>
+              </a:solidFill>
+              <a:effectLst/>
+              <a:ea typeface="Calibri" panose="020F0502020204030204" pitchFamily="34" charset="0"/>
+              <a:cs typeface="Times New Roman" panose="02020603050405020304" pitchFamily="18" charset="0"/>
+            </a:endParaRPr>
+          </a:p>
+          <a:p>
+            <a:pPr algn="just"/>
+            <a:r>
+              <a:rPr lang="uk-UA" sz="1100" dirty="0">
+                <a:solidFill>
+                  <a:schemeClr val="bg1"/>
+                </a:solidFill>
+                <a:effectLst/>
+                <a:ea typeface="Calibri" panose="020F0502020204030204" pitchFamily="34" charset="0"/>
+                <a:cs typeface="Times New Roman" panose="02020603050405020304" pitchFamily="18" charset="0"/>
+              </a:rPr>
+              <a:t>Тепер можна створити порожній проект у консолі:</a:t>
+            </a:r>
+            <a:endParaRPr lang="ru-RU" sz="1100" dirty="0">
+              <a:solidFill>
+                <a:schemeClr val="bg1"/>
+              </a:solidFill>
+              <a:effectLst/>
+              <a:ea typeface="Calibri" panose="020F0502020204030204" pitchFamily="34" charset="0"/>
+              <a:cs typeface="Times New Roman" panose="02020603050405020304" pitchFamily="18" charset="0"/>
+            </a:endParaRPr>
+          </a:p>
+          <a:p>
+            <a:pPr algn="just"/>
+            <a:endParaRPr lang="en-US" sz="1100" dirty="0">
+              <a:solidFill>
+                <a:schemeClr val="bg1"/>
+              </a:solidFill>
+              <a:ea typeface="Calibri" panose="020F0502020204030204" pitchFamily="34" charset="0"/>
+              <a:cs typeface="Times New Roman" panose="02020603050405020304" pitchFamily="18" charset="0"/>
+            </a:endParaRPr>
+          </a:p>
+          <a:p>
+            <a:pPr marL="171450" indent="-171450" algn="just">
+              <a:buFontTx/>
+              <a:buChar char="-"/>
+            </a:pPr>
+            <a:endParaRPr lang="ru-RU" sz="1100" dirty="0">
+              <a:solidFill>
+                <a:schemeClr val="bg1"/>
+              </a:solidFill>
+              <a:effectLst/>
+              <a:ea typeface="Calibri" panose="020F0502020204030204" pitchFamily="34" charset="0"/>
+              <a:cs typeface="Times New Roman" panose="02020603050405020304" pitchFamily="18" charset="0"/>
+            </a:endParaRPr>
+          </a:p>
+          <a:p>
+            <a:pPr marL="0" indent="0">
+              <a:lnSpc>
+                <a:spcPts val="1800"/>
+              </a:lnSpc>
+              <a:buNone/>
+            </a:pPr>
+            <a:endParaRPr lang="en-US" sz="1100" dirty="0">
+              <a:solidFill>
+                <a:schemeClr val="bg1"/>
+              </a:solidFill>
+            </a:endParaRPr>
+          </a:p>
+        </p:txBody>
+      </p:sp>
+      <p:sp>
+        <p:nvSpPr>
+          <p:cNvPr id="4" name="Shape 2"/>
+          <p:cNvSpPr/>
+          <p:nvPr/>
+        </p:nvSpPr>
+        <p:spPr>
+          <a:xfrm>
+            <a:off x="457200" y="3559126"/>
+            <a:ext cx="8229600" cy="852854"/>
+          </a:xfrm>
+          <a:prstGeom prst="rect">
+            <a:avLst/>
+          </a:prstGeom>
+          <a:solidFill>
+            <a:srgbClr val="0D3B2E"/>
+          </a:solidFill>
+          <a:ln/>
+        </p:spPr>
+      </p:sp>
+      <p:sp>
+        <p:nvSpPr>
+          <p:cNvPr id="5" name="Text 3"/>
+          <p:cNvSpPr/>
+          <p:nvPr/>
+        </p:nvSpPr>
+        <p:spPr>
+          <a:xfrm>
+            <a:off x="548640" y="3726180"/>
+            <a:ext cx="8046720" cy="457200"/>
+          </a:xfrm>
+          <a:prstGeom prst="rect">
+            <a:avLst/>
+          </a:prstGeom>
+          <a:noFill/>
+          <a:ln/>
+        </p:spPr>
+        <p:txBody>
+          <a:bodyPr wrap="square" rtlCol="0" anchor="ctr"/>
+          <a:lstStyle/>
+          <a:p>
+            <a:pPr algn="just"/>
+            <a:r>
+              <a:rPr lang="en-US" sz="1100" dirty="0">
+                <a:solidFill>
+                  <a:schemeClr val="bg1"/>
+                </a:solidFill>
+                <a:effectLst/>
+                <a:ea typeface="Calibri" panose="020F0502020204030204" pitchFamily="34" charset="0"/>
+                <a:cs typeface="Times New Roman" panose="02020603050405020304" pitchFamily="18" charset="0"/>
+              </a:rPr>
+              <a:t>&gt;</a:t>
+            </a:r>
+            <a:r>
+              <a:rPr lang="uk-UA" sz="1100" dirty="0" err="1">
+                <a:solidFill>
+                  <a:schemeClr val="bg1"/>
+                </a:solidFill>
+                <a:effectLst/>
+                <a:ea typeface="Calibri" panose="020F0502020204030204" pitchFamily="34" charset="0"/>
+                <a:cs typeface="Times New Roman" panose="02020603050405020304" pitchFamily="18" charset="0"/>
+              </a:rPr>
+              <a:t>mkdir</a:t>
+            </a:r>
+            <a:r>
+              <a:rPr lang="uk-UA" sz="1100" dirty="0">
+                <a:solidFill>
+                  <a:schemeClr val="bg1"/>
+                </a:solidFill>
+                <a:effectLst/>
+                <a:ea typeface="Calibri" panose="020F0502020204030204" pitchFamily="34" charset="0"/>
+                <a:cs typeface="Times New Roman" panose="02020603050405020304" pitchFamily="18" charset="0"/>
+              </a:rPr>
+              <a:t> </a:t>
+            </a:r>
+            <a:r>
+              <a:rPr lang="uk-UA" sz="1100" dirty="0" err="1">
+                <a:solidFill>
+                  <a:schemeClr val="bg1"/>
+                </a:solidFill>
+                <a:effectLst/>
+                <a:ea typeface="Calibri" panose="020F0502020204030204" pitchFamily="34" charset="0"/>
+                <a:cs typeface="Times New Roman" panose="02020603050405020304" pitchFamily="18" charset="0"/>
+              </a:rPr>
+              <a:t>my_rust_app</a:t>
+            </a:r>
+            <a:r>
+              <a:rPr lang="uk-UA" sz="1100" dirty="0">
+                <a:solidFill>
+                  <a:schemeClr val="bg1"/>
+                </a:solidFill>
+                <a:effectLst/>
+                <a:ea typeface="Calibri" panose="020F0502020204030204" pitchFamily="34" charset="0"/>
+                <a:cs typeface="Times New Roman" panose="02020603050405020304" pitchFamily="18" charset="0"/>
+              </a:rPr>
+              <a:t> # створюємо папку </a:t>
+            </a:r>
+            <a:r>
+              <a:rPr lang="uk-UA" sz="1100" dirty="0" err="1">
+                <a:solidFill>
+                  <a:schemeClr val="bg1"/>
+                </a:solidFill>
+                <a:effectLst/>
+                <a:ea typeface="Calibri" panose="020F0502020204030204" pitchFamily="34" charset="0"/>
+                <a:cs typeface="Times New Roman" panose="02020603050405020304" pitchFamily="18" charset="0"/>
+              </a:rPr>
+              <a:t>my_rust_app</a:t>
+            </a:r>
+            <a:endParaRPr lang="ru-RU" sz="1100" dirty="0">
+              <a:solidFill>
+                <a:schemeClr val="bg1"/>
+              </a:solidFill>
+              <a:effectLst/>
+              <a:ea typeface="Calibri" panose="020F0502020204030204" pitchFamily="34" charset="0"/>
+              <a:cs typeface="Times New Roman" panose="02020603050405020304" pitchFamily="18" charset="0"/>
+            </a:endParaRPr>
+          </a:p>
+          <a:p>
+            <a:pPr algn="just"/>
+            <a:r>
+              <a:rPr lang="en-US" sz="1100" dirty="0">
+                <a:solidFill>
+                  <a:schemeClr val="bg1"/>
+                </a:solidFill>
+                <a:effectLst/>
+                <a:ea typeface="Calibri" panose="020F0502020204030204" pitchFamily="34" charset="0"/>
+                <a:cs typeface="Times New Roman" panose="02020603050405020304" pitchFamily="18" charset="0"/>
+              </a:rPr>
+              <a:t>&gt;</a:t>
+            </a:r>
+            <a:r>
+              <a:rPr lang="uk-UA" sz="1100" dirty="0">
+                <a:solidFill>
+                  <a:schemeClr val="bg1"/>
+                </a:solidFill>
+                <a:effectLst/>
+                <a:ea typeface="Calibri" panose="020F0502020204030204" pitchFamily="34" charset="0"/>
+                <a:cs typeface="Times New Roman" panose="02020603050405020304" pitchFamily="18" charset="0"/>
+              </a:rPr>
+              <a:t>cd </a:t>
+            </a:r>
+            <a:r>
+              <a:rPr lang="uk-UA" sz="1100" dirty="0" err="1">
+                <a:solidFill>
+                  <a:schemeClr val="bg1"/>
+                </a:solidFill>
+                <a:effectLst/>
+                <a:ea typeface="Calibri" panose="020F0502020204030204" pitchFamily="34" charset="0"/>
+                <a:cs typeface="Times New Roman" panose="02020603050405020304" pitchFamily="18" charset="0"/>
+              </a:rPr>
+              <a:t>my_rust_app</a:t>
+            </a:r>
+            <a:r>
+              <a:rPr lang="uk-UA" sz="1100" dirty="0">
+                <a:solidFill>
+                  <a:schemeClr val="bg1"/>
+                </a:solidFill>
+                <a:effectLst/>
+                <a:ea typeface="Calibri" panose="020F0502020204030204" pitchFamily="34" charset="0"/>
+                <a:cs typeface="Times New Roman" panose="02020603050405020304" pitchFamily="18" charset="0"/>
+              </a:rPr>
+              <a:t>  # переходимо до неї</a:t>
+            </a:r>
+            <a:endParaRPr lang="ru-RU" sz="1100" dirty="0">
+              <a:solidFill>
+                <a:schemeClr val="bg1"/>
+              </a:solidFill>
+              <a:effectLst/>
+              <a:ea typeface="Calibri" panose="020F0502020204030204" pitchFamily="34" charset="0"/>
+              <a:cs typeface="Times New Roman" panose="02020603050405020304" pitchFamily="18" charset="0"/>
+            </a:endParaRPr>
+          </a:p>
+          <a:p>
+            <a:pPr algn="just"/>
+            <a:r>
+              <a:rPr lang="en-US" sz="1100" dirty="0">
+                <a:solidFill>
+                  <a:schemeClr val="bg1"/>
+                </a:solidFill>
+                <a:effectLst/>
+                <a:ea typeface="Calibri" panose="020F0502020204030204" pitchFamily="34" charset="0"/>
+                <a:cs typeface="Times New Roman" panose="02020603050405020304" pitchFamily="18" charset="0"/>
+              </a:rPr>
+              <a:t>&gt;</a:t>
+            </a:r>
+            <a:r>
+              <a:rPr lang="uk-UA" sz="1100" dirty="0" err="1">
+                <a:solidFill>
+                  <a:schemeClr val="bg1"/>
+                </a:solidFill>
+                <a:effectLst/>
+                <a:ea typeface="Calibri" panose="020F0502020204030204" pitchFamily="34" charset="0"/>
+                <a:cs typeface="Times New Roman" panose="02020603050405020304" pitchFamily="18" charset="0"/>
+              </a:rPr>
+              <a:t>cargo</a:t>
+            </a:r>
+            <a:r>
+              <a:rPr lang="uk-UA" sz="1100" dirty="0">
+                <a:solidFill>
+                  <a:schemeClr val="bg1"/>
+                </a:solidFill>
+                <a:effectLst/>
+                <a:ea typeface="Calibri" panose="020F0502020204030204" pitchFamily="34" charset="0"/>
+                <a:cs typeface="Times New Roman" panose="02020603050405020304" pitchFamily="18" charset="0"/>
+              </a:rPr>
+              <a:t> </a:t>
+            </a:r>
+            <a:r>
+              <a:rPr lang="uk-UA" sz="1100" dirty="0" err="1">
+                <a:solidFill>
+                  <a:schemeClr val="bg1"/>
+                </a:solidFill>
+                <a:effectLst/>
+                <a:ea typeface="Calibri" panose="020F0502020204030204" pitchFamily="34" charset="0"/>
+                <a:cs typeface="Times New Roman" panose="02020603050405020304" pitchFamily="18" charset="0"/>
+              </a:rPr>
+              <a:t>init</a:t>
+            </a:r>
+            <a:r>
+              <a:rPr lang="uk-UA" sz="1100" dirty="0">
+                <a:solidFill>
+                  <a:schemeClr val="bg1"/>
+                </a:solidFill>
+                <a:effectLst/>
+                <a:ea typeface="Calibri" panose="020F0502020204030204" pitchFamily="34" charset="0"/>
+                <a:cs typeface="Times New Roman" panose="02020603050405020304" pitchFamily="18" charset="0"/>
+              </a:rPr>
+              <a:t> # </a:t>
+            </a:r>
+            <a:r>
+              <a:rPr lang="uk-UA" sz="1100" dirty="0" err="1">
+                <a:solidFill>
+                  <a:schemeClr val="bg1"/>
+                </a:solidFill>
+                <a:effectLst/>
+                <a:ea typeface="Calibri" panose="020F0502020204030204" pitchFamily="34" charset="0"/>
+                <a:cs typeface="Times New Roman" panose="02020603050405020304" pitchFamily="18" charset="0"/>
+              </a:rPr>
+              <a:t>ініціалізуємо</a:t>
+            </a:r>
+            <a:r>
+              <a:rPr lang="uk-UA" sz="1100" dirty="0">
+                <a:solidFill>
+                  <a:schemeClr val="bg1"/>
+                </a:solidFill>
+                <a:effectLst/>
+                <a:ea typeface="Calibri" panose="020F0502020204030204" pitchFamily="34" charset="0"/>
+                <a:cs typeface="Times New Roman" panose="02020603050405020304" pitchFamily="18" charset="0"/>
+              </a:rPr>
+              <a:t> в ній мінімальний проект</a:t>
+            </a:r>
+            <a:endParaRPr lang="ru-RU" sz="1100" dirty="0">
+              <a:solidFill>
+                <a:schemeClr val="bg1"/>
+              </a:solidFill>
+              <a:effectLst/>
+              <a:ea typeface="Calibri" panose="020F0502020204030204" pitchFamily="34" charset="0"/>
+              <a:cs typeface="Times New Roman" panose="02020603050405020304" pitchFamily="18" charset="0"/>
+            </a:endParaRPr>
+          </a:p>
+          <a:p>
+            <a:pPr algn="just"/>
+            <a:r>
+              <a:rPr lang="en-US" sz="1100" dirty="0">
+                <a:solidFill>
+                  <a:schemeClr val="bg1"/>
+                </a:solidFill>
+                <a:effectLst/>
+                <a:ea typeface="Calibri" panose="020F0502020204030204" pitchFamily="34" charset="0"/>
+                <a:cs typeface="Times New Roman" panose="02020603050405020304" pitchFamily="18" charset="0"/>
+              </a:rPr>
+              <a:t>&gt;</a:t>
+            </a:r>
+            <a:r>
+              <a:rPr lang="uk-UA" sz="1100" dirty="0" err="1">
+                <a:solidFill>
+                  <a:schemeClr val="bg1"/>
+                </a:solidFill>
+                <a:effectLst/>
+                <a:ea typeface="Calibri" panose="020F0502020204030204" pitchFamily="34" charset="0"/>
+                <a:cs typeface="Times New Roman" panose="02020603050405020304" pitchFamily="18" charset="0"/>
+              </a:rPr>
+              <a:t>code</a:t>
+            </a:r>
+            <a:r>
+              <a:rPr lang="uk-UA" sz="1100" dirty="0">
+                <a:solidFill>
+                  <a:schemeClr val="bg1"/>
+                </a:solidFill>
+                <a:effectLst/>
+                <a:ea typeface="Calibri" panose="020F0502020204030204" pitchFamily="34" charset="0"/>
+                <a:cs typeface="Times New Roman" panose="02020603050405020304" pitchFamily="18" charset="0"/>
+              </a:rPr>
+              <a:t>. ./src/main.rs # відкриваємо </a:t>
+            </a:r>
+            <a:r>
+              <a:rPr lang="uk-UA" sz="1100" dirty="0" err="1">
+                <a:solidFill>
+                  <a:schemeClr val="bg1"/>
+                </a:solidFill>
+                <a:effectLst/>
+                <a:ea typeface="Calibri" panose="020F0502020204030204" pitchFamily="34" charset="0"/>
+                <a:cs typeface="Times New Roman" panose="02020603050405020304" pitchFamily="18" charset="0"/>
+              </a:rPr>
+              <a:t>vscode</a:t>
+            </a:r>
+            <a:endParaRPr lang="ru-RU" sz="1100" dirty="0">
+              <a:solidFill>
+                <a:schemeClr val="bg1"/>
+              </a:solidFill>
+              <a:effectLst/>
+              <a:ea typeface="Calibri" panose="020F0502020204030204" pitchFamily="34" charset="0"/>
+              <a:cs typeface="Times New Roman" panose="02020603050405020304" pitchFamily="18" charset="0"/>
+            </a:endParaRPr>
+          </a:p>
+        </p:txBody>
+      </p:sp>
+      <p:sp>
+        <p:nvSpPr>
+          <p:cNvPr id="6" name="Shape 4"/>
+          <p:cNvSpPr/>
+          <p:nvPr/>
+        </p:nvSpPr>
+        <p:spPr>
+          <a:xfrm>
+            <a:off x="457200" y="4411980"/>
+            <a:ext cx="8229600" cy="457200"/>
+          </a:xfrm>
+          <a:prstGeom prst="rect">
+            <a:avLst/>
+          </a:prstGeom>
+          <a:solidFill>
+            <a:srgbClr val="3E2723"/>
+          </a:solidFill>
+          <a:ln/>
+        </p:spPr>
+        <p:txBody>
+          <a:bodyPr/>
+          <a:lstStyle/>
+          <a:p>
+            <a:endParaRPr lang="ru-RU" dirty="0"/>
+          </a:p>
+        </p:txBody>
+      </p:sp>
+      <p:sp>
+        <p:nvSpPr>
+          <p:cNvPr id="7" name="Text 5"/>
+          <p:cNvSpPr/>
+          <p:nvPr/>
+        </p:nvSpPr>
+        <p:spPr>
+          <a:xfrm>
+            <a:off x="548640" y="4503420"/>
+            <a:ext cx="8046720" cy="274320"/>
+          </a:xfrm>
+          <a:prstGeom prst="rect">
+            <a:avLst/>
+          </a:prstGeom>
+          <a:noFill/>
+          <a:ln/>
+        </p:spPr>
+        <p:txBody>
+          <a:bodyPr wrap="square" rtlCol="0" anchor="ctr"/>
+          <a:lstStyle/>
+          <a:p>
+            <a:pPr marL="0" indent="0">
+              <a:buNone/>
+            </a:pPr>
+            <a:r>
+              <a:rPr lang="en-US" sz="1100" b="1" dirty="0">
+                <a:solidFill>
+                  <a:srgbClr val="D4D4D4"/>
+                </a:solidFill>
+              </a:rPr>
+              <a:t>⚠️ </a:t>
+            </a:r>
+            <a:r>
+              <a:rPr lang="uk-UA" sz="1100" b="1" dirty="0">
+                <a:solidFill>
+                  <a:srgbClr val="D4D4D4"/>
+                </a:solidFill>
+              </a:rPr>
+              <a:t>Відкриється </a:t>
+            </a:r>
+            <a:r>
+              <a:rPr lang="en-US" sz="1100" b="1" dirty="0">
+                <a:solidFill>
+                  <a:srgbClr val="D4D4D4"/>
+                </a:solidFill>
+              </a:rPr>
+              <a:t>Visual Code </a:t>
+            </a:r>
+            <a:r>
+              <a:rPr lang="uk-UA" sz="1100" b="1" dirty="0">
+                <a:solidFill>
+                  <a:srgbClr val="D4D4D4"/>
+                </a:solidFill>
+              </a:rPr>
+              <a:t>із </a:t>
+            </a:r>
+            <a:r>
+              <a:rPr lang="uk-UA" sz="1100" b="1" dirty="0" err="1">
+                <a:solidFill>
+                  <a:srgbClr val="D4D4D4"/>
+                </a:solidFill>
+              </a:rPr>
+              <a:t>проєктом</a:t>
+            </a:r>
+            <a:r>
+              <a:rPr lang="en-US" sz="1100" b="1" dirty="0">
+                <a:solidFill>
+                  <a:srgbClr val="D4D4D4"/>
+                </a:solidFill>
+              </a:rPr>
+              <a:t>!</a:t>
+            </a:r>
+            <a:endParaRPr lang="en-US" sz="1100" dirty="0"/>
+          </a:p>
+        </p:txBody>
+      </p:sp>
+    </p:spTree>
+    <p:extLst>
+      <p:ext uri="{BB962C8B-B14F-4D97-AF65-F5344CB8AC3E}">
+        <p14:creationId xmlns:p14="http://schemas.microsoft.com/office/powerpoint/2010/main" val="215434032"/>
+      </p:ext>
+    </p:extLst>
+  </p:cSld>
+  <p:clrMapOvr>
+    <a:masterClrMapping/>
+  </p:clrMapOvr>
+</p:sld>
+</file>
+
+<file path=ppt/slides/slide12.xml><?xml version="1.0" encoding="utf-8"?>
+<p:sld xmlns:a="http://schemas.openxmlformats.org/drawingml/2006/main" xmlns:r="http://schemas.openxmlformats.org/officeDocument/2006/relationships" xmlns:p="http://schemas.openxmlformats.org/presentationml/2006/main">
   <p:cSld name="Slide 11">
     <p:bg>
       <p:bgPr>
@@ -4797,7 +6177,7 @@
 </p:sld>
 </file>
 
-<file path=ppt/slides/slide12.xml><?xml version="1.0" encoding="utf-8"?>
+<file path=ppt/slides/slide13.xml><?xml version="1.0" encoding="utf-8"?>
 <p:sld xmlns:a="http://schemas.openxmlformats.org/drawingml/2006/main" xmlns:r="http://schemas.openxmlformats.org/officeDocument/2006/relationships" xmlns:p="http://schemas.openxmlformats.org/presentationml/2006/main">
   <p:cSld name="Slide 12">
     <p:bg>
@@ -5237,7 +6617,7 @@
 </p:sld>
 </file>
 
-<file path=ppt/slides/slide13.xml><?xml version="1.0" encoding="utf-8"?>
+<file path=ppt/slides/slide14.xml><?xml version="1.0" encoding="utf-8"?>
 <p:sld xmlns:a="http://schemas.openxmlformats.org/drawingml/2006/main" xmlns:r="http://schemas.openxmlformats.org/officeDocument/2006/relationships" xmlns:p="http://schemas.openxmlformats.org/presentationml/2006/main">
   <p:cSld name="Slide 13">
     <p:bg>
@@ -5490,7 +6870,7 @@
 </p:sld>
 </file>
 
-<file path=ppt/slides/slide14.xml><?xml version="1.0" encoding="utf-8"?>
+<file path=ppt/slides/slide15.xml><?xml version="1.0" encoding="utf-8"?>
 <p:sld xmlns:a="http://schemas.openxmlformats.org/drawingml/2006/main" xmlns:r="http://schemas.openxmlformats.org/officeDocument/2006/relationships" xmlns:p="http://schemas.openxmlformats.org/presentationml/2006/main">
   <p:cSld name="Slide 14">
     <p:bg>
@@ -5787,7 +7167,7 @@
 </p:sld>
 </file>
 
-<file path=ppt/slides/slide15.xml><?xml version="1.0" encoding="utf-8"?>
+<file path=ppt/slides/slide16.xml><?xml version="1.0" encoding="utf-8"?>
 <p:sld xmlns:a="http://schemas.openxmlformats.org/drawingml/2006/main" xmlns:r="http://schemas.openxmlformats.org/officeDocument/2006/relationships" xmlns:p="http://schemas.openxmlformats.org/presentationml/2006/main">
   <p:cSld name="Slide 15">
     <p:bg>
@@ -6515,7 +7895,7 @@
 </p:sld>
 </file>
 
-<file path=ppt/slides/slide16.xml><?xml version="1.0" encoding="utf-8"?>
+<file path=ppt/slides/slide17.xml><?xml version="1.0" encoding="utf-8"?>
 <p:sld xmlns:a="http://schemas.openxmlformats.org/drawingml/2006/main" xmlns:r="http://schemas.openxmlformats.org/officeDocument/2006/relationships" xmlns:p="http://schemas.openxmlformats.org/presentationml/2006/main">
   <p:cSld name="Slide 16">
     <p:bg>
@@ -6882,7 +8262,7 @@
 </p:sld>
 </file>
 
-<file path=ppt/slides/slide17.xml><?xml version="1.0" encoding="utf-8"?>
+<file path=ppt/slides/slide18.xml><?xml version="1.0" encoding="utf-8"?>
 <p:sld xmlns:a="http://schemas.openxmlformats.org/drawingml/2006/main" xmlns:r="http://schemas.openxmlformats.org/officeDocument/2006/relationships" xmlns:p="http://schemas.openxmlformats.org/presentationml/2006/main">
   <p:cSld name="Slide 17">
     <p:bg>
@@ -7223,7 +8603,7 @@
 </p:sld>
 </file>
 
-<file path=ppt/slides/slide18.xml><?xml version="1.0" encoding="utf-8"?>
+<file path=ppt/slides/slide19.xml><?xml version="1.0" encoding="utf-8"?>
 <p:sld xmlns:a="http://schemas.openxmlformats.org/drawingml/2006/main" xmlns:r="http://schemas.openxmlformats.org/officeDocument/2006/relationships" xmlns:p="http://schemas.openxmlformats.org/presentationml/2006/main">
   <p:cSld name="Slide 18">
     <p:bg>
@@ -7675,339 +9055,6 @@
                 </a:solidFill>
               </a:rPr>
               <a:t>Навіщо? Запобігає випадковим змінам • Код легше читати • Краща оптимізація</a:t>
-            </a:r>
-            <a:endParaRPr lang="en-US" sz="1000" dirty="0"/>
-          </a:p>
-        </p:txBody>
-      </p:sp>
-    </p:spTree>
-  </p:cSld>
-  <p:clrMapOvr>
-    <a:masterClrMapping/>
-  </p:clrMapOvr>
-</p:sld>
-</file>
-
-<file path=ppt/slides/slide19.xml><?xml version="1.0" encoding="utf-8"?>
-<p:sld xmlns:a="http://schemas.openxmlformats.org/drawingml/2006/main" xmlns:r="http://schemas.openxmlformats.org/officeDocument/2006/relationships" xmlns:p="http://schemas.openxmlformats.org/presentationml/2006/main">
-  <p:cSld name="Slide 19">
-    <p:bg>
-      <p:bgPr>
-        <a:solidFill>
-          <a:srgbClr val="1E1E1E"/>
-        </a:solidFill>
-        <a:effectLst/>
-      </p:bgPr>
-    </p:bg>
-    <p:spTree>
-      <p:nvGrpSpPr>
-        <p:cNvPr id="1" name=""/>
-        <p:cNvGrpSpPr/>
-        <p:nvPr/>
-      </p:nvGrpSpPr>
-      <p:grpSpPr>
-        <a:xfrm>
-          <a:off x="0" y="0"/>
-          <a:ext cx="0" cy="0"/>
-          <a:chOff x="0" y="0"/>
-          <a:chExt cx="0" cy="0"/>
-        </a:xfrm>
-      </p:grpSpPr>
-      <p:sp>
-        <p:nvSpPr>
-          <p:cNvPr id="2" name="Text 0"/>
-          <p:cNvSpPr/>
-          <p:nvPr/>
-        </p:nvSpPr>
-        <p:spPr>
-          <a:xfrm>
-            <a:off x="457200" y="274320"/>
-            <a:ext cx="8229600" cy="457200"/>
-          </a:xfrm>
-          <a:prstGeom prst="rect">
-            <a:avLst/>
-          </a:prstGeom>
-          <a:noFill/>
-          <a:ln/>
-        </p:spPr>
-        <p:txBody>
-          <a:bodyPr wrap="square" rtlCol="0" anchor="ctr"/>
-          <a:lstStyle/>
-          <a:p>
-            <a:pPr marL="0" indent="0">
-              <a:buNone/>
-            </a:pPr>
-            <a:r>
-              <a:rPr lang="en-US" sz="3200" b="1" dirty="0">
-                <a:solidFill>
-                  <a:srgbClr val="CE422B"/>
-                </a:solidFill>
-              </a:rPr>
-              <a:t>Імена змінних</a:t>
-            </a:r>
-            <a:endParaRPr lang="en-US" sz="3200" dirty="0"/>
-          </a:p>
-        </p:txBody>
-      </p:sp>
-      <p:sp>
-        <p:nvSpPr>
-          <p:cNvPr id="3" name="Text 1"/>
-          <p:cNvSpPr/>
-          <p:nvPr/>
-        </p:nvSpPr>
-        <p:spPr>
-          <a:xfrm>
-            <a:off x="457200" y="822960"/>
-            <a:ext cx="8229600" cy="914400"/>
-          </a:xfrm>
-          <a:prstGeom prst="rect">
-            <a:avLst/>
-          </a:prstGeom>
-          <a:noFill/>
-          <a:ln/>
-        </p:spPr>
-        <p:txBody>
-          <a:bodyPr wrap="square" rtlCol="0" anchor="ctr"/>
-          <a:lstStyle/>
-          <a:p>
-            <a:pPr marL="0" indent="0">
-              <a:buNone/>
-            </a:pPr>
-            <a:r>
-              <a:rPr lang="en-US" sz="1100" dirty="0">
-                <a:solidFill>
-                  <a:srgbClr val="D4D4D4"/>
-                </a:solidFill>
-              </a:rPr>
-              <a:t>• Починаються з букви або _</a:t>
-            </a:r>
-            <a:endParaRPr lang="en-US" sz="1100" dirty="0"/>
-          </a:p>
-          <a:p>
-            <a:pPr marL="0" indent="0">
-              <a:buNone/>
-            </a:pPr>
-            <a:r>
-              <a:rPr lang="en-US" sz="1100" dirty="0">
-                <a:solidFill>
-                  <a:srgbClr val="D4D4D4"/>
-                </a:solidFill>
-              </a:rPr>
-              <a:t>• Містять букви, цифри, _</a:t>
-            </a:r>
-            <a:endParaRPr lang="en-US" sz="1100" dirty="0"/>
-          </a:p>
-          <a:p>
-            <a:pPr marL="0" indent="0">
-              <a:buNone/>
-            </a:pPr>
-            <a:r>
-              <a:rPr lang="en-US" sz="1100" dirty="0">
-                <a:solidFill>
-                  <a:srgbClr val="D4D4D4"/>
-                </a:solidFill>
-              </a:rPr>
-              <a:t>• Регістр важливий (x ≠ X)</a:t>
-            </a:r>
-            <a:endParaRPr lang="en-US" sz="1100" dirty="0"/>
-          </a:p>
-          <a:p>
-            <a:pPr marL="0" indent="0">
-              <a:buNone/>
-            </a:pPr>
-            <a:r>
-              <a:rPr lang="en-US" sz="1100" dirty="0">
-                <a:solidFill>
-                  <a:srgbClr val="D4D4D4"/>
-                </a:solidFill>
-              </a:rPr>
-              <a:t>• Не можуть бути зарезервованими словами</a:t>
-            </a:r>
-            <a:endParaRPr lang="en-US" sz="1100" dirty="0"/>
-          </a:p>
-        </p:txBody>
-      </p:sp>
-      <p:sp>
-        <p:nvSpPr>
-          <p:cNvPr id="4" name="Shape 2"/>
-          <p:cNvSpPr/>
-          <p:nvPr/>
-        </p:nvSpPr>
-        <p:spPr>
-          <a:xfrm>
-            <a:off x="457200" y="1828800"/>
-            <a:ext cx="8229600" cy="1371600"/>
-          </a:xfrm>
-          <a:prstGeom prst="rect">
-            <a:avLst/>
-          </a:prstGeom>
-          <a:solidFill>
-            <a:srgbClr val="0D3B2E"/>
-          </a:solidFill>
-          <a:ln/>
-        </p:spPr>
-      </p:sp>
-      <p:sp>
-        <p:nvSpPr>
-          <p:cNvPr id="5" name="Text 3"/>
-          <p:cNvSpPr/>
-          <p:nvPr/>
-        </p:nvSpPr>
-        <p:spPr>
-          <a:xfrm>
-            <a:off x="548640" y="1874520"/>
-            <a:ext cx="8046720" cy="1280160"/>
-          </a:xfrm>
-          <a:prstGeom prst="rect">
-            <a:avLst/>
-          </a:prstGeom>
-          <a:noFill/>
-          <a:ln/>
-        </p:spPr>
-        <p:txBody>
-          <a:bodyPr wrap="square" rtlCol="0" anchor="ctr"/>
-          <a:lstStyle/>
-          <a:p>
-            <a:pPr marL="0" indent="0">
-              <a:buNone/>
-            </a:pPr>
-            <a:r>
-              <a:rPr lang="en-US" sz="900" dirty="0">
-                <a:solidFill>
-                  <a:srgbClr val="D4D4D4"/>
-                </a:solidFill>
-                <a:latin typeface="Courier New" pitchFamily="34" charset="0"/>
-                <a:ea typeface="Courier New" pitchFamily="34" charset="-122"/>
-                <a:cs typeface="Courier New" pitchFamily="34" charset="-120"/>
-              </a:rPr>
-              <a:t>// Правильні</a:t>
-            </a:r>
-            <a:endParaRPr lang="en-US" sz="900" dirty="0"/>
-          </a:p>
-          <a:p>
-            <a:pPr marL="0" indent="0">
-              <a:buNone/>
-            </a:pPr>
-            <a:r>
-              <a:rPr lang="en-US" sz="900" dirty="0">
-                <a:solidFill>
-                  <a:srgbClr val="D4D4D4"/>
-                </a:solidFill>
-                <a:latin typeface="Courier New" pitchFamily="34" charset="0"/>
-                <a:ea typeface="Courier New" pitchFamily="34" charset="-122"/>
-                <a:cs typeface="Courier New" pitchFamily="34" charset="-120"/>
-              </a:rPr>
-              <a:t>let age = 25;</a:t>
-            </a:r>
-            <a:endParaRPr lang="en-US" sz="900" dirty="0"/>
-          </a:p>
-          <a:p>
-            <a:pPr marL="0" indent="0">
-              <a:buNone/>
-            </a:pPr>
-            <a:r>
-              <a:rPr lang="en-US" sz="900" dirty="0">
-                <a:solidFill>
-                  <a:srgbClr val="D4D4D4"/>
-                </a:solidFill>
-                <a:latin typeface="Courier New" pitchFamily="34" charset="0"/>
-                <a:ea typeface="Courier New" pitchFamily="34" charset="-122"/>
-                <a:cs typeface="Courier New" pitchFamily="34" charset="-120"/>
-              </a:rPr>
-              <a:t>let user_name = "Олексій";</a:t>
-            </a:r>
-            <a:endParaRPr lang="en-US" sz="900" dirty="0"/>
-          </a:p>
-          <a:p>
-            <a:pPr marL="0" indent="0">
-              <a:buNone/>
-            </a:pPr>
-            <a:endParaRPr lang="en-US" sz="900" dirty="0"/>
-          </a:p>
-          <a:p>
-            <a:pPr marL="0" indent="0">
-              <a:buNone/>
-            </a:pPr>
-            <a:r>
-              <a:rPr lang="en-US" sz="900" dirty="0">
-                <a:solidFill>
-                  <a:srgbClr val="D4D4D4"/>
-                </a:solidFill>
-                <a:latin typeface="Courier New" pitchFamily="34" charset="0"/>
-                <a:ea typeface="Courier New" pitchFamily="34" charset="-122"/>
-                <a:cs typeface="Courier New" pitchFamily="34" charset="-120"/>
-              </a:rPr>
-              <a:t>// Неправильні</a:t>
-            </a:r>
-            <a:endParaRPr lang="en-US" sz="900" dirty="0"/>
-          </a:p>
-          <a:p>
-            <a:pPr marL="0" indent="0">
-              <a:buNone/>
-            </a:pPr>
-            <a:r>
-              <a:rPr lang="en-US" sz="900" dirty="0">
-                <a:solidFill>
-                  <a:srgbClr val="D4D4D4"/>
-                </a:solidFill>
-                <a:latin typeface="Courier New" pitchFamily="34" charset="0"/>
-                <a:ea typeface="Courier New" pitchFamily="34" charset="-122"/>
-                <a:cs typeface="Courier New" pitchFamily="34" charset="-120"/>
-              </a:rPr>
-              <a:t>// let 2point = 5;  // цифра</a:t>
-            </a:r>
-            <a:endParaRPr lang="en-US" sz="900" dirty="0"/>
-          </a:p>
-          <a:p>
-            <a:pPr marL="0" indent="0">
-              <a:buNone/>
-            </a:pPr>
-            <a:r>
-              <a:rPr lang="en-US" sz="900" dirty="0">
-                <a:solidFill>
-                  <a:srgbClr val="D4D4D4"/>
-                </a:solidFill>
-                <a:latin typeface="Courier New" pitchFamily="34" charset="0"/>
-                <a:ea typeface="Courier New" pitchFamily="34" charset="-122"/>
-                <a:cs typeface="Courier New" pitchFamily="34" charset="-120"/>
-              </a:rPr>
-              <a:t>// let fn = 5;      // зарезервоване</a:t>
-            </a:r>
-            <a:endParaRPr lang="en-US" sz="900" dirty="0"/>
-          </a:p>
-        </p:txBody>
-      </p:sp>
-      <p:sp>
-        <p:nvSpPr>
-          <p:cNvPr id="6" name="Text 4"/>
-          <p:cNvSpPr/>
-          <p:nvPr/>
-        </p:nvSpPr>
-        <p:spPr>
-          <a:xfrm>
-            <a:off x="457200" y="3337560"/>
-            <a:ext cx="8229600" cy="274320"/>
-          </a:xfrm>
-          <a:prstGeom prst="rect">
-            <a:avLst/>
-          </a:prstGeom>
-          <a:noFill/>
-          <a:ln/>
-        </p:spPr>
-        <p:txBody>
-          <a:bodyPr wrap="square" rtlCol="0" anchor="ctr"/>
-          <a:lstStyle/>
-          <a:p>
-            <a:pPr marL="0" indent="0">
-              <a:buNone/>
-            </a:pPr>
-            <a:r>
-              <a:rPr lang="en-US" sz="1000" dirty="0">
-                <a:solidFill>
-                  <a:srgbClr val="808080"/>
-                </a:solidFill>
-              </a:rPr>
-              <a:t>Хороший тон: snake_case (user_name), зрозумілі імена (age, не a)</a:t>
             </a:r>
             <a:endParaRPr lang="en-US" sz="1000" dirty="0"/>
           </a:p>
@@ -8250,6 +9297,339 @@
 
 <file path=ppt/slides/slide20.xml><?xml version="1.0" encoding="utf-8"?>
 <p:sld xmlns:a="http://schemas.openxmlformats.org/drawingml/2006/main" xmlns:r="http://schemas.openxmlformats.org/officeDocument/2006/relationships" xmlns:p="http://schemas.openxmlformats.org/presentationml/2006/main">
+  <p:cSld name="Slide 19">
+    <p:bg>
+      <p:bgPr>
+        <a:solidFill>
+          <a:srgbClr val="1E1E1E"/>
+        </a:solidFill>
+        <a:effectLst/>
+      </p:bgPr>
+    </p:bg>
+    <p:spTree>
+      <p:nvGrpSpPr>
+        <p:cNvPr id="1" name=""/>
+        <p:cNvGrpSpPr/>
+        <p:nvPr/>
+      </p:nvGrpSpPr>
+      <p:grpSpPr>
+        <a:xfrm>
+          <a:off x="0" y="0"/>
+          <a:ext cx="0" cy="0"/>
+          <a:chOff x="0" y="0"/>
+          <a:chExt cx="0" cy="0"/>
+        </a:xfrm>
+      </p:grpSpPr>
+      <p:sp>
+        <p:nvSpPr>
+          <p:cNvPr id="2" name="Text 0"/>
+          <p:cNvSpPr/>
+          <p:nvPr/>
+        </p:nvSpPr>
+        <p:spPr>
+          <a:xfrm>
+            <a:off x="457200" y="274320"/>
+            <a:ext cx="8229600" cy="457200"/>
+          </a:xfrm>
+          <a:prstGeom prst="rect">
+            <a:avLst/>
+          </a:prstGeom>
+          <a:noFill/>
+          <a:ln/>
+        </p:spPr>
+        <p:txBody>
+          <a:bodyPr wrap="square" rtlCol="0" anchor="ctr"/>
+          <a:lstStyle/>
+          <a:p>
+            <a:pPr marL="0" indent="0">
+              <a:buNone/>
+            </a:pPr>
+            <a:r>
+              <a:rPr lang="en-US" sz="3200" b="1" dirty="0">
+                <a:solidFill>
+                  <a:srgbClr val="CE422B"/>
+                </a:solidFill>
+              </a:rPr>
+              <a:t>Імена змінних</a:t>
+            </a:r>
+            <a:endParaRPr lang="en-US" sz="3200" dirty="0"/>
+          </a:p>
+        </p:txBody>
+      </p:sp>
+      <p:sp>
+        <p:nvSpPr>
+          <p:cNvPr id="3" name="Text 1"/>
+          <p:cNvSpPr/>
+          <p:nvPr/>
+        </p:nvSpPr>
+        <p:spPr>
+          <a:xfrm>
+            <a:off x="457200" y="822960"/>
+            <a:ext cx="8229600" cy="914400"/>
+          </a:xfrm>
+          <a:prstGeom prst="rect">
+            <a:avLst/>
+          </a:prstGeom>
+          <a:noFill/>
+          <a:ln/>
+        </p:spPr>
+        <p:txBody>
+          <a:bodyPr wrap="square" rtlCol="0" anchor="ctr"/>
+          <a:lstStyle/>
+          <a:p>
+            <a:pPr marL="0" indent="0">
+              <a:buNone/>
+            </a:pPr>
+            <a:r>
+              <a:rPr lang="en-US" sz="1100" dirty="0">
+                <a:solidFill>
+                  <a:srgbClr val="D4D4D4"/>
+                </a:solidFill>
+              </a:rPr>
+              <a:t>• Починаються з букви або _</a:t>
+            </a:r>
+            <a:endParaRPr lang="en-US" sz="1100" dirty="0"/>
+          </a:p>
+          <a:p>
+            <a:pPr marL="0" indent="0">
+              <a:buNone/>
+            </a:pPr>
+            <a:r>
+              <a:rPr lang="en-US" sz="1100" dirty="0">
+                <a:solidFill>
+                  <a:srgbClr val="D4D4D4"/>
+                </a:solidFill>
+              </a:rPr>
+              <a:t>• Містять букви, цифри, _</a:t>
+            </a:r>
+            <a:endParaRPr lang="en-US" sz="1100" dirty="0"/>
+          </a:p>
+          <a:p>
+            <a:pPr marL="0" indent="0">
+              <a:buNone/>
+            </a:pPr>
+            <a:r>
+              <a:rPr lang="en-US" sz="1100" dirty="0">
+                <a:solidFill>
+                  <a:srgbClr val="D4D4D4"/>
+                </a:solidFill>
+              </a:rPr>
+              <a:t>• Регістр важливий (x ≠ X)</a:t>
+            </a:r>
+            <a:endParaRPr lang="en-US" sz="1100" dirty="0"/>
+          </a:p>
+          <a:p>
+            <a:pPr marL="0" indent="0">
+              <a:buNone/>
+            </a:pPr>
+            <a:r>
+              <a:rPr lang="en-US" sz="1100" dirty="0">
+                <a:solidFill>
+                  <a:srgbClr val="D4D4D4"/>
+                </a:solidFill>
+              </a:rPr>
+              <a:t>• Не можуть бути зарезервованими словами</a:t>
+            </a:r>
+            <a:endParaRPr lang="en-US" sz="1100" dirty="0"/>
+          </a:p>
+        </p:txBody>
+      </p:sp>
+      <p:sp>
+        <p:nvSpPr>
+          <p:cNvPr id="4" name="Shape 2"/>
+          <p:cNvSpPr/>
+          <p:nvPr/>
+        </p:nvSpPr>
+        <p:spPr>
+          <a:xfrm>
+            <a:off x="457200" y="1828800"/>
+            <a:ext cx="8229600" cy="1371600"/>
+          </a:xfrm>
+          <a:prstGeom prst="rect">
+            <a:avLst/>
+          </a:prstGeom>
+          <a:solidFill>
+            <a:srgbClr val="0D3B2E"/>
+          </a:solidFill>
+          <a:ln/>
+        </p:spPr>
+      </p:sp>
+      <p:sp>
+        <p:nvSpPr>
+          <p:cNvPr id="5" name="Text 3"/>
+          <p:cNvSpPr/>
+          <p:nvPr/>
+        </p:nvSpPr>
+        <p:spPr>
+          <a:xfrm>
+            <a:off x="548640" y="1874520"/>
+            <a:ext cx="8046720" cy="1280160"/>
+          </a:xfrm>
+          <a:prstGeom prst="rect">
+            <a:avLst/>
+          </a:prstGeom>
+          <a:noFill/>
+          <a:ln/>
+        </p:spPr>
+        <p:txBody>
+          <a:bodyPr wrap="square" rtlCol="0" anchor="ctr"/>
+          <a:lstStyle/>
+          <a:p>
+            <a:pPr marL="0" indent="0">
+              <a:buNone/>
+            </a:pPr>
+            <a:r>
+              <a:rPr lang="en-US" sz="900" dirty="0">
+                <a:solidFill>
+                  <a:srgbClr val="D4D4D4"/>
+                </a:solidFill>
+                <a:latin typeface="Courier New" pitchFamily="34" charset="0"/>
+                <a:ea typeface="Courier New" pitchFamily="34" charset="-122"/>
+                <a:cs typeface="Courier New" pitchFamily="34" charset="-120"/>
+              </a:rPr>
+              <a:t>// Правильні</a:t>
+            </a:r>
+            <a:endParaRPr lang="en-US" sz="900" dirty="0"/>
+          </a:p>
+          <a:p>
+            <a:pPr marL="0" indent="0">
+              <a:buNone/>
+            </a:pPr>
+            <a:r>
+              <a:rPr lang="en-US" sz="900" dirty="0">
+                <a:solidFill>
+                  <a:srgbClr val="D4D4D4"/>
+                </a:solidFill>
+                <a:latin typeface="Courier New" pitchFamily="34" charset="0"/>
+                <a:ea typeface="Courier New" pitchFamily="34" charset="-122"/>
+                <a:cs typeface="Courier New" pitchFamily="34" charset="-120"/>
+              </a:rPr>
+              <a:t>let age = 25;</a:t>
+            </a:r>
+            <a:endParaRPr lang="en-US" sz="900" dirty="0"/>
+          </a:p>
+          <a:p>
+            <a:pPr marL="0" indent="0">
+              <a:buNone/>
+            </a:pPr>
+            <a:r>
+              <a:rPr lang="en-US" sz="900" dirty="0">
+                <a:solidFill>
+                  <a:srgbClr val="D4D4D4"/>
+                </a:solidFill>
+                <a:latin typeface="Courier New" pitchFamily="34" charset="0"/>
+                <a:ea typeface="Courier New" pitchFamily="34" charset="-122"/>
+                <a:cs typeface="Courier New" pitchFamily="34" charset="-120"/>
+              </a:rPr>
+              <a:t>let user_name = "Олексій";</a:t>
+            </a:r>
+            <a:endParaRPr lang="en-US" sz="900" dirty="0"/>
+          </a:p>
+          <a:p>
+            <a:pPr marL="0" indent="0">
+              <a:buNone/>
+            </a:pPr>
+            <a:endParaRPr lang="en-US" sz="900" dirty="0"/>
+          </a:p>
+          <a:p>
+            <a:pPr marL="0" indent="0">
+              <a:buNone/>
+            </a:pPr>
+            <a:r>
+              <a:rPr lang="en-US" sz="900" dirty="0">
+                <a:solidFill>
+                  <a:srgbClr val="D4D4D4"/>
+                </a:solidFill>
+                <a:latin typeface="Courier New" pitchFamily="34" charset="0"/>
+                <a:ea typeface="Courier New" pitchFamily="34" charset="-122"/>
+                <a:cs typeface="Courier New" pitchFamily="34" charset="-120"/>
+              </a:rPr>
+              <a:t>// Неправильні</a:t>
+            </a:r>
+            <a:endParaRPr lang="en-US" sz="900" dirty="0"/>
+          </a:p>
+          <a:p>
+            <a:pPr marL="0" indent="0">
+              <a:buNone/>
+            </a:pPr>
+            <a:r>
+              <a:rPr lang="en-US" sz="900" dirty="0">
+                <a:solidFill>
+                  <a:srgbClr val="D4D4D4"/>
+                </a:solidFill>
+                <a:latin typeface="Courier New" pitchFamily="34" charset="0"/>
+                <a:ea typeface="Courier New" pitchFamily="34" charset="-122"/>
+                <a:cs typeface="Courier New" pitchFamily="34" charset="-120"/>
+              </a:rPr>
+              <a:t>// let 2point = 5;  // цифра</a:t>
+            </a:r>
+            <a:endParaRPr lang="en-US" sz="900" dirty="0"/>
+          </a:p>
+          <a:p>
+            <a:pPr marL="0" indent="0">
+              <a:buNone/>
+            </a:pPr>
+            <a:r>
+              <a:rPr lang="en-US" sz="900" dirty="0">
+                <a:solidFill>
+                  <a:srgbClr val="D4D4D4"/>
+                </a:solidFill>
+                <a:latin typeface="Courier New" pitchFamily="34" charset="0"/>
+                <a:ea typeface="Courier New" pitchFamily="34" charset="-122"/>
+                <a:cs typeface="Courier New" pitchFamily="34" charset="-120"/>
+              </a:rPr>
+              <a:t>// let fn = 5;      // зарезервоване</a:t>
+            </a:r>
+            <a:endParaRPr lang="en-US" sz="900" dirty="0"/>
+          </a:p>
+        </p:txBody>
+      </p:sp>
+      <p:sp>
+        <p:nvSpPr>
+          <p:cNvPr id="6" name="Text 4"/>
+          <p:cNvSpPr/>
+          <p:nvPr/>
+        </p:nvSpPr>
+        <p:spPr>
+          <a:xfrm>
+            <a:off x="457200" y="3337560"/>
+            <a:ext cx="8229600" cy="274320"/>
+          </a:xfrm>
+          <a:prstGeom prst="rect">
+            <a:avLst/>
+          </a:prstGeom>
+          <a:noFill/>
+          <a:ln/>
+        </p:spPr>
+        <p:txBody>
+          <a:bodyPr wrap="square" rtlCol="0" anchor="ctr"/>
+          <a:lstStyle/>
+          <a:p>
+            <a:pPr marL="0" indent="0">
+              <a:buNone/>
+            </a:pPr>
+            <a:r>
+              <a:rPr lang="en-US" sz="1000" dirty="0">
+                <a:solidFill>
+                  <a:srgbClr val="808080"/>
+                </a:solidFill>
+              </a:rPr>
+              <a:t>Хороший тон: snake_case (user_name), зрозумілі імена (age, не a)</a:t>
+            </a:r>
+            <a:endParaRPr lang="en-US" sz="1000" dirty="0"/>
+          </a:p>
+        </p:txBody>
+      </p:sp>
+    </p:spTree>
+  </p:cSld>
+  <p:clrMapOvr>
+    <a:masterClrMapping/>
+  </p:clrMapOvr>
+</p:sld>
+</file>
+
+<file path=ppt/slides/slide21.xml><?xml version="1.0" encoding="utf-8"?>
+<p:sld xmlns:a="http://schemas.openxmlformats.org/drawingml/2006/main" xmlns:r="http://schemas.openxmlformats.org/officeDocument/2006/relationships" xmlns:p="http://schemas.openxmlformats.org/presentationml/2006/main">
   <p:cSld name="Slide 20">
     <p:bg>
       <p:bgPr>
@@ -8940,7 +10320,7 @@
 </p:sld>
 </file>
 
-<file path=ppt/slides/slide21.xml><?xml version="1.0" encoding="utf-8"?>
+<file path=ppt/slides/slide22.xml><?xml version="1.0" encoding="utf-8"?>
 <p:sld xmlns:a="http://schemas.openxmlformats.org/drawingml/2006/main" xmlns:r="http://schemas.openxmlformats.org/officeDocument/2006/relationships" xmlns:p="http://schemas.openxmlformats.org/presentationml/2006/main">
   <p:cSld name="Slide 21">
     <p:bg>
@@ -9238,7 +10618,7 @@
 </p:sld>
 </file>
 
-<file path=ppt/slides/slide22.xml><?xml version="1.0" encoding="utf-8"?>
+<file path=ppt/slides/slide23.xml><?xml version="1.0" encoding="utf-8"?>
 <p:sld xmlns:a="http://schemas.openxmlformats.org/drawingml/2006/main" xmlns:r="http://schemas.openxmlformats.org/officeDocument/2006/relationships" xmlns:p="http://schemas.openxmlformats.org/presentationml/2006/main">
   <p:cSld name="Slide 22">
     <p:bg>
@@ -9546,7 +10926,7 @@
 </p:sld>
 </file>
 
-<file path=ppt/slides/slide23.xml><?xml version="1.0" encoding="utf-8"?>
+<file path=ppt/slides/slide24.xml><?xml version="1.0" encoding="utf-8"?>
 <p:sld xmlns:a="http://schemas.openxmlformats.org/drawingml/2006/main" xmlns:r="http://schemas.openxmlformats.org/officeDocument/2006/relationships" xmlns:p="http://schemas.openxmlformats.org/presentationml/2006/main">
   <p:cSld name="Slide 23">
     <p:bg>
@@ -9877,7 +11257,7 @@
 </p:sld>
 </file>
 
-<file path=ppt/slides/slide24.xml><?xml version="1.0" encoding="utf-8"?>
+<file path=ppt/slides/slide25.xml><?xml version="1.0" encoding="utf-8"?>
 <p:sld xmlns:a="http://schemas.openxmlformats.org/drawingml/2006/main" xmlns:r="http://schemas.openxmlformats.org/officeDocument/2006/relationships" xmlns:p="http://schemas.openxmlformats.org/presentationml/2006/main">
   <p:cSld name="Slide 24">
     <p:bg>
@@ -10218,7 +11598,7 @@
 </p:sld>
 </file>
 
-<file path=ppt/slides/slide25.xml><?xml version="1.0" encoding="utf-8"?>
+<file path=ppt/slides/slide26.xml><?xml version="1.0" encoding="utf-8"?>
 <p:sld xmlns:a="http://schemas.openxmlformats.org/drawingml/2006/main" xmlns:r="http://schemas.openxmlformats.org/officeDocument/2006/relationships" xmlns:p="http://schemas.openxmlformats.org/presentationml/2006/main">
   <p:cSld name="Slide 25">
     <p:bg>
@@ -10577,7 +11957,7 @@
 </p:sld>
 </file>
 
-<file path=ppt/slides/slide26.xml><?xml version="1.0" encoding="utf-8"?>
+<file path=ppt/slides/slide27.xml><?xml version="1.0" encoding="utf-8"?>
 <p:sld xmlns:a="http://schemas.openxmlformats.org/drawingml/2006/main" xmlns:r="http://schemas.openxmlformats.org/officeDocument/2006/relationships" xmlns:p="http://schemas.openxmlformats.org/presentationml/2006/main">
   <p:cSld name="Slide 26">
     <p:bg>
@@ -11277,7 +12657,7 @@
 </p:sld>
 </file>
 
-<file path=ppt/slides/slide27.xml><?xml version="1.0" encoding="utf-8"?>
+<file path=ppt/slides/slide28.xml><?xml version="1.0" encoding="utf-8"?>
 <p:sld xmlns:a="http://schemas.openxmlformats.org/drawingml/2006/main" xmlns:r="http://schemas.openxmlformats.org/officeDocument/2006/relationships" xmlns:p="http://schemas.openxmlformats.org/presentationml/2006/main">
   <p:cSld name="Slide 27">
     <p:bg>
@@ -11587,7 +12967,7 @@
 </p:sld>
 </file>
 
-<file path=ppt/slides/slide28.xml><?xml version="1.0" encoding="utf-8"?>
+<file path=ppt/slides/slide29.xml><?xml version="1.0" encoding="utf-8"?>
 <p:sld xmlns:a="http://schemas.openxmlformats.org/drawingml/2006/main" xmlns:r="http://schemas.openxmlformats.org/officeDocument/2006/relationships" xmlns:p="http://schemas.openxmlformats.org/presentationml/2006/main">
   <p:cSld name="Slide 28">
     <p:bg>
@@ -11884,460 +13264,6 @@
                 <a:cs typeface="Courier New" pitchFamily="34" charset="-120"/>
               </a:rPr>
               <a:t>}</a:t>
-            </a:r>
-            <a:endParaRPr lang="en-US" sz="900" dirty="0"/>
-          </a:p>
-        </p:txBody>
-      </p:sp>
-    </p:spTree>
-  </p:cSld>
-  <p:clrMapOvr>
-    <a:masterClrMapping/>
-  </p:clrMapOvr>
-</p:sld>
-</file>
-
-<file path=ppt/slides/slide29.xml><?xml version="1.0" encoding="utf-8"?>
-<p:sld xmlns:a="http://schemas.openxmlformats.org/drawingml/2006/main" xmlns:r="http://schemas.openxmlformats.org/officeDocument/2006/relationships" xmlns:p="http://schemas.openxmlformats.org/presentationml/2006/main">
-  <p:cSld name="Slide 29">
-    <p:bg>
-      <p:bgPr>
-        <a:solidFill>
-          <a:srgbClr val="1E1E1E"/>
-        </a:solidFill>
-        <a:effectLst/>
-      </p:bgPr>
-    </p:bg>
-    <p:spTree>
-      <p:nvGrpSpPr>
-        <p:cNvPr id="1" name=""/>
-        <p:cNvGrpSpPr/>
-        <p:nvPr/>
-      </p:nvGrpSpPr>
-      <p:grpSpPr>
-        <a:xfrm>
-          <a:off x="0" y="0"/>
-          <a:ext cx="0" cy="0"/>
-          <a:chOff x="0" y="0"/>
-          <a:chExt cx="0" cy="0"/>
-        </a:xfrm>
-      </p:grpSpPr>
-      <p:sp>
-        <p:nvSpPr>
-          <p:cNvPr id="2" name="Text 0"/>
-          <p:cNvSpPr/>
-          <p:nvPr/>
-        </p:nvSpPr>
-        <p:spPr>
-          <a:xfrm>
-            <a:off x="457200" y="274320"/>
-            <a:ext cx="8229600" cy="457200"/>
-          </a:xfrm>
-          <a:prstGeom prst="rect">
-            <a:avLst/>
-          </a:prstGeom>
-          <a:noFill/>
-          <a:ln/>
-        </p:spPr>
-        <p:txBody>
-          <a:bodyPr wrap="square" rtlCol="0" anchor="ctr"/>
-          <a:lstStyle/>
-          <a:p>
-            <a:pPr marL="0" indent="0">
-              <a:buNone/>
-            </a:pPr>
-            <a:r>
-              <a:rPr lang="en-US" sz="3200" b="1" dirty="0">
-                <a:solidFill>
-                  <a:srgbClr val="CE422B"/>
-                </a:solidFill>
-              </a:rPr>
-              <a:t>Логічні операції</a:t>
-            </a:r>
-            <a:endParaRPr lang="en-US" sz="3200" dirty="0"/>
-          </a:p>
-        </p:txBody>
-      </p:sp>
-      <p:sp>
-        <p:nvSpPr>
-          <p:cNvPr id="3" name="Shape 1"/>
-          <p:cNvSpPr/>
-          <p:nvPr/>
-        </p:nvSpPr>
-        <p:spPr>
-          <a:xfrm>
-            <a:off x="457200" y="822960"/>
-            <a:ext cx="2651760" cy="914400"/>
-          </a:xfrm>
-          <a:prstGeom prst="rect">
-            <a:avLst/>
-          </a:prstGeom>
-          <a:solidFill>
-            <a:srgbClr val="252526"/>
-          </a:solidFill>
-          <a:ln/>
-        </p:spPr>
-      </p:sp>
-      <p:sp>
-        <p:nvSpPr>
-          <p:cNvPr id="4" name="Text 2"/>
-          <p:cNvSpPr/>
-          <p:nvPr/>
-        </p:nvSpPr>
-        <p:spPr>
-          <a:xfrm>
-            <a:off x="548640" y="914400"/>
-            <a:ext cx="2468880" cy="731520"/>
-          </a:xfrm>
-          <a:prstGeom prst="rect">
-            <a:avLst/>
-          </a:prstGeom>
-          <a:noFill/>
-          <a:ln/>
-        </p:spPr>
-        <p:txBody>
-          <a:bodyPr wrap="square" rtlCol="0" anchor="ctr"/>
-          <a:lstStyle/>
-          <a:p>
-            <a:pPr marL="0" indent="0">
-              <a:buNone/>
-            </a:pPr>
-            <a:r>
-              <a:rPr lang="en-US" sz="900" dirty="0">
-                <a:solidFill>
-                  <a:srgbClr val="D4D4D4"/>
-                </a:solidFill>
-              </a:rPr>
-              <a:t>&amp;&amp; — І</a:t>
-            </a:r>
-            <a:endParaRPr lang="en-US" sz="900" dirty="0"/>
-          </a:p>
-          <a:p>
-            <a:pPr marL="0" indent="0">
-              <a:buNone/>
-            </a:pPr>
-            <a:r>
-              <a:rPr lang="en-US" sz="900" dirty="0">
-                <a:solidFill>
-                  <a:srgbClr val="D4D4D4"/>
-                </a:solidFill>
-              </a:rPr>
-              <a:t>true &amp;&amp; true → true</a:t>
-            </a:r>
-            <a:endParaRPr lang="en-US" sz="900" dirty="0"/>
-          </a:p>
-          <a:p>
-            <a:pPr marL="0" indent="0">
-              <a:buNone/>
-            </a:pPr>
-            <a:r>
-              <a:rPr lang="en-US" sz="900" dirty="0">
-                <a:solidFill>
-                  <a:srgbClr val="D4D4D4"/>
-                </a:solidFill>
-              </a:rPr>
-              <a:t>інше → false</a:t>
-            </a:r>
-            <a:endParaRPr lang="en-US" sz="900" dirty="0"/>
-          </a:p>
-        </p:txBody>
-      </p:sp>
-      <p:sp>
-        <p:nvSpPr>
-          <p:cNvPr id="5" name="Shape 3"/>
-          <p:cNvSpPr/>
-          <p:nvPr/>
-        </p:nvSpPr>
-        <p:spPr>
-          <a:xfrm>
-            <a:off x="3246120" y="822960"/>
-            <a:ext cx="2651760" cy="914400"/>
-          </a:xfrm>
-          <a:prstGeom prst="rect">
-            <a:avLst/>
-          </a:prstGeom>
-          <a:solidFill>
-            <a:srgbClr val="252526"/>
-          </a:solidFill>
-          <a:ln/>
-        </p:spPr>
-      </p:sp>
-      <p:sp>
-        <p:nvSpPr>
-          <p:cNvPr id="6" name="Text 4"/>
-          <p:cNvSpPr/>
-          <p:nvPr/>
-        </p:nvSpPr>
-        <p:spPr>
-          <a:xfrm>
-            <a:off x="3337560" y="914400"/>
-            <a:ext cx="2468880" cy="731520"/>
-          </a:xfrm>
-          <a:prstGeom prst="rect">
-            <a:avLst/>
-          </a:prstGeom>
-          <a:noFill/>
-          <a:ln/>
-        </p:spPr>
-        <p:txBody>
-          <a:bodyPr wrap="square" rtlCol="0" anchor="ctr"/>
-          <a:lstStyle/>
-          <a:p>
-            <a:pPr marL="0" indent="0">
-              <a:buNone/>
-            </a:pPr>
-            <a:r>
-              <a:rPr lang="en-US" sz="900" dirty="0">
-                <a:solidFill>
-                  <a:srgbClr val="D4D4D4"/>
-                </a:solidFill>
-              </a:rPr>
-              <a:t>|| — АБО</a:t>
-            </a:r>
-            <a:endParaRPr lang="en-US" sz="900" dirty="0"/>
-          </a:p>
-          <a:p>
-            <a:pPr marL="0" indent="0">
-              <a:buNone/>
-            </a:pPr>
-            <a:r>
-              <a:rPr lang="en-US" sz="900" dirty="0">
-                <a:solidFill>
-                  <a:srgbClr val="D4D4D4"/>
-                </a:solidFill>
-              </a:rPr>
-              <a:t>false || false → false</a:t>
-            </a:r>
-            <a:endParaRPr lang="en-US" sz="900" dirty="0"/>
-          </a:p>
-          <a:p>
-            <a:pPr marL="0" indent="0">
-              <a:buNone/>
-            </a:pPr>
-            <a:r>
-              <a:rPr lang="en-US" sz="900" dirty="0">
-                <a:solidFill>
-                  <a:srgbClr val="D4D4D4"/>
-                </a:solidFill>
-              </a:rPr>
-              <a:t>інше → true</a:t>
-            </a:r>
-            <a:endParaRPr lang="en-US" sz="900" dirty="0"/>
-          </a:p>
-        </p:txBody>
-      </p:sp>
-      <p:sp>
-        <p:nvSpPr>
-          <p:cNvPr id="7" name="Shape 5"/>
-          <p:cNvSpPr/>
-          <p:nvPr/>
-        </p:nvSpPr>
-        <p:spPr>
-          <a:xfrm>
-            <a:off x="6035040" y="822960"/>
-            <a:ext cx="2651760" cy="914400"/>
-          </a:xfrm>
-          <a:prstGeom prst="rect">
-            <a:avLst/>
-          </a:prstGeom>
-          <a:solidFill>
-            <a:srgbClr val="252526"/>
-          </a:solidFill>
-          <a:ln/>
-        </p:spPr>
-      </p:sp>
-      <p:sp>
-        <p:nvSpPr>
-          <p:cNvPr id="8" name="Text 6"/>
-          <p:cNvSpPr/>
-          <p:nvPr/>
-        </p:nvSpPr>
-        <p:spPr>
-          <a:xfrm>
-            <a:off x="6126480" y="914400"/>
-            <a:ext cx="2468880" cy="731520"/>
-          </a:xfrm>
-          <a:prstGeom prst="rect">
-            <a:avLst/>
-          </a:prstGeom>
-          <a:noFill/>
-          <a:ln/>
-        </p:spPr>
-        <p:txBody>
-          <a:bodyPr wrap="square" rtlCol="0" anchor="ctr"/>
-          <a:lstStyle/>
-          <a:p>
-            <a:pPr marL="0" indent="0">
-              <a:buNone/>
-            </a:pPr>
-            <a:r>
-              <a:rPr lang="en-US" sz="900" dirty="0">
-                <a:solidFill>
-                  <a:srgbClr val="D4D4D4"/>
-                </a:solidFill>
-              </a:rPr>
-              <a:t>! — НЕ</a:t>
-            </a:r>
-            <a:endParaRPr lang="en-US" sz="900" dirty="0"/>
-          </a:p>
-          <a:p>
-            <a:pPr marL="0" indent="0">
-              <a:buNone/>
-            </a:pPr>
-            <a:r>
-              <a:rPr lang="en-US" sz="900" dirty="0">
-                <a:solidFill>
-                  <a:srgbClr val="D4D4D4"/>
-                </a:solidFill>
-              </a:rPr>
-              <a:t>!true → false</a:t>
-            </a:r>
-            <a:endParaRPr lang="en-US" sz="900" dirty="0"/>
-          </a:p>
-          <a:p>
-            <a:pPr marL="0" indent="0">
-              <a:buNone/>
-            </a:pPr>
-            <a:r>
-              <a:rPr lang="en-US" sz="900" dirty="0">
-                <a:solidFill>
-                  <a:srgbClr val="D4D4D4"/>
-                </a:solidFill>
-              </a:rPr>
-              <a:t>!false → true</a:t>
-            </a:r>
-            <a:endParaRPr lang="en-US" sz="900" dirty="0"/>
-          </a:p>
-        </p:txBody>
-      </p:sp>
-      <p:sp>
-        <p:nvSpPr>
-          <p:cNvPr id="9" name="Shape 7"/>
-          <p:cNvSpPr/>
-          <p:nvPr/>
-        </p:nvSpPr>
-        <p:spPr>
-          <a:xfrm>
-            <a:off x="457200" y="1920240"/>
-            <a:ext cx="8229600" cy="1371600"/>
-          </a:xfrm>
-          <a:prstGeom prst="rect">
-            <a:avLst/>
-          </a:prstGeom>
-          <a:solidFill>
-            <a:srgbClr val="0D3B2E"/>
-          </a:solidFill>
-          <a:ln/>
-        </p:spPr>
-      </p:sp>
-      <p:sp>
-        <p:nvSpPr>
-          <p:cNvPr id="10" name="Text 8"/>
-          <p:cNvSpPr/>
-          <p:nvPr/>
-        </p:nvSpPr>
-        <p:spPr>
-          <a:xfrm>
-            <a:off x="548640" y="1965960"/>
-            <a:ext cx="8046720" cy="1280160"/>
-          </a:xfrm>
-          <a:prstGeom prst="rect">
-            <a:avLst/>
-          </a:prstGeom>
-          <a:noFill/>
-          <a:ln/>
-        </p:spPr>
-        <p:txBody>
-          <a:bodyPr wrap="square" rtlCol="0" anchor="ctr"/>
-          <a:lstStyle/>
-          <a:p>
-            <a:pPr marL="0" indent="0">
-              <a:buNone/>
-            </a:pPr>
-            <a:r>
-              <a:rPr lang="en-US" sz="900" dirty="0">
-                <a:solidFill>
-                  <a:srgbClr val="D4D4D4"/>
-                </a:solidFill>
-                <a:latin typeface="Courier New" pitchFamily="34" charset="0"/>
-                <a:ea typeface="Courier New" pitchFamily="34" charset="-122"/>
-                <a:cs typeface="Courier New" pitchFamily="34" charset="-120"/>
-              </a:rPr>
-              <a:t>let age = 25;</a:t>
-            </a:r>
-            <a:endParaRPr lang="en-US" sz="900" dirty="0"/>
-          </a:p>
-          <a:p>
-            <a:pPr marL="0" indent="0">
-              <a:buNone/>
-            </a:pPr>
-            <a:r>
-              <a:rPr lang="en-US" sz="900" dirty="0">
-                <a:solidFill>
-                  <a:srgbClr val="D4D4D4"/>
-                </a:solidFill>
-                <a:latin typeface="Courier New" pitchFamily="34" charset="0"/>
-                <a:ea typeface="Courier New" pitchFamily="34" charset="-122"/>
-                <a:cs typeface="Courier New" pitchFamily="34" charset="-120"/>
-              </a:rPr>
-              <a:t>let has_license = true;</a:t>
-            </a:r>
-            <a:endParaRPr lang="en-US" sz="900" dirty="0"/>
-          </a:p>
-          <a:p>
-            <a:pPr marL="0" indent="0">
-              <a:buNone/>
-            </a:pPr>
-            <a:r>
-              <a:rPr lang="en-US" sz="900" dirty="0">
-                <a:solidFill>
-                  <a:srgbClr val="D4D4D4"/>
-                </a:solidFill>
-                <a:latin typeface="Courier New" pitchFamily="34" charset="0"/>
-                <a:ea typeface="Courier New" pitchFamily="34" charset="-122"/>
-                <a:cs typeface="Courier New" pitchFamily="34" charset="-120"/>
-              </a:rPr>
-              <a:t>let can_drive = age &gt;= 18 &amp;&amp; has_license;  // true</a:t>
-            </a:r>
-            <a:endParaRPr lang="en-US" sz="900" dirty="0"/>
-          </a:p>
-          <a:p>
-            <a:pPr marL="0" indent="0">
-              <a:buNone/>
-            </a:pPr>
-            <a:endParaRPr lang="en-US" sz="900" dirty="0"/>
-          </a:p>
-          <a:p>
-            <a:pPr marL="0" indent="0">
-              <a:buNone/>
-            </a:pPr>
-            <a:r>
-              <a:rPr lang="en-US" sz="900" dirty="0">
-                <a:solidFill>
-                  <a:srgbClr val="D4D4D4"/>
-                </a:solidFill>
-                <a:latin typeface="Courier New" pitchFamily="34" charset="0"/>
-                <a:ea typeface="Courier New" pitchFamily="34" charset="-122"/>
-                <a:cs typeface="Courier New" pitchFamily="34" charset="-120"/>
-              </a:rPr>
-              <a:t>let is_hungry = true;</a:t>
-            </a:r>
-            <a:endParaRPr lang="en-US" sz="900" dirty="0"/>
-          </a:p>
-          <a:p>
-            <a:pPr marL="0" indent="0">
-              <a:buNone/>
-            </a:pPr>
-            <a:r>
-              <a:rPr lang="en-US" sz="900" dirty="0">
-                <a:solidFill>
-                  <a:srgbClr val="D4D4D4"/>
-                </a:solidFill>
-                <a:latin typeface="Courier New" pitchFamily="34" charset="0"/>
-                <a:ea typeface="Courier New" pitchFamily="34" charset="-122"/>
-                <a:cs typeface="Courier New" pitchFamily="34" charset="-120"/>
-              </a:rPr>
-              <a:t>let needs_break = false || is_hungry;      // true</a:t>
             </a:r>
             <a:endParaRPr lang="en-US" sz="900" dirty="0"/>
           </a:p>
@@ -12616,6 +13542,460 @@
 
 <file path=ppt/slides/slide30.xml><?xml version="1.0" encoding="utf-8"?>
 <p:sld xmlns:a="http://schemas.openxmlformats.org/drawingml/2006/main" xmlns:r="http://schemas.openxmlformats.org/officeDocument/2006/relationships" xmlns:p="http://schemas.openxmlformats.org/presentationml/2006/main">
+  <p:cSld name="Slide 29">
+    <p:bg>
+      <p:bgPr>
+        <a:solidFill>
+          <a:srgbClr val="1E1E1E"/>
+        </a:solidFill>
+        <a:effectLst/>
+      </p:bgPr>
+    </p:bg>
+    <p:spTree>
+      <p:nvGrpSpPr>
+        <p:cNvPr id="1" name=""/>
+        <p:cNvGrpSpPr/>
+        <p:nvPr/>
+      </p:nvGrpSpPr>
+      <p:grpSpPr>
+        <a:xfrm>
+          <a:off x="0" y="0"/>
+          <a:ext cx="0" cy="0"/>
+          <a:chOff x="0" y="0"/>
+          <a:chExt cx="0" cy="0"/>
+        </a:xfrm>
+      </p:grpSpPr>
+      <p:sp>
+        <p:nvSpPr>
+          <p:cNvPr id="2" name="Text 0"/>
+          <p:cNvSpPr/>
+          <p:nvPr/>
+        </p:nvSpPr>
+        <p:spPr>
+          <a:xfrm>
+            <a:off x="457200" y="274320"/>
+            <a:ext cx="8229600" cy="457200"/>
+          </a:xfrm>
+          <a:prstGeom prst="rect">
+            <a:avLst/>
+          </a:prstGeom>
+          <a:noFill/>
+          <a:ln/>
+        </p:spPr>
+        <p:txBody>
+          <a:bodyPr wrap="square" rtlCol="0" anchor="ctr"/>
+          <a:lstStyle/>
+          <a:p>
+            <a:pPr marL="0" indent="0">
+              <a:buNone/>
+            </a:pPr>
+            <a:r>
+              <a:rPr lang="en-US" sz="3200" b="1" dirty="0">
+                <a:solidFill>
+                  <a:srgbClr val="CE422B"/>
+                </a:solidFill>
+              </a:rPr>
+              <a:t>Логічні операції</a:t>
+            </a:r>
+            <a:endParaRPr lang="en-US" sz="3200" dirty="0"/>
+          </a:p>
+        </p:txBody>
+      </p:sp>
+      <p:sp>
+        <p:nvSpPr>
+          <p:cNvPr id="3" name="Shape 1"/>
+          <p:cNvSpPr/>
+          <p:nvPr/>
+        </p:nvSpPr>
+        <p:spPr>
+          <a:xfrm>
+            <a:off x="457200" y="822960"/>
+            <a:ext cx="2651760" cy="914400"/>
+          </a:xfrm>
+          <a:prstGeom prst="rect">
+            <a:avLst/>
+          </a:prstGeom>
+          <a:solidFill>
+            <a:srgbClr val="252526"/>
+          </a:solidFill>
+          <a:ln/>
+        </p:spPr>
+      </p:sp>
+      <p:sp>
+        <p:nvSpPr>
+          <p:cNvPr id="4" name="Text 2"/>
+          <p:cNvSpPr/>
+          <p:nvPr/>
+        </p:nvSpPr>
+        <p:spPr>
+          <a:xfrm>
+            <a:off x="548640" y="914400"/>
+            <a:ext cx="2468880" cy="731520"/>
+          </a:xfrm>
+          <a:prstGeom prst="rect">
+            <a:avLst/>
+          </a:prstGeom>
+          <a:noFill/>
+          <a:ln/>
+        </p:spPr>
+        <p:txBody>
+          <a:bodyPr wrap="square" rtlCol="0" anchor="ctr"/>
+          <a:lstStyle/>
+          <a:p>
+            <a:pPr marL="0" indent="0">
+              <a:buNone/>
+            </a:pPr>
+            <a:r>
+              <a:rPr lang="en-US" sz="900" dirty="0">
+                <a:solidFill>
+                  <a:srgbClr val="D4D4D4"/>
+                </a:solidFill>
+              </a:rPr>
+              <a:t>&amp;&amp; — І</a:t>
+            </a:r>
+            <a:endParaRPr lang="en-US" sz="900" dirty="0"/>
+          </a:p>
+          <a:p>
+            <a:pPr marL="0" indent="0">
+              <a:buNone/>
+            </a:pPr>
+            <a:r>
+              <a:rPr lang="en-US" sz="900" dirty="0">
+                <a:solidFill>
+                  <a:srgbClr val="D4D4D4"/>
+                </a:solidFill>
+              </a:rPr>
+              <a:t>true &amp;&amp; true → true</a:t>
+            </a:r>
+            <a:endParaRPr lang="en-US" sz="900" dirty="0"/>
+          </a:p>
+          <a:p>
+            <a:pPr marL="0" indent="0">
+              <a:buNone/>
+            </a:pPr>
+            <a:r>
+              <a:rPr lang="en-US" sz="900" dirty="0">
+                <a:solidFill>
+                  <a:srgbClr val="D4D4D4"/>
+                </a:solidFill>
+              </a:rPr>
+              <a:t>інше → false</a:t>
+            </a:r>
+            <a:endParaRPr lang="en-US" sz="900" dirty="0"/>
+          </a:p>
+        </p:txBody>
+      </p:sp>
+      <p:sp>
+        <p:nvSpPr>
+          <p:cNvPr id="5" name="Shape 3"/>
+          <p:cNvSpPr/>
+          <p:nvPr/>
+        </p:nvSpPr>
+        <p:spPr>
+          <a:xfrm>
+            <a:off x="3246120" y="822960"/>
+            <a:ext cx="2651760" cy="914400"/>
+          </a:xfrm>
+          <a:prstGeom prst="rect">
+            <a:avLst/>
+          </a:prstGeom>
+          <a:solidFill>
+            <a:srgbClr val="252526"/>
+          </a:solidFill>
+          <a:ln/>
+        </p:spPr>
+      </p:sp>
+      <p:sp>
+        <p:nvSpPr>
+          <p:cNvPr id="6" name="Text 4"/>
+          <p:cNvSpPr/>
+          <p:nvPr/>
+        </p:nvSpPr>
+        <p:spPr>
+          <a:xfrm>
+            <a:off x="3337560" y="914400"/>
+            <a:ext cx="2468880" cy="731520"/>
+          </a:xfrm>
+          <a:prstGeom prst="rect">
+            <a:avLst/>
+          </a:prstGeom>
+          <a:noFill/>
+          <a:ln/>
+        </p:spPr>
+        <p:txBody>
+          <a:bodyPr wrap="square" rtlCol="0" anchor="ctr"/>
+          <a:lstStyle/>
+          <a:p>
+            <a:pPr marL="0" indent="0">
+              <a:buNone/>
+            </a:pPr>
+            <a:r>
+              <a:rPr lang="en-US" sz="900" dirty="0">
+                <a:solidFill>
+                  <a:srgbClr val="D4D4D4"/>
+                </a:solidFill>
+              </a:rPr>
+              <a:t>|| — АБО</a:t>
+            </a:r>
+            <a:endParaRPr lang="en-US" sz="900" dirty="0"/>
+          </a:p>
+          <a:p>
+            <a:pPr marL="0" indent="0">
+              <a:buNone/>
+            </a:pPr>
+            <a:r>
+              <a:rPr lang="en-US" sz="900" dirty="0">
+                <a:solidFill>
+                  <a:srgbClr val="D4D4D4"/>
+                </a:solidFill>
+              </a:rPr>
+              <a:t>false || false → false</a:t>
+            </a:r>
+            <a:endParaRPr lang="en-US" sz="900" dirty="0"/>
+          </a:p>
+          <a:p>
+            <a:pPr marL="0" indent="0">
+              <a:buNone/>
+            </a:pPr>
+            <a:r>
+              <a:rPr lang="en-US" sz="900" dirty="0">
+                <a:solidFill>
+                  <a:srgbClr val="D4D4D4"/>
+                </a:solidFill>
+              </a:rPr>
+              <a:t>інше → true</a:t>
+            </a:r>
+            <a:endParaRPr lang="en-US" sz="900" dirty="0"/>
+          </a:p>
+        </p:txBody>
+      </p:sp>
+      <p:sp>
+        <p:nvSpPr>
+          <p:cNvPr id="7" name="Shape 5"/>
+          <p:cNvSpPr/>
+          <p:nvPr/>
+        </p:nvSpPr>
+        <p:spPr>
+          <a:xfrm>
+            <a:off x="6035040" y="822960"/>
+            <a:ext cx="2651760" cy="914400"/>
+          </a:xfrm>
+          <a:prstGeom prst="rect">
+            <a:avLst/>
+          </a:prstGeom>
+          <a:solidFill>
+            <a:srgbClr val="252526"/>
+          </a:solidFill>
+          <a:ln/>
+        </p:spPr>
+      </p:sp>
+      <p:sp>
+        <p:nvSpPr>
+          <p:cNvPr id="8" name="Text 6"/>
+          <p:cNvSpPr/>
+          <p:nvPr/>
+        </p:nvSpPr>
+        <p:spPr>
+          <a:xfrm>
+            <a:off x="6126480" y="914400"/>
+            <a:ext cx="2468880" cy="731520"/>
+          </a:xfrm>
+          <a:prstGeom prst="rect">
+            <a:avLst/>
+          </a:prstGeom>
+          <a:noFill/>
+          <a:ln/>
+        </p:spPr>
+        <p:txBody>
+          <a:bodyPr wrap="square" rtlCol="0" anchor="ctr"/>
+          <a:lstStyle/>
+          <a:p>
+            <a:pPr marL="0" indent="0">
+              <a:buNone/>
+            </a:pPr>
+            <a:r>
+              <a:rPr lang="en-US" sz="900" dirty="0">
+                <a:solidFill>
+                  <a:srgbClr val="D4D4D4"/>
+                </a:solidFill>
+              </a:rPr>
+              <a:t>! — НЕ</a:t>
+            </a:r>
+            <a:endParaRPr lang="en-US" sz="900" dirty="0"/>
+          </a:p>
+          <a:p>
+            <a:pPr marL="0" indent="0">
+              <a:buNone/>
+            </a:pPr>
+            <a:r>
+              <a:rPr lang="en-US" sz="900" dirty="0">
+                <a:solidFill>
+                  <a:srgbClr val="D4D4D4"/>
+                </a:solidFill>
+              </a:rPr>
+              <a:t>!true → false</a:t>
+            </a:r>
+            <a:endParaRPr lang="en-US" sz="900" dirty="0"/>
+          </a:p>
+          <a:p>
+            <a:pPr marL="0" indent="0">
+              <a:buNone/>
+            </a:pPr>
+            <a:r>
+              <a:rPr lang="en-US" sz="900" dirty="0">
+                <a:solidFill>
+                  <a:srgbClr val="D4D4D4"/>
+                </a:solidFill>
+              </a:rPr>
+              <a:t>!false → true</a:t>
+            </a:r>
+            <a:endParaRPr lang="en-US" sz="900" dirty="0"/>
+          </a:p>
+        </p:txBody>
+      </p:sp>
+      <p:sp>
+        <p:nvSpPr>
+          <p:cNvPr id="9" name="Shape 7"/>
+          <p:cNvSpPr/>
+          <p:nvPr/>
+        </p:nvSpPr>
+        <p:spPr>
+          <a:xfrm>
+            <a:off x="457200" y="1920240"/>
+            <a:ext cx="8229600" cy="1371600"/>
+          </a:xfrm>
+          <a:prstGeom prst="rect">
+            <a:avLst/>
+          </a:prstGeom>
+          <a:solidFill>
+            <a:srgbClr val="0D3B2E"/>
+          </a:solidFill>
+          <a:ln/>
+        </p:spPr>
+      </p:sp>
+      <p:sp>
+        <p:nvSpPr>
+          <p:cNvPr id="10" name="Text 8"/>
+          <p:cNvSpPr/>
+          <p:nvPr/>
+        </p:nvSpPr>
+        <p:spPr>
+          <a:xfrm>
+            <a:off x="548640" y="1965960"/>
+            <a:ext cx="8046720" cy="1280160"/>
+          </a:xfrm>
+          <a:prstGeom prst="rect">
+            <a:avLst/>
+          </a:prstGeom>
+          <a:noFill/>
+          <a:ln/>
+        </p:spPr>
+        <p:txBody>
+          <a:bodyPr wrap="square" rtlCol="0" anchor="ctr"/>
+          <a:lstStyle/>
+          <a:p>
+            <a:pPr marL="0" indent="0">
+              <a:buNone/>
+            </a:pPr>
+            <a:r>
+              <a:rPr lang="en-US" sz="900" dirty="0">
+                <a:solidFill>
+                  <a:srgbClr val="D4D4D4"/>
+                </a:solidFill>
+                <a:latin typeface="Courier New" pitchFamily="34" charset="0"/>
+                <a:ea typeface="Courier New" pitchFamily="34" charset="-122"/>
+                <a:cs typeface="Courier New" pitchFamily="34" charset="-120"/>
+              </a:rPr>
+              <a:t>let age = 25;</a:t>
+            </a:r>
+            <a:endParaRPr lang="en-US" sz="900" dirty="0"/>
+          </a:p>
+          <a:p>
+            <a:pPr marL="0" indent="0">
+              <a:buNone/>
+            </a:pPr>
+            <a:r>
+              <a:rPr lang="en-US" sz="900" dirty="0">
+                <a:solidFill>
+                  <a:srgbClr val="D4D4D4"/>
+                </a:solidFill>
+                <a:latin typeface="Courier New" pitchFamily="34" charset="0"/>
+                <a:ea typeface="Courier New" pitchFamily="34" charset="-122"/>
+                <a:cs typeface="Courier New" pitchFamily="34" charset="-120"/>
+              </a:rPr>
+              <a:t>let has_license = true;</a:t>
+            </a:r>
+            <a:endParaRPr lang="en-US" sz="900" dirty="0"/>
+          </a:p>
+          <a:p>
+            <a:pPr marL="0" indent="0">
+              <a:buNone/>
+            </a:pPr>
+            <a:r>
+              <a:rPr lang="en-US" sz="900" dirty="0">
+                <a:solidFill>
+                  <a:srgbClr val="D4D4D4"/>
+                </a:solidFill>
+                <a:latin typeface="Courier New" pitchFamily="34" charset="0"/>
+                <a:ea typeface="Courier New" pitchFamily="34" charset="-122"/>
+                <a:cs typeface="Courier New" pitchFamily="34" charset="-120"/>
+              </a:rPr>
+              <a:t>let can_drive = age &gt;= 18 &amp;&amp; has_license;  // true</a:t>
+            </a:r>
+            <a:endParaRPr lang="en-US" sz="900" dirty="0"/>
+          </a:p>
+          <a:p>
+            <a:pPr marL="0" indent="0">
+              <a:buNone/>
+            </a:pPr>
+            <a:endParaRPr lang="en-US" sz="900" dirty="0"/>
+          </a:p>
+          <a:p>
+            <a:pPr marL="0" indent="0">
+              <a:buNone/>
+            </a:pPr>
+            <a:r>
+              <a:rPr lang="en-US" sz="900" dirty="0">
+                <a:solidFill>
+                  <a:srgbClr val="D4D4D4"/>
+                </a:solidFill>
+                <a:latin typeface="Courier New" pitchFamily="34" charset="0"/>
+                <a:ea typeface="Courier New" pitchFamily="34" charset="-122"/>
+                <a:cs typeface="Courier New" pitchFamily="34" charset="-120"/>
+              </a:rPr>
+              <a:t>let is_hungry = true;</a:t>
+            </a:r>
+            <a:endParaRPr lang="en-US" sz="900" dirty="0"/>
+          </a:p>
+          <a:p>
+            <a:pPr marL="0" indent="0">
+              <a:buNone/>
+            </a:pPr>
+            <a:r>
+              <a:rPr lang="en-US" sz="900" dirty="0">
+                <a:solidFill>
+                  <a:srgbClr val="D4D4D4"/>
+                </a:solidFill>
+                <a:latin typeface="Courier New" pitchFamily="34" charset="0"/>
+                <a:ea typeface="Courier New" pitchFamily="34" charset="-122"/>
+                <a:cs typeface="Courier New" pitchFamily="34" charset="-120"/>
+              </a:rPr>
+              <a:t>let needs_break = false || is_hungry;      // true</a:t>
+            </a:r>
+            <a:endParaRPr lang="en-US" sz="900" dirty="0"/>
+          </a:p>
+        </p:txBody>
+      </p:sp>
+    </p:spTree>
+  </p:cSld>
+  <p:clrMapOvr>
+    <a:masterClrMapping/>
+  </p:clrMapOvr>
+</p:sld>
+</file>
+
+<file path=ppt/slides/slide31.xml><?xml version="1.0" encoding="utf-8"?>
+<p:sld xmlns:a="http://schemas.openxmlformats.org/drawingml/2006/main" xmlns:r="http://schemas.openxmlformats.org/officeDocument/2006/relationships" xmlns:p="http://schemas.openxmlformats.org/presentationml/2006/main">
   <p:cSld name="Slide 30">
     <p:bg>
       <p:bgPr>
@@ -13091,7 +14471,7 @@
 </p:sld>
 </file>
 
-<file path=ppt/slides/slide31.xml><?xml version="1.0" encoding="utf-8"?>
+<file path=ppt/slides/slide32.xml><?xml version="1.0" encoding="utf-8"?>
 <p:sld xmlns:a="http://schemas.openxmlformats.org/drawingml/2006/main" xmlns:r="http://schemas.openxmlformats.org/officeDocument/2006/relationships" xmlns:p="http://schemas.openxmlformats.org/presentationml/2006/main">
   <p:cSld name="Slide 31">
     <p:bg>
@@ -13509,7 +14889,7 @@
 </p:sld>
 </file>
 
-<file path=ppt/slides/slide32.xml><?xml version="1.0" encoding="utf-8"?>
+<file path=ppt/slides/slide33.xml><?xml version="1.0" encoding="utf-8"?>
 <p:sld xmlns:a="http://schemas.openxmlformats.org/drawingml/2006/main" xmlns:r="http://schemas.openxmlformats.org/officeDocument/2006/relationships" xmlns:p="http://schemas.openxmlformats.org/presentationml/2006/main">
   <p:cSld name="Slide 32">
     <p:bg>
@@ -13989,7 +15369,7 @@
 </p:sld>
 </file>
 
-<file path=ppt/slides/slide33.xml><?xml version="1.0" encoding="utf-8"?>
+<file path=ppt/slides/slide34.xml><?xml version="1.0" encoding="utf-8"?>
 <p:sld xmlns:a="http://schemas.openxmlformats.org/drawingml/2006/main" xmlns:r="http://schemas.openxmlformats.org/officeDocument/2006/relationships" xmlns:p="http://schemas.openxmlformats.org/presentationml/2006/main">
   <p:cSld name="Slide 33">
     <p:bg>
@@ -14327,7 +15707,7 @@
 </p:sld>
 </file>
 
-<file path=ppt/slides/slide34.xml><?xml version="1.0" encoding="utf-8"?>
+<file path=ppt/slides/slide35.xml><?xml version="1.0" encoding="utf-8"?>
 <p:sld xmlns:a="http://schemas.openxmlformats.org/drawingml/2006/main" xmlns:r="http://schemas.openxmlformats.org/officeDocument/2006/relationships" xmlns:p="http://schemas.openxmlformats.org/presentationml/2006/main">
   <p:cSld name="Slide 34">
     <p:bg>
@@ -14643,7 +16023,7 @@
 </p:sld>
 </file>
 
-<file path=ppt/slides/slide35.xml><?xml version="1.0" encoding="utf-8"?>
+<file path=ppt/slides/slide36.xml><?xml version="1.0" encoding="utf-8"?>
 <p:sld xmlns:a="http://schemas.openxmlformats.org/drawingml/2006/main" xmlns:r="http://schemas.openxmlformats.org/officeDocument/2006/relationships" xmlns:p="http://schemas.openxmlformats.org/presentationml/2006/main">
   <p:cSld name="Slide 35">
     <p:bg>
@@ -15102,7 +16482,7 @@
 </p:sld>
 </file>
 
-<file path=ppt/slides/slide36.xml><?xml version="1.0" encoding="utf-8"?>
+<file path=ppt/slides/slide37.xml><?xml version="1.0" encoding="utf-8"?>
 <p:sld xmlns:a="http://schemas.openxmlformats.org/drawingml/2006/main" xmlns:r="http://schemas.openxmlformats.org/officeDocument/2006/relationships" xmlns:p="http://schemas.openxmlformats.org/presentationml/2006/main">
   <p:cSld name="Slide 36">
     <p:bg>
@@ -15505,7 +16885,7 @@
 </p:sld>
 </file>
 
-<file path=ppt/slides/slide37.xml><?xml version="1.0" encoding="utf-8"?>
+<file path=ppt/slides/slide38.xml><?xml version="1.0" encoding="utf-8"?>
 <p:sld xmlns:a="http://schemas.openxmlformats.org/drawingml/2006/main" xmlns:r="http://schemas.openxmlformats.org/officeDocument/2006/relationships" xmlns:p="http://schemas.openxmlformats.org/presentationml/2006/main">
   <p:cSld name="Slide 37">
     <p:bg>
@@ -15832,7 +17212,7 @@
 </p:sld>
 </file>
 
-<file path=ppt/slides/slide38.xml><?xml version="1.0" encoding="utf-8"?>
+<file path=ppt/slides/slide39.xml><?xml version="1.0" encoding="utf-8"?>
 <p:sld xmlns:a="http://schemas.openxmlformats.org/drawingml/2006/main" xmlns:r="http://schemas.openxmlformats.org/officeDocument/2006/relationships" xmlns:p="http://schemas.openxmlformats.org/presentationml/2006/main">
   <p:cSld name="Slide 38">
     <p:bg>
@@ -16159,286 +17539,6 @@
               <a:t>// 20.0°C = 68.0°F</a:t>
             </a:r>
             <a:endParaRPr lang="en-US" sz="900" dirty="0"/>
-          </a:p>
-        </p:txBody>
-      </p:sp>
-    </p:spTree>
-  </p:cSld>
-  <p:clrMapOvr>
-    <a:masterClrMapping/>
-  </p:clrMapOvr>
-</p:sld>
-</file>
-
-<file path=ppt/slides/slide39.xml><?xml version="1.0" encoding="utf-8"?>
-<p:sld xmlns:a="http://schemas.openxmlformats.org/drawingml/2006/main" xmlns:r="http://schemas.openxmlformats.org/officeDocument/2006/relationships" xmlns:p="http://schemas.openxmlformats.org/presentationml/2006/main">
-  <p:cSld name="Slide 39">
-    <p:bg>
-      <p:bgPr>
-        <a:solidFill>
-          <a:srgbClr val="1E1E1E"/>
-        </a:solidFill>
-        <a:effectLst/>
-      </p:bgPr>
-    </p:bg>
-    <p:spTree>
-      <p:nvGrpSpPr>
-        <p:cNvPr id="1" name=""/>
-        <p:cNvGrpSpPr/>
-        <p:nvPr/>
-      </p:nvGrpSpPr>
-      <p:grpSpPr>
-        <a:xfrm>
-          <a:off x="0" y="0"/>
-          <a:ext cx="0" cy="0"/>
-          <a:chOff x="0" y="0"/>
-          <a:chExt cx="0" cy="0"/>
-        </a:xfrm>
-      </p:grpSpPr>
-      <p:sp>
-        <p:nvSpPr>
-          <p:cNvPr id="2" name="Text 0"/>
-          <p:cNvSpPr/>
-          <p:nvPr/>
-        </p:nvSpPr>
-        <p:spPr>
-          <a:xfrm>
-            <a:off x="457200" y="274320"/>
-            <a:ext cx="8229600" cy="457200"/>
-          </a:xfrm>
-          <a:prstGeom prst="rect">
-            <a:avLst/>
-          </a:prstGeom>
-          <a:noFill/>
-          <a:ln/>
-        </p:spPr>
-        <p:txBody>
-          <a:bodyPr wrap="square" rtlCol="0" anchor="ctr"/>
-          <a:lstStyle/>
-          <a:p>
-            <a:pPr marL="0" indent="0">
-              <a:buNone/>
-            </a:pPr>
-            <a:r>
-              <a:rPr lang="en-US" sz="3200" b="1" dirty="0">
-                <a:solidFill>
-                  <a:srgbClr val="CE422B"/>
-                </a:solidFill>
-              </a:rPr>
-              <a:t>Завдання</a:t>
-            </a:r>
-            <a:endParaRPr lang="en-US" sz="3200" dirty="0"/>
-          </a:p>
-        </p:txBody>
-      </p:sp>
-      <p:sp>
-        <p:nvSpPr>
-          <p:cNvPr id="3" name="Text 1"/>
-          <p:cNvSpPr/>
-          <p:nvPr/>
-        </p:nvSpPr>
-        <p:spPr>
-          <a:xfrm>
-            <a:off x="457200" y="822960"/>
-            <a:ext cx="8229600" cy="2926080"/>
-          </a:xfrm>
-          <a:prstGeom prst="rect">
-            <a:avLst/>
-          </a:prstGeom>
-          <a:noFill/>
-          <a:ln/>
-        </p:spPr>
-        <p:txBody>
-          <a:bodyPr wrap="square" rtlCol="0" anchor="ctr"/>
-          <a:lstStyle/>
-          <a:p>
-            <a:pPr marL="0" indent="0">
-              <a:lnSpc>
-                <a:spcPts val="1600"/>
-              </a:lnSpc>
-              <a:buNone/>
-            </a:pPr>
-            <a:r>
-              <a:rPr lang="en-US" sz="1200" dirty="0">
-                <a:solidFill>
-                  <a:srgbClr val="D4D4D4"/>
-                </a:solidFill>
-              </a:rPr>
-              <a:t>1. Вивести println! візерунок:</a:t>
-            </a:r>
-            <a:endParaRPr lang="en-US" sz="1200" dirty="0"/>
-          </a:p>
-          <a:p>
-            <a:pPr marL="0" indent="0">
-              <a:lnSpc>
-                <a:spcPts val="1600"/>
-              </a:lnSpc>
-              <a:buNone/>
-            </a:pPr>
-            <a:endParaRPr lang="en-US" sz="1200" dirty="0"/>
-          </a:p>
-          <a:p>
-            <a:pPr marL="0" indent="0">
-              <a:lnSpc>
-                <a:spcPts val="1600"/>
-              </a:lnSpc>
-              <a:buNone/>
-            </a:pPr>
-            <a:r>
-              <a:rPr lang="en-US" sz="1200" dirty="0">
-                <a:solidFill>
-                  <a:srgbClr val="D4D4D4"/>
-                </a:solidFill>
-              </a:rPr>
-              <a:t>   *  *  ****</a:t>
-            </a:r>
-            <a:endParaRPr lang="en-US" sz="1200" dirty="0"/>
-          </a:p>
-          <a:p>
-            <a:pPr marL="0" indent="0">
-              <a:lnSpc>
-                <a:spcPts val="1600"/>
-              </a:lnSpc>
-              <a:buNone/>
-            </a:pPr>
-            <a:r>
-              <a:rPr lang="en-US" sz="1200" dirty="0">
-                <a:solidFill>
-                  <a:srgbClr val="D4D4D4"/>
-                </a:solidFill>
-              </a:rPr>
-              <a:t>   *  *  *</a:t>
-            </a:r>
-            <a:endParaRPr lang="en-US" sz="1200" dirty="0"/>
-          </a:p>
-          <a:p>
-            <a:pPr marL="0" indent="0">
-              <a:lnSpc>
-                <a:spcPts val="1600"/>
-              </a:lnSpc>
-              <a:buNone/>
-            </a:pPr>
-            <a:r>
-              <a:rPr lang="en-US" sz="1200" dirty="0">
-                <a:solidFill>
-                  <a:srgbClr val="D4D4D4"/>
-                </a:solidFill>
-              </a:rPr>
-              <a:t>   ****  ***</a:t>
-            </a:r>
-            <a:endParaRPr lang="en-US" sz="1200" dirty="0"/>
-          </a:p>
-          <a:p>
-            <a:pPr marL="0" indent="0">
-              <a:lnSpc>
-                <a:spcPts val="1600"/>
-              </a:lnSpc>
-              <a:buNone/>
-            </a:pPr>
-            <a:r>
-              <a:rPr lang="en-US" sz="1200" dirty="0">
-                <a:solidFill>
-                  <a:srgbClr val="D4D4D4"/>
-                </a:solidFill>
-              </a:rPr>
-              <a:t>   *  *  *</a:t>
-            </a:r>
-            <a:endParaRPr lang="en-US" sz="1200" dirty="0"/>
-          </a:p>
-          <a:p>
-            <a:pPr marL="0" indent="0">
-              <a:lnSpc>
-                <a:spcPts val="1600"/>
-              </a:lnSpc>
-              <a:buNone/>
-            </a:pPr>
-            <a:r>
-              <a:rPr lang="en-US" sz="1200" dirty="0">
-                <a:solidFill>
-                  <a:srgbClr val="D4D4D4"/>
-                </a:solidFill>
-              </a:rPr>
-              <a:t>   *  *  ****</a:t>
-            </a:r>
-            <a:endParaRPr lang="en-US" sz="1200" dirty="0"/>
-          </a:p>
-          <a:p>
-            <a:pPr marL="0" indent="0">
-              <a:lnSpc>
-                <a:spcPts val="1600"/>
-              </a:lnSpc>
-              <a:buNone/>
-            </a:pPr>
-            <a:endParaRPr lang="en-US" sz="1200" dirty="0"/>
-          </a:p>
-          <a:p>
-            <a:pPr marL="0" indent="0">
-              <a:lnSpc>
-                <a:spcPts val="1600"/>
-              </a:lnSpc>
-              <a:buNone/>
-            </a:pPr>
-            <a:r>
-              <a:rPr lang="en-US" sz="1200" dirty="0">
-                <a:solidFill>
-                  <a:srgbClr val="D4D4D4"/>
-                </a:solidFill>
-              </a:rPr>
-              <a:t>   Спробуйте одним println!</a:t>
-            </a:r>
-            <a:endParaRPr lang="en-US" sz="1200" dirty="0"/>
-          </a:p>
-          <a:p>
-            <a:pPr marL="0" indent="0">
-              <a:lnSpc>
-                <a:spcPts val="1600"/>
-              </a:lnSpc>
-              <a:buNone/>
-            </a:pPr>
-            <a:endParaRPr lang="en-US" sz="1200" dirty="0"/>
-          </a:p>
-          <a:p>
-            <a:pPr marL="0" indent="0">
-              <a:lnSpc>
-                <a:spcPts val="1600"/>
-              </a:lnSpc>
-              <a:buNone/>
-            </a:pPr>
-            <a:r>
-              <a:rPr lang="en-US" sz="1200" dirty="0">
-                <a:solidFill>
-                  <a:srgbClr val="D4D4D4"/>
-                </a:solidFill>
-              </a:rPr>
-              <a:t>2. Перевести Фаренгейта в Цельсія: C = (F - 32) × 5/9</a:t>
-            </a:r>
-            <a:endParaRPr lang="en-US" sz="1200" dirty="0"/>
-          </a:p>
-          <a:p>
-            <a:pPr marL="0" indent="0">
-              <a:lnSpc>
-                <a:spcPts val="1600"/>
-              </a:lnSpc>
-              <a:buNone/>
-            </a:pPr>
-            <a:endParaRPr lang="en-US" sz="1200" dirty="0"/>
-          </a:p>
-          <a:p>
-            <a:pPr marL="0" indent="0">
-              <a:lnSpc>
-                <a:spcPts val="1600"/>
-              </a:lnSpc>
-              <a:buNone/>
-            </a:pPr>
-            <a:r>
-              <a:rPr lang="en-US" sz="1200" dirty="0">
-                <a:solidFill>
-                  <a:srgbClr val="D4D4D4"/>
-                </a:solidFill>
-              </a:rPr>
-              <a:t>3. Написати калькулятор: add, subtract, multiply, divide</a:t>
-            </a:r>
-            <a:endParaRPr lang="en-US" sz="1200" dirty="0"/>
           </a:p>
         </p:txBody>
       </p:sp>
@@ -16703,6 +17803,286 @@
 </file>
 
 <file path=ppt/slides/slide40.xml><?xml version="1.0" encoding="utf-8"?>
+<p:sld xmlns:a="http://schemas.openxmlformats.org/drawingml/2006/main" xmlns:r="http://schemas.openxmlformats.org/officeDocument/2006/relationships" xmlns:p="http://schemas.openxmlformats.org/presentationml/2006/main">
+  <p:cSld name="Slide 39">
+    <p:bg>
+      <p:bgPr>
+        <a:solidFill>
+          <a:srgbClr val="1E1E1E"/>
+        </a:solidFill>
+        <a:effectLst/>
+      </p:bgPr>
+    </p:bg>
+    <p:spTree>
+      <p:nvGrpSpPr>
+        <p:cNvPr id="1" name=""/>
+        <p:cNvGrpSpPr/>
+        <p:nvPr/>
+      </p:nvGrpSpPr>
+      <p:grpSpPr>
+        <a:xfrm>
+          <a:off x="0" y="0"/>
+          <a:ext cx="0" cy="0"/>
+          <a:chOff x="0" y="0"/>
+          <a:chExt cx="0" cy="0"/>
+        </a:xfrm>
+      </p:grpSpPr>
+      <p:sp>
+        <p:nvSpPr>
+          <p:cNvPr id="2" name="Text 0"/>
+          <p:cNvSpPr/>
+          <p:nvPr/>
+        </p:nvSpPr>
+        <p:spPr>
+          <a:xfrm>
+            <a:off x="457200" y="274320"/>
+            <a:ext cx="8229600" cy="457200"/>
+          </a:xfrm>
+          <a:prstGeom prst="rect">
+            <a:avLst/>
+          </a:prstGeom>
+          <a:noFill/>
+          <a:ln/>
+        </p:spPr>
+        <p:txBody>
+          <a:bodyPr wrap="square" rtlCol="0" anchor="ctr"/>
+          <a:lstStyle/>
+          <a:p>
+            <a:pPr marL="0" indent="0">
+              <a:buNone/>
+            </a:pPr>
+            <a:r>
+              <a:rPr lang="en-US" sz="3200" b="1" dirty="0">
+                <a:solidFill>
+                  <a:srgbClr val="CE422B"/>
+                </a:solidFill>
+              </a:rPr>
+              <a:t>Завдання</a:t>
+            </a:r>
+            <a:endParaRPr lang="en-US" sz="3200" dirty="0"/>
+          </a:p>
+        </p:txBody>
+      </p:sp>
+      <p:sp>
+        <p:nvSpPr>
+          <p:cNvPr id="3" name="Text 1"/>
+          <p:cNvSpPr/>
+          <p:nvPr/>
+        </p:nvSpPr>
+        <p:spPr>
+          <a:xfrm>
+            <a:off x="457200" y="822960"/>
+            <a:ext cx="8229600" cy="2926080"/>
+          </a:xfrm>
+          <a:prstGeom prst="rect">
+            <a:avLst/>
+          </a:prstGeom>
+          <a:noFill/>
+          <a:ln/>
+        </p:spPr>
+        <p:txBody>
+          <a:bodyPr wrap="square" rtlCol="0" anchor="ctr"/>
+          <a:lstStyle/>
+          <a:p>
+            <a:pPr marL="0" indent="0">
+              <a:lnSpc>
+                <a:spcPts val="1600"/>
+              </a:lnSpc>
+              <a:buNone/>
+            </a:pPr>
+            <a:r>
+              <a:rPr lang="en-US" sz="1200" dirty="0">
+                <a:solidFill>
+                  <a:srgbClr val="D4D4D4"/>
+                </a:solidFill>
+              </a:rPr>
+              <a:t>1. Вивести println! візерунок:</a:t>
+            </a:r>
+            <a:endParaRPr lang="en-US" sz="1200" dirty="0"/>
+          </a:p>
+          <a:p>
+            <a:pPr marL="0" indent="0">
+              <a:lnSpc>
+                <a:spcPts val="1600"/>
+              </a:lnSpc>
+              <a:buNone/>
+            </a:pPr>
+            <a:endParaRPr lang="en-US" sz="1200" dirty="0"/>
+          </a:p>
+          <a:p>
+            <a:pPr marL="0" indent="0">
+              <a:lnSpc>
+                <a:spcPts val="1600"/>
+              </a:lnSpc>
+              <a:buNone/>
+            </a:pPr>
+            <a:r>
+              <a:rPr lang="en-US" sz="1200" dirty="0">
+                <a:solidFill>
+                  <a:srgbClr val="D4D4D4"/>
+                </a:solidFill>
+              </a:rPr>
+              <a:t>   *  *  ****</a:t>
+            </a:r>
+            <a:endParaRPr lang="en-US" sz="1200" dirty="0"/>
+          </a:p>
+          <a:p>
+            <a:pPr marL="0" indent="0">
+              <a:lnSpc>
+                <a:spcPts val="1600"/>
+              </a:lnSpc>
+              <a:buNone/>
+            </a:pPr>
+            <a:r>
+              <a:rPr lang="en-US" sz="1200" dirty="0">
+                <a:solidFill>
+                  <a:srgbClr val="D4D4D4"/>
+                </a:solidFill>
+              </a:rPr>
+              <a:t>   *  *  *</a:t>
+            </a:r>
+            <a:endParaRPr lang="en-US" sz="1200" dirty="0"/>
+          </a:p>
+          <a:p>
+            <a:pPr marL="0" indent="0">
+              <a:lnSpc>
+                <a:spcPts val="1600"/>
+              </a:lnSpc>
+              <a:buNone/>
+            </a:pPr>
+            <a:r>
+              <a:rPr lang="en-US" sz="1200" dirty="0">
+                <a:solidFill>
+                  <a:srgbClr val="D4D4D4"/>
+                </a:solidFill>
+              </a:rPr>
+              <a:t>   ****  ***</a:t>
+            </a:r>
+            <a:endParaRPr lang="en-US" sz="1200" dirty="0"/>
+          </a:p>
+          <a:p>
+            <a:pPr marL="0" indent="0">
+              <a:lnSpc>
+                <a:spcPts val="1600"/>
+              </a:lnSpc>
+              <a:buNone/>
+            </a:pPr>
+            <a:r>
+              <a:rPr lang="en-US" sz="1200" dirty="0">
+                <a:solidFill>
+                  <a:srgbClr val="D4D4D4"/>
+                </a:solidFill>
+              </a:rPr>
+              <a:t>   *  *  *</a:t>
+            </a:r>
+            <a:endParaRPr lang="en-US" sz="1200" dirty="0"/>
+          </a:p>
+          <a:p>
+            <a:pPr marL="0" indent="0">
+              <a:lnSpc>
+                <a:spcPts val="1600"/>
+              </a:lnSpc>
+              <a:buNone/>
+            </a:pPr>
+            <a:r>
+              <a:rPr lang="en-US" sz="1200" dirty="0">
+                <a:solidFill>
+                  <a:srgbClr val="D4D4D4"/>
+                </a:solidFill>
+              </a:rPr>
+              <a:t>   *  *  ****</a:t>
+            </a:r>
+            <a:endParaRPr lang="en-US" sz="1200" dirty="0"/>
+          </a:p>
+          <a:p>
+            <a:pPr marL="0" indent="0">
+              <a:lnSpc>
+                <a:spcPts val="1600"/>
+              </a:lnSpc>
+              <a:buNone/>
+            </a:pPr>
+            <a:endParaRPr lang="en-US" sz="1200" dirty="0"/>
+          </a:p>
+          <a:p>
+            <a:pPr marL="0" indent="0">
+              <a:lnSpc>
+                <a:spcPts val="1600"/>
+              </a:lnSpc>
+              <a:buNone/>
+            </a:pPr>
+            <a:r>
+              <a:rPr lang="en-US" sz="1200" dirty="0">
+                <a:solidFill>
+                  <a:srgbClr val="D4D4D4"/>
+                </a:solidFill>
+              </a:rPr>
+              <a:t>   Спробуйте одним println!</a:t>
+            </a:r>
+            <a:endParaRPr lang="en-US" sz="1200" dirty="0"/>
+          </a:p>
+          <a:p>
+            <a:pPr marL="0" indent="0">
+              <a:lnSpc>
+                <a:spcPts val="1600"/>
+              </a:lnSpc>
+              <a:buNone/>
+            </a:pPr>
+            <a:endParaRPr lang="en-US" sz="1200" dirty="0"/>
+          </a:p>
+          <a:p>
+            <a:pPr marL="0" indent="0">
+              <a:lnSpc>
+                <a:spcPts val="1600"/>
+              </a:lnSpc>
+              <a:buNone/>
+            </a:pPr>
+            <a:r>
+              <a:rPr lang="en-US" sz="1200" dirty="0">
+                <a:solidFill>
+                  <a:srgbClr val="D4D4D4"/>
+                </a:solidFill>
+              </a:rPr>
+              <a:t>2. Перевести Фаренгейта в Цельсія: C = (F - 32) × 5/9</a:t>
+            </a:r>
+            <a:endParaRPr lang="en-US" sz="1200" dirty="0"/>
+          </a:p>
+          <a:p>
+            <a:pPr marL="0" indent="0">
+              <a:lnSpc>
+                <a:spcPts val="1600"/>
+              </a:lnSpc>
+              <a:buNone/>
+            </a:pPr>
+            <a:endParaRPr lang="en-US" sz="1200" dirty="0"/>
+          </a:p>
+          <a:p>
+            <a:pPr marL="0" indent="0">
+              <a:lnSpc>
+                <a:spcPts val="1600"/>
+              </a:lnSpc>
+              <a:buNone/>
+            </a:pPr>
+            <a:r>
+              <a:rPr lang="en-US" sz="1200" dirty="0">
+                <a:solidFill>
+                  <a:srgbClr val="D4D4D4"/>
+                </a:solidFill>
+              </a:rPr>
+              <a:t>3. Написати калькулятор: add, subtract, multiply, divide</a:t>
+            </a:r>
+            <a:endParaRPr lang="en-US" sz="1200" dirty="0"/>
+          </a:p>
+        </p:txBody>
+      </p:sp>
+    </p:spTree>
+  </p:cSld>
+  <p:clrMapOvr>
+    <a:masterClrMapping/>
+  </p:clrMapOvr>
+</p:sld>
+</file>
+
+<file path=ppt/slides/slide41.xml><?xml version="1.0" encoding="utf-8"?>
 <p:sld xmlns:a="http://schemas.openxmlformats.org/drawingml/2006/main" xmlns:r="http://schemas.openxmlformats.org/officeDocument/2006/relationships" xmlns:p="http://schemas.openxmlformats.org/presentationml/2006/main">
   <p:cSld name="Slide 40">
     <p:bg>

--- a/src/lectures/ppt/Лекція_1_Rust.pptx
+++ b/src/lectures/ppt/Лекція_1_Rust.pptx
@@ -5,7 +5,7 @@
     <p:sldMasterId id="2147483648" r:id="rId1"/>
   </p:sldMasterIdLst>
   <p:notesMasterIdLst>
-    <p:notesMasterId r:id="rId43"/>
+    <p:notesMasterId r:id="rId45"/>
   </p:notesMasterIdLst>
   <p:sldIdLst>
     <p:sldId id="256" r:id="rId2"/>
@@ -19,36 +19,38 @@
     <p:sldId id="264" r:id="rId10"/>
     <p:sldId id="265" r:id="rId11"/>
     <p:sldId id="296" r:id="rId12"/>
-    <p:sldId id="266" r:id="rId13"/>
-    <p:sldId id="267" r:id="rId14"/>
-    <p:sldId id="268" r:id="rId15"/>
-    <p:sldId id="269" r:id="rId16"/>
-    <p:sldId id="270" r:id="rId17"/>
-    <p:sldId id="271" r:id="rId18"/>
-    <p:sldId id="272" r:id="rId19"/>
-    <p:sldId id="273" r:id="rId20"/>
-    <p:sldId id="274" r:id="rId21"/>
-    <p:sldId id="275" r:id="rId22"/>
-    <p:sldId id="276" r:id="rId23"/>
-    <p:sldId id="277" r:id="rId24"/>
-    <p:sldId id="278" r:id="rId25"/>
-    <p:sldId id="279" r:id="rId26"/>
-    <p:sldId id="280" r:id="rId27"/>
-    <p:sldId id="281" r:id="rId28"/>
-    <p:sldId id="282" r:id="rId29"/>
-    <p:sldId id="283" r:id="rId30"/>
-    <p:sldId id="284" r:id="rId31"/>
-    <p:sldId id="285" r:id="rId32"/>
-    <p:sldId id="286" r:id="rId33"/>
-    <p:sldId id="287" r:id="rId34"/>
-    <p:sldId id="288" r:id="rId35"/>
-    <p:sldId id="289" r:id="rId36"/>
-    <p:sldId id="290" r:id="rId37"/>
-    <p:sldId id="291" r:id="rId38"/>
-    <p:sldId id="292" r:id="rId39"/>
-    <p:sldId id="293" r:id="rId40"/>
-    <p:sldId id="294" r:id="rId41"/>
-    <p:sldId id="295" r:id="rId42"/>
+    <p:sldId id="298" r:id="rId13"/>
+    <p:sldId id="266" r:id="rId14"/>
+    <p:sldId id="267" r:id="rId15"/>
+    <p:sldId id="268" r:id="rId16"/>
+    <p:sldId id="269" r:id="rId17"/>
+    <p:sldId id="270" r:id="rId18"/>
+    <p:sldId id="271" r:id="rId19"/>
+    <p:sldId id="272" r:id="rId20"/>
+    <p:sldId id="273" r:id="rId21"/>
+    <p:sldId id="274" r:id="rId22"/>
+    <p:sldId id="275" r:id="rId23"/>
+    <p:sldId id="276" r:id="rId24"/>
+    <p:sldId id="277" r:id="rId25"/>
+    <p:sldId id="278" r:id="rId26"/>
+    <p:sldId id="279" r:id="rId27"/>
+    <p:sldId id="280" r:id="rId28"/>
+    <p:sldId id="281" r:id="rId29"/>
+    <p:sldId id="282" r:id="rId30"/>
+    <p:sldId id="283" r:id="rId31"/>
+    <p:sldId id="284" r:id="rId32"/>
+    <p:sldId id="285" r:id="rId33"/>
+    <p:sldId id="286" r:id="rId34"/>
+    <p:sldId id="287" r:id="rId35"/>
+    <p:sldId id="288" r:id="rId36"/>
+    <p:sldId id="289" r:id="rId37"/>
+    <p:sldId id="290" r:id="rId38"/>
+    <p:sldId id="291" r:id="rId39"/>
+    <p:sldId id="297" r:id="rId40"/>
+    <p:sldId id="292" r:id="rId41"/>
+    <p:sldId id="293" r:id="rId42"/>
+    <p:sldId id="294" r:id="rId43"/>
+    <p:sldId id="295" r:id="rId44"/>
   </p:sldIdLst>
   <p:sldSz cx="9144000" cy="5143500" type="screen16x9"/>
   <p:notesSz cx="5143500" cy="9144000"/>
@@ -603,7 +605,7 @@
     </p:spTree>
     <p:extLst>
       <p:ext uri="{BB962C8B-B14F-4D97-AF65-F5344CB8AC3E}">
-        <p14:creationId xmlns:p14="http://schemas.microsoft.com/office/powerpoint/2010/main" val="1024086991"/>
+        <p14:creationId xmlns:p14="http://schemas.microsoft.com/office/powerpoint/2010/main" val="1166938204"/>
       </p:ext>
     </p:extLst>
   </p:cSld>
@@ -3039,7 +3041,7 @@
     </p:spTree>
     <p:extLst>
       <p:ext uri="{BB962C8B-B14F-4D97-AF65-F5344CB8AC3E}">
-        <p14:creationId xmlns:p14="http://schemas.microsoft.com/office/powerpoint/2010/main" val="1024086991"/>
+        <p14:creationId xmlns:p14="http://schemas.microsoft.com/office/powerpoint/2010/main" val="3113496200"/>
       </p:ext>
     </p:extLst>
   </p:cSld>
@@ -3283,6 +3285,174 @@
             <a:fld id="{F7021451-1387-4CA6-816F-3879F97B5CBC}" type="slidenum">
               <a:rPr lang="en-US"/>
               <a:t>41</a:t>
+            </a:fld>
+            <a:endParaRPr lang="en-US"/>
+          </a:p>
+        </p:txBody>
+      </p:sp>
+    </p:spTree>
+    <p:extLst>
+      <p:ext uri="{BB962C8B-B14F-4D97-AF65-F5344CB8AC3E}">
+        <p14:creationId xmlns:p14="http://schemas.microsoft.com/office/powerpoint/2010/main" val="1024086991"/>
+      </p:ext>
+    </p:extLst>
+  </p:cSld>
+  <p:clrMapOvr>
+    <a:masterClrMapping/>
+  </p:clrMapOvr>
+</p:notes>
+</file>
+
+<file path=ppt/notesSlides/notesSlide42.xml><?xml version="1.0" encoding="utf-8"?>
+<p:notes xmlns:a="http://schemas.openxmlformats.org/drawingml/2006/main" xmlns:r="http://schemas.openxmlformats.org/officeDocument/2006/relationships" xmlns:p="http://schemas.openxmlformats.org/presentationml/2006/main">
+  <p:cSld>
+    <p:spTree>
+      <p:nvGrpSpPr>
+        <p:cNvPr id="1" name=""/>
+        <p:cNvGrpSpPr/>
+        <p:nvPr/>
+      </p:nvGrpSpPr>
+      <p:grpSpPr>
+        <a:xfrm>
+          <a:off x="0" y="0"/>
+          <a:ext cx="0" cy="0"/>
+          <a:chOff x="0" y="0"/>
+          <a:chExt cx="0" cy="0"/>
+        </a:xfrm>
+      </p:grpSpPr>
+      <p:sp>
+        <p:nvSpPr>
+          <p:cNvPr id="2" name="Slide Image Placeholder 1"/>
+          <p:cNvSpPr>
+            <a:spLocks noGrp="1" noRot="1" noChangeAspect="1"/>
+          </p:cNvSpPr>
+          <p:nvPr>
+            <p:ph type="sldImg"/>
+          </p:nvPr>
+        </p:nvSpPr>
+        <p:spPr/>
+      </p:sp>
+      <p:sp>
+        <p:nvSpPr>
+          <p:cNvPr id="3" name="Notes Placeholder 2"/>
+          <p:cNvSpPr>
+            <a:spLocks noGrp="1"/>
+          </p:cNvSpPr>
+          <p:nvPr>
+            <p:ph type="body" idx="1"/>
+          </p:nvPr>
+        </p:nvSpPr>
+        <p:spPr/>
+        <p:txBody>
+          <a:bodyPr/>
+          <a:lstStyle/>
+          <a:p>
+            <a:endParaRPr lang="en-US" dirty="0"/>
+          </a:p>
+        </p:txBody>
+      </p:sp>
+      <p:sp>
+        <p:nvSpPr>
+          <p:cNvPr id="4" name="Slide Number Placeholder 3"/>
+          <p:cNvSpPr>
+            <a:spLocks noGrp="1"/>
+          </p:cNvSpPr>
+          <p:nvPr>
+            <p:ph type="sldNum" sz="quarter" idx="10"/>
+          </p:nvPr>
+        </p:nvSpPr>
+        <p:spPr/>
+        <p:txBody>
+          <a:bodyPr/>
+          <a:lstStyle/>
+          <a:p>
+            <a:fld id="{F7021451-1387-4CA6-816F-3879F97B5CBC}" type="slidenum">
+              <a:rPr lang="en-US"/>
+              <a:t>42</a:t>
+            </a:fld>
+            <a:endParaRPr lang="en-US"/>
+          </a:p>
+        </p:txBody>
+      </p:sp>
+    </p:spTree>
+    <p:extLst>
+      <p:ext uri="{BB962C8B-B14F-4D97-AF65-F5344CB8AC3E}">
+        <p14:creationId xmlns:p14="http://schemas.microsoft.com/office/powerpoint/2010/main" val="1024086991"/>
+      </p:ext>
+    </p:extLst>
+  </p:cSld>
+  <p:clrMapOvr>
+    <a:masterClrMapping/>
+  </p:clrMapOvr>
+</p:notes>
+</file>
+
+<file path=ppt/notesSlides/notesSlide43.xml><?xml version="1.0" encoding="utf-8"?>
+<p:notes xmlns:a="http://schemas.openxmlformats.org/drawingml/2006/main" xmlns:r="http://schemas.openxmlformats.org/officeDocument/2006/relationships" xmlns:p="http://schemas.openxmlformats.org/presentationml/2006/main">
+  <p:cSld>
+    <p:spTree>
+      <p:nvGrpSpPr>
+        <p:cNvPr id="1" name=""/>
+        <p:cNvGrpSpPr/>
+        <p:nvPr/>
+      </p:nvGrpSpPr>
+      <p:grpSpPr>
+        <a:xfrm>
+          <a:off x="0" y="0"/>
+          <a:ext cx="0" cy="0"/>
+          <a:chOff x="0" y="0"/>
+          <a:chExt cx="0" cy="0"/>
+        </a:xfrm>
+      </p:grpSpPr>
+      <p:sp>
+        <p:nvSpPr>
+          <p:cNvPr id="2" name="Slide Image Placeholder 1"/>
+          <p:cNvSpPr>
+            <a:spLocks noGrp="1" noRot="1" noChangeAspect="1"/>
+          </p:cNvSpPr>
+          <p:nvPr>
+            <p:ph type="sldImg"/>
+          </p:nvPr>
+        </p:nvSpPr>
+        <p:spPr/>
+      </p:sp>
+      <p:sp>
+        <p:nvSpPr>
+          <p:cNvPr id="3" name="Notes Placeholder 2"/>
+          <p:cNvSpPr>
+            <a:spLocks noGrp="1"/>
+          </p:cNvSpPr>
+          <p:nvPr>
+            <p:ph type="body" idx="1"/>
+          </p:nvPr>
+        </p:nvSpPr>
+        <p:spPr/>
+        <p:txBody>
+          <a:bodyPr/>
+          <a:lstStyle/>
+          <a:p>
+            <a:endParaRPr lang="en-US" dirty="0"/>
+          </a:p>
+        </p:txBody>
+      </p:sp>
+      <p:sp>
+        <p:nvSpPr>
+          <p:cNvPr id="4" name="Slide Number Placeholder 3"/>
+          <p:cNvSpPr>
+            <a:spLocks noGrp="1"/>
+          </p:cNvSpPr>
+          <p:nvPr>
+            <p:ph type="sldNum" sz="quarter" idx="10"/>
+          </p:nvPr>
+        </p:nvSpPr>
+        <p:spPr/>
+        <p:txBody>
+          <a:bodyPr/>
+          <a:lstStyle/>
+          <a:p>
+            <a:fld id="{F7021451-1387-4CA6-816F-3879F97B5CBC}" type="slidenum">
+              <a:rPr lang="en-US"/>
+              <a:t>43</a:t>
             </a:fld>
             <a:endParaRPr lang="en-US"/>
           </a:p>
@@ -5781,6 +5951,1005 @@
 
 <file path=ppt/slides/slide12.xml><?xml version="1.0" encoding="utf-8"?>
 <p:sld xmlns:a="http://schemas.openxmlformats.org/drawingml/2006/main" xmlns:r="http://schemas.openxmlformats.org/officeDocument/2006/relationships" xmlns:p="http://schemas.openxmlformats.org/presentationml/2006/main">
+  <p:cSld>
+    <p:bg>
+      <p:bgPr>
+        <a:solidFill>
+          <a:srgbClr val="1E1E1E"/>
+        </a:solidFill>
+        <a:effectLst/>
+      </p:bgPr>
+    </p:bg>
+    <p:spTree>
+      <p:nvGrpSpPr>
+        <p:cNvPr id="1" name=""/>
+        <p:cNvGrpSpPr/>
+        <p:nvPr/>
+      </p:nvGrpSpPr>
+      <p:grpSpPr>
+        <a:xfrm>
+          <a:off x="0" y="0"/>
+          <a:ext cx="0" cy="0"/>
+          <a:chOff x="0" y="0"/>
+          <a:chExt cx="0" cy="0"/>
+        </a:xfrm>
+      </p:grpSpPr>
+      <p:sp>
+        <p:nvSpPr>
+          <p:cNvPr id="2" name="Text 0"/>
+          <p:cNvSpPr/>
+          <p:nvPr/>
+        </p:nvSpPr>
+        <p:spPr>
+          <a:xfrm>
+            <a:off x="457200" y="274320"/>
+            <a:ext cx="8229600" cy="457200"/>
+          </a:xfrm>
+          <a:prstGeom prst="rect">
+            <a:avLst/>
+          </a:prstGeom>
+          <a:noFill/>
+          <a:ln/>
+        </p:spPr>
+        <p:txBody>
+          <a:bodyPr wrap="square" rtlCol="0" anchor="ctr"/>
+          <a:lstStyle/>
+          <a:p>
+            <a:pPr marL="0" indent="0">
+              <a:buNone/>
+            </a:pPr>
+            <a:r>
+              <a:rPr lang="en-US" sz="3200" b="1" dirty="0" err="1">
+                <a:solidFill>
+                  <a:srgbClr val="CE422B"/>
+                </a:solidFill>
+              </a:rPr>
+              <a:t>Встановлення</a:t>
+            </a:r>
+            <a:r>
+              <a:rPr lang="en-US" sz="3200" b="1" dirty="0">
+                <a:solidFill>
+                  <a:srgbClr val="CE422B"/>
+                </a:solidFill>
+              </a:rPr>
+              <a:t> Rust</a:t>
+            </a:r>
+            <a:r>
+              <a:rPr lang="uk-UA" sz="3200" b="1" dirty="0">
+                <a:solidFill>
+                  <a:srgbClr val="CE422B"/>
+                </a:solidFill>
+              </a:rPr>
+              <a:t> як розширення </a:t>
+            </a:r>
+            <a:r>
+              <a:rPr lang="en-US" sz="3200" b="1" dirty="0">
+                <a:solidFill>
+                  <a:srgbClr val="CE422B"/>
+                </a:solidFill>
+              </a:rPr>
+              <a:t>Visual Code</a:t>
+            </a:r>
+            <a:endParaRPr lang="en-US" sz="3200" dirty="0"/>
+          </a:p>
+        </p:txBody>
+      </p:sp>
+      <p:sp>
+        <p:nvSpPr>
+          <p:cNvPr id="3" name="Text 1"/>
+          <p:cNvSpPr/>
+          <p:nvPr/>
+        </p:nvSpPr>
+        <p:spPr>
+          <a:xfrm>
+            <a:off x="457200" y="984737"/>
+            <a:ext cx="8229600" cy="3884443"/>
+          </a:xfrm>
+          <a:prstGeom prst="rect">
+            <a:avLst/>
+          </a:prstGeom>
+          <a:noFill/>
+          <a:ln/>
+        </p:spPr>
+        <p:txBody>
+          <a:bodyPr wrap="square" rtlCol="0" anchor="ctr"/>
+          <a:lstStyle/>
+          <a:p>
+            <a:pPr algn="just"/>
+            <a:r>
+              <a:rPr lang="ru-RU" sz="1100" dirty="0">
+                <a:solidFill>
+                  <a:schemeClr val="bg1"/>
+                </a:solidFill>
+                <a:ea typeface="Calibri" panose="020F0502020204030204" pitchFamily="34" charset="0"/>
+                <a:cs typeface="Times New Roman" panose="02020603050405020304" pitchFamily="18" charset="0"/>
+              </a:rPr>
+              <a:t>Для </a:t>
+            </a:r>
+            <a:r>
+              <a:rPr lang="ru-RU" sz="1100" dirty="0" err="1">
+                <a:solidFill>
+                  <a:schemeClr val="bg1"/>
+                </a:solidFill>
+                <a:ea typeface="Calibri" panose="020F0502020204030204" pitchFamily="34" charset="0"/>
+                <a:cs typeface="Times New Roman" panose="02020603050405020304" pitchFamily="18" charset="0"/>
+              </a:rPr>
+              <a:t>роботи</a:t>
+            </a:r>
+            <a:r>
+              <a:rPr lang="ru-RU" sz="1100" dirty="0">
+                <a:solidFill>
+                  <a:schemeClr val="bg1"/>
+                </a:solidFill>
+                <a:ea typeface="Calibri" panose="020F0502020204030204" pitchFamily="34" charset="0"/>
+                <a:cs typeface="Times New Roman" panose="02020603050405020304" pitchFamily="18" charset="0"/>
+              </a:rPr>
+              <a:t> </a:t>
+            </a:r>
+            <a:r>
+              <a:rPr lang="ru-RU" sz="1100" dirty="0" err="1">
+                <a:solidFill>
+                  <a:schemeClr val="bg1"/>
+                </a:solidFill>
+                <a:ea typeface="Calibri" panose="020F0502020204030204" pitchFamily="34" charset="0"/>
+                <a:cs typeface="Times New Roman" panose="02020603050405020304" pitchFamily="18" charset="0"/>
+              </a:rPr>
+              <a:t>із</a:t>
+            </a:r>
+            <a:r>
+              <a:rPr lang="ru-RU" sz="1100" dirty="0">
+                <a:solidFill>
+                  <a:schemeClr val="bg1"/>
+                </a:solidFill>
+                <a:ea typeface="Calibri" panose="020F0502020204030204" pitchFamily="34" charset="0"/>
+                <a:cs typeface="Times New Roman" panose="02020603050405020304" pitchFamily="18" charset="0"/>
+              </a:rPr>
+              <a:t> запуском у </a:t>
+            </a:r>
+            <a:r>
+              <a:rPr lang="en-US" sz="1100" dirty="0">
+                <a:solidFill>
+                  <a:schemeClr val="bg1"/>
+                </a:solidFill>
+                <a:ea typeface="Calibri" panose="020F0502020204030204" pitchFamily="34" charset="0"/>
+                <a:cs typeface="Times New Roman" panose="02020603050405020304" pitchFamily="18" charset="0"/>
+              </a:rPr>
+              <a:t>Visual Code </a:t>
+            </a:r>
+            <a:r>
+              <a:rPr lang="ru-RU" sz="1100" dirty="0" err="1">
+                <a:solidFill>
+                  <a:schemeClr val="bg1"/>
+                </a:solidFill>
+                <a:ea typeface="Calibri" panose="020F0502020204030204" pitchFamily="34" charset="0"/>
+                <a:cs typeface="Times New Roman" panose="02020603050405020304" pitchFamily="18" charset="0"/>
+              </a:rPr>
+              <a:t>окремих</a:t>
+            </a:r>
+            <a:r>
+              <a:rPr lang="ru-RU" sz="1100" dirty="0">
+                <a:solidFill>
+                  <a:schemeClr val="bg1"/>
+                </a:solidFill>
+                <a:ea typeface="Calibri" panose="020F0502020204030204" pitchFamily="34" charset="0"/>
+                <a:cs typeface="Times New Roman" panose="02020603050405020304" pitchFamily="18" charset="0"/>
+              </a:rPr>
+              <a:t> </a:t>
+            </a:r>
+            <a:r>
+              <a:rPr lang="ru-RU" sz="1100" dirty="0" err="1">
+                <a:solidFill>
+                  <a:schemeClr val="bg1"/>
+                </a:solidFill>
+                <a:ea typeface="Calibri" panose="020F0502020204030204" pitchFamily="34" charset="0"/>
+                <a:cs typeface="Times New Roman" panose="02020603050405020304" pitchFamily="18" charset="0"/>
+              </a:rPr>
+              <a:t>файлів</a:t>
+            </a:r>
+            <a:r>
+              <a:rPr lang="ru-RU" sz="1100" dirty="0">
+                <a:solidFill>
+                  <a:schemeClr val="bg1"/>
+                </a:solidFill>
+                <a:ea typeface="Calibri" panose="020F0502020204030204" pitchFamily="34" charset="0"/>
+                <a:cs typeface="Times New Roman" panose="02020603050405020304" pitchFamily="18" charset="0"/>
+              </a:rPr>
+              <a:t> робимо так:</a:t>
+            </a:r>
+          </a:p>
+          <a:p>
+            <a:pPr algn="just"/>
+            <a:endParaRPr lang="ru-RU" sz="1100" dirty="0">
+              <a:solidFill>
+                <a:schemeClr val="bg1"/>
+              </a:solidFill>
+              <a:ea typeface="Calibri" panose="020F0502020204030204" pitchFamily="34" charset="0"/>
+              <a:cs typeface="Times New Roman" panose="02020603050405020304" pitchFamily="18" charset="0"/>
+            </a:endParaRPr>
+          </a:p>
+          <a:p>
+            <a:pPr algn="just"/>
+            <a:r>
+              <a:rPr lang="ru-RU" sz="1100" dirty="0">
+                <a:solidFill>
+                  <a:schemeClr val="bg1"/>
+                </a:solidFill>
+                <a:ea typeface="Calibri" panose="020F0502020204030204" pitchFamily="34" charset="0"/>
+                <a:cs typeface="Times New Roman" panose="02020603050405020304" pitchFamily="18" charset="0"/>
+              </a:rPr>
+              <a:t>1. </a:t>
+            </a:r>
+            <a:r>
+              <a:rPr lang="ru-RU" sz="1100" dirty="0" err="1">
+                <a:solidFill>
+                  <a:schemeClr val="bg1"/>
+                </a:solidFill>
+                <a:ea typeface="Calibri" panose="020F0502020204030204" pitchFamily="34" charset="0"/>
+                <a:cs typeface="Times New Roman" panose="02020603050405020304" pitchFamily="18" charset="0"/>
+              </a:rPr>
+              <a:t>Створіть</a:t>
+            </a:r>
+            <a:r>
+              <a:rPr lang="ru-RU" sz="1100" dirty="0">
+                <a:solidFill>
+                  <a:schemeClr val="bg1"/>
+                </a:solidFill>
+                <a:ea typeface="Calibri" panose="020F0502020204030204" pitchFamily="34" charset="0"/>
+                <a:cs typeface="Times New Roman" panose="02020603050405020304" pitchFamily="18" charset="0"/>
+              </a:rPr>
+              <a:t> файл </a:t>
+            </a:r>
+            <a:r>
+              <a:rPr lang="en-US" sz="1100" dirty="0" err="1">
+                <a:solidFill>
+                  <a:schemeClr val="bg1"/>
+                </a:solidFill>
+                <a:ea typeface="Calibri" panose="020F0502020204030204" pitchFamily="34" charset="0"/>
+                <a:cs typeface="Times New Roman" panose="02020603050405020304" pitchFamily="18" charset="0"/>
+              </a:rPr>
+              <a:t>src</a:t>
+            </a:r>
+            <a:r>
+              <a:rPr lang="en-US" sz="1100" dirty="0">
+                <a:solidFill>
+                  <a:schemeClr val="bg1"/>
+                </a:solidFill>
+                <a:ea typeface="Calibri" panose="020F0502020204030204" pitchFamily="34" charset="0"/>
+                <a:cs typeface="Times New Roman" panose="02020603050405020304" pitchFamily="18" charset="0"/>
+              </a:rPr>
+              <a:t>/</a:t>
+            </a:r>
+            <a:r>
+              <a:rPr lang="ru-RU" sz="1100" dirty="0" err="1">
+                <a:solidFill>
+                  <a:schemeClr val="bg1"/>
+                </a:solidFill>
+                <a:ea typeface="Calibri" panose="020F0502020204030204" pitchFamily="34" charset="0"/>
+                <a:cs typeface="Times New Roman" panose="02020603050405020304" pitchFamily="18" charset="0"/>
+              </a:rPr>
+              <a:t>назва</a:t>
+            </a:r>
+            <a:r>
+              <a:rPr lang="ru-RU" sz="1100" dirty="0">
+                <a:solidFill>
+                  <a:schemeClr val="bg1"/>
+                </a:solidFill>
+                <a:ea typeface="Calibri" panose="020F0502020204030204" pitchFamily="34" charset="0"/>
+                <a:cs typeface="Times New Roman" panose="02020603050405020304" pitchFamily="18" charset="0"/>
+              </a:rPr>
+              <a:t>.</a:t>
+            </a:r>
+            <a:r>
+              <a:rPr lang="en-US" sz="1100" dirty="0" err="1">
+                <a:solidFill>
+                  <a:schemeClr val="bg1"/>
+                </a:solidFill>
+                <a:ea typeface="Calibri" panose="020F0502020204030204" pitchFamily="34" charset="0"/>
+                <a:cs typeface="Times New Roman" panose="02020603050405020304" pitchFamily="18" charset="0"/>
+              </a:rPr>
+              <a:t>rs</a:t>
+            </a:r>
+            <a:r>
+              <a:rPr lang="en-US" sz="1100" dirty="0">
+                <a:solidFill>
+                  <a:schemeClr val="bg1"/>
+                </a:solidFill>
+                <a:ea typeface="Calibri" panose="020F0502020204030204" pitchFamily="34" charset="0"/>
+                <a:cs typeface="Times New Roman" panose="02020603050405020304" pitchFamily="18" charset="0"/>
+              </a:rPr>
+              <a:t> </a:t>
+            </a:r>
+            <a:r>
+              <a:rPr lang="ru-RU" sz="1100" dirty="0">
+                <a:solidFill>
+                  <a:schemeClr val="bg1"/>
+                </a:solidFill>
+                <a:ea typeface="Calibri" panose="020F0502020204030204" pitchFamily="34" charset="0"/>
+                <a:cs typeface="Times New Roman" panose="02020603050405020304" pitchFamily="18" charset="0"/>
+              </a:rPr>
+              <a:t>з </a:t>
+            </a:r>
+            <a:r>
+              <a:rPr lang="en-US" sz="1100" dirty="0" err="1">
+                <a:solidFill>
+                  <a:schemeClr val="bg1"/>
+                </a:solidFill>
+                <a:ea typeface="Calibri" panose="020F0502020204030204" pitchFamily="34" charset="0"/>
+                <a:cs typeface="Times New Roman" panose="02020603050405020304" pitchFamily="18" charset="0"/>
+              </a:rPr>
+              <a:t>fn</a:t>
+            </a:r>
+            <a:r>
+              <a:rPr lang="en-US" sz="1100" dirty="0">
+                <a:solidFill>
+                  <a:schemeClr val="bg1"/>
+                </a:solidFill>
+                <a:ea typeface="Calibri" panose="020F0502020204030204" pitchFamily="34" charset="0"/>
+                <a:cs typeface="Times New Roman" panose="02020603050405020304" pitchFamily="18" charset="0"/>
+              </a:rPr>
+              <a:t> main() { ... }</a:t>
+            </a:r>
+          </a:p>
+          <a:p>
+            <a:pPr algn="just"/>
+            <a:endParaRPr lang="en-US" sz="1100" dirty="0">
+              <a:solidFill>
+                <a:schemeClr val="bg1"/>
+              </a:solidFill>
+              <a:ea typeface="Calibri" panose="020F0502020204030204" pitchFamily="34" charset="0"/>
+              <a:cs typeface="Times New Roman" panose="02020603050405020304" pitchFamily="18" charset="0"/>
+            </a:endParaRPr>
+          </a:p>
+          <a:p>
+            <a:pPr algn="just"/>
+            <a:r>
+              <a:rPr lang="en-US" sz="1100" dirty="0">
+                <a:solidFill>
+                  <a:schemeClr val="bg1"/>
+                </a:solidFill>
+                <a:ea typeface="Calibri" panose="020F0502020204030204" pitchFamily="34" charset="0"/>
+                <a:cs typeface="Times New Roman" panose="02020603050405020304" pitchFamily="18" charset="0"/>
+              </a:rPr>
+              <a:t>2. </a:t>
+            </a:r>
+            <a:r>
+              <a:rPr lang="ru-RU" sz="1100" dirty="0">
+                <a:solidFill>
+                  <a:schemeClr val="bg1"/>
+                </a:solidFill>
+                <a:ea typeface="Calibri" panose="020F0502020204030204" pitchFamily="34" charset="0"/>
+                <a:cs typeface="Times New Roman" panose="02020603050405020304" pitchFamily="18" charset="0"/>
+              </a:rPr>
+              <a:t>Додайте в </a:t>
+            </a:r>
+            <a:r>
+              <a:rPr lang="en-US" sz="1100" dirty="0" err="1">
+                <a:solidFill>
+                  <a:schemeClr val="bg1"/>
+                </a:solidFill>
+                <a:ea typeface="Calibri" panose="020F0502020204030204" pitchFamily="34" charset="0"/>
+                <a:cs typeface="Times New Roman" panose="02020603050405020304" pitchFamily="18" charset="0"/>
+              </a:rPr>
+              <a:t>Cargo.toml</a:t>
+            </a:r>
+            <a:r>
+              <a:rPr lang="en-US" sz="1100" dirty="0">
+                <a:solidFill>
+                  <a:schemeClr val="bg1"/>
+                </a:solidFill>
+                <a:ea typeface="Calibri" panose="020F0502020204030204" pitchFamily="34" charset="0"/>
+                <a:cs typeface="Times New Roman" panose="02020603050405020304" pitchFamily="18" charset="0"/>
+              </a:rPr>
+              <a:t>:</a:t>
+            </a:r>
+          </a:p>
+          <a:p>
+            <a:pPr algn="just"/>
+            <a:endParaRPr lang="en-US" sz="1100" dirty="0">
+              <a:solidFill>
+                <a:schemeClr val="bg1"/>
+              </a:solidFill>
+              <a:ea typeface="Calibri" panose="020F0502020204030204" pitchFamily="34" charset="0"/>
+              <a:cs typeface="Times New Roman" panose="02020603050405020304" pitchFamily="18" charset="0"/>
+            </a:endParaRPr>
+          </a:p>
+          <a:p>
+            <a:pPr algn="just"/>
+            <a:r>
+              <a:rPr lang="en-US" sz="1100" dirty="0">
+                <a:solidFill>
+                  <a:schemeClr val="bg1"/>
+                </a:solidFill>
+                <a:ea typeface="Calibri" panose="020F0502020204030204" pitchFamily="34" charset="0"/>
+                <a:cs typeface="Times New Roman" panose="02020603050405020304" pitchFamily="18" charset="0"/>
+              </a:rPr>
+              <a:t>[[bin]]</a:t>
+            </a:r>
+          </a:p>
+          <a:p>
+            <a:pPr algn="just"/>
+            <a:r>
+              <a:rPr lang="en-US" sz="1100" dirty="0">
+                <a:solidFill>
+                  <a:schemeClr val="bg1"/>
+                </a:solidFill>
+                <a:ea typeface="Calibri" panose="020F0502020204030204" pitchFamily="34" charset="0"/>
+                <a:cs typeface="Times New Roman" panose="02020603050405020304" pitchFamily="18" charset="0"/>
+              </a:rPr>
+              <a:t>name = "</a:t>
+            </a:r>
+            <a:r>
+              <a:rPr lang="ru-RU" sz="1100" dirty="0" err="1">
+                <a:solidFill>
+                  <a:schemeClr val="bg1"/>
+                </a:solidFill>
+                <a:ea typeface="Calibri" panose="020F0502020204030204" pitchFamily="34" charset="0"/>
+                <a:cs typeface="Times New Roman" panose="02020603050405020304" pitchFamily="18" charset="0"/>
+              </a:rPr>
+              <a:t>назва</a:t>
+            </a:r>
+            <a:r>
+              <a:rPr lang="ru-RU" sz="1100" dirty="0">
+                <a:solidFill>
+                  <a:schemeClr val="bg1"/>
+                </a:solidFill>
+                <a:ea typeface="Calibri" panose="020F0502020204030204" pitchFamily="34" charset="0"/>
+                <a:cs typeface="Times New Roman" panose="02020603050405020304" pitchFamily="18" charset="0"/>
+              </a:rPr>
+              <a:t>"</a:t>
+            </a:r>
+          </a:p>
+          <a:p>
+            <a:pPr algn="just"/>
+            <a:r>
+              <a:rPr lang="en-US" sz="1100" dirty="0">
+                <a:solidFill>
+                  <a:schemeClr val="bg1"/>
+                </a:solidFill>
+                <a:ea typeface="Calibri" panose="020F0502020204030204" pitchFamily="34" charset="0"/>
+                <a:cs typeface="Times New Roman" panose="02020603050405020304" pitchFamily="18" charset="0"/>
+              </a:rPr>
+              <a:t>path = "</a:t>
+            </a:r>
+            <a:r>
+              <a:rPr lang="en-US" sz="1100" dirty="0" err="1">
+                <a:solidFill>
+                  <a:schemeClr val="bg1"/>
+                </a:solidFill>
+                <a:ea typeface="Calibri" panose="020F0502020204030204" pitchFamily="34" charset="0"/>
+                <a:cs typeface="Times New Roman" panose="02020603050405020304" pitchFamily="18" charset="0"/>
+              </a:rPr>
+              <a:t>src</a:t>
+            </a:r>
+            <a:r>
+              <a:rPr lang="en-US" sz="1100" dirty="0">
+                <a:solidFill>
+                  <a:schemeClr val="bg1"/>
+                </a:solidFill>
+                <a:ea typeface="Calibri" panose="020F0502020204030204" pitchFamily="34" charset="0"/>
+                <a:cs typeface="Times New Roman" panose="02020603050405020304" pitchFamily="18" charset="0"/>
+              </a:rPr>
+              <a:t>/</a:t>
+            </a:r>
+            <a:r>
+              <a:rPr lang="ru-RU" sz="1100" dirty="0" err="1">
+                <a:solidFill>
+                  <a:schemeClr val="bg1"/>
+                </a:solidFill>
+                <a:ea typeface="Calibri" panose="020F0502020204030204" pitchFamily="34" charset="0"/>
+                <a:cs typeface="Times New Roman" panose="02020603050405020304" pitchFamily="18" charset="0"/>
+              </a:rPr>
+              <a:t>назва</a:t>
+            </a:r>
+            <a:r>
+              <a:rPr lang="ru-RU" sz="1100" dirty="0">
+                <a:solidFill>
+                  <a:schemeClr val="bg1"/>
+                </a:solidFill>
+                <a:ea typeface="Calibri" panose="020F0502020204030204" pitchFamily="34" charset="0"/>
+                <a:cs typeface="Times New Roman" panose="02020603050405020304" pitchFamily="18" charset="0"/>
+              </a:rPr>
+              <a:t>.</a:t>
+            </a:r>
+            <a:r>
+              <a:rPr lang="en-US" sz="1100" dirty="0" err="1">
+                <a:solidFill>
+                  <a:schemeClr val="bg1"/>
+                </a:solidFill>
+                <a:ea typeface="Calibri" panose="020F0502020204030204" pitchFamily="34" charset="0"/>
+                <a:cs typeface="Times New Roman" panose="02020603050405020304" pitchFamily="18" charset="0"/>
+              </a:rPr>
+              <a:t>rs</a:t>
+            </a:r>
+            <a:r>
+              <a:rPr lang="en-US" sz="1100" dirty="0">
+                <a:solidFill>
+                  <a:schemeClr val="bg1"/>
+                </a:solidFill>
+                <a:ea typeface="Calibri" panose="020F0502020204030204" pitchFamily="34" charset="0"/>
+                <a:cs typeface="Times New Roman" panose="02020603050405020304" pitchFamily="18" charset="0"/>
+              </a:rPr>
+              <a:t>"</a:t>
+            </a:r>
+          </a:p>
+          <a:p>
+            <a:pPr algn="just"/>
+            <a:endParaRPr lang="en-US" sz="1100" dirty="0">
+              <a:solidFill>
+                <a:schemeClr val="bg1"/>
+              </a:solidFill>
+              <a:ea typeface="Calibri" panose="020F0502020204030204" pitchFamily="34" charset="0"/>
+              <a:cs typeface="Times New Roman" panose="02020603050405020304" pitchFamily="18" charset="0"/>
+            </a:endParaRPr>
+          </a:p>
+          <a:p>
+            <a:pPr algn="just"/>
+            <a:r>
+              <a:rPr lang="en-US" sz="1100" dirty="0">
+                <a:solidFill>
+                  <a:schemeClr val="bg1"/>
+                </a:solidFill>
+                <a:ea typeface="Calibri" panose="020F0502020204030204" pitchFamily="34" charset="0"/>
+                <a:cs typeface="Times New Roman" panose="02020603050405020304" pitchFamily="18" charset="0"/>
+              </a:rPr>
+              <a:t>3. </a:t>
+            </a:r>
+            <a:r>
+              <a:rPr lang="ru-RU" sz="1100" dirty="0">
+                <a:solidFill>
+                  <a:schemeClr val="bg1"/>
+                </a:solidFill>
+                <a:ea typeface="Calibri" panose="020F0502020204030204" pitchFamily="34" charset="0"/>
+                <a:cs typeface="Times New Roman" panose="02020603050405020304" pitchFamily="18" charset="0"/>
+              </a:rPr>
+              <a:t>Додайте в </a:t>
+            </a:r>
+            <a:r>
+              <a:rPr lang="en-US" sz="1100" dirty="0" err="1">
+                <a:solidFill>
+                  <a:schemeClr val="bg1"/>
+                </a:solidFill>
+                <a:ea typeface="Calibri" panose="020F0502020204030204" pitchFamily="34" charset="0"/>
+                <a:cs typeface="Times New Roman" panose="02020603050405020304" pitchFamily="18" charset="0"/>
+              </a:rPr>
+              <a:t>launch.json</a:t>
+            </a:r>
+            <a:r>
+              <a:rPr lang="en-US" sz="1100" dirty="0">
+                <a:solidFill>
+                  <a:schemeClr val="bg1"/>
+                </a:solidFill>
+                <a:ea typeface="Calibri" panose="020F0502020204030204" pitchFamily="34" charset="0"/>
+                <a:cs typeface="Times New Roman" panose="02020603050405020304" pitchFamily="18" charset="0"/>
+              </a:rPr>
+              <a:t> </a:t>
+            </a:r>
+            <a:r>
+              <a:rPr lang="ru-RU" sz="1100" dirty="0" err="1">
+                <a:solidFill>
+                  <a:schemeClr val="bg1"/>
+                </a:solidFill>
+                <a:ea typeface="Calibri" panose="020F0502020204030204" pitchFamily="34" charset="0"/>
+                <a:cs typeface="Times New Roman" panose="02020603050405020304" pitchFamily="18" charset="0"/>
+              </a:rPr>
+              <a:t>новий</a:t>
+            </a:r>
+            <a:r>
+              <a:rPr lang="ru-RU" sz="1100" dirty="0">
+                <a:solidFill>
+                  <a:schemeClr val="bg1"/>
+                </a:solidFill>
+                <a:ea typeface="Calibri" panose="020F0502020204030204" pitchFamily="34" charset="0"/>
+                <a:cs typeface="Times New Roman" panose="02020603050405020304" pitchFamily="18" charset="0"/>
+              </a:rPr>
+              <a:t> блок:</a:t>
+            </a:r>
+          </a:p>
+          <a:p>
+            <a:pPr algn="just"/>
+            <a:endParaRPr lang="ru-RU" sz="1100" dirty="0">
+              <a:solidFill>
+                <a:schemeClr val="bg1"/>
+              </a:solidFill>
+              <a:ea typeface="Calibri" panose="020F0502020204030204" pitchFamily="34" charset="0"/>
+              <a:cs typeface="Times New Roman" panose="02020603050405020304" pitchFamily="18" charset="0"/>
+            </a:endParaRPr>
+          </a:p>
+          <a:p>
+            <a:pPr algn="just"/>
+            <a:r>
+              <a:rPr lang="ru-RU" sz="1100" dirty="0">
+                <a:solidFill>
+                  <a:schemeClr val="bg1"/>
+                </a:solidFill>
+                <a:ea typeface="Calibri" panose="020F0502020204030204" pitchFamily="34" charset="0"/>
+                <a:cs typeface="Times New Roman" panose="02020603050405020304" pitchFamily="18" charset="0"/>
+              </a:rPr>
+              <a:t>{</a:t>
+            </a:r>
+          </a:p>
+          <a:p>
+            <a:pPr algn="just"/>
+            <a:r>
+              <a:rPr lang="ru-RU" sz="1100" dirty="0">
+                <a:solidFill>
+                  <a:schemeClr val="bg1"/>
+                </a:solidFill>
+                <a:ea typeface="Calibri" panose="020F0502020204030204" pitchFamily="34" charset="0"/>
+                <a:cs typeface="Times New Roman" panose="02020603050405020304" pitchFamily="18" charset="0"/>
+              </a:rPr>
+              <a:t>    "</a:t>
+            </a:r>
+            <a:r>
+              <a:rPr lang="en-US" sz="1100" dirty="0">
+                <a:solidFill>
+                  <a:schemeClr val="bg1"/>
+                </a:solidFill>
+                <a:ea typeface="Calibri" panose="020F0502020204030204" pitchFamily="34" charset="0"/>
+                <a:cs typeface="Times New Roman" panose="02020603050405020304" pitchFamily="18" charset="0"/>
+              </a:rPr>
+              <a:t>name": "Run </a:t>
+            </a:r>
+            <a:r>
+              <a:rPr lang="ru-RU" sz="1100" dirty="0" err="1">
+                <a:solidFill>
+                  <a:schemeClr val="bg1"/>
+                </a:solidFill>
+                <a:ea typeface="Calibri" panose="020F0502020204030204" pitchFamily="34" charset="0"/>
+                <a:cs typeface="Times New Roman" panose="02020603050405020304" pitchFamily="18" charset="0"/>
+              </a:rPr>
+              <a:t>назва</a:t>
+            </a:r>
+            <a:r>
+              <a:rPr lang="ru-RU" sz="1100" dirty="0">
+                <a:solidFill>
+                  <a:schemeClr val="bg1"/>
+                </a:solidFill>
+                <a:ea typeface="Calibri" panose="020F0502020204030204" pitchFamily="34" charset="0"/>
+                <a:cs typeface="Times New Roman" panose="02020603050405020304" pitchFamily="18" charset="0"/>
+              </a:rPr>
+              <a:t>.</a:t>
+            </a:r>
+            <a:r>
+              <a:rPr lang="en-US" sz="1100" dirty="0" err="1">
+                <a:solidFill>
+                  <a:schemeClr val="bg1"/>
+                </a:solidFill>
+                <a:ea typeface="Calibri" panose="020F0502020204030204" pitchFamily="34" charset="0"/>
+                <a:cs typeface="Times New Roman" panose="02020603050405020304" pitchFamily="18" charset="0"/>
+              </a:rPr>
+              <a:t>rs</a:t>
+            </a:r>
+            <a:r>
+              <a:rPr lang="en-US" sz="1100" dirty="0">
+                <a:solidFill>
+                  <a:schemeClr val="bg1"/>
+                </a:solidFill>
+                <a:ea typeface="Calibri" panose="020F0502020204030204" pitchFamily="34" charset="0"/>
+                <a:cs typeface="Times New Roman" panose="02020603050405020304" pitchFamily="18" charset="0"/>
+              </a:rPr>
+              <a:t>",</a:t>
+            </a:r>
+          </a:p>
+          <a:p>
+            <a:pPr algn="just"/>
+            <a:r>
+              <a:rPr lang="en-US" sz="1100" dirty="0">
+                <a:solidFill>
+                  <a:schemeClr val="bg1"/>
+                </a:solidFill>
+                <a:ea typeface="Calibri" panose="020F0502020204030204" pitchFamily="34" charset="0"/>
+                <a:cs typeface="Times New Roman" panose="02020603050405020304" pitchFamily="18" charset="0"/>
+              </a:rPr>
+              <a:t>    "type": "</a:t>
+            </a:r>
+            <a:r>
+              <a:rPr lang="en-US" sz="1100" dirty="0" err="1">
+                <a:solidFill>
+                  <a:schemeClr val="bg1"/>
+                </a:solidFill>
+                <a:ea typeface="Calibri" panose="020F0502020204030204" pitchFamily="34" charset="0"/>
+                <a:cs typeface="Times New Roman" panose="02020603050405020304" pitchFamily="18" charset="0"/>
+              </a:rPr>
+              <a:t>lldb</a:t>
+            </a:r>
+            <a:r>
+              <a:rPr lang="en-US" sz="1100" dirty="0">
+                <a:solidFill>
+                  <a:schemeClr val="bg1"/>
+                </a:solidFill>
+                <a:ea typeface="Calibri" panose="020F0502020204030204" pitchFamily="34" charset="0"/>
+                <a:cs typeface="Times New Roman" panose="02020603050405020304" pitchFamily="18" charset="0"/>
+              </a:rPr>
+              <a:t>",</a:t>
+            </a:r>
+          </a:p>
+          <a:p>
+            <a:pPr algn="just"/>
+            <a:r>
+              <a:rPr lang="en-US" sz="1100" dirty="0">
+                <a:solidFill>
+                  <a:schemeClr val="bg1"/>
+                </a:solidFill>
+                <a:ea typeface="Calibri" panose="020F0502020204030204" pitchFamily="34" charset="0"/>
+                <a:cs typeface="Times New Roman" panose="02020603050405020304" pitchFamily="18" charset="0"/>
+              </a:rPr>
+              <a:t>    "request": "launch",</a:t>
+            </a:r>
+          </a:p>
+          <a:p>
+            <a:pPr algn="just"/>
+            <a:r>
+              <a:rPr lang="en-US" sz="1100" dirty="0">
+                <a:solidFill>
+                  <a:schemeClr val="bg1"/>
+                </a:solidFill>
+                <a:ea typeface="Calibri" panose="020F0502020204030204" pitchFamily="34" charset="0"/>
+                <a:cs typeface="Times New Roman" panose="02020603050405020304" pitchFamily="18" charset="0"/>
+              </a:rPr>
+              <a:t>    "cargo": {</a:t>
+            </a:r>
+          </a:p>
+          <a:p>
+            <a:pPr algn="just"/>
+            <a:r>
+              <a:rPr lang="en-US" sz="1100" dirty="0">
+                <a:solidFill>
+                  <a:schemeClr val="bg1"/>
+                </a:solidFill>
+                <a:ea typeface="Calibri" panose="020F0502020204030204" pitchFamily="34" charset="0"/>
+                <a:cs typeface="Times New Roman" panose="02020603050405020304" pitchFamily="18" charset="0"/>
+              </a:rPr>
+              <a:t>        "</a:t>
+            </a:r>
+            <a:r>
+              <a:rPr lang="en-US" sz="1100" dirty="0" err="1">
+                <a:solidFill>
+                  <a:schemeClr val="bg1"/>
+                </a:solidFill>
+                <a:ea typeface="Calibri" panose="020F0502020204030204" pitchFamily="34" charset="0"/>
+                <a:cs typeface="Times New Roman" panose="02020603050405020304" pitchFamily="18" charset="0"/>
+              </a:rPr>
+              <a:t>args</a:t>
+            </a:r>
+            <a:r>
+              <a:rPr lang="en-US" sz="1100" dirty="0">
+                <a:solidFill>
+                  <a:schemeClr val="bg1"/>
+                </a:solidFill>
+                <a:ea typeface="Calibri" panose="020F0502020204030204" pitchFamily="34" charset="0"/>
+                <a:cs typeface="Times New Roman" panose="02020603050405020304" pitchFamily="18" charset="0"/>
+              </a:rPr>
+              <a:t>": ["build", "--bin=</a:t>
+            </a:r>
+            <a:r>
+              <a:rPr lang="ru-RU" sz="1100" dirty="0" err="1">
+                <a:solidFill>
+                  <a:schemeClr val="bg1"/>
+                </a:solidFill>
+                <a:ea typeface="Calibri" panose="020F0502020204030204" pitchFamily="34" charset="0"/>
+                <a:cs typeface="Times New Roman" panose="02020603050405020304" pitchFamily="18" charset="0"/>
+              </a:rPr>
+              <a:t>назва</a:t>
+            </a:r>
+            <a:r>
+              <a:rPr lang="ru-RU" sz="1100" dirty="0">
+                <a:solidFill>
+                  <a:schemeClr val="bg1"/>
+                </a:solidFill>
+                <a:ea typeface="Calibri" panose="020F0502020204030204" pitchFamily="34" charset="0"/>
+                <a:cs typeface="Times New Roman" panose="02020603050405020304" pitchFamily="18" charset="0"/>
+              </a:rPr>
+              <a:t>"]</a:t>
+            </a:r>
+          </a:p>
+          <a:p>
+            <a:pPr algn="just"/>
+            <a:r>
+              <a:rPr lang="ru-RU" sz="1100" dirty="0">
+                <a:solidFill>
+                  <a:schemeClr val="bg1"/>
+                </a:solidFill>
+                <a:ea typeface="Calibri" panose="020F0502020204030204" pitchFamily="34" charset="0"/>
+                <a:cs typeface="Times New Roman" panose="02020603050405020304" pitchFamily="18" charset="0"/>
+              </a:rPr>
+              <a:t>    },</a:t>
+            </a:r>
+          </a:p>
+          <a:p>
+            <a:pPr algn="just"/>
+            <a:r>
+              <a:rPr lang="ru-RU" sz="1100" dirty="0">
+                <a:solidFill>
+                  <a:schemeClr val="bg1"/>
+                </a:solidFill>
+                <a:ea typeface="Calibri" panose="020F0502020204030204" pitchFamily="34" charset="0"/>
+                <a:cs typeface="Times New Roman" panose="02020603050405020304" pitchFamily="18" charset="0"/>
+              </a:rPr>
+              <a:t>    "</a:t>
+            </a:r>
+            <a:r>
+              <a:rPr lang="en-US" sz="1100" dirty="0">
+                <a:solidFill>
+                  <a:schemeClr val="bg1"/>
+                </a:solidFill>
+                <a:ea typeface="Calibri" panose="020F0502020204030204" pitchFamily="34" charset="0"/>
+                <a:cs typeface="Times New Roman" panose="02020603050405020304" pitchFamily="18" charset="0"/>
+              </a:rPr>
+              <a:t>program": "${</a:t>
+            </a:r>
+            <a:r>
+              <a:rPr lang="en-US" sz="1100" dirty="0" err="1">
+                <a:solidFill>
+                  <a:schemeClr val="bg1"/>
+                </a:solidFill>
+                <a:ea typeface="Calibri" panose="020F0502020204030204" pitchFamily="34" charset="0"/>
+                <a:cs typeface="Times New Roman" panose="02020603050405020304" pitchFamily="18" charset="0"/>
+              </a:rPr>
+              <a:t>workspaceFolder</a:t>
+            </a:r>
+            <a:r>
+              <a:rPr lang="en-US" sz="1100" dirty="0">
+                <a:solidFill>
+                  <a:schemeClr val="bg1"/>
+                </a:solidFill>
+                <a:ea typeface="Calibri" panose="020F0502020204030204" pitchFamily="34" charset="0"/>
+                <a:cs typeface="Times New Roman" panose="02020603050405020304" pitchFamily="18" charset="0"/>
+              </a:rPr>
+              <a:t>}/target/debug/</a:t>
+            </a:r>
+            <a:r>
+              <a:rPr lang="ru-RU" sz="1100" dirty="0" err="1">
+                <a:solidFill>
+                  <a:schemeClr val="bg1"/>
+                </a:solidFill>
+                <a:ea typeface="Calibri" panose="020F0502020204030204" pitchFamily="34" charset="0"/>
+                <a:cs typeface="Times New Roman" panose="02020603050405020304" pitchFamily="18" charset="0"/>
+              </a:rPr>
+              <a:t>назва</a:t>
+            </a:r>
+            <a:r>
+              <a:rPr lang="ru-RU" sz="1100" dirty="0">
+                <a:solidFill>
+                  <a:schemeClr val="bg1"/>
+                </a:solidFill>
+                <a:ea typeface="Calibri" panose="020F0502020204030204" pitchFamily="34" charset="0"/>
+                <a:cs typeface="Times New Roman" panose="02020603050405020304" pitchFamily="18" charset="0"/>
+              </a:rPr>
+              <a:t>.</a:t>
+            </a:r>
+            <a:r>
+              <a:rPr lang="en-US" sz="1100" dirty="0">
+                <a:solidFill>
+                  <a:schemeClr val="bg1"/>
+                </a:solidFill>
+                <a:ea typeface="Calibri" panose="020F0502020204030204" pitchFamily="34" charset="0"/>
+                <a:cs typeface="Times New Roman" panose="02020603050405020304" pitchFamily="18" charset="0"/>
+              </a:rPr>
+              <a:t>exe",</a:t>
+            </a:r>
+          </a:p>
+          <a:p>
+            <a:pPr algn="just"/>
+            <a:r>
+              <a:rPr lang="en-US" sz="1100" dirty="0">
+                <a:solidFill>
+                  <a:schemeClr val="bg1"/>
+                </a:solidFill>
+                <a:ea typeface="Calibri" panose="020F0502020204030204" pitchFamily="34" charset="0"/>
+                <a:cs typeface="Times New Roman" panose="02020603050405020304" pitchFamily="18" charset="0"/>
+              </a:rPr>
+              <a:t>    "</a:t>
+            </a:r>
+            <a:r>
+              <a:rPr lang="en-US" sz="1100" dirty="0" err="1">
+                <a:solidFill>
+                  <a:schemeClr val="bg1"/>
+                </a:solidFill>
+                <a:ea typeface="Calibri" panose="020F0502020204030204" pitchFamily="34" charset="0"/>
+                <a:cs typeface="Times New Roman" panose="02020603050405020304" pitchFamily="18" charset="0"/>
+              </a:rPr>
+              <a:t>args</a:t>
+            </a:r>
+            <a:r>
+              <a:rPr lang="en-US" sz="1100" dirty="0">
+                <a:solidFill>
+                  <a:schemeClr val="bg1"/>
+                </a:solidFill>
+                <a:ea typeface="Calibri" panose="020F0502020204030204" pitchFamily="34" charset="0"/>
+                <a:cs typeface="Times New Roman" panose="02020603050405020304" pitchFamily="18" charset="0"/>
+              </a:rPr>
+              <a:t>": [],</a:t>
+            </a:r>
+          </a:p>
+          <a:p>
+            <a:pPr algn="just"/>
+            <a:r>
+              <a:rPr lang="en-US" sz="1100" dirty="0">
+                <a:solidFill>
+                  <a:schemeClr val="bg1"/>
+                </a:solidFill>
+                <a:ea typeface="Calibri" panose="020F0502020204030204" pitchFamily="34" charset="0"/>
+                <a:cs typeface="Times New Roman" panose="02020603050405020304" pitchFamily="18" charset="0"/>
+              </a:rPr>
+              <a:t>    "</a:t>
+            </a:r>
+            <a:r>
+              <a:rPr lang="en-US" sz="1100" dirty="0" err="1">
+                <a:solidFill>
+                  <a:schemeClr val="bg1"/>
+                </a:solidFill>
+                <a:ea typeface="Calibri" panose="020F0502020204030204" pitchFamily="34" charset="0"/>
+                <a:cs typeface="Times New Roman" panose="02020603050405020304" pitchFamily="18" charset="0"/>
+              </a:rPr>
+              <a:t>cwd</a:t>
+            </a:r>
+            <a:r>
+              <a:rPr lang="en-US" sz="1100" dirty="0">
+                <a:solidFill>
+                  <a:schemeClr val="bg1"/>
+                </a:solidFill>
+                <a:ea typeface="Calibri" panose="020F0502020204030204" pitchFamily="34" charset="0"/>
+                <a:cs typeface="Times New Roman" panose="02020603050405020304" pitchFamily="18" charset="0"/>
+              </a:rPr>
+              <a:t>": "${</a:t>
+            </a:r>
+            <a:r>
+              <a:rPr lang="en-US" sz="1100" dirty="0" err="1">
+                <a:solidFill>
+                  <a:schemeClr val="bg1"/>
+                </a:solidFill>
+                <a:ea typeface="Calibri" panose="020F0502020204030204" pitchFamily="34" charset="0"/>
+                <a:cs typeface="Times New Roman" panose="02020603050405020304" pitchFamily="18" charset="0"/>
+              </a:rPr>
+              <a:t>workspaceFolder</a:t>
+            </a:r>
+            <a:r>
+              <a:rPr lang="en-US" sz="1100" dirty="0">
+                <a:solidFill>
+                  <a:schemeClr val="bg1"/>
+                </a:solidFill>
+                <a:ea typeface="Calibri" panose="020F0502020204030204" pitchFamily="34" charset="0"/>
+                <a:cs typeface="Times New Roman" panose="02020603050405020304" pitchFamily="18" charset="0"/>
+              </a:rPr>
+              <a:t>}"</a:t>
+            </a:r>
+          </a:p>
+          <a:p>
+            <a:pPr algn="just"/>
+            <a:r>
+              <a:rPr lang="en-US" sz="1100" dirty="0">
+                <a:solidFill>
+                  <a:schemeClr val="bg1"/>
+                </a:solidFill>
+                <a:ea typeface="Calibri" panose="020F0502020204030204" pitchFamily="34" charset="0"/>
+                <a:cs typeface="Times New Roman" panose="02020603050405020304" pitchFamily="18" charset="0"/>
+              </a:rPr>
+              <a:t>}</a:t>
+            </a:r>
+            <a:endParaRPr lang="en-US" sz="1100" dirty="0">
+              <a:solidFill>
+                <a:schemeClr val="bg1"/>
+              </a:solidFill>
+            </a:endParaRPr>
+          </a:p>
+        </p:txBody>
+      </p:sp>
+    </p:spTree>
+    <p:extLst>
+      <p:ext uri="{BB962C8B-B14F-4D97-AF65-F5344CB8AC3E}">
+        <p14:creationId xmlns:p14="http://schemas.microsoft.com/office/powerpoint/2010/main" val="5933248"/>
+      </p:ext>
+    </p:extLst>
+  </p:cSld>
+  <p:clrMapOvr>
+    <a:masterClrMapping/>
+  </p:clrMapOvr>
+</p:sld>
+</file>
+
+<file path=ppt/slides/slide13.xml><?xml version="1.0" encoding="utf-8"?>
+<p:sld xmlns:a="http://schemas.openxmlformats.org/drawingml/2006/main" xmlns:r="http://schemas.openxmlformats.org/officeDocument/2006/relationships" xmlns:p="http://schemas.openxmlformats.org/presentationml/2006/main">
   <p:cSld name="Slide 11">
     <p:bg>
       <p:bgPr>
@@ -6169,6 +7338,162 @@
           </a:p>
         </p:txBody>
       </p:sp>
+      <p:sp>
+        <p:nvSpPr>
+          <p:cNvPr id="11" name="Shape 7">
+            <a:extLst>
+              <a:ext uri="{FF2B5EF4-FFF2-40B4-BE49-F238E27FC236}">
+                <a16:creationId xmlns:a16="http://schemas.microsoft.com/office/drawing/2014/main" id="{95B7CC14-BC03-4BE5-A764-05C9A8137FCB}"/>
+              </a:ext>
+            </a:extLst>
+          </p:cNvPr>
+          <p:cNvSpPr/>
+          <p:nvPr/>
+        </p:nvSpPr>
+        <p:spPr>
+          <a:xfrm>
+            <a:off x="377483" y="2951870"/>
+            <a:ext cx="4389120" cy="1368669"/>
+          </a:xfrm>
+          <a:prstGeom prst="rect">
+            <a:avLst/>
+          </a:prstGeom>
+          <a:solidFill>
+            <a:srgbClr val="252526"/>
+          </a:solidFill>
+          <a:ln/>
+        </p:spPr>
+      </p:sp>
+      <p:sp>
+        <p:nvSpPr>
+          <p:cNvPr id="12" name="Text 8">
+            <a:extLst>
+              <a:ext uri="{FF2B5EF4-FFF2-40B4-BE49-F238E27FC236}">
+                <a16:creationId xmlns:a16="http://schemas.microsoft.com/office/drawing/2014/main" id="{70E84463-DF4E-4474-8054-1925FA3CBD65}"/>
+              </a:ext>
+            </a:extLst>
+          </p:cNvPr>
+          <p:cNvSpPr/>
+          <p:nvPr/>
+        </p:nvSpPr>
+        <p:spPr>
+          <a:xfrm>
+            <a:off x="468923" y="3043310"/>
+            <a:ext cx="4206240" cy="1185789"/>
+          </a:xfrm>
+          <a:prstGeom prst="rect">
+            <a:avLst/>
+          </a:prstGeom>
+          <a:noFill/>
+          <a:ln/>
+        </p:spPr>
+        <p:txBody>
+          <a:bodyPr wrap="square" rtlCol="0" anchor="ctr"/>
+          <a:lstStyle/>
+          <a:p>
+            <a:pPr marL="0" indent="0">
+              <a:buNone/>
+            </a:pPr>
+            <a:r>
+              <a:rPr lang="uk-UA" sz="1000" dirty="0">
+                <a:solidFill>
+                  <a:schemeClr val="bg1"/>
+                </a:solidFill>
+              </a:rPr>
+              <a:t>Для створення проекту робимо так:</a:t>
+            </a:r>
+          </a:p>
+          <a:p>
+            <a:pPr marL="0" indent="0">
+              <a:buNone/>
+            </a:pPr>
+            <a:r>
+              <a:rPr lang="ru-RU" sz="1000" dirty="0">
+                <a:solidFill>
+                  <a:schemeClr val="bg1"/>
+                </a:solidFill>
+              </a:rPr>
+              <a:t>1. </a:t>
+            </a:r>
+            <a:r>
+              <a:rPr lang="ru-RU" sz="1000" dirty="0" err="1">
+                <a:solidFill>
+                  <a:schemeClr val="bg1"/>
+                </a:solidFill>
+              </a:rPr>
+              <a:t>Термінал</a:t>
+            </a:r>
+            <a:r>
+              <a:rPr lang="ru-RU" sz="1000" dirty="0">
+                <a:solidFill>
+                  <a:schemeClr val="bg1"/>
+                </a:solidFill>
+              </a:rPr>
+              <a:t> у </a:t>
+            </a:r>
+            <a:r>
+              <a:rPr lang="en-US" sz="1000" dirty="0">
+                <a:solidFill>
+                  <a:schemeClr val="bg1"/>
+                </a:solidFill>
+              </a:rPr>
+              <a:t>VS Code (</a:t>
+            </a:r>
+            <a:r>
+              <a:rPr lang="ru-RU" sz="1000" dirty="0" err="1">
+                <a:solidFill>
+                  <a:schemeClr val="bg1"/>
+                </a:solidFill>
+              </a:rPr>
+              <a:t>найпростіше</a:t>
+            </a:r>
+            <a:r>
+              <a:rPr lang="ru-RU" sz="1000" dirty="0">
+                <a:solidFill>
+                  <a:schemeClr val="bg1"/>
+                </a:solidFill>
+              </a:rPr>
+              <a:t>):</a:t>
+            </a:r>
+          </a:p>
+          <a:p>
+            <a:pPr marL="0" indent="0">
+              <a:buNone/>
+            </a:pPr>
+            <a:endParaRPr lang="ru-RU" sz="1000" dirty="0">
+              <a:solidFill>
+                <a:schemeClr val="bg1"/>
+              </a:solidFill>
+            </a:endParaRPr>
+          </a:p>
+          <a:p>
+            <a:pPr marL="0" indent="0">
+              <a:buNone/>
+            </a:pPr>
+            <a:r>
+              <a:rPr lang="en-US" sz="1000" dirty="0">
+                <a:solidFill>
+                  <a:schemeClr val="bg1"/>
+                </a:solidFill>
+              </a:rPr>
+              <a:t>cargo new </a:t>
+            </a:r>
+            <a:r>
+              <a:rPr lang="en-US" sz="1000" dirty="0" err="1">
+                <a:solidFill>
+                  <a:schemeClr val="bg1"/>
+                </a:solidFill>
+              </a:rPr>
+              <a:t>my_project</a:t>
+            </a:r>
+            <a:endParaRPr lang="en-US" sz="1000" dirty="0">
+              <a:solidFill>
+                <a:schemeClr val="bg1"/>
+              </a:solidFill>
+            </a:endParaRPr>
+          </a:p>
+        </p:txBody>
+      </p:sp>
     </p:spTree>
   </p:cSld>
   <p:clrMapOvr>
@@ -6177,7 +7502,7 @@
 </p:sld>
 </file>
 
-<file path=ppt/slides/slide13.xml><?xml version="1.0" encoding="utf-8"?>
+<file path=ppt/slides/slide14.xml><?xml version="1.0" encoding="utf-8"?>
 <p:sld xmlns:a="http://schemas.openxmlformats.org/drawingml/2006/main" xmlns:r="http://schemas.openxmlformats.org/officeDocument/2006/relationships" xmlns:p="http://schemas.openxmlformats.org/presentationml/2006/main">
   <p:cSld name="Slide 12">
     <p:bg>
@@ -6617,7 +7942,7 @@
 </p:sld>
 </file>
 
-<file path=ppt/slides/slide14.xml><?xml version="1.0" encoding="utf-8"?>
+<file path=ppt/slides/slide15.xml><?xml version="1.0" encoding="utf-8"?>
 <p:sld xmlns:a="http://schemas.openxmlformats.org/drawingml/2006/main" xmlns:r="http://schemas.openxmlformats.org/officeDocument/2006/relationships" xmlns:p="http://schemas.openxmlformats.org/presentationml/2006/main">
   <p:cSld name="Slide 13">
     <p:bg>
@@ -6870,7 +8195,7 @@
 </p:sld>
 </file>
 
-<file path=ppt/slides/slide15.xml><?xml version="1.0" encoding="utf-8"?>
+<file path=ppt/slides/slide16.xml><?xml version="1.0" encoding="utf-8"?>
 <p:sld xmlns:a="http://schemas.openxmlformats.org/drawingml/2006/main" xmlns:r="http://schemas.openxmlformats.org/officeDocument/2006/relationships" xmlns:p="http://schemas.openxmlformats.org/presentationml/2006/main">
   <p:cSld name="Slide 14">
     <p:bg>
@@ -7167,7 +8492,7 @@
 </p:sld>
 </file>
 
-<file path=ppt/slides/slide16.xml><?xml version="1.0" encoding="utf-8"?>
+<file path=ppt/slides/slide17.xml><?xml version="1.0" encoding="utf-8"?>
 <p:sld xmlns:a="http://schemas.openxmlformats.org/drawingml/2006/main" xmlns:r="http://schemas.openxmlformats.org/officeDocument/2006/relationships" xmlns:p="http://schemas.openxmlformats.org/presentationml/2006/main">
   <p:cSld name="Slide 15">
     <p:bg>
@@ -7895,7 +9220,7 @@
 </p:sld>
 </file>
 
-<file path=ppt/slides/slide17.xml><?xml version="1.0" encoding="utf-8"?>
+<file path=ppt/slides/slide18.xml><?xml version="1.0" encoding="utf-8"?>
 <p:sld xmlns:a="http://schemas.openxmlformats.org/drawingml/2006/main" xmlns:r="http://schemas.openxmlformats.org/officeDocument/2006/relationships" xmlns:p="http://schemas.openxmlformats.org/presentationml/2006/main">
   <p:cSld name="Slide 16">
     <p:bg>
@@ -8262,7 +9587,7 @@
 </p:sld>
 </file>
 
-<file path=ppt/slides/slide18.xml><?xml version="1.0" encoding="utf-8"?>
+<file path=ppt/slides/slide19.xml><?xml version="1.0" encoding="utf-8"?>
 <p:sld xmlns:a="http://schemas.openxmlformats.org/drawingml/2006/main" xmlns:r="http://schemas.openxmlformats.org/officeDocument/2006/relationships" xmlns:p="http://schemas.openxmlformats.org/presentationml/2006/main">
   <p:cSld name="Slide 17">
     <p:bg>
@@ -8592,471 +9917,6 @@
               <a:t>У Rust змінна — це ВЛАСНИК даних, а не посилання (як у Python).</a:t>
             </a:r>
             <a:endParaRPr lang="en-US" sz="1100" dirty="0"/>
-          </a:p>
-        </p:txBody>
-      </p:sp>
-    </p:spTree>
-  </p:cSld>
-  <p:clrMapOvr>
-    <a:masterClrMapping/>
-  </p:clrMapOvr>
-</p:sld>
-</file>
-
-<file path=ppt/slides/slide19.xml><?xml version="1.0" encoding="utf-8"?>
-<p:sld xmlns:a="http://schemas.openxmlformats.org/drawingml/2006/main" xmlns:r="http://schemas.openxmlformats.org/officeDocument/2006/relationships" xmlns:p="http://schemas.openxmlformats.org/presentationml/2006/main">
-  <p:cSld name="Slide 18">
-    <p:bg>
-      <p:bgPr>
-        <a:solidFill>
-          <a:srgbClr val="1E1E1E"/>
-        </a:solidFill>
-        <a:effectLst/>
-      </p:bgPr>
-    </p:bg>
-    <p:spTree>
-      <p:nvGrpSpPr>
-        <p:cNvPr id="1" name=""/>
-        <p:cNvGrpSpPr/>
-        <p:nvPr/>
-      </p:nvGrpSpPr>
-      <p:grpSpPr>
-        <a:xfrm>
-          <a:off x="0" y="0"/>
-          <a:ext cx="0" cy="0"/>
-          <a:chOff x="0" y="0"/>
-          <a:chExt cx="0" cy="0"/>
-        </a:xfrm>
-      </p:grpSpPr>
-      <p:sp>
-        <p:nvSpPr>
-          <p:cNvPr id="2" name="Text 0"/>
-          <p:cNvSpPr/>
-          <p:nvPr/>
-        </p:nvSpPr>
-        <p:spPr>
-          <a:xfrm>
-            <a:off x="457200" y="274320"/>
-            <a:ext cx="8229600" cy="457200"/>
-          </a:xfrm>
-          <a:prstGeom prst="rect">
-            <a:avLst/>
-          </a:prstGeom>
-          <a:noFill/>
-          <a:ln/>
-        </p:spPr>
-        <p:txBody>
-          <a:bodyPr wrap="square" rtlCol="0" anchor="ctr"/>
-          <a:lstStyle/>
-          <a:p>
-            <a:pPr marL="0" indent="0">
-              <a:buNone/>
-            </a:pPr>
-            <a:r>
-              <a:rPr lang="en-US" sz="3200" b="1" dirty="0">
-                <a:solidFill>
-                  <a:srgbClr val="CE422B"/>
-                </a:solidFill>
-              </a:rPr>
-              <a:t>Змінні: let та let mut</a:t>
-            </a:r>
-            <a:endParaRPr lang="en-US" sz="3200" dirty="0"/>
-          </a:p>
-        </p:txBody>
-      </p:sp>
-      <p:sp>
-        <p:nvSpPr>
-          <p:cNvPr id="3" name="Text 1"/>
-          <p:cNvSpPr/>
-          <p:nvPr/>
-        </p:nvSpPr>
-        <p:spPr>
-          <a:xfrm>
-            <a:off x="457200" y="822960"/>
-            <a:ext cx="8229600" cy="274320"/>
-          </a:xfrm>
-          <a:prstGeom prst="rect">
-            <a:avLst/>
-          </a:prstGeom>
-          <a:noFill/>
-          <a:ln/>
-        </p:spPr>
-        <p:txBody>
-          <a:bodyPr wrap="square" rtlCol="0" anchor="ctr"/>
-          <a:lstStyle/>
-          <a:p>
-            <a:pPr marL="0" indent="0">
-              <a:buNone/>
-            </a:pPr>
-            <a:r>
-              <a:rPr lang="en-US" sz="1300" b="1" dirty="0">
-                <a:solidFill>
-                  <a:srgbClr val="DCDCAA"/>
-                </a:solidFill>
-              </a:rPr>
-              <a:t>ВАЖЛИВО: В Rust змінні за замовчуванням НЕЗМІННІ!</a:t>
-            </a:r>
-            <a:endParaRPr lang="en-US" sz="1300" dirty="0"/>
-          </a:p>
-        </p:txBody>
-      </p:sp>
-      <p:sp>
-        <p:nvSpPr>
-          <p:cNvPr id="4" name="Shape 2"/>
-          <p:cNvSpPr/>
-          <p:nvPr/>
-        </p:nvSpPr>
-        <p:spPr>
-          <a:xfrm>
-            <a:off x="457200" y="1188720"/>
-            <a:ext cx="3931920" cy="1463040"/>
-          </a:xfrm>
-          <a:prstGeom prst="rect">
-            <a:avLst/>
-          </a:prstGeom>
-          <a:solidFill>
-            <a:srgbClr val="3E2723"/>
-          </a:solidFill>
-          <a:ln/>
-        </p:spPr>
-      </p:sp>
-      <p:sp>
-        <p:nvSpPr>
-          <p:cNvPr id="5" name="Text 3"/>
-          <p:cNvSpPr/>
-          <p:nvPr/>
-        </p:nvSpPr>
-        <p:spPr>
-          <a:xfrm>
-            <a:off x="548640" y="1234440"/>
-            <a:ext cx="3749040" cy="228600"/>
-          </a:xfrm>
-          <a:prstGeom prst="rect">
-            <a:avLst/>
-          </a:prstGeom>
-          <a:noFill/>
-          <a:ln/>
-        </p:spPr>
-        <p:txBody>
-          <a:bodyPr wrap="square" rtlCol="0" anchor="ctr"/>
-          <a:lstStyle/>
-          <a:p>
-            <a:pPr marL="0" indent="0">
-              <a:buNone/>
-            </a:pPr>
-            <a:r>
-              <a:rPr lang="en-US" sz="1000" b="1" dirty="0">
-                <a:solidFill>
-                  <a:srgbClr val="F44747"/>
-                </a:solidFill>
-              </a:rPr>
-              <a:t>❌ Без mut — помилка:</a:t>
-            </a:r>
-            <a:endParaRPr lang="en-US" sz="1000" dirty="0"/>
-          </a:p>
-        </p:txBody>
-      </p:sp>
-      <p:sp>
-        <p:nvSpPr>
-          <p:cNvPr id="6" name="Text 4"/>
-          <p:cNvSpPr/>
-          <p:nvPr/>
-        </p:nvSpPr>
-        <p:spPr>
-          <a:xfrm>
-            <a:off x="548640" y="1508760"/>
-            <a:ext cx="3749040" cy="1051560"/>
-          </a:xfrm>
-          <a:prstGeom prst="rect">
-            <a:avLst/>
-          </a:prstGeom>
-          <a:noFill/>
-          <a:ln/>
-        </p:spPr>
-        <p:txBody>
-          <a:bodyPr wrap="square" rtlCol="0" anchor="ctr"/>
-          <a:lstStyle/>
-          <a:p>
-            <a:pPr marL="0" indent="0">
-              <a:buNone/>
-            </a:pPr>
-            <a:r>
-              <a:rPr lang="en-US" sz="900" dirty="0">
-                <a:solidFill>
-                  <a:srgbClr val="D4D4D4"/>
-                </a:solidFill>
-                <a:latin typeface="Courier New" pitchFamily="34" charset="0"/>
-                <a:ea typeface="Courier New" pitchFamily="34" charset="-122"/>
-                <a:cs typeface="Courier New" pitchFamily="34" charset="-120"/>
-              </a:rPr>
-              <a:t>let x = 5;</a:t>
-            </a:r>
-            <a:endParaRPr lang="en-US" sz="900" dirty="0"/>
-          </a:p>
-          <a:p>
-            <a:pPr marL="0" indent="0">
-              <a:buNone/>
-            </a:pPr>
-            <a:r>
-              <a:rPr lang="en-US" sz="900" dirty="0">
-                <a:solidFill>
-                  <a:srgbClr val="D4D4D4"/>
-                </a:solidFill>
-                <a:latin typeface="Courier New" pitchFamily="34" charset="0"/>
-                <a:ea typeface="Courier New" pitchFamily="34" charset="-122"/>
-                <a:cs typeface="Courier New" pitchFamily="34" charset="-120"/>
-              </a:rPr>
-              <a:t>x = 10;  // ❌ ПОМИЛКА!</a:t>
-            </a:r>
-            <a:endParaRPr lang="en-US" sz="900" dirty="0"/>
-          </a:p>
-          <a:p>
-            <a:pPr marL="0" indent="0">
-              <a:buNone/>
-            </a:pPr>
-            <a:endParaRPr lang="en-US" sz="900" dirty="0"/>
-          </a:p>
-          <a:p>
-            <a:pPr marL="0" indent="0">
-              <a:buNone/>
-            </a:pPr>
-            <a:r>
-              <a:rPr lang="en-US" sz="900" dirty="0">
-                <a:solidFill>
-                  <a:srgbClr val="D4D4D4"/>
-                </a:solidFill>
-                <a:latin typeface="Courier New" pitchFamily="34" charset="0"/>
-                <a:ea typeface="Courier New" pitchFamily="34" charset="-122"/>
-                <a:cs typeface="Courier New" pitchFamily="34" charset="-120"/>
-              </a:rPr>
-              <a:t>// error: cannot assign</a:t>
-            </a:r>
-            <a:endParaRPr lang="en-US" sz="900" dirty="0"/>
-          </a:p>
-          <a:p>
-            <a:pPr marL="0" indent="0">
-              <a:buNone/>
-            </a:pPr>
-            <a:r>
-              <a:rPr lang="en-US" sz="900" dirty="0">
-                <a:solidFill>
-                  <a:srgbClr val="D4D4D4"/>
-                </a:solidFill>
-                <a:latin typeface="Courier New" pitchFamily="34" charset="0"/>
-                <a:ea typeface="Courier New" pitchFamily="34" charset="-122"/>
-                <a:cs typeface="Courier New" pitchFamily="34" charset="-120"/>
-              </a:rPr>
-              <a:t>// twice to immutable</a:t>
-            </a:r>
-            <a:endParaRPr lang="en-US" sz="900" dirty="0"/>
-          </a:p>
-        </p:txBody>
-      </p:sp>
-      <p:sp>
-        <p:nvSpPr>
-          <p:cNvPr id="7" name="Shape 5"/>
-          <p:cNvSpPr/>
-          <p:nvPr/>
-        </p:nvSpPr>
-        <p:spPr>
-          <a:xfrm>
-            <a:off x="4754880" y="1188720"/>
-            <a:ext cx="3931920" cy="1463040"/>
-          </a:xfrm>
-          <a:prstGeom prst="rect">
-            <a:avLst/>
-          </a:prstGeom>
-          <a:solidFill>
-            <a:srgbClr val="1E4620"/>
-          </a:solidFill>
-          <a:ln/>
-        </p:spPr>
-      </p:sp>
-      <p:sp>
-        <p:nvSpPr>
-          <p:cNvPr id="8" name="Text 6"/>
-          <p:cNvSpPr/>
-          <p:nvPr/>
-        </p:nvSpPr>
-        <p:spPr>
-          <a:xfrm>
-            <a:off x="4846320" y="1234440"/>
-            <a:ext cx="3749040" cy="228600"/>
-          </a:xfrm>
-          <a:prstGeom prst="rect">
-            <a:avLst/>
-          </a:prstGeom>
-          <a:noFill/>
-          <a:ln/>
-        </p:spPr>
-        <p:txBody>
-          <a:bodyPr wrap="square" rtlCol="0" anchor="ctr"/>
-          <a:lstStyle/>
-          <a:p>
-            <a:pPr marL="0" indent="0">
-              <a:buNone/>
-            </a:pPr>
-            <a:r>
-              <a:rPr lang="en-US" sz="1000" b="1" dirty="0">
-                <a:solidFill>
-                  <a:srgbClr val="4EC9B0"/>
-                </a:solidFill>
-              </a:rPr>
-              <a:t>✓ З mut — OK:</a:t>
-            </a:r>
-            <a:endParaRPr lang="en-US" sz="1000" dirty="0"/>
-          </a:p>
-        </p:txBody>
-      </p:sp>
-      <p:sp>
-        <p:nvSpPr>
-          <p:cNvPr id="9" name="Text 7"/>
-          <p:cNvSpPr/>
-          <p:nvPr/>
-        </p:nvSpPr>
-        <p:spPr>
-          <a:xfrm>
-            <a:off x="4846320" y="1508760"/>
-            <a:ext cx="3749040" cy="1051560"/>
-          </a:xfrm>
-          <a:prstGeom prst="rect">
-            <a:avLst/>
-          </a:prstGeom>
-          <a:noFill/>
-          <a:ln/>
-        </p:spPr>
-        <p:txBody>
-          <a:bodyPr wrap="square" rtlCol="0" anchor="ctr"/>
-          <a:lstStyle/>
-          <a:p>
-            <a:pPr marL="0" indent="0">
-              <a:buNone/>
-            </a:pPr>
-            <a:r>
-              <a:rPr lang="en-US" sz="900" dirty="0">
-                <a:solidFill>
-                  <a:srgbClr val="D4D4D4"/>
-                </a:solidFill>
-                <a:latin typeface="Courier New" pitchFamily="34" charset="0"/>
-                <a:ea typeface="Courier New" pitchFamily="34" charset="-122"/>
-                <a:cs typeface="Courier New" pitchFamily="34" charset="-120"/>
-              </a:rPr>
-              <a:t>let mut x = 5;</a:t>
-            </a:r>
-            <a:endParaRPr lang="en-US" sz="900" dirty="0"/>
-          </a:p>
-          <a:p>
-            <a:pPr marL="0" indent="0">
-              <a:buNone/>
-            </a:pPr>
-            <a:r>
-              <a:rPr lang="en-US" sz="900" dirty="0">
-                <a:solidFill>
-                  <a:srgbClr val="D4D4D4"/>
-                </a:solidFill>
-                <a:latin typeface="Courier New" pitchFamily="34" charset="0"/>
-                <a:ea typeface="Courier New" pitchFamily="34" charset="-122"/>
-                <a:cs typeface="Courier New" pitchFamily="34" charset="-120"/>
-              </a:rPr>
-              <a:t>x = 10;  // ✓ OK!</a:t>
-            </a:r>
-            <a:endParaRPr lang="en-US" sz="900" dirty="0"/>
-          </a:p>
-          <a:p>
-            <a:pPr marL="0" indent="0">
-              <a:buNone/>
-            </a:pPr>
-            <a:endParaRPr lang="en-US" sz="900" dirty="0"/>
-          </a:p>
-          <a:p>
-            <a:pPr marL="0" indent="0">
-              <a:buNone/>
-            </a:pPr>
-            <a:r>
-              <a:rPr lang="en-US" sz="900" dirty="0">
-                <a:solidFill>
-                  <a:srgbClr val="D4D4D4"/>
-                </a:solidFill>
-                <a:latin typeface="Courier New" pitchFamily="34" charset="0"/>
-                <a:ea typeface="Courier New" pitchFamily="34" charset="-122"/>
-                <a:cs typeface="Courier New" pitchFamily="34" charset="-120"/>
-              </a:rPr>
-              <a:t>// mut = mutable</a:t>
-            </a:r>
-            <a:endParaRPr lang="en-US" sz="900" dirty="0"/>
-          </a:p>
-          <a:p>
-            <a:pPr marL="0" indent="0">
-              <a:buNone/>
-            </a:pPr>
-            <a:r>
-              <a:rPr lang="en-US" sz="900" dirty="0">
-                <a:solidFill>
-                  <a:srgbClr val="D4D4D4"/>
-                </a:solidFill>
-                <a:latin typeface="Courier New" pitchFamily="34" charset="0"/>
-                <a:ea typeface="Courier New" pitchFamily="34" charset="-122"/>
-                <a:cs typeface="Courier New" pitchFamily="34" charset="-120"/>
-              </a:rPr>
-              <a:t>// = змінний</a:t>
-            </a:r>
-            <a:endParaRPr lang="en-US" sz="900" dirty="0"/>
-          </a:p>
-        </p:txBody>
-      </p:sp>
-      <p:sp>
-        <p:nvSpPr>
-          <p:cNvPr id="10" name="Shape 8"/>
-          <p:cNvSpPr/>
-          <p:nvPr/>
-        </p:nvSpPr>
-        <p:spPr>
-          <a:xfrm>
-            <a:off x="457200" y="2834640"/>
-            <a:ext cx="8229600" cy="868680"/>
-          </a:xfrm>
-          <a:prstGeom prst="rect">
-            <a:avLst/>
-          </a:prstGeom>
-          <a:solidFill>
-            <a:srgbClr val="252526"/>
-          </a:solidFill>
-          <a:ln/>
-        </p:spPr>
-      </p:sp>
-      <p:sp>
-        <p:nvSpPr>
-          <p:cNvPr id="11" name="Text 9"/>
-          <p:cNvSpPr/>
-          <p:nvPr/>
-        </p:nvSpPr>
-        <p:spPr>
-          <a:xfrm>
-            <a:off x="548640" y="2971800"/>
-            <a:ext cx="8046720" cy="594360"/>
-          </a:xfrm>
-          <a:prstGeom prst="rect">
-            <a:avLst/>
-          </a:prstGeom>
-          <a:noFill/>
-          <a:ln/>
-        </p:spPr>
-        <p:txBody>
-          <a:bodyPr wrap="square" rtlCol="0" anchor="ctr"/>
-          <a:lstStyle/>
-          <a:p>
-            <a:pPr marL="0" indent="0">
-              <a:buNone/>
-            </a:pPr>
-            <a:r>
-              <a:rPr lang="en-US" sz="1000" dirty="0">
-                <a:solidFill>
-                  <a:srgbClr val="D4D4D4"/>
-                </a:solidFill>
-              </a:rPr>
-              <a:t>Навіщо? Запобігає випадковим змінам • Код легше читати • Краща оптимізація</a:t>
-            </a:r>
-            <a:endParaRPr lang="en-US" sz="1000" dirty="0"/>
           </a:p>
         </p:txBody>
       </p:sp>
@@ -9297,6 +10157,471 @@
 
 <file path=ppt/slides/slide20.xml><?xml version="1.0" encoding="utf-8"?>
 <p:sld xmlns:a="http://schemas.openxmlformats.org/drawingml/2006/main" xmlns:r="http://schemas.openxmlformats.org/officeDocument/2006/relationships" xmlns:p="http://schemas.openxmlformats.org/presentationml/2006/main">
+  <p:cSld name="Slide 18">
+    <p:bg>
+      <p:bgPr>
+        <a:solidFill>
+          <a:srgbClr val="1E1E1E"/>
+        </a:solidFill>
+        <a:effectLst/>
+      </p:bgPr>
+    </p:bg>
+    <p:spTree>
+      <p:nvGrpSpPr>
+        <p:cNvPr id="1" name=""/>
+        <p:cNvGrpSpPr/>
+        <p:nvPr/>
+      </p:nvGrpSpPr>
+      <p:grpSpPr>
+        <a:xfrm>
+          <a:off x="0" y="0"/>
+          <a:ext cx="0" cy="0"/>
+          <a:chOff x="0" y="0"/>
+          <a:chExt cx="0" cy="0"/>
+        </a:xfrm>
+      </p:grpSpPr>
+      <p:sp>
+        <p:nvSpPr>
+          <p:cNvPr id="2" name="Text 0"/>
+          <p:cNvSpPr/>
+          <p:nvPr/>
+        </p:nvSpPr>
+        <p:spPr>
+          <a:xfrm>
+            <a:off x="457200" y="274320"/>
+            <a:ext cx="8229600" cy="457200"/>
+          </a:xfrm>
+          <a:prstGeom prst="rect">
+            <a:avLst/>
+          </a:prstGeom>
+          <a:noFill/>
+          <a:ln/>
+        </p:spPr>
+        <p:txBody>
+          <a:bodyPr wrap="square" rtlCol="0" anchor="ctr"/>
+          <a:lstStyle/>
+          <a:p>
+            <a:pPr marL="0" indent="0">
+              <a:buNone/>
+            </a:pPr>
+            <a:r>
+              <a:rPr lang="en-US" sz="3200" b="1" dirty="0">
+                <a:solidFill>
+                  <a:srgbClr val="CE422B"/>
+                </a:solidFill>
+              </a:rPr>
+              <a:t>Змінні: let та let mut</a:t>
+            </a:r>
+            <a:endParaRPr lang="en-US" sz="3200" dirty="0"/>
+          </a:p>
+        </p:txBody>
+      </p:sp>
+      <p:sp>
+        <p:nvSpPr>
+          <p:cNvPr id="3" name="Text 1"/>
+          <p:cNvSpPr/>
+          <p:nvPr/>
+        </p:nvSpPr>
+        <p:spPr>
+          <a:xfrm>
+            <a:off x="457200" y="822960"/>
+            <a:ext cx="8229600" cy="274320"/>
+          </a:xfrm>
+          <a:prstGeom prst="rect">
+            <a:avLst/>
+          </a:prstGeom>
+          <a:noFill/>
+          <a:ln/>
+        </p:spPr>
+        <p:txBody>
+          <a:bodyPr wrap="square" rtlCol="0" anchor="ctr"/>
+          <a:lstStyle/>
+          <a:p>
+            <a:pPr marL="0" indent="0">
+              <a:buNone/>
+            </a:pPr>
+            <a:r>
+              <a:rPr lang="en-US" sz="1300" b="1" dirty="0">
+                <a:solidFill>
+                  <a:srgbClr val="DCDCAA"/>
+                </a:solidFill>
+              </a:rPr>
+              <a:t>ВАЖЛИВО: В Rust змінні за замовчуванням НЕЗМІННІ!</a:t>
+            </a:r>
+            <a:endParaRPr lang="en-US" sz="1300" dirty="0"/>
+          </a:p>
+        </p:txBody>
+      </p:sp>
+      <p:sp>
+        <p:nvSpPr>
+          <p:cNvPr id="4" name="Shape 2"/>
+          <p:cNvSpPr/>
+          <p:nvPr/>
+        </p:nvSpPr>
+        <p:spPr>
+          <a:xfrm>
+            <a:off x="457200" y="1188720"/>
+            <a:ext cx="3931920" cy="1463040"/>
+          </a:xfrm>
+          <a:prstGeom prst="rect">
+            <a:avLst/>
+          </a:prstGeom>
+          <a:solidFill>
+            <a:srgbClr val="3E2723"/>
+          </a:solidFill>
+          <a:ln/>
+        </p:spPr>
+      </p:sp>
+      <p:sp>
+        <p:nvSpPr>
+          <p:cNvPr id="5" name="Text 3"/>
+          <p:cNvSpPr/>
+          <p:nvPr/>
+        </p:nvSpPr>
+        <p:spPr>
+          <a:xfrm>
+            <a:off x="548640" y="1234440"/>
+            <a:ext cx="3749040" cy="228600"/>
+          </a:xfrm>
+          <a:prstGeom prst="rect">
+            <a:avLst/>
+          </a:prstGeom>
+          <a:noFill/>
+          <a:ln/>
+        </p:spPr>
+        <p:txBody>
+          <a:bodyPr wrap="square" rtlCol="0" anchor="ctr"/>
+          <a:lstStyle/>
+          <a:p>
+            <a:pPr marL="0" indent="0">
+              <a:buNone/>
+            </a:pPr>
+            <a:r>
+              <a:rPr lang="en-US" sz="1000" b="1" dirty="0">
+                <a:solidFill>
+                  <a:srgbClr val="F44747"/>
+                </a:solidFill>
+              </a:rPr>
+              <a:t>❌ Без mut — помилка:</a:t>
+            </a:r>
+            <a:endParaRPr lang="en-US" sz="1000" dirty="0"/>
+          </a:p>
+        </p:txBody>
+      </p:sp>
+      <p:sp>
+        <p:nvSpPr>
+          <p:cNvPr id="6" name="Text 4"/>
+          <p:cNvSpPr/>
+          <p:nvPr/>
+        </p:nvSpPr>
+        <p:spPr>
+          <a:xfrm>
+            <a:off x="548640" y="1508760"/>
+            <a:ext cx="3749040" cy="1051560"/>
+          </a:xfrm>
+          <a:prstGeom prst="rect">
+            <a:avLst/>
+          </a:prstGeom>
+          <a:noFill/>
+          <a:ln/>
+        </p:spPr>
+        <p:txBody>
+          <a:bodyPr wrap="square" rtlCol="0" anchor="ctr"/>
+          <a:lstStyle/>
+          <a:p>
+            <a:pPr marL="0" indent="0">
+              <a:buNone/>
+            </a:pPr>
+            <a:r>
+              <a:rPr lang="en-US" sz="900" dirty="0">
+                <a:solidFill>
+                  <a:srgbClr val="D4D4D4"/>
+                </a:solidFill>
+                <a:latin typeface="Courier New" pitchFamily="34" charset="0"/>
+                <a:ea typeface="Courier New" pitchFamily="34" charset="-122"/>
+                <a:cs typeface="Courier New" pitchFamily="34" charset="-120"/>
+              </a:rPr>
+              <a:t>let x = 5;</a:t>
+            </a:r>
+            <a:endParaRPr lang="en-US" sz="900" dirty="0"/>
+          </a:p>
+          <a:p>
+            <a:pPr marL="0" indent="0">
+              <a:buNone/>
+            </a:pPr>
+            <a:r>
+              <a:rPr lang="en-US" sz="900" dirty="0">
+                <a:solidFill>
+                  <a:srgbClr val="D4D4D4"/>
+                </a:solidFill>
+                <a:latin typeface="Courier New" pitchFamily="34" charset="0"/>
+                <a:ea typeface="Courier New" pitchFamily="34" charset="-122"/>
+                <a:cs typeface="Courier New" pitchFamily="34" charset="-120"/>
+              </a:rPr>
+              <a:t>x = 10;  // ❌ ПОМИЛКА!</a:t>
+            </a:r>
+            <a:endParaRPr lang="en-US" sz="900" dirty="0"/>
+          </a:p>
+          <a:p>
+            <a:pPr marL="0" indent="0">
+              <a:buNone/>
+            </a:pPr>
+            <a:endParaRPr lang="en-US" sz="900" dirty="0"/>
+          </a:p>
+          <a:p>
+            <a:pPr marL="0" indent="0">
+              <a:buNone/>
+            </a:pPr>
+            <a:r>
+              <a:rPr lang="en-US" sz="900" dirty="0">
+                <a:solidFill>
+                  <a:srgbClr val="D4D4D4"/>
+                </a:solidFill>
+                <a:latin typeface="Courier New" pitchFamily="34" charset="0"/>
+                <a:ea typeface="Courier New" pitchFamily="34" charset="-122"/>
+                <a:cs typeface="Courier New" pitchFamily="34" charset="-120"/>
+              </a:rPr>
+              <a:t>// error: cannot assign</a:t>
+            </a:r>
+            <a:endParaRPr lang="en-US" sz="900" dirty="0"/>
+          </a:p>
+          <a:p>
+            <a:pPr marL="0" indent="0">
+              <a:buNone/>
+            </a:pPr>
+            <a:r>
+              <a:rPr lang="en-US" sz="900" dirty="0">
+                <a:solidFill>
+                  <a:srgbClr val="D4D4D4"/>
+                </a:solidFill>
+                <a:latin typeface="Courier New" pitchFamily="34" charset="0"/>
+                <a:ea typeface="Courier New" pitchFamily="34" charset="-122"/>
+                <a:cs typeface="Courier New" pitchFamily="34" charset="-120"/>
+              </a:rPr>
+              <a:t>// twice to immutable</a:t>
+            </a:r>
+            <a:endParaRPr lang="en-US" sz="900" dirty="0"/>
+          </a:p>
+        </p:txBody>
+      </p:sp>
+      <p:sp>
+        <p:nvSpPr>
+          <p:cNvPr id="7" name="Shape 5"/>
+          <p:cNvSpPr/>
+          <p:nvPr/>
+        </p:nvSpPr>
+        <p:spPr>
+          <a:xfrm>
+            <a:off x="4754880" y="1188720"/>
+            <a:ext cx="3931920" cy="1463040"/>
+          </a:xfrm>
+          <a:prstGeom prst="rect">
+            <a:avLst/>
+          </a:prstGeom>
+          <a:solidFill>
+            <a:srgbClr val="1E4620"/>
+          </a:solidFill>
+          <a:ln/>
+        </p:spPr>
+      </p:sp>
+      <p:sp>
+        <p:nvSpPr>
+          <p:cNvPr id="8" name="Text 6"/>
+          <p:cNvSpPr/>
+          <p:nvPr/>
+        </p:nvSpPr>
+        <p:spPr>
+          <a:xfrm>
+            <a:off x="4846320" y="1234440"/>
+            <a:ext cx="3749040" cy="228600"/>
+          </a:xfrm>
+          <a:prstGeom prst="rect">
+            <a:avLst/>
+          </a:prstGeom>
+          <a:noFill/>
+          <a:ln/>
+        </p:spPr>
+        <p:txBody>
+          <a:bodyPr wrap="square" rtlCol="0" anchor="ctr"/>
+          <a:lstStyle/>
+          <a:p>
+            <a:pPr marL="0" indent="0">
+              <a:buNone/>
+            </a:pPr>
+            <a:r>
+              <a:rPr lang="en-US" sz="1000" b="1" dirty="0">
+                <a:solidFill>
+                  <a:srgbClr val="4EC9B0"/>
+                </a:solidFill>
+              </a:rPr>
+              <a:t>✓ З mut — OK:</a:t>
+            </a:r>
+            <a:endParaRPr lang="en-US" sz="1000" dirty="0"/>
+          </a:p>
+        </p:txBody>
+      </p:sp>
+      <p:sp>
+        <p:nvSpPr>
+          <p:cNvPr id="9" name="Text 7"/>
+          <p:cNvSpPr/>
+          <p:nvPr/>
+        </p:nvSpPr>
+        <p:spPr>
+          <a:xfrm>
+            <a:off x="4846320" y="1508760"/>
+            <a:ext cx="3749040" cy="1051560"/>
+          </a:xfrm>
+          <a:prstGeom prst="rect">
+            <a:avLst/>
+          </a:prstGeom>
+          <a:noFill/>
+          <a:ln/>
+        </p:spPr>
+        <p:txBody>
+          <a:bodyPr wrap="square" rtlCol="0" anchor="ctr"/>
+          <a:lstStyle/>
+          <a:p>
+            <a:pPr marL="0" indent="0">
+              <a:buNone/>
+            </a:pPr>
+            <a:r>
+              <a:rPr lang="en-US" sz="900" dirty="0">
+                <a:solidFill>
+                  <a:srgbClr val="D4D4D4"/>
+                </a:solidFill>
+                <a:latin typeface="Courier New" pitchFamily="34" charset="0"/>
+                <a:ea typeface="Courier New" pitchFamily="34" charset="-122"/>
+                <a:cs typeface="Courier New" pitchFamily="34" charset="-120"/>
+              </a:rPr>
+              <a:t>let mut x = 5;</a:t>
+            </a:r>
+            <a:endParaRPr lang="en-US" sz="900" dirty="0"/>
+          </a:p>
+          <a:p>
+            <a:pPr marL="0" indent="0">
+              <a:buNone/>
+            </a:pPr>
+            <a:r>
+              <a:rPr lang="en-US" sz="900" dirty="0">
+                <a:solidFill>
+                  <a:srgbClr val="D4D4D4"/>
+                </a:solidFill>
+                <a:latin typeface="Courier New" pitchFamily="34" charset="0"/>
+                <a:ea typeface="Courier New" pitchFamily="34" charset="-122"/>
+                <a:cs typeface="Courier New" pitchFamily="34" charset="-120"/>
+              </a:rPr>
+              <a:t>x = 10;  // ✓ OK!</a:t>
+            </a:r>
+            <a:endParaRPr lang="en-US" sz="900" dirty="0"/>
+          </a:p>
+          <a:p>
+            <a:pPr marL="0" indent="0">
+              <a:buNone/>
+            </a:pPr>
+            <a:endParaRPr lang="en-US" sz="900" dirty="0"/>
+          </a:p>
+          <a:p>
+            <a:pPr marL="0" indent="0">
+              <a:buNone/>
+            </a:pPr>
+            <a:r>
+              <a:rPr lang="en-US" sz="900" dirty="0">
+                <a:solidFill>
+                  <a:srgbClr val="D4D4D4"/>
+                </a:solidFill>
+                <a:latin typeface="Courier New" pitchFamily="34" charset="0"/>
+                <a:ea typeface="Courier New" pitchFamily="34" charset="-122"/>
+                <a:cs typeface="Courier New" pitchFamily="34" charset="-120"/>
+              </a:rPr>
+              <a:t>// mut = mutable</a:t>
+            </a:r>
+            <a:endParaRPr lang="en-US" sz="900" dirty="0"/>
+          </a:p>
+          <a:p>
+            <a:pPr marL="0" indent="0">
+              <a:buNone/>
+            </a:pPr>
+            <a:r>
+              <a:rPr lang="en-US" sz="900" dirty="0">
+                <a:solidFill>
+                  <a:srgbClr val="D4D4D4"/>
+                </a:solidFill>
+                <a:latin typeface="Courier New" pitchFamily="34" charset="0"/>
+                <a:ea typeface="Courier New" pitchFamily="34" charset="-122"/>
+                <a:cs typeface="Courier New" pitchFamily="34" charset="-120"/>
+              </a:rPr>
+              <a:t>// = змінний</a:t>
+            </a:r>
+            <a:endParaRPr lang="en-US" sz="900" dirty="0"/>
+          </a:p>
+        </p:txBody>
+      </p:sp>
+      <p:sp>
+        <p:nvSpPr>
+          <p:cNvPr id="10" name="Shape 8"/>
+          <p:cNvSpPr/>
+          <p:nvPr/>
+        </p:nvSpPr>
+        <p:spPr>
+          <a:xfrm>
+            <a:off x="457200" y="2834640"/>
+            <a:ext cx="8229600" cy="868680"/>
+          </a:xfrm>
+          <a:prstGeom prst="rect">
+            <a:avLst/>
+          </a:prstGeom>
+          <a:solidFill>
+            <a:srgbClr val="252526"/>
+          </a:solidFill>
+          <a:ln/>
+        </p:spPr>
+      </p:sp>
+      <p:sp>
+        <p:nvSpPr>
+          <p:cNvPr id="11" name="Text 9"/>
+          <p:cNvSpPr/>
+          <p:nvPr/>
+        </p:nvSpPr>
+        <p:spPr>
+          <a:xfrm>
+            <a:off x="548640" y="2971800"/>
+            <a:ext cx="8046720" cy="594360"/>
+          </a:xfrm>
+          <a:prstGeom prst="rect">
+            <a:avLst/>
+          </a:prstGeom>
+          <a:noFill/>
+          <a:ln/>
+        </p:spPr>
+        <p:txBody>
+          <a:bodyPr wrap="square" rtlCol="0" anchor="ctr"/>
+          <a:lstStyle/>
+          <a:p>
+            <a:pPr marL="0" indent="0">
+              <a:buNone/>
+            </a:pPr>
+            <a:r>
+              <a:rPr lang="en-US" sz="1000" dirty="0">
+                <a:solidFill>
+                  <a:srgbClr val="D4D4D4"/>
+                </a:solidFill>
+              </a:rPr>
+              <a:t>Навіщо? Запобігає випадковим змінам • Код легше читати • Краща оптимізація</a:t>
+            </a:r>
+            <a:endParaRPr lang="en-US" sz="1000" dirty="0"/>
+          </a:p>
+        </p:txBody>
+      </p:sp>
+    </p:spTree>
+  </p:cSld>
+  <p:clrMapOvr>
+    <a:masterClrMapping/>
+  </p:clrMapOvr>
+</p:sld>
+</file>
+
+<file path=ppt/slides/slide21.xml><?xml version="1.0" encoding="utf-8"?>
+<p:sld xmlns:a="http://schemas.openxmlformats.org/drawingml/2006/main" xmlns:r="http://schemas.openxmlformats.org/officeDocument/2006/relationships" xmlns:p="http://schemas.openxmlformats.org/presentationml/2006/main">
   <p:cSld name="Slide 19">
     <p:bg>
       <p:bgPr>
@@ -9614,7 +10939,23 @@
                   <a:srgbClr val="808080"/>
                 </a:solidFill>
               </a:rPr>
-              <a:t>Хороший тон: snake_case (user_name), зрозумілі імена (age, не a)</a:t>
+              <a:t>Хороший тон: snake_case (user_name), зрозумілі </a:t>
+            </a:r>
+            <a:r>
+              <a:rPr lang="en-US" sz="1000" dirty="0" err="1">
+                <a:solidFill>
+                  <a:srgbClr val="808080"/>
+                </a:solidFill>
+              </a:rPr>
+              <a:t>імена</a:t>
+            </a:r>
+            <a:r>
+              <a:rPr lang="en-US" sz="1000" dirty="0">
+                <a:solidFill>
+                  <a:srgbClr val="808080"/>
+                </a:solidFill>
+              </a:rPr>
+              <a:t> </a:t>
             </a:r>
             <a:endParaRPr lang="en-US" sz="1000" dirty="0"/>
           </a:p>
@@ -9628,7 +10969,7 @@
 </p:sld>
 </file>
 
-<file path=ppt/slides/slide21.xml><?xml version="1.0" encoding="utf-8"?>
+<file path=ppt/slides/slide22.xml><?xml version="1.0" encoding="utf-8"?>
 <p:sld xmlns:a="http://schemas.openxmlformats.org/drawingml/2006/main" xmlns:r="http://schemas.openxmlformats.org/officeDocument/2006/relationships" xmlns:p="http://schemas.openxmlformats.org/presentationml/2006/main">
   <p:cSld name="Slide 20">
     <p:bg>
@@ -10320,7 +11661,7 @@
 </p:sld>
 </file>
 
-<file path=ppt/slides/slide22.xml><?xml version="1.0" encoding="utf-8"?>
+<file path=ppt/slides/slide23.xml><?xml version="1.0" encoding="utf-8"?>
 <p:sld xmlns:a="http://schemas.openxmlformats.org/drawingml/2006/main" xmlns:r="http://schemas.openxmlformats.org/officeDocument/2006/relationships" xmlns:p="http://schemas.openxmlformats.org/presentationml/2006/main">
   <p:cSld name="Slide 21">
     <p:bg>
@@ -10618,7 +11959,7 @@
 </p:sld>
 </file>
 
-<file path=ppt/slides/slide23.xml><?xml version="1.0" encoding="utf-8"?>
+<file path=ppt/slides/slide24.xml><?xml version="1.0" encoding="utf-8"?>
 <p:sld xmlns:a="http://schemas.openxmlformats.org/drawingml/2006/main" xmlns:r="http://schemas.openxmlformats.org/officeDocument/2006/relationships" xmlns:p="http://schemas.openxmlformats.org/presentationml/2006/main">
   <p:cSld name="Slide 22">
     <p:bg>
@@ -10926,7 +12267,7 @@
 </p:sld>
 </file>
 
-<file path=ppt/slides/slide24.xml><?xml version="1.0" encoding="utf-8"?>
+<file path=ppt/slides/slide25.xml><?xml version="1.0" encoding="utf-8"?>
 <p:sld xmlns:a="http://schemas.openxmlformats.org/drawingml/2006/main" xmlns:r="http://schemas.openxmlformats.org/officeDocument/2006/relationships" xmlns:p="http://schemas.openxmlformats.org/presentationml/2006/main">
   <p:cSld name="Slide 23">
     <p:bg>
@@ -11257,7 +12598,7 @@
 </p:sld>
 </file>
 
-<file path=ppt/slides/slide25.xml><?xml version="1.0" encoding="utf-8"?>
+<file path=ppt/slides/slide26.xml><?xml version="1.0" encoding="utf-8"?>
 <p:sld xmlns:a="http://schemas.openxmlformats.org/drawingml/2006/main" xmlns:r="http://schemas.openxmlformats.org/officeDocument/2006/relationships" xmlns:p="http://schemas.openxmlformats.org/presentationml/2006/main">
   <p:cSld name="Slide 24">
     <p:bg>
@@ -11598,7 +12939,7 @@
 </p:sld>
 </file>
 
-<file path=ppt/slides/slide26.xml><?xml version="1.0" encoding="utf-8"?>
+<file path=ppt/slides/slide27.xml><?xml version="1.0" encoding="utf-8"?>
 <p:sld xmlns:a="http://schemas.openxmlformats.org/drawingml/2006/main" xmlns:r="http://schemas.openxmlformats.org/officeDocument/2006/relationships" xmlns:p="http://schemas.openxmlformats.org/presentationml/2006/main">
   <p:cSld name="Slide 25">
     <p:bg>
@@ -11667,8 +13008,8 @@
         </p:nvSpPr>
         <p:spPr>
           <a:xfrm>
-            <a:off x="457200" y="822960"/>
-            <a:ext cx="3931920" cy="914400"/>
+            <a:off x="457200" y="886264"/>
+            <a:ext cx="3931920" cy="2243797"/>
           </a:xfrm>
           <a:prstGeom prst="rect">
             <a:avLst/>
@@ -11687,8 +13028,8 @@
         </p:nvSpPr>
         <p:spPr>
           <a:xfrm>
-            <a:off x="548640" y="914400"/>
-            <a:ext cx="3749040" cy="731520"/>
+            <a:off x="548640" y="914399"/>
+            <a:ext cx="3749040" cy="1709226"/>
           </a:xfrm>
           <a:prstGeom prst="rect">
             <a:avLst/>
@@ -11725,6 +13066,146 @@
               </a:rPr>
               <a:t>let s = "Hello";</a:t>
             </a:r>
+            <a:endParaRPr lang="uk-UA" sz="1000" dirty="0">
+              <a:solidFill>
+                <a:srgbClr val="D4D4D4"/>
+              </a:solidFill>
+            </a:endParaRPr>
+          </a:p>
+          <a:p>
+            <a:pPr marL="0" indent="0">
+              <a:buNone/>
+            </a:pPr>
+            <a:endParaRPr lang="uk-UA" sz="1000" dirty="0">
+              <a:solidFill>
+                <a:srgbClr val="D4D4D4"/>
+              </a:solidFill>
+            </a:endParaRPr>
+          </a:p>
+          <a:p>
+            <a:pPr marL="0" indent="0">
+              <a:buNone/>
+            </a:pPr>
+            <a:r>
+              <a:rPr lang="en-US" sz="1000" dirty="0">
+                <a:solidFill>
+                  <a:srgbClr val="D4D4D4"/>
+                </a:solidFill>
+              </a:rPr>
+              <a:t>let world = "World!"; — </a:t>
+            </a:r>
+            <a:r>
+              <a:rPr lang="uk-UA" sz="1000" dirty="0">
+                <a:solidFill>
+                  <a:srgbClr val="D4D4D4"/>
+                </a:solidFill>
+              </a:rPr>
+              <a:t>створює &amp;</a:t>
+            </a:r>
+            <a:r>
+              <a:rPr lang="en-US" sz="1000" dirty="0">
+                <a:solidFill>
+                  <a:srgbClr val="D4D4D4"/>
+                </a:solidFill>
+              </a:rPr>
+              <a:t>str (string slice)</a:t>
+            </a:r>
+          </a:p>
+          <a:p>
+            <a:pPr marL="0" indent="0">
+              <a:buNone/>
+            </a:pPr>
+            <a:endParaRPr lang="en-US" sz="1000" dirty="0">
+              <a:solidFill>
+                <a:srgbClr val="D4D4D4"/>
+              </a:solidFill>
+            </a:endParaRPr>
+          </a:p>
+          <a:p>
+            <a:pPr marL="0" indent="0">
+              <a:buNone/>
+            </a:pPr>
+            <a:r>
+              <a:rPr lang="uk-UA" sz="1000" dirty="0">
+                <a:solidFill>
+                  <a:srgbClr val="D4D4D4"/>
+                </a:solidFill>
+              </a:rPr>
+              <a:t>Тип: &amp;</a:t>
+            </a:r>
+            <a:r>
+              <a:rPr lang="en-US" sz="1000" dirty="0">
+                <a:solidFill>
+                  <a:srgbClr val="D4D4D4"/>
+                </a:solidFill>
+              </a:rPr>
+              <a:t>str</a:t>
+            </a:r>
+          </a:p>
+          <a:p>
+            <a:pPr marL="0" indent="0">
+              <a:buNone/>
+            </a:pPr>
+            <a:r>
+              <a:rPr lang="uk-UA" sz="1000" dirty="0">
+                <a:solidFill>
+                  <a:srgbClr val="D4D4D4"/>
+                </a:solidFill>
+              </a:rPr>
+              <a:t>Зберігається в бінарному файлі програми</a:t>
+            </a:r>
+          </a:p>
+          <a:p>
+            <a:pPr marL="0" indent="0">
+              <a:buNone/>
+            </a:pPr>
+            <a:r>
+              <a:rPr lang="uk-UA" sz="1000" dirty="0">
+                <a:solidFill>
+                  <a:srgbClr val="D4D4D4"/>
+                </a:solidFill>
+              </a:rPr>
+              <a:t>Незмінний (</a:t>
+            </a:r>
+            <a:r>
+              <a:rPr lang="en-US" sz="1000" dirty="0">
+                <a:solidFill>
+                  <a:srgbClr val="D4D4D4"/>
+                </a:solidFill>
+              </a:rPr>
+              <a:t>immutable)</a:t>
+            </a:r>
+          </a:p>
+          <a:p>
+            <a:pPr marL="0" indent="0">
+              <a:buNone/>
+            </a:pPr>
+            <a:r>
+              <a:rPr lang="uk-UA" sz="1000" dirty="0">
+                <a:solidFill>
+                  <a:srgbClr val="D4D4D4"/>
+                </a:solidFill>
+              </a:rPr>
+              <a:t>Не виділяє пам'ять на </a:t>
+            </a:r>
+            <a:r>
+              <a:rPr lang="en-US" sz="1000" dirty="0">
+                <a:solidFill>
+                  <a:srgbClr val="D4D4D4"/>
+                </a:solidFill>
+              </a:rPr>
+              <a:t>heap</a:t>
+            </a:r>
+            <a:endParaRPr lang="uk-UA" sz="1000" dirty="0">
+              <a:solidFill>
+                <a:srgbClr val="D4D4D4"/>
+              </a:solidFill>
+            </a:endParaRPr>
+          </a:p>
+          <a:p>
+            <a:pPr marL="0" indent="0">
+              <a:buNone/>
+            </a:pPr>
             <a:endParaRPr lang="en-US" sz="1000" dirty="0"/>
           </a:p>
         </p:txBody>
@@ -11737,8 +13218,8 @@
         </p:nvSpPr>
         <p:spPr>
           <a:xfrm>
-            <a:off x="4754880" y="822960"/>
-            <a:ext cx="3931920" cy="914400"/>
+            <a:off x="4754880" y="822959"/>
+            <a:ext cx="3931920" cy="2243797"/>
           </a:xfrm>
           <a:prstGeom prst="rect">
             <a:avLst/>
@@ -11757,8 +13238,8 @@
         </p:nvSpPr>
         <p:spPr>
           <a:xfrm>
-            <a:off x="4846320" y="914400"/>
-            <a:ext cx="3749040" cy="731520"/>
+            <a:off x="4846320" y="914399"/>
+            <a:ext cx="3749040" cy="1413803"/>
           </a:xfrm>
           <a:prstGeom prst="rect">
             <a:avLst/>
@@ -11776,12 +13257,11 @@
             <a:r>
               <a:rPr lang="en-US" sz="1000" dirty="0">
                 <a:solidFill>
-                  <a:srgbClr val="D4D4D4"/>
+                  <a:schemeClr val="bg1"/>
                 </a:solidFill>
               </a:rPr>
               <a:t>String — динамічний</a:t>
             </a:r>
-            <a:endParaRPr lang="en-US" sz="1000" dirty="0"/>
           </a:p>
           <a:p>
             <a:pPr marL="0" indent="0">
@@ -11790,12 +13270,248 @@
             <a:r>
               <a:rPr lang="en-US" sz="1000" dirty="0">
                 <a:solidFill>
-                  <a:srgbClr val="D4D4D4"/>
+                  <a:schemeClr val="bg1"/>
                 </a:solidFill>
               </a:rPr>
               <a:t>let s = String::from("Hi");</a:t>
             </a:r>
-            <a:endParaRPr lang="en-US" sz="1000" dirty="0"/>
+            <a:endParaRPr lang="uk-UA" sz="1000" dirty="0">
+              <a:solidFill>
+                <a:schemeClr val="bg1"/>
+              </a:solidFill>
+            </a:endParaRPr>
+          </a:p>
+          <a:p>
+            <a:pPr marL="0" indent="0">
+              <a:buNone/>
+            </a:pPr>
+            <a:r>
+              <a:rPr lang="en-US" sz="1000" dirty="0">
+                <a:solidFill>
+                  <a:schemeClr val="bg1"/>
+                </a:solidFill>
+              </a:rPr>
+              <a:t>let hello = String::from("Hello, "); — </a:t>
+            </a:r>
+            <a:r>
+              <a:rPr lang="ru-RU" sz="1000" dirty="0" err="1">
+                <a:solidFill>
+                  <a:schemeClr val="bg1"/>
+                </a:solidFill>
+              </a:rPr>
+              <a:t>створює</a:t>
+            </a:r>
+            <a:r>
+              <a:rPr lang="ru-RU" sz="1000" dirty="0">
+                <a:solidFill>
+                  <a:schemeClr val="bg1"/>
+                </a:solidFill>
+              </a:rPr>
+              <a:t> </a:t>
+            </a:r>
+            <a:r>
+              <a:rPr lang="en-US" sz="1000" dirty="0">
+                <a:solidFill>
+                  <a:schemeClr val="bg1"/>
+                </a:solidFill>
+              </a:rPr>
+              <a:t>String</a:t>
+            </a:r>
+          </a:p>
+          <a:p>
+            <a:pPr marL="0" indent="0">
+              <a:buNone/>
+            </a:pPr>
+            <a:endParaRPr lang="en-US" sz="1000" dirty="0">
+              <a:solidFill>
+                <a:schemeClr val="bg1"/>
+              </a:solidFill>
+            </a:endParaRPr>
+          </a:p>
+          <a:p>
+            <a:pPr marL="0" indent="0">
+              <a:buNone/>
+            </a:pPr>
+            <a:r>
+              <a:rPr lang="ru-RU" sz="1000" dirty="0">
+                <a:solidFill>
+                  <a:schemeClr val="bg1"/>
+                </a:solidFill>
+              </a:rPr>
+              <a:t>Тип: </a:t>
+            </a:r>
+            <a:r>
+              <a:rPr lang="en-US" sz="1000" dirty="0">
+                <a:solidFill>
+                  <a:schemeClr val="bg1"/>
+                </a:solidFill>
+              </a:rPr>
+              <a:t>String</a:t>
+            </a:r>
+          </a:p>
+          <a:p>
+            <a:pPr marL="0" indent="0">
+              <a:buNone/>
+            </a:pPr>
+            <a:r>
+              <a:rPr lang="ru-RU" sz="1000" dirty="0" err="1">
+                <a:solidFill>
+                  <a:schemeClr val="bg1"/>
+                </a:solidFill>
+              </a:rPr>
+              <a:t>Зберігається</a:t>
+            </a:r>
+            <a:r>
+              <a:rPr lang="ru-RU" sz="1000" dirty="0">
+                <a:solidFill>
+                  <a:schemeClr val="bg1"/>
+                </a:solidFill>
+              </a:rPr>
+              <a:t> на </a:t>
+            </a:r>
+            <a:r>
+              <a:rPr lang="en-US" sz="1000" dirty="0">
+                <a:solidFill>
+                  <a:schemeClr val="bg1"/>
+                </a:solidFill>
+              </a:rPr>
+              <a:t>heap (</a:t>
+            </a:r>
+            <a:r>
+              <a:rPr lang="ru-RU" sz="1000" dirty="0" err="1">
+                <a:solidFill>
+                  <a:schemeClr val="bg1"/>
+                </a:solidFill>
+              </a:rPr>
+              <a:t>купі</a:t>
+            </a:r>
+            <a:r>
+              <a:rPr lang="ru-RU" sz="1000" dirty="0">
+                <a:solidFill>
+                  <a:schemeClr val="bg1"/>
+                </a:solidFill>
+              </a:rPr>
+              <a:t>)</a:t>
+            </a:r>
+          </a:p>
+          <a:p>
+            <a:pPr marL="0" indent="0">
+              <a:buNone/>
+            </a:pPr>
+            <a:r>
+              <a:rPr lang="ru-RU" sz="1000" dirty="0" err="1">
+                <a:solidFill>
+                  <a:schemeClr val="bg1"/>
+                </a:solidFill>
+              </a:rPr>
+              <a:t>Змінний</a:t>
+            </a:r>
+            <a:r>
+              <a:rPr lang="ru-RU" sz="1000" dirty="0">
+                <a:solidFill>
+                  <a:schemeClr val="bg1"/>
+                </a:solidFill>
+              </a:rPr>
+              <a:t> (</a:t>
+            </a:r>
+            <a:r>
+              <a:rPr lang="en-US" sz="1000" dirty="0">
+                <a:solidFill>
+                  <a:schemeClr val="bg1"/>
+                </a:solidFill>
+              </a:rPr>
+              <a:t>mutable) — </a:t>
+            </a:r>
+            <a:r>
+              <a:rPr lang="ru-RU" sz="1000" dirty="0" err="1">
+                <a:solidFill>
+                  <a:schemeClr val="bg1"/>
+                </a:solidFill>
+              </a:rPr>
+              <a:t>можна</a:t>
+            </a:r>
+            <a:r>
+              <a:rPr lang="ru-RU" sz="1000" dirty="0">
+                <a:solidFill>
+                  <a:schemeClr val="bg1"/>
+                </a:solidFill>
+              </a:rPr>
+              <a:t> </a:t>
+            </a:r>
+            <a:r>
+              <a:rPr lang="ru-RU" sz="1000" dirty="0" err="1">
+                <a:solidFill>
+                  <a:schemeClr val="bg1"/>
+                </a:solidFill>
+              </a:rPr>
+              <a:t>додавати</a:t>
+            </a:r>
+            <a:r>
+              <a:rPr lang="ru-RU" sz="1000" dirty="0">
+                <a:solidFill>
+                  <a:schemeClr val="bg1"/>
+                </a:solidFill>
+              </a:rPr>
+              <a:t> </a:t>
+            </a:r>
+            <a:r>
+              <a:rPr lang="ru-RU" sz="1000" dirty="0" err="1">
+                <a:solidFill>
+                  <a:schemeClr val="bg1"/>
+                </a:solidFill>
+              </a:rPr>
+              <a:t>символи</a:t>
+            </a:r>
+            <a:endParaRPr lang="ru-RU" sz="1000" dirty="0">
+              <a:solidFill>
+                <a:schemeClr val="bg1"/>
+              </a:solidFill>
+            </a:endParaRPr>
+          </a:p>
+          <a:p>
+            <a:pPr marL="0" indent="0">
+              <a:buNone/>
+            </a:pPr>
+            <a:r>
+              <a:rPr lang="ru-RU" sz="1000" dirty="0" err="1">
+                <a:solidFill>
+                  <a:schemeClr val="bg1"/>
+                </a:solidFill>
+              </a:rPr>
+              <a:t>Має</a:t>
+            </a:r>
+            <a:r>
+              <a:rPr lang="ru-RU" sz="1000" dirty="0">
+                <a:solidFill>
+                  <a:schemeClr val="bg1"/>
+                </a:solidFill>
+              </a:rPr>
+              <a:t> </a:t>
+            </a:r>
+            <a:r>
+              <a:rPr lang="ru-RU" sz="1000" dirty="0" err="1">
+                <a:solidFill>
+                  <a:schemeClr val="bg1"/>
+                </a:solidFill>
+              </a:rPr>
+              <a:t>власника</a:t>
+            </a:r>
+            <a:r>
+              <a:rPr lang="ru-RU" sz="1000" dirty="0">
+                <a:solidFill>
+                  <a:schemeClr val="bg1"/>
+                </a:solidFill>
+              </a:rPr>
+              <a:t> (</a:t>
+            </a:r>
+            <a:r>
+              <a:rPr lang="en-US" sz="1000" dirty="0">
+                <a:solidFill>
+                  <a:schemeClr val="bg1"/>
+                </a:solidFill>
+              </a:rPr>
+              <a:t>owned)</a:t>
+            </a:r>
           </a:p>
         </p:txBody>
       </p:sp>
@@ -11807,7 +13523,7 @@
         </p:nvSpPr>
         <p:spPr>
           <a:xfrm>
-            <a:off x="457200" y="1920240"/>
+            <a:off x="457200" y="3334043"/>
             <a:ext cx="8229600" cy="1645920"/>
           </a:xfrm>
           <a:prstGeom prst="rect">
@@ -11827,7 +13543,7 @@
         </p:nvSpPr>
         <p:spPr>
           <a:xfrm>
-            <a:off x="548640" y="1965960"/>
+            <a:off x="548640" y="3379763"/>
             <a:ext cx="8046720" cy="1554480"/>
           </a:xfrm>
           <a:prstGeom prst="rect">
@@ -11945,7 +13661,156 @@
               </a:rPr>
               <a:t>let msg = format!("{} {}!", "Hello", "World");</a:t>
             </a:r>
-            <a:endParaRPr lang="en-US" sz="900" dirty="0"/>
+            <a:endParaRPr lang="uk-UA" sz="900" dirty="0">
+              <a:solidFill>
+                <a:srgbClr val="D4D4D4"/>
+              </a:solidFill>
+              <a:latin typeface="Courier New" pitchFamily="34" charset="0"/>
+              <a:ea typeface="Courier New" pitchFamily="34" charset="-122"/>
+              <a:cs typeface="Courier New" pitchFamily="34" charset="-120"/>
+            </a:endParaRPr>
+          </a:p>
+          <a:p>
+            <a:pPr marL="0" indent="0">
+              <a:buNone/>
+            </a:pPr>
+            <a:endParaRPr lang="uk-UA" sz="900" dirty="0">
+              <a:solidFill>
+                <a:schemeClr val="bg1"/>
+              </a:solidFill>
+              <a:latin typeface="Courier New" pitchFamily="34" charset="0"/>
+              <a:cs typeface="Courier New" pitchFamily="34" charset="-120"/>
+            </a:endParaRPr>
+          </a:p>
+          <a:p>
+            <a:pPr marL="0" indent="0">
+              <a:buNone/>
+            </a:pPr>
+            <a:r>
+              <a:rPr lang="en-US" sz="900" dirty="0">
+                <a:solidFill>
+                  <a:schemeClr val="bg1"/>
+                </a:solidFill>
+              </a:rPr>
+              <a:t>// </a:t>
+            </a:r>
+            <a:r>
+              <a:rPr lang="ru-RU" sz="900" dirty="0" err="1">
+                <a:solidFill>
+                  <a:schemeClr val="bg1"/>
+                </a:solidFill>
+              </a:rPr>
+              <a:t>format</a:t>
+            </a:r>
+            <a:r>
+              <a:rPr lang="ru-RU" sz="900" dirty="0">
+                <a:solidFill>
+                  <a:schemeClr val="bg1"/>
+                </a:solidFill>
+              </a:rPr>
+              <a:t>! </a:t>
+            </a:r>
+            <a:r>
+              <a:rPr lang="ru-RU" sz="900" dirty="0" err="1">
+                <a:solidFill>
+                  <a:schemeClr val="bg1"/>
+                </a:solidFill>
+              </a:rPr>
+              <a:t>створює</a:t>
+            </a:r>
+            <a:r>
+              <a:rPr lang="ru-RU" sz="900" dirty="0">
+                <a:solidFill>
+                  <a:schemeClr val="bg1"/>
+                </a:solidFill>
+              </a:rPr>
+              <a:t> </a:t>
+            </a:r>
+            <a:r>
+              <a:rPr lang="ru-RU" sz="900" dirty="0" err="1">
+                <a:solidFill>
+                  <a:schemeClr val="bg1"/>
+                </a:solidFill>
+              </a:rPr>
+              <a:t>String</a:t>
+            </a:r>
+            <a:r>
+              <a:rPr lang="ru-RU" sz="900" dirty="0">
+                <a:solidFill>
+                  <a:schemeClr val="bg1"/>
+                </a:solidFill>
+              </a:rPr>
+              <a:t> з </a:t>
+            </a:r>
+            <a:r>
+              <a:rPr lang="ru-RU" sz="900" dirty="0" err="1">
+                <a:solidFill>
+                  <a:schemeClr val="bg1"/>
+                </a:solidFill>
+              </a:rPr>
+              <a:t>форматованого</a:t>
+            </a:r>
+            <a:r>
+              <a:rPr lang="ru-RU" sz="900" dirty="0">
+                <a:solidFill>
+                  <a:schemeClr val="bg1"/>
+                </a:solidFill>
+              </a:rPr>
+              <a:t> тексту (як </a:t>
+            </a:r>
+            <a:r>
+              <a:rPr lang="ru-RU" sz="900" dirty="0" err="1">
+                <a:solidFill>
+                  <a:schemeClr val="bg1"/>
+                </a:solidFill>
+              </a:rPr>
+              <a:t>println</a:t>
+            </a:r>
+            <a:r>
+              <a:rPr lang="ru-RU" sz="900" dirty="0">
+                <a:solidFill>
+                  <a:schemeClr val="bg1"/>
+                </a:solidFill>
+              </a:rPr>
+              <a:t>!, але не </a:t>
+            </a:r>
+            <a:r>
+              <a:rPr lang="ru-RU" sz="900" dirty="0" err="1">
+                <a:solidFill>
+                  <a:schemeClr val="bg1"/>
+                </a:solidFill>
+              </a:rPr>
+              <a:t>виводить</a:t>
+            </a:r>
+            <a:r>
+              <a:rPr lang="ru-RU" sz="900" dirty="0">
+                <a:solidFill>
+                  <a:schemeClr val="bg1"/>
+                </a:solidFill>
+              </a:rPr>
+              <a:t>, а </a:t>
+            </a:r>
+            <a:r>
+              <a:rPr lang="ru-RU" sz="900" dirty="0" err="1">
+                <a:solidFill>
+                  <a:schemeClr val="bg1"/>
+                </a:solidFill>
+              </a:rPr>
+              <a:t>повертає</a:t>
+            </a:r>
+            <a:r>
+              <a:rPr lang="ru-RU" sz="900" dirty="0">
+                <a:solidFill>
+                  <a:schemeClr val="bg1"/>
+                </a:solidFill>
+              </a:rPr>
+              <a:t> рядок)</a:t>
+            </a:r>
+            <a:endParaRPr lang="en-US" sz="900" dirty="0">
+              <a:solidFill>
+                <a:schemeClr val="bg1"/>
+              </a:solidFill>
+            </a:endParaRPr>
           </a:p>
         </p:txBody>
       </p:sp>
@@ -11957,7 +13822,7 @@
 </p:sld>
 </file>
 
-<file path=ppt/slides/slide27.xml><?xml version="1.0" encoding="utf-8"?>
+<file path=ppt/slides/slide28.xml><?xml version="1.0" encoding="utf-8"?>
 <p:sld xmlns:a="http://schemas.openxmlformats.org/drawingml/2006/main" xmlns:r="http://schemas.openxmlformats.org/officeDocument/2006/relationships" xmlns:p="http://schemas.openxmlformats.org/presentationml/2006/main">
   <p:cSld name="Slide 26">
     <p:bg>
@@ -12657,7 +14522,7 @@
 </p:sld>
 </file>
 
-<file path=ppt/slides/slide28.xml><?xml version="1.0" encoding="utf-8"?>
+<file path=ppt/slides/slide29.xml><?xml version="1.0" encoding="utf-8"?>
 <p:sld xmlns:a="http://schemas.openxmlformats.org/drawingml/2006/main" xmlns:r="http://schemas.openxmlformats.org/officeDocument/2006/relationships" xmlns:p="http://schemas.openxmlformats.org/presentationml/2006/main">
   <p:cSld name="Slide 27">
     <p:bg>
@@ -12954,316 +14819,6 @@
                 <a:cs typeface="Courier New" pitchFamily="34" charset="-120"/>
               </a:rPr>
               <a:t>x *= 2;  // 24</a:t>
-            </a:r>
-            <a:endParaRPr lang="en-US" sz="900" dirty="0"/>
-          </a:p>
-        </p:txBody>
-      </p:sp>
-    </p:spTree>
-  </p:cSld>
-  <p:clrMapOvr>
-    <a:masterClrMapping/>
-  </p:clrMapOvr>
-</p:sld>
-</file>
-
-<file path=ppt/slides/slide29.xml><?xml version="1.0" encoding="utf-8"?>
-<p:sld xmlns:a="http://schemas.openxmlformats.org/drawingml/2006/main" xmlns:r="http://schemas.openxmlformats.org/officeDocument/2006/relationships" xmlns:p="http://schemas.openxmlformats.org/presentationml/2006/main">
-  <p:cSld name="Slide 28">
-    <p:bg>
-      <p:bgPr>
-        <a:solidFill>
-          <a:srgbClr val="1E1E1E"/>
-        </a:solidFill>
-        <a:effectLst/>
-      </p:bgPr>
-    </p:bg>
-    <p:spTree>
-      <p:nvGrpSpPr>
-        <p:cNvPr id="1" name=""/>
-        <p:cNvGrpSpPr/>
-        <p:nvPr/>
-      </p:nvGrpSpPr>
-      <p:grpSpPr>
-        <a:xfrm>
-          <a:off x="0" y="0"/>
-          <a:ext cx="0" cy="0"/>
-          <a:chOff x="0" y="0"/>
-          <a:chExt cx="0" cy="0"/>
-        </a:xfrm>
-      </p:grpSpPr>
-      <p:sp>
-        <p:nvSpPr>
-          <p:cNvPr id="2" name="Text 0"/>
-          <p:cNvSpPr/>
-          <p:nvPr/>
-        </p:nvSpPr>
-        <p:spPr>
-          <a:xfrm>
-            <a:off x="457200" y="274320"/>
-            <a:ext cx="8229600" cy="457200"/>
-          </a:xfrm>
-          <a:prstGeom prst="rect">
-            <a:avLst/>
-          </a:prstGeom>
-          <a:noFill/>
-          <a:ln/>
-        </p:spPr>
-        <p:txBody>
-          <a:bodyPr wrap="square" rtlCol="0" anchor="ctr"/>
-          <a:lstStyle/>
-          <a:p>
-            <a:pPr marL="0" indent="0">
-              <a:buNone/>
-            </a:pPr>
-            <a:r>
-              <a:rPr lang="en-US" sz="3200" b="1" dirty="0">
-                <a:solidFill>
-                  <a:srgbClr val="CE422B"/>
-                </a:solidFill>
-              </a:rPr>
-              <a:t>Операції порівняння</a:t>
-            </a:r>
-            <a:endParaRPr lang="en-US" sz="3200" dirty="0"/>
-          </a:p>
-        </p:txBody>
-      </p:sp>
-      <p:sp>
-        <p:nvSpPr>
-          <p:cNvPr id="3" name="Shape 1"/>
-          <p:cNvSpPr/>
-          <p:nvPr/>
-        </p:nvSpPr>
-        <p:spPr>
-          <a:xfrm>
-            <a:off x="457200" y="822960"/>
-            <a:ext cx="8229600" cy="2834640"/>
-          </a:xfrm>
-          <a:prstGeom prst="rect">
-            <a:avLst/>
-          </a:prstGeom>
-          <a:solidFill>
-            <a:srgbClr val="0D3B2E"/>
-          </a:solidFill>
-          <a:ln/>
-        </p:spPr>
-      </p:sp>
-      <p:sp>
-        <p:nvSpPr>
-          <p:cNvPr id="4" name="Text 2"/>
-          <p:cNvSpPr/>
-          <p:nvPr/>
-        </p:nvSpPr>
-        <p:spPr>
-          <a:xfrm>
-            <a:off x="548640" y="868680"/>
-            <a:ext cx="8046720" cy="2743200"/>
-          </a:xfrm>
-          <a:prstGeom prst="rect">
-            <a:avLst/>
-          </a:prstGeom>
-          <a:noFill/>
-          <a:ln/>
-        </p:spPr>
-        <p:txBody>
-          <a:bodyPr wrap="square" rtlCol="0" anchor="ctr"/>
-          <a:lstStyle/>
-          <a:p>
-            <a:pPr marL="0" indent="0">
-              <a:buNone/>
-            </a:pPr>
-            <a:r>
-              <a:rPr lang="en-US" sz="900" dirty="0">
-                <a:solidFill>
-                  <a:srgbClr val="D4D4D4"/>
-                </a:solidFill>
-                <a:latin typeface="Courier New" pitchFamily="34" charset="0"/>
-                <a:ea typeface="Courier New" pitchFamily="34" charset="-122"/>
-                <a:cs typeface="Courier New" pitchFamily="34" charset="-120"/>
-              </a:rPr>
-              <a:t>let a = 5;</a:t>
-            </a:r>
-            <a:endParaRPr lang="en-US" sz="900" dirty="0"/>
-          </a:p>
-          <a:p>
-            <a:pPr marL="0" indent="0">
-              <a:buNone/>
-            </a:pPr>
-            <a:r>
-              <a:rPr lang="en-US" sz="900" dirty="0">
-                <a:solidFill>
-                  <a:srgbClr val="D4D4D4"/>
-                </a:solidFill>
-                <a:latin typeface="Courier New" pitchFamily="34" charset="0"/>
-                <a:ea typeface="Courier New" pitchFamily="34" charset="-122"/>
-                <a:cs typeface="Courier New" pitchFamily="34" charset="-120"/>
-              </a:rPr>
-              <a:t>let b = 10;</a:t>
-            </a:r>
-            <a:endParaRPr lang="en-US" sz="900" dirty="0"/>
-          </a:p>
-          <a:p>
-            <a:pPr marL="0" indent="0">
-              <a:buNone/>
-            </a:pPr>
-            <a:endParaRPr lang="en-US" sz="900" dirty="0"/>
-          </a:p>
-          <a:p>
-            <a:pPr marL="0" indent="0">
-              <a:buNone/>
-            </a:pPr>
-            <a:r>
-              <a:rPr lang="en-US" sz="900" dirty="0">
-                <a:solidFill>
-                  <a:srgbClr val="D4D4D4"/>
-                </a:solidFill>
-                <a:latin typeface="Courier New" pitchFamily="34" charset="0"/>
-                <a:ea typeface="Courier New" pitchFamily="34" charset="-122"/>
-                <a:cs typeface="Courier New" pitchFamily="34" charset="-120"/>
-              </a:rPr>
-              <a:t>println!("{} == {} → {}", a, b, a == b);  // false</a:t>
-            </a:r>
-            <a:endParaRPr lang="en-US" sz="900" dirty="0"/>
-          </a:p>
-          <a:p>
-            <a:pPr marL="0" indent="0">
-              <a:buNone/>
-            </a:pPr>
-            <a:r>
-              <a:rPr lang="en-US" sz="900" dirty="0">
-                <a:solidFill>
-                  <a:srgbClr val="D4D4D4"/>
-                </a:solidFill>
-                <a:latin typeface="Courier New" pitchFamily="34" charset="0"/>
-                <a:ea typeface="Courier New" pitchFamily="34" charset="-122"/>
-                <a:cs typeface="Courier New" pitchFamily="34" charset="-120"/>
-              </a:rPr>
-              <a:t>println!("{} != {} → {}", a, b, a != b);  // true</a:t>
-            </a:r>
-            <a:endParaRPr lang="en-US" sz="900" dirty="0"/>
-          </a:p>
-          <a:p>
-            <a:pPr marL="0" indent="0">
-              <a:buNone/>
-            </a:pPr>
-            <a:r>
-              <a:rPr lang="en-US" sz="900" dirty="0">
-                <a:solidFill>
-                  <a:srgbClr val="D4D4D4"/>
-                </a:solidFill>
-                <a:latin typeface="Courier New" pitchFamily="34" charset="0"/>
-                <a:ea typeface="Courier New" pitchFamily="34" charset="-122"/>
-                <a:cs typeface="Courier New" pitchFamily="34" charset="-120"/>
-              </a:rPr>
-              <a:t>println!("{} &lt;  {} → {}", a, b, a &lt; b);   // true</a:t>
-            </a:r>
-            <a:endParaRPr lang="en-US" sz="900" dirty="0"/>
-          </a:p>
-          <a:p>
-            <a:pPr marL="0" indent="0">
-              <a:buNone/>
-            </a:pPr>
-            <a:r>
-              <a:rPr lang="en-US" sz="900" dirty="0">
-                <a:solidFill>
-                  <a:srgbClr val="D4D4D4"/>
-                </a:solidFill>
-                <a:latin typeface="Courier New" pitchFamily="34" charset="0"/>
-                <a:ea typeface="Courier New" pitchFamily="34" charset="-122"/>
-                <a:cs typeface="Courier New" pitchFamily="34" charset="-120"/>
-              </a:rPr>
-              <a:t>println!("{} &gt;  {} → {}", a, b, a &gt; b);   // false</a:t>
-            </a:r>
-            <a:endParaRPr lang="en-US" sz="900" dirty="0"/>
-          </a:p>
-          <a:p>
-            <a:pPr marL="0" indent="0">
-              <a:buNone/>
-            </a:pPr>
-            <a:r>
-              <a:rPr lang="en-US" sz="900" dirty="0">
-                <a:solidFill>
-                  <a:srgbClr val="D4D4D4"/>
-                </a:solidFill>
-                <a:latin typeface="Courier New" pitchFamily="34" charset="0"/>
-                <a:ea typeface="Courier New" pitchFamily="34" charset="-122"/>
-                <a:cs typeface="Courier New" pitchFamily="34" charset="-120"/>
-              </a:rPr>
-              <a:t>println!("{} &lt;= {} → {}", a, a, a &lt;= a);  // true</a:t>
-            </a:r>
-            <a:endParaRPr lang="en-US" sz="900" dirty="0"/>
-          </a:p>
-          <a:p>
-            <a:pPr marL="0" indent="0">
-              <a:buNone/>
-            </a:pPr>
-            <a:r>
-              <a:rPr lang="en-US" sz="900" dirty="0">
-                <a:solidFill>
-                  <a:srgbClr val="D4D4D4"/>
-                </a:solidFill>
-                <a:latin typeface="Courier New" pitchFamily="34" charset="0"/>
-                <a:ea typeface="Courier New" pitchFamily="34" charset="-122"/>
-                <a:cs typeface="Courier New" pitchFamily="34" charset="-120"/>
-              </a:rPr>
-              <a:t>println!("{} &gt;= {} → {}", a, b, a &gt;= b);  // false</a:t>
-            </a:r>
-            <a:endParaRPr lang="en-US" sz="900" dirty="0"/>
-          </a:p>
-          <a:p>
-            <a:pPr marL="0" indent="0">
-              <a:buNone/>
-            </a:pPr>
-            <a:endParaRPr lang="en-US" sz="900" dirty="0"/>
-          </a:p>
-          <a:p>
-            <a:pPr marL="0" indent="0">
-              <a:buNone/>
-            </a:pPr>
-            <a:r>
-              <a:rPr lang="en-US" sz="900" dirty="0">
-                <a:solidFill>
-                  <a:srgbClr val="D4D4D4"/>
-                </a:solidFill>
-                <a:latin typeface="Courier New" pitchFamily="34" charset="0"/>
-                <a:ea typeface="Courier New" pitchFamily="34" charset="-122"/>
-                <a:cs typeface="Courier New" pitchFamily="34" charset="-120"/>
-              </a:rPr>
-              <a:t>if a &lt; b {</a:t>
-            </a:r>
-            <a:endParaRPr lang="en-US" sz="900" dirty="0"/>
-          </a:p>
-          <a:p>
-            <a:pPr marL="0" indent="0">
-              <a:buNone/>
-            </a:pPr>
-            <a:r>
-              <a:rPr lang="en-US" sz="900" dirty="0">
-                <a:solidFill>
-                  <a:srgbClr val="D4D4D4"/>
-                </a:solidFill>
-                <a:latin typeface="Courier New" pitchFamily="34" charset="0"/>
-                <a:ea typeface="Courier New" pitchFamily="34" charset="-122"/>
-                <a:cs typeface="Courier New" pitchFamily="34" charset="-120"/>
-              </a:rPr>
-              <a:t>    println!("a менше за b");</a:t>
-            </a:r>
-            <a:endParaRPr lang="en-US" sz="900" dirty="0"/>
-          </a:p>
-          <a:p>
-            <a:pPr marL="0" indent="0">
-              <a:buNone/>
-            </a:pPr>
-            <a:r>
-              <a:rPr lang="en-US" sz="900" dirty="0">
-                <a:solidFill>
-                  <a:srgbClr val="D4D4D4"/>
-                </a:solidFill>
-                <a:latin typeface="Courier New" pitchFamily="34" charset="0"/>
-                <a:ea typeface="Courier New" pitchFamily="34" charset="-122"/>
-                <a:cs typeface="Courier New" pitchFamily="34" charset="-120"/>
-              </a:rPr>
-              <a:t>}</a:t>
             </a:r>
             <a:endParaRPr lang="en-US" sz="900" dirty="0"/>
           </a:p>
@@ -13542,6 +15097,316 @@
 
 <file path=ppt/slides/slide30.xml><?xml version="1.0" encoding="utf-8"?>
 <p:sld xmlns:a="http://schemas.openxmlformats.org/drawingml/2006/main" xmlns:r="http://schemas.openxmlformats.org/officeDocument/2006/relationships" xmlns:p="http://schemas.openxmlformats.org/presentationml/2006/main">
+  <p:cSld name="Slide 28">
+    <p:bg>
+      <p:bgPr>
+        <a:solidFill>
+          <a:srgbClr val="1E1E1E"/>
+        </a:solidFill>
+        <a:effectLst/>
+      </p:bgPr>
+    </p:bg>
+    <p:spTree>
+      <p:nvGrpSpPr>
+        <p:cNvPr id="1" name=""/>
+        <p:cNvGrpSpPr/>
+        <p:nvPr/>
+      </p:nvGrpSpPr>
+      <p:grpSpPr>
+        <a:xfrm>
+          <a:off x="0" y="0"/>
+          <a:ext cx="0" cy="0"/>
+          <a:chOff x="0" y="0"/>
+          <a:chExt cx="0" cy="0"/>
+        </a:xfrm>
+      </p:grpSpPr>
+      <p:sp>
+        <p:nvSpPr>
+          <p:cNvPr id="2" name="Text 0"/>
+          <p:cNvSpPr/>
+          <p:nvPr/>
+        </p:nvSpPr>
+        <p:spPr>
+          <a:xfrm>
+            <a:off x="457200" y="274320"/>
+            <a:ext cx="8229600" cy="457200"/>
+          </a:xfrm>
+          <a:prstGeom prst="rect">
+            <a:avLst/>
+          </a:prstGeom>
+          <a:noFill/>
+          <a:ln/>
+        </p:spPr>
+        <p:txBody>
+          <a:bodyPr wrap="square" rtlCol="0" anchor="ctr"/>
+          <a:lstStyle/>
+          <a:p>
+            <a:pPr marL="0" indent="0">
+              <a:buNone/>
+            </a:pPr>
+            <a:r>
+              <a:rPr lang="en-US" sz="3200" b="1" dirty="0">
+                <a:solidFill>
+                  <a:srgbClr val="CE422B"/>
+                </a:solidFill>
+              </a:rPr>
+              <a:t>Операції порівняння</a:t>
+            </a:r>
+            <a:endParaRPr lang="en-US" sz="3200" dirty="0"/>
+          </a:p>
+        </p:txBody>
+      </p:sp>
+      <p:sp>
+        <p:nvSpPr>
+          <p:cNvPr id="3" name="Shape 1"/>
+          <p:cNvSpPr/>
+          <p:nvPr/>
+        </p:nvSpPr>
+        <p:spPr>
+          <a:xfrm>
+            <a:off x="457200" y="822960"/>
+            <a:ext cx="8229600" cy="2834640"/>
+          </a:xfrm>
+          <a:prstGeom prst="rect">
+            <a:avLst/>
+          </a:prstGeom>
+          <a:solidFill>
+            <a:srgbClr val="0D3B2E"/>
+          </a:solidFill>
+          <a:ln/>
+        </p:spPr>
+      </p:sp>
+      <p:sp>
+        <p:nvSpPr>
+          <p:cNvPr id="4" name="Text 2"/>
+          <p:cNvSpPr/>
+          <p:nvPr/>
+        </p:nvSpPr>
+        <p:spPr>
+          <a:xfrm>
+            <a:off x="548640" y="868680"/>
+            <a:ext cx="8046720" cy="2743200"/>
+          </a:xfrm>
+          <a:prstGeom prst="rect">
+            <a:avLst/>
+          </a:prstGeom>
+          <a:noFill/>
+          <a:ln/>
+        </p:spPr>
+        <p:txBody>
+          <a:bodyPr wrap="square" rtlCol="0" anchor="ctr"/>
+          <a:lstStyle/>
+          <a:p>
+            <a:pPr marL="0" indent="0">
+              <a:buNone/>
+            </a:pPr>
+            <a:r>
+              <a:rPr lang="en-US" sz="900" dirty="0">
+                <a:solidFill>
+                  <a:srgbClr val="D4D4D4"/>
+                </a:solidFill>
+                <a:latin typeface="Courier New" pitchFamily="34" charset="0"/>
+                <a:ea typeface="Courier New" pitchFamily="34" charset="-122"/>
+                <a:cs typeface="Courier New" pitchFamily="34" charset="-120"/>
+              </a:rPr>
+              <a:t>let a = 5;</a:t>
+            </a:r>
+            <a:endParaRPr lang="en-US" sz="900" dirty="0"/>
+          </a:p>
+          <a:p>
+            <a:pPr marL="0" indent="0">
+              <a:buNone/>
+            </a:pPr>
+            <a:r>
+              <a:rPr lang="en-US" sz="900" dirty="0">
+                <a:solidFill>
+                  <a:srgbClr val="D4D4D4"/>
+                </a:solidFill>
+                <a:latin typeface="Courier New" pitchFamily="34" charset="0"/>
+                <a:ea typeface="Courier New" pitchFamily="34" charset="-122"/>
+                <a:cs typeface="Courier New" pitchFamily="34" charset="-120"/>
+              </a:rPr>
+              <a:t>let b = 10;</a:t>
+            </a:r>
+            <a:endParaRPr lang="en-US" sz="900" dirty="0"/>
+          </a:p>
+          <a:p>
+            <a:pPr marL="0" indent="0">
+              <a:buNone/>
+            </a:pPr>
+            <a:endParaRPr lang="en-US" sz="900" dirty="0"/>
+          </a:p>
+          <a:p>
+            <a:pPr marL="0" indent="0">
+              <a:buNone/>
+            </a:pPr>
+            <a:r>
+              <a:rPr lang="en-US" sz="900" dirty="0">
+                <a:solidFill>
+                  <a:srgbClr val="D4D4D4"/>
+                </a:solidFill>
+                <a:latin typeface="Courier New" pitchFamily="34" charset="0"/>
+                <a:ea typeface="Courier New" pitchFamily="34" charset="-122"/>
+                <a:cs typeface="Courier New" pitchFamily="34" charset="-120"/>
+              </a:rPr>
+              <a:t>println!("{} == {} → {}", a, b, a == b);  // false</a:t>
+            </a:r>
+            <a:endParaRPr lang="en-US" sz="900" dirty="0"/>
+          </a:p>
+          <a:p>
+            <a:pPr marL="0" indent="0">
+              <a:buNone/>
+            </a:pPr>
+            <a:r>
+              <a:rPr lang="en-US" sz="900" dirty="0">
+                <a:solidFill>
+                  <a:srgbClr val="D4D4D4"/>
+                </a:solidFill>
+                <a:latin typeface="Courier New" pitchFamily="34" charset="0"/>
+                <a:ea typeface="Courier New" pitchFamily="34" charset="-122"/>
+                <a:cs typeface="Courier New" pitchFamily="34" charset="-120"/>
+              </a:rPr>
+              <a:t>println!("{} != {} → {}", a, b, a != b);  // true</a:t>
+            </a:r>
+            <a:endParaRPr lang="en-US" sz="900" dirty="0"/>
+          </a:p>
+          <a:p>
+            <a:pPr marL="0" indent="0">
+              <a:buNone/>
+            </a:pPr>
+            <a:r>
+              <a:rPr lang="en-US" sz="900" dirty="0">
+                <a:solidFill>
+                  <a:srgbClr val="D4D4D4"/>
+                </a:solidFill>
+                <a:latin typeface="Courier New" pitchFamily="34" charset="0"/>
+                <a:ea typeface="Courier New" pitchFamily="34" charset="-122"/>
+                <a:cs typeface="Courier New" pitchFamily="34" charset="-120"/>
+              </a:rPr>
+              <a:t>println!("{} &lt;  {} → {}", a, b, a &lt; b);   // true</a:t>
+            </a:r>
+            <a:endParaRPr lang="en-US" sz="900" dirty="0"/>
+          </a:p>
+          <a:p>
+            <a:pPr marL="0" indent="0">
+              <a:buNone/>
+            </a:pPr>
+            <a:r>
+              <a:rPr lang="en-US" sz="900" dirty="0">
+                <a:solidFill>
+                  <a:srgbClr val="D4D4D4"/>
+                </a:solidFill>
+                <a:latin typeface="Courier New" pitchFamily="34" charset="0"/>
+                <a:ea typeface="Courier New" pitchFamily="34" charset="-122"/>
+                <a:cs typeface="Courier New" pitchFamily="34" charset="-120"/>
+              </a:rPr>
+              <a:t>println!("{} &gt;  {} → {}", a, b, a &gt; b);   // false</a:t>
+            </a:r>
+            <a:endParaRPr lang="en-US" sz="900" dirty="0"/>
+          </a:p>
+          <a:p>
+            <a:pPr marL="0" indent="0">
+              <a:buNone/>
+            </a:pPr>
+            <a:r>
+              <a:rPr lang="en-US" sz="900" dirty="0">
+                <a:solidFill>
+                  <a:srgbClr val="D4D4D4"/>
+                </a:solidFill>
+                <a:latin typeface="Courier New" pitchFamily="34" charset="0"/>
+                <a:ea typeface="Courier New" pitchFamily="34" charset="-122"/>
+                <a:cs typeface="Courier New" pitchFamily="34" charset="-120"/>
+              </a:rPr>
+              <a:t>println!("{} &lt;= {} → {}", a, a, a &lt;= a);  // true</a:t>
+            </a:r>
+            <a:endParaRPr lang="en-US" sz="900" dirty="0"/>
+          </a:p>
+          <a:p>
+            <a:pPr marL="0" indent="0">
+              <a:buNone/>
+            </a:pPr>
+            <a:r>
+              <a:rPr lang="en-US" sz="900" dirty="0">
+                <a:solidFill>
+                  <a:srgbClr val="D4D4D4"/>
+                </a:solidFill>
+                <a:latin typeface="Courier New" pitchFamily="34" charset="0"/>
+                <a:ea typeface="Courier New" pitchFamily="34" charset="-122"/>
+                <a:cs typeface="Courier New" pitchFamily="34" charset="-120"/>
+              </a:rPr>
+              <a:t>println!("{} &gt;= {} → {}", a, b, a &gt;= b);  // false</a:t>
+            </a:r>
+            <a:endParaRPr lang="en-US" sz="900" dirty="0"/>
+          </a:p>
+          <a:p>
+            <a:pPr marL="0" indent="0">
+              <a:buNone/>
+            </a:pPr>
+            <a:endParaRPr lang="en-US" sz="900" dirty="0"/>
+          </a:p>
+          <a:p>
+            <a:pPr marL="0" indent="0">
+              <a:buNone/>
+            </a:pPr>
+            <a:r>
+              <a:rPr lang="en-US" sz="900" dirty="0">
+                <a:solidFill>
+                  <a:srgbClr val="D4D4D4"/>
+                </a:solidFill>
+                <a:latin typeface="Courier New" pitchFamily="34" charset="0"/>
+                <a:ea typeface="Courier New" pitchFamily="34" charset="-122"/>
+                <a:cs typeface="Courier New" pitchFamily="34" charset="-120"/>
+              </a:rPr>
+              <a:t>if a &lt; b {</a:t>
+            </a:r>
+            <a:endParaRPr lang="en-US" sz="900" dirty="0"/>
+          </a:p>
+          <a:p>
+            <a:pPr marL="0" indent="0">
+              <a:buNone/>
+            </a:pPr>
+            <a:r>
+              <a:rPr lang="en-US" sz="900" dirty="0">
+                <a:solidFill>
+                  <a:srgbClr val="D4D4D4"/>
+                </a:solidFill>
+                <a:latin typeface="Courier New" pitchFamily="34" charset="0"/>
+                <a:ea typeface="Courier New" pitchFamily="34" charset="-122"/>
+                <a:cs typeface="Courier New" pitchFamily="34" charset="-120"/>
+              </a:rPr>
+              <a:t>    println!("a менше за b");</a:t>
+            </a:r>
+            <a:endParaRPr lang="en-US" sz="900" dirty="0"/>
+          </a:p>
+          <a:p>
+            <a:pPr marL="0" indent="0">
+              <a:buNone/>
+            </a:pPr>
+            <a:r>
+              <a:rPr lang="en-US" sz="900" dirty="0">
+                <a:solidFill>
+                  <a:srgbClr val="D4D4D4"/>
+                </a:solidFill>
+                <a:latin typeface="Courier New" pitchFamily="34" charset="0"/>
+                <a:ea typeface="Courier New" pitchFamily="34" charset="-122"/>
+                <a:cs typeface="Courier New" pitchFamily="34" charset="-120"/>
+              </a:rPr>
+              <a:t>}</a:t>
+            </a:r>
+            <a:endParaRPr lang="en-US" sz="900" dirty="0"/>
+          </a:p>
+        </p:txBody>
+      </p:sp>
+    </p:spTree>
+  </p:cSld>
+  <p:clrMapOvr>
+    <a:masterClrMapping/>
+  </p:clrMapOvr>
+</p:sld>
+</file>
+
+<file path=ppt/slides/slide31.xml><?xml version="1.0" encoding="utf-8"?>
+<p:sld xmlns:a="http://schemas.openxmlformats.org/drawingml/2006/main" xmlns:r="http://schemas.openxmlformats.org/officeDocument/2006/relationships" xmlns:p="http://schemas.openxmlformats.org/presentationml/2006/main">
   <p:cSld name="Slide 29">
     <p:bg>
       <p:bgPr>
@@ -13994,7 +15859,7 @@
 </p:sld>
 </file>
 
-<file path=ppt/slides/slide31.xml><?xml version="1.0" encoding="utf-8"?>
+<file path=ppt/slides/slide32.xml><?xml version="1.0" encoding="utf-8"?>
 <p:sld xmlns:a="http://schemas.openxmlformats.org/drawingml/2006/main" xmlns:r="http://schemas.openxmlformats.org/officeDocument/2006/relationships" xmlns:p="http://schemas.openxmlformats.org/presentationml/2006/main">
   <p:cSld name="Slide 30">
     <p:bg>
@@ -14471,7 +16336,7 @@
 </p:sld>
 </file>
 
-<file path=ppt/slides/slide32.xml><?xml version="1.0" encoding="utf-8"?>
+<file path=ppt/slides/slide33.xml><?xml version="1.0" encoding="utf-8"?>
 <p:sld xmlns:a="http://schemas.openxmlformats.org/drawingml/2006/main" xmlns:r="http://schemas.openxmlformats.org/officeDocument/2006/relationships" xmlns:p="http://schemas.openxmlformats.org/presentationml/2006/main">
   <p:cSld name="Slide 31">
     <p:bg>
@@ -14526,7 +16391,47 @@
                   <a:srgbClr val="CE422B"/>
                 </a:solidFill>
               </a:rPr>
-              <a:t>if як вираз</a:t>
+              <a:t>if </a:t>
+            </a:r>
+            <a:r>
+              <a:rPr lang="en-US" sz="3200" b="1" dirty="0" err="1">
+                <a:solidFill>
+                  <a:srgbClr val="CE422B"/>
+                </a:solidFill>
+              </a:rPr>
+              <a:t>як</a:t>
+            </a:r>
+            <a:r>
+              <a:rPr lang="en-US" sz="3200" b="1" dirty="0">
+                <a:solidFill>
+                  <a:srgbClr val="CE422B"/>
+                </a:solidFill>
+              </a:rPr>
+              <a:t> </a:t>
+            </a:r>
+            <a:r>
+              <a:rPr lang="en-US" sz="3200" b="1" dirty="0" err="1">
+                <a:solidFill>
+                  <a:srgbClr val="CE422B"/>
+                </a:solidFill>
+              </a:rPr>
+              <a:t>вираз</a:t>
+            </a:r>
+            <a:r>
+              <a:rPr lang="en-US" sz="3200" b="1" dirty="0">
+                <a:solidFill>
+                  <a:srgbClr val="CE422B"/>
+                </a:solidFill>
+              </a:rPr>
+              <a:t> </a:t>
+            </a:r>
+            <a:r>
+              <a:rPr lang="uk-UA" sz="3200" b="1" dirty="0">
+                <a:solidFill>
+                  <a:srgbClr val="CE422B"/>
+                </a:solidFill>
+              </a:rPr>
+              <a:t>(цікаве використання)</a:t>
             </a:r>
             <a:endParaRPr lang="en-US" sz="3200" dirty="0"/>
           </a:p>
@@ -14889,7 +16794,7 @@
 </p:sld>
 </file>
 
-<file path=ppt/slides/slide33.xml><?xml version="1.0" encoding="utf-8"?>
+<file path=ppt/slides/slide34.xml><?xml version="1.0" encoding="utf-8"?>
 <p:sld xmlns:a="http://schemas.openxmlformats.org/drawingml/2006/main" xmlns:r="http://schemas.openxmlformats.org/officeDocument/2006/relationships" xmlns:p="http://schemas.openxmlformats.org/presentationml/2006/main">
   <p:cSld name="Slide 32">
     <p:bg>
@@ -15287,6 +17192,50 @@
               </a:rPr>
               <a:t>        break c * 2;</a:t>
             </a:r>
+            <a:r>
+              <a:rPr lang="uk-UA" sz="900" dirty="0">
+                <a:solidFill>
+                  <a:srgbClr val="D4D4D4"/>
+                </a:solidFill>
+                <a:latin typeface="Courier New" pitchFamily="34" charset="0"/>
+                <a:ea typeface="Courier New" pitchFamily="34" charset="-122"/>
+                <a:cs typeface="Courier New" pitchFamily="34" charset="-120"/>
+              </a:rPr>
+              <a:t> </a:t>
+            </a:r>
+            <a:r>
+              <a:rPr lang="en-US" sz="900" dirty="0">
+                <a:solidFill>
+                  <a:srgbClr val="D4D4D4"/>
+                </a:solidFill>
+                <a:latin typeface="Courier New" pitchFamily="34" charset="0"/>
+                <a:ea typeface="Courier New" pitchFamily="34" charset="-122"/>
+                <a:cs typeface="Courier New" pitchFamily="34" charset="-120"/>
+              </a:rPr>
+              <a:t>// </a:t>
+            </a:r>
+            <a:r>
+              <a:rPr lang="uk-UA" sz="900" dirty="0">
+                <a:solidFill>
+                  <a:srgbClr val="D4D4D4"/>
+                </a:solidFill>
+                <a:latin typeface="Courier New" pitchFamily="34" charset="0"/>
+                <a:ea typeface="Courier New" pitchFamily="34" charset="-122"/>
+                <a:cs typeface="Courier New" pitchFamily="34" charset="-120"/>
+              </a:rPr>
+              <a:t>цікаве використання </a:t>
+            </a:r>
+            <a:r>
+              <a:rPr lang="en-US" sz="900" dirty="0">
+                <a:solidFill>
+                  <a:srgbClr val="D4D4D4"/>
+                </a:solidFill>
+                <a:latin typeface="Courier New" pitchFamily="34" charset="0"/>
+                <a:ea typeface="Courier New" pitchFamily="34" charset="-122"/>
+                <a:cs typeface="Courier New" pitchFamily="34" charset="-120"/>
+              </a:rPr>
+              <a:t>break</a:t>
+            </a:r>
             <a:endParaRPr lang="en-US" sz="900" dirty="0"/>
           </a:p>
           <a:p>
@@ -15369,7 +17318,7 @@
 </p:sld>
 </file>
 
-<file path=ppt/slides/slide34.xml><?xml version="1.0" encoding="utf-8"?>
+<file path=ppt/slides/slide35.xml><?xml version="1.0" encoding="utf-8"?>
 <p:sld xmlns:a="http://schemas.openxmlformats.org/drawingml/2006/main" xmlns:r="http://schemas.openxmlformats.org/officeDocument/2006/relationships" xmlns:p="http://schemas.openxmlformats.org/presentationml/2006/main">
   <p:cSld name="Slide 33">
     <p:bg>
@@ -15707,7 +17656,7 @@
 </p:sld>
 </file>
 
-<file path=ppt/slides/slide35.xml><?xml version="1.0" encoding="utf-8"?>
+<file path=ppt/slides/slide36.xml><?xml version="1.0" encoding="utf-8"?>
 <p:sld xmlns:a="http://schemas.openxmlformats.org/drawingml/2006/main" xmlns:r="http://schemas.openxmlformats.org/officeDocument/2006/relationships" xmlns:p="http://schemas.openxmlformats.org/presentationml/2006/main">
   <p:cSld name="Slide 34">
     <p:bg>
@@ -16023,7 +17972,7 @@
 </p:sld>
 </file>
 
-<file path=ppt/slides/slide36.xml><?xml version="1.0" encoding="utf-8"?>
+<file path=ppt/slides/slide37.xml><?xml version="1.0" encoding="utf-8"?>
 <p:sld xmlns:a="http://schemas.openxmlformats.org/drawingml/2006/main" xmlns:r="http://schemas.openxmlformats.org/officeDocument/2006/relationships" xmlns:p="http://schemas.openxmlformats.org/presentationml/2006/main">
   <p:cSld name="Slide 35">
     <p:bg>
@@ -16482,7 +18431,7 @@
 </p:sld>
 </file>
 
-<file path=ppt/slides/slide37.xml><?xml version="1.0" encoding="utf-8"?>
+<file path=ppt/slides/slide38.xml><?xml version="1.0" encoding="utf-8"?>
 <p:sld xmlns:a="http://schemas.openxmlformats.org/drawingml/2006/main" xmlns:r="http://schemas.openxmlformats.org/officeDocument/2006/relationships" xmlns:p="http://schemas.openxmlformats.org/presentationml/2006/main">
   <p:cSld name="Slide 36">
     <p:bg>
@@ -16588,7 +18537,7 @@
         <p:spPr>
           <a:xfrm>
             <a:off x="457200" y="1188720"/>
-            <a:ext cx="8229600" cy="2468880"/>
+            <a:ext cx="3355145" cy="2468880"/>
           </a:xfrm>
           <a:prstGeom prst="rect">
             <a:avLst/>
@@ -16874,6 +18823,774 @@
               <a:t>}</a:t>
             </a:r>
             <a:endParaRPr lang="en-US" sz="900" dirty="0"/>
+          </a:p>
+        </p:txBody>
+      </p:sp>
+      <p:sp>
+        <p:nvSpPr>
+          <p:cNvPr id="6" name="Shape 4">
+            <a:extLst>
+              <a:ext uri="{FF2B5EF4-FFF2-40B4-BE49-F238E27FC236}">
+                <a16:creationId xmlns:a16="http://schemas.microsoft.com/office/drawing/2014/main" id="{E864DCBB-E45E-486A-810C-A89CE8E0E0BD}"/>
+              </a:ext>
+            </a:extLst>
+          </p:cNvPr>
+          <p:cNvSpPr/>
+          <p:nvPr/>
+        </p:nvSpPr>
+        <p:spPr>
+          <a:xfrm>
+            <a:off x="4237892" y="1177290"/>
+            <a:ext cx="3931920" cy="3844876"/>
+          </a:xfrm>
+          <a:prstGeom prst="rect">
+            <a:avLst/>
+          </a:prstGeom>
+          <a:solidFill>
+            <a:srgbClr val="252526"/>
+          </a:solidFill>
+          <a:ln/>
+        </p:spPr>
+      </p:sp>
+      <p:sp>
+        <p:nvSpPr>
+          <p:cNvPr id="7" name="Text 5">
+            <a:extLst>
+              <a:ext uri="{FF2B5EF4-FFF2-40B4-BE49-F238E27FC236}">
+                <a16:creationId xmlns:a16="http://schemas.microsoft.com/office/drawing/2014/main" id="{1FEDAB67-BD47-47BE-8D9B-F0CBFFDECA48}"/>
+              </a:ext>
+            </a:extLst>
+          </p:cNvPr>
+          <p:cNvSpPr/>
+          <p:nvPr/>
+        </p:nvSpPr>
+        <p:spPr>
+          <a:xfrm>
+            <a:off x="4297680" y="1234440"/>
+            <a:ext cx="3749040" cy="3634740"/>
+          </a:xfrm>
+          <a:prstGeom prst="rect">
+            <a:avLst/>
+          </a:prstGeom>
+          <a:noFill/>
+          <a:ln/>
+        </p:spPr>
+        <p:txBody>
+          <a:bodyPr wrap="square" rtlCol="0" anchor="ctr"/>
+          <a:lstStyle/>
+          <a:p>
+            <a:pPr marL="0" indent="0">
+              <a:buNone/>
+            </a:pPr>
+            <a:r>
+              <a:rPr lang="ru-RU" sz="1000" dirty="0">
+                <a:solidFill>
+                  <a:schemeClr val="bg1"/>
+                </a:solidFill>
+              </a:rPr>
+              <a:t>У </a:t>
+            </a:r>
+            <a:r>
+              <a:rPr lang="en-US" sz="1000" dirty="0">
+                <a:solidFill>
+                  <a:schemeClr val="bg1"/>
+                </a:solidFill>
+              </a:rPr>
+              <a:t>Rust </a:t>
+            </a:r>
+            <a:r>
+              <a:rPr lang="ru-RU" sz="1000" dirty="0" err="1">
+                <a:solidFill>
+                  <a:schemeClr val="bg1"/>
+                </a:solidFill>
+              </a:rPr>
+              <a:t>останній</a:t>
+            </a:r>
+            <a:r>
+              <a:rPr lang="ru-RU" sz="1000" dirty="0">
+                <a:solidFill>
+                  <a:schemeClr val="bg1"/>
+                </a:solidFill>
+              </a:rPr>
+              <a:t> </a:t>
+            </a:r>
+            <a:r>
+              <a:rPr lang="ru-RU" sz="1000" dirty="0" err="1">
+                <a:solidFill>
+                  <a:schemeClr val="bg1"/>
+                </a:solidFill>
+              </a:rPr>
+              <a:t>вираз</a:t>
+            </a:r>
+            <a:r>
+              <a:rPr lang="ru-RU" sz="1000" dirty="0">
+                <a:solidFill>
+                  <a:schemeClr val="bg1"/>
+                </a:solidFill>
+              </a:rPr>
+              <a:t> без ; автоматично </a:t>
+            </a:r>
+            <a:r>
+              <a:rPr lang="ru-RU" sz="1000" dirty="0" err="1">
+                <a:solidFill>
+                  <a:schemeClr val="bg1"/>
+                </a:solidFill>
+              </a:rPr>
+              <a:t>повертається</a:t>
+            </a:r>
+            <a:r>
+              <a:rPr lang="ru-RU" sz="1000" dirty="0">
+                <a:solidFill>
+                  <a:schemeClr val="bg1"/>
+                </a:solidFill>
+              </a:rPr>
+              <a:t>.</a:t>
+            </a:r>
+          </a:p>
+          <a:p>
+            <a:pPr marL="0" indent="0">
+              <a:buNone/>
+            </a:pPr>
+            <a:endParaRPr lang="ru-RU" sz="1000" dirty="0">
+              <a:solidFill>
+                <a:schemeClr val="bg1"/>
+              </a:solidFill>
+            </a:endParaRPr>
+          </a:p>
+          <a:p>
+            <a:pPr marL="0" indent="0">
+              <a:buNone/>
+            </a:pPr>
+            <a:r>
+              <a:rPr lang="en-US" sz="1000" dirty="0" err="1">
+                <a:solidFill>
+                  <a:schemeClr val="bg1"/>
+                </a:solidFill>
+              </a:rPr>
+              <a:t>fn</a:t>
+            </a:r>
+            <a:r>
+              <a:rPr lang="en-US" sz="1000" dirty="0">
+                <a:solidFill>
+                  <a:schemeClr val="bg1"/>
+                </a:solidFill>
+              </a:rPr>
+              <a:t> add(a: i32, b: i32) -&gt; i32 {</a:t>
+            </a:r>
+          </a:p>
+          <a:p>
+            <a:pPr marL="0" indent="0">
+              <a:buNone/>
+            </a:pPr>
+            <a:r>
+              <a:rPr lang="en-US" sz="1000" dirty="0">
+                <a:solidFill>
+                  <a:schemeClr val="bg1"/>
+                </a:solidFill>
+              </a:rPr>
+              <a:t>    a + b    // </a:t>
+            </a:r>
+            <a:r>
+              <a:rPr lang="ru-RU" sz="1000" dirty="0" err="1">
+                <a:solidFill>
+                  <a:schemeClr val="bg1"/>
+                </a:solidFill>
+              </a:rPr>
+              <a:t>немає</a:t>
+            </a:r>
+            <a:r>
+              <a:rPr lang="ru-RU" sz="1000" dirty="0">
+                <a:solidFill>
+                  <a:schemeClr val="bg1"/>
+                </a:solidFill>
+              </a:rPr>
+              <a:t> ; → </a:t>
+            </a:r>
+            <a:r>
+              <a:rPr lang="ru-RU" sz="1000" dirty="0" err="1">
+                <a:solidFill>
+                  <a:schemeClr val="bg1"/>
+                </a:solidFill>
+              </a:rPr>
+              <a:t>це</a:t>
+            </a:r>
+            <a:r>
+              <a:rPr lang="ru-RU" sz="1000" dirty="0">
+                <a:solidFill>
+                  <a:schemeClr val="bg1"/>
+                </a:solidFill>
+              </a:rPr>
+              <a:t> </a:t>
+            </a:r>
+            <a:r>
+              <a:rPr lang="ru-RU" sz="1000" dirty="0" err="1">
+                <a:solidFill>
+                  <a:schemeClr val="bg1"/>
+                </a:solidFill>
+              </a:rPr>
+              <a:t>повертається</a:t>
+            </a:r>
+            <a:endParaRPr lang="ru-RU" sz="1000" dirty="0">
+              <a:solidFill>
+                <a:schemeClr val="bg1"/>
+              </a:solidFill>
+            </a:endParaRPr>
+          </a:p>
+          <a:p>
+            <a:pPr marL="0" indent="0">
+              <a:buNone/>
+            </a:pPr>
+            <a:r>
+              <a:rPr lang="ru-RU" sz="1000" dirty="0">
+                <a:solidFill>
+                  <a:schemeClr val="bg1"/>
+                </a:solidFill>
+              </a:rPr>
+              <a:t>}</a:t>
+            </a:r>
+          </a:p>
+          <a:p>
+            <a:pPr marL="0" indent="0">
+              <a:buNone/>
+            </a:pPr>
+            <a:endParaRPr lang="ru-RU" sz="1000" dirty="0">
+              <a:solidFill>
+                <a:schemeClr val="bg1"/>
+              </a:solidFill>
+            </a:endParaRPr>
+          </a:p>
+          <a:p>
+            <a:pPr marL="0" indent="0">
+              <a:buNone/>
+            </a:pPr>
+            <a:r>
+              <a:rPr lang="en-US" sz="1000" dirty="0" err="1">
+                <a:solidFill>
+                  <a:schemeClr val="bg1"/>
+                </a:solidFill>
+              </a:rPr>
+              <a:t>fn</a:t>
+            </a:r>
+            <a:r>
+              <a:rPr lang="en-US" sz="1000" dirty="0">
+                <a:solidFill>
+                  <a:schemeClr val="bg1"/>
+                </a:solidFill>
+              </a:rPr>
+              <a:t> add2(a: i32, b: i32) -&gt; i32 {</a:t>
+            </a:r>
+          </a:p>
+          <a:p>
+            <a:pPr marL="0" indent="0">
+              <a:buNone/>
+            </a:pPr>
+            <a:r>
+              <a:rPr lang="en-US" sz="1000" dirty="0">
+                <a:solidFill>
+                  <a:schemeClr val="bg1"/>
+                </a:solidFill>
+              </a:rPr>
+              <a:t>    a + b;   // </a:t>
+            </a:r>
+            <a:r>
+              <a:rPr lang="ru-RU" sz="1000" dirty="0">
+                <a:solidFill>
+                  <a:schemeClr val="bg1"/>
+                </a:solidFill>
+              </a:rPr>
+              <a:t>є ; → ПОМИЛКА! </a:t>
+            </a:r>
+            <a:r>
+              <a:rPr lang="ru-RU" sz="1000" dirty="0" err="1">
+                <a:solidFill>
+                  <a:schemeClr val="bg1"/>
+                </a:solidFill>
+              </a:rPr>
+              <a:t>Повертає</a:t>
+            </a:r>
+            <a:r>
+              <a:rPr lang="ru-RU" sz="1000" dirty="0">
+                <a:solidFill>
+                  <a:schemeClr val="bg1"/>
+                </a:solidFill>
+              </a:rPr>
+              <a:t> () </a:t>
+            </a:r>
+            <a:r>
+              <a:rPr lang="ru-RU" sz="1000" dirty="0" err="1">
+                <a:solidFill>
+                  <a:schemeClr val="bg1"/>
+                </a:solidFill>
+              </a:rPr>
+              <a:t>замість</a:t>
+            </a:r>
+            <a:r>
+              <a:rPr lang="ru-RU" sz="1000" dirty="0">
+                <a:solidFill>
+                  <a:schemeClr val="bg1"/>
+                </a:solidFill>
+              </a:rPr>
+              <a:t> </a:t>
+            </a:r>
+            <a:r>
+              <a:rPr lang="en-US" sz="1000" dirty="0">
+                <a:solidFill>
+                  <a:schemeClr val="bg1"/>
+                </a:solidFill>
+              </a:rPr>
+              <a:t>i32</a:t>
+            </a:r>
+          </a:p>
+          <a:p>
+            <a:pPr marL="0" indent="0">
+              <a:buNone/>
+            </a:pPr>
+            <a:r>
+              <a:rPr lang="en-US" sz="1000" dirty="0">
+                <a:solidFill>
+                  <a:schemeClr val="bg1"/>
+                </a:solidFill>
+              </a:rPr>
+              <a:t>}</a:t>
+            </a:r>
+          </a:p>
+          <a:p>
+            <a:pPr marL="0" indent="0">
+              <a:buNone/>
+            </a:pPr>
+            <a:r>
+              <a:rPr lang="ru-RU" sz="1000" dirty="0">
+                <a:solidFill>
+                  <a:schemeClr val="bg1"/>
+                </a:solidFill>
+              </a:rPr>
+              <a:t>Правило </a:t>
+            </a:r>
+            <a:r>
+              <a:rPr lang="ru-RU" sz="1000" dirty="0" err="1">
+                <a:solidFill>
+                  <a:schemeClr val="bg1"/>
+                </a:solidFill>
+              </a:rPr>
+              <a:t>таке</a:t>
+            </a:r>
+            <a:r>
+              <a:rPr lang="ru-RU" sz="1000" dirty="0">
+                <a:solidFill>
+                  <a:schemeClr val="bg1"/>
+                </a:solidFill>
+              </a:rPr>
+              <a:t>:</a:t>
+            </a:r>
+          </a:p>
+          <a:p>
+            <a:pPr marL="0" indent="0">
+              <a:buNone/>
+            </a:pPr>
+            <a:endParaRPr lang="ru-RU" sz="1000" dirty="0">
+              <a:solidFill>
+                <a:schemeClr val="bg1"/>
+              </a:solidFill>
+            </a:endParaRPr>
+          </a:p>
+          <a:p>
+            <a:pPr marL="0" indent="0">
+              <a:buNone/>
+            </a:pPr>
+            <a:r>
+              <a:rPr lang="ru-RU" sz="1000" dirty="0">
+                <a:solidFill>
+                  <a:schemeClr val="bg1"/>
+                </a:solidFill>
+              </a:rPr>
+              <a:t>Без ; → </a:t>
+            </a:r>
+            <a:r>
+              <a:rPr lang="ru-RU" sz="1000" dirty="0" err="1">
+                <a:solidFill>
+                  <a:schemeClr val="bg1"/>
+                </a:solidFill>
+              </a:rPr>
+              <a:t>вираз</a:t>
+            </a:r>
+            <a:r>
+              <a:rPr lang="ru-RU" sz="1000" dirty="0">
+                <a:solidFill>
+                  <a:schemeClr val="bg1"/>
+                </a:solidFill>
+              </a:rPr>
+              <a:t> (</a:t>
+            </a:r>
+            <a:r>
+              <a:rPr lang="en-US" sz="1000" dirty="0">
+                <a:solidFill>
+                  <a:schemeClr val="bg1"/>
+                </a:solidFill>
+              </a:rPr>
+              <a:t>expression) → </a:t>
+            </a:r>
+            <a:r>
+              <a:rPr lang="ru-RU" sz="1000" dirty="0" err="1">
+                <a:solidFill>
+                  <a:schemeClr val="bg1"/>
+                </a:solidFill>
+              </a:rPr>
+              <a:t>повертає</a:t>
+            </a:r>
+            <a:r>
+              <a:rPr lang="ru-RU" sz="1000" dirty="0">
+                <a:solidFill>
+                  <a:schemeClr val="bg1"/>
+                </a:solidFill>
+              </a:rPr>
+              <a:t> </a:t>
+            </a:r>
+            <a:r>
+              <a:rPr lang="ru-RU" sz="1000" dirty="0" err="1">
+                <a:solidFill>
+                  <a:schemeClr val="bg1"/>
+                </a:solidFill>
+              </a:rPr>
+              <a:t>значення</a:t>
+            </a:r>
+            <a:endParaRPr lang="ru-RU" sz="1000" dirty="0">
+              <a:solidFill>
+                <a:schemeClr val="bg1"/>
+              </a:solidFill>
+            </a:endParaRPr>
+          </a:p>
+          <a:p>
+            <a:pPr marL="0" indent="0">
+              <a:buNone/>
+            </a:pPr>
+            <a:r>
+              <a:rPr lang="ru-RU" sz="1000" dirty="0">
+                <a:solidFill>
+                  <a:schemeClr val="bg1"/>
+                </a:solidFill>
+              </a:rPr>
+              <a:t>З ; → </a:t>
+            </a:r>
+            <a:r>
+              <a:rPr lang="ru-RU" sz="1000" dirty="0" err="1">
+                <a:solidFill>
+                  <a:schemeClr val="bg1"/>
+                </a:solidFill>
+              </a:rPr>
+              <a:t>інструкція</a:t>
+            </a:r>
+            <a:r>
+              <a:rPr lang="ru-RU" sz="1000" dirty="0">
+                <a:solidFill>
+                  <a:schemeClr val="bg1"/>
+                </a:solidFill>
+              </a:rPr>
+              <a:t> (</a:t>
+            </a:r>
+            <a:r>
+              <a:rPr lang="en-US" sz="1000" dirty="0">
+                <a:solidFill>
+                  <a:schemeClr val="bg1"/>
+                </a:solidFill>
+              </a:rPr>
+              <a:t>statement) → </a:t>
+            </a:r>
+            <a:r>
+              <a:rPr lang="ru-RU" sz="1000" dirty="0" err="1">
+                <a:solidFill>
+                  <a:schemeClr val="bg1"/>
+                </a:solidFill>
+              </a:rPr>
+              <a:t>повертає</a:t>
+            </a:r>
+            <a:r>
+              <a:rPr lang="ru-RU" sz="1000" dirty="0">
+                <a:solidFill>
+                  <a:schemeClr val="bg1"/>
+                </a:solidFill>
+              </a:rPr>
+              <a:t> () (</a:t>
+            </a:r>
+            <a:r>
+              <a:rPr lang="ru-RU" sz="1000" dirty="0" err="1">
+                <a:solidFill>
+                  <a:schemeClr val="bg1"/>
+                </a:solidFill>
+              </a:rPr>
+              <a:t>нічого</a:t>
+            </a:r>
+            <a:r>
+              <a:rPr lang="ru-RU" sz="1000" dirty="0">
+                <a:solidFill>
+                  <a:schemeClr val="bg1"/>
+                </a:solidFill>
+              </a:rPr>
+              <a:t>)</a:t>
+            </a:r>
+          </a:p>
+          <a:p>
+            <a:pPr marL="0" indent="0">
+              <a:buNone/>
+            </a:pPr>
+            <a:r>
+              <a:rPr lang="ru-RU" sz="1000" dirty="0" err="1">
+                <a:solidFill>
+                  <a:schemeClr val="bg1"/>
+                </a:solidFill>
+              </a:rPr>
+              <a:t>Приклади</a:t>
+            </a:r>
+            <a:r>
+              <a:rPr lang="ru-RU" sz="1000" dirty="0">
+                <a:solidFill>
+                  <a:schemeClr val="bg1"/>
+                </a:solidFill>
+              </a:rPr>
+              <a:t>:</a:t>
+            </a:r>
+          </a:p>
+          <a:p>
+            <a:pPr marL="0" indent="0">
+              <a:buNone/>
+            </a:pPr>
+            <a:endParaRPr lang="ru-RU" sz="1000" dirty="0">
+              <a:solidFill>
+                <a:schemeClr val="bg1"/>
+              </a:solidFill>
+            </a:endParaRPr>
+          </a:p>
+          <a:p>
+            <a:pPr marL="0" indent="0">
+              <a:buNone/>
+            </a:pPr>
+            <a:endParaRPr lang="ru-RU" sz="1000" dirty="0">
+              <a:solidFill>
+                <a:schemeClr val="bg1"/>
+              </a:solidFill>
+            </a:endParaRPr>
+          </a:p>
+          <a:p>
+            <a:pPr marL="0" indent="0">
+              <a:buNone/>
+            </a:pPr>
+            <a:r>
+              <a:rPr lang="en-US" sz="1000" dirty="0" err="1">
+                <a:solidFill>
+                  <a:schemeClr val="bg1"/>
+                </a:solidFill>
+              </a:rPr>
+              <a:t>fn</a:t>
+            </a:r>
+            <a:r>
+              <a:rPr lang="en-US" sz="1000" dirty="0">
+                <a:solidFill>
+                  <a:schemeClr val="bg1"/>
+                </a:solidFill>
+              </a:rPr>
+              <a:t> </a:t>
+            </a:r>
+            <a:r>
+              <a:rPr lang="en-US" sz="1000" dirty="0" err="1">
+                <a:solidFill>
+                  <a:schemeClr val="bg1"/>
+                </a:solidFill>
+              </a:rPr>
+              <a:t>get_five</a:t>
+            </a:r>
+            <a:r>
+              <a:rPr lang="en-US" sz="1000" dirty="0">
+                <a:solidFill>
+                  <a:schemeClr val="bg1"/>
+                </a:solidFill>
+              </a:rPr>
+              <a:t>() -&gt; i32 {</a:t>
+            </a:r>
+          </a:p>
+          <a:p>
+            <a:pPr marL="0" indent="0">
+              <a:buNone/>
+            </a:pPr>
+            <a:r>
+              <a:rPr lang="en-US" sz="1000" dirty="0">
+                <a:solidFill>
+                  <a:schemeClr val="bg1"/>
+                </a:solidFill>
+              </a:rPr>
+              <a:t>    5           // </a:t>
+            </a:r>
+            <a:r>
+              <a:rPr lang="ru-RU" sz="1000" dirty="0" err="1">
+                <a:solidFill>
+                  <a:schemeClr val="bg1"/>
+                </a:solidFill>
+              </a:rPr>
+              <a:t>повертає</a:t>
+            </a:r>
+            <a:r>
+              <a:rPr lang="ru-RU" sz="1000" dirty="0">
+                <a:solidFill>
+                  <a:schemeClr val="bg1"/>
+                </a:solidFill>
+              </a:rPr>
+              <a:t> 5</a:t>
+            </a:r>
+          </a:p>
+          <a:p>
+            <a:pPr marL="0" indent="0">
+              <a:buNone/>
+            </a:pPr>
+            <a:r>
+              <a:rPr lang="ru-RU" sz="1000" dirty="0">
+                <a:solidFill>
+                  <a:schemeClr val="bg1"/>
+                </a:solidFill>
+              </a:rPr>
+              <a:t>}</a:t>
+            </a:r>
+          </a:p>
+          <a:p>
+            <a:pPr marL="0" indent="0">
+              <a:buNone/>
+            </a:pPr>
+            <a:endParaRPr lang="ru-RU" sz="1000" dirty="0">
+              <a:solidFill>
+                <a:schemeClr val="bg1"/>
+              </a:solidFill>
+            </a:endParaRPr>
+          </a:p>
+          <a:p>
+            <a:pPr marL="0" indent="0">
+              <a:buNone/>
+            </a:pPr>
+            <a:r>
+              <a:rPr lang="ru-RU" sz="1000" dirty="0">
+                <a:solidFill>
+                  <a:schemeClr val="bg1"/>
+                </a:solidFill>
+              </a:rPr>
+              <a:t>// </a:t>
+            </a:r>
+            <a:r>
+              <a:rPr lang="ru-RU" sz="1000" dirty="0" err="1">
+                <a:solidFill>
+                  <a:schemeClr val="bg1"/>
+                </a:solidFill>
+              </a:rPr>
+              <a:t>Можна</a:t>
+            </a:r>
+            <a:r>
+              <a:rPr lang="ru-RU" sz="1000" dirty="0">
+                <a:solidFill>
+                  <a:schemeClr val="bg1"/>
+                </a:solidFill>
+              </a:rPr>
+              <a:t> і явно через </a:t>
+            </a:r>
+            <a:r>
+              <a:rPr lang="en-US" sz="1000" dirty="0">
+                <a:solidFill>
+                  <a:schemeClr val="bg1"/>
+                </a:solidFill>
+              </a:rPr>
+              <a:t>return:</a:t>
+            </a:r>
+          </a:p>
+          <a:p>
+            <a:pPr marL="0" indent="0">
+              <a:buNone/>
+            </a:pPr>
+            <a:r>
+              <a:rPr lang="en-US" sz="1000" dirty="0" err="1">
+                <a:solidFill>
+                  <a:schemeClr val="bg1"/>
+                </a:solidFill>
+              </a:rPr>
+              <a:t>fn</a:t>
+            </a:r>
+            <a:r>
+              <a:rPr lang="en-US" sz="1000" dirty="0">
+                <a:solidFill>
+                  <a:schemeClr val="bg1"/>
+                </a:solidFill>
+              </a:rPr>
+              <a:t> explicit() -&gt; i32 {</a:t>
+            </a:r>
+          </a:p>
+          <a:p>
+            <a:pPr marL="0" indent="0">
+              <a:buNone/>
+            </a:pPr>
+            <a:r>
+              <a:rPr lang="en-US" sz="1000" dirty="0">
+                <a:solidFill>
+                  <a:schemeClr val="bg1"/>
+                </a:solidFill>
+              </a:rPr>
+              <a:t>    return 42;      // </a:t>
+            </a:r>
+            <a:r>
+              <a:rPr lang="ru-RU" sz="1000" dirty="0" err="1">
+                <a:solidFill>
+                  <a:schemeClr val="bg1"/>
+                </a:solidFill>
+              </a:rPr>
+              <a:t>теж</a:t>
+            </a:r>
+            <a:r>
+              <a:rPr lang="ru-RU" sz="1000" dirty="0">
+                <a:solidFill>
+                  <a:schemeClr val="bg1"/>
+                </a:solidFill>
+              </a:rPr>
+              <a:t> </a:t>
+            </a:r>
+            <a:r>
+              <a:rPr lang="ru-RU" sz="1000" dirty="0" err="1">
+                <a:solidFill>
+                  <a:schemeClr val="bg1"/>
+                </a:solidFill>
+              </a:rPr>
+              <a:t>працює</a:t>
+            </a:r>
+            <a:r>
+              <a:rPr lang="ru-RU" sz="1000" dirty="0">
+                <a:solidFill>
+                  <a:schemeClr val="bg1"/>
+                </a:solidFill>
+              </a:rPr>
+              <a:t>, але не </a:t>
+            </a:r>
+            <a:r>
+              <a:rPr lang="ru-RU" sz="1000" dirty="0" err="1">
+                <a:solidFill>
+                  <a:schemeClr val="bg1"/>
+                </a:solidFill>
+              </a:rPr>
+              <a:t>ідіоматично</a:t>
+            </a:r>
+            <a:endParaRPr lang="ru-RU" sz="1000" dirty="0">
+              <a:solidFill>
+                <a:schemeClr val="bg1"/>
+              </a:solidFill>
+            </a:endParaRPr>
+          </a:p>
+          <a:p>
+            <a:pPr marL="0" indent="0">
+              <a:buNone/>
+            </a:pPr>
+            <a:r>
+              <a:rPr lang="ru-RU" sz="1000" dirty="0">
+                <a:solidFill>
+                  <a:schemeClr val="bg1"/>
+                </a:solidFill>
+              </a:rPr>
+              <a:t>}</a:t>
+            </a:r>
+            <a:endParaRPr lang="en-US" sz="1000" dirty="0">
+              <a:solidFill>
+                <a:schemeClr val="bg1"/>
+              </a:solidFill>
+            </a:endParaRPr>
           </a:p>
         </p:txBody>
       </p:sp>
@@ -16885,9 +19602,9 @@
 </p:sld>
 </file>
 
-<file path=ppt/slides/slide38.xml><?xml version="1.0" encoding="utf-8"?>
+<file path=ppt/slides/slide39.xml><?xml version="1.0" encoding="utf-8"?>
 <p:sld xmlns:a="http://schemas.openxmlformats.org/drawingml/2006/main" xmlns:r="http://schemas.openxmlformats.org/officeDocument/2006/relationships" xmlns:p="http://schemas.openxmlformats.org/presentationml/2006/main">
-  <p:cSld name="Slide 37">
+  <p:cSld>
     <p:bg>
       <p:bgPr>
         <a:solidFill>
@@ -16940,7 +19657,7 @@
                   <a:srgbClr val="CE422B"/>
                 </a:solidFill>
               </a:rPr>
-              <a:t>Приклад: площа круга</a:t>
+              <a:t>Функції</a:t>
             </a:r>
             <a:endParaRPr lang="en-US" sz="3200" dirty="0"/>
           </a:p>
@@ -16948,14 +19665,102 @@
       </p:sp>
       <p:sp>
         <p:nvSpPr>
-          <p:cNvPr id="3" name="Shape 1"/>
+          <p:cNvPr id="3" name="Text 1"/>
           <p:cNvSpPr/>
           <p:nvPr/>
         </p:nvSpPr>
         <p:spPr>
           <a:xfrm>
             <a:off x="457200" y="822960"/>
-            <a:ext cx="8229600" cy="2834640"/>
+            <a:ext cx="8229600" cy="274320"/>
+          </a:xfrm>
+          <a:prstGeom prst="rect">
+            <a:avLst/>
+          </a:prstGeom>
+          <a:noFill/>
+          <a:ln/>
+        </p:spPr>
+        <p:txBody>
+          <a:bodyPr wrap="square" rtlCol="0" anchor="ctr"/>
+          <a:lstStyle/>
+          <a:p>
+            <a:pPr marL="0" indent="0">
+              <a:buNone/>
+            </a:pPr>
+            <a:r>
+              <a:rPr lang="ru-RU" sz="1200" dirty="0" err="1">
+                <a:solidFill>
+                  <a:srgbClr val="D4D4D4"/>
+                </a:solidFill>
+                <a:ea typeface="Courier New" pitchFamily="34" charset="-122"/>
+                <a:cs typeface="Courier New" pitchFamily="34" charset="-120"/>
+              </a:rPr>
+              <a:t>Це</a:t>
+            </a:r>
+            <a:r>
+              <a:rPr lang="ru-RU" sz="1200" dirty="0">
+                <a:solidFill>
+                  <a:srgbClr val="D4D4D4"/>
+                </a:solidFill>
+                <a:ea typeface="Courier New" pitchFamily="34" charset="-122"/>
+                <a:cs typeface="Courier New" pitchFamily="34" charset="-120"/>
+              </a:rPr>
+              <a:t> </a:t>
+            </a:r>
+            <a:r>
+              <a:rPr lang="ru-RU" sz="1200" dirty="0" err="1">
+                <a:solidFill>
+                  <a:srgbClr val="D4D4D4"/>
+                </a:solidFill>
+                <a:ea typeface="Courier New" pitchFamily="34" charset="-122"/>
+                <a:cs typeface="Courier New" pitchFamily="34" charset="-120"/>
+              </a:rPr>
+              <a:t>працює</a:t>
+            </a:r>
+            <a:r>
+              <a:rPr lang="ru-RU" sz="1200" dirty="0">
+                <a:solidFill>
+                  <a:srgbClr val="D4D4D4"/>
+                </a:solidFill>
+                <a:ea typeface="Courier New" pitchFamily="34" charset="-122"/>
+                <a:cs typeface="Courier New" pitchFamily="34" charset="-120"/>
+              </a:rPr>
+              <a:t> </a:t>
+            </a:r>
+            <a:r>
+              <a:rPr lang="ru-RU" sz="1200" dirty="0" err="1">
+                <a:solidFill>
+                  <a:srgbClr val="D4D4D4"/>
+                </a:solidFill>
+                <a:ea typeface="Courier New" pitchFamily="34" charset="-122"/>
+                <a:cs typeface="Courier New" pitchFamily="34" charset="-120"/>
+              </a:rPr>
+              <a:t>скрізь</a:t>
+            </a:r>
+            <a:r>
+              <a:rPr lang="ru-RU" sz="1200" dirty="0">
+                <a:solidFill>
+                  <a:srgbClr val="D4D4D4"/>
+                </a:solidFill>
+                <a:latin typeface="Courier New" pitchFamily="34" charset="0"/>
+                <a:ea typeface="Courier New" pitchFamily="34" charset="-122"/>
+                <a:cs typeface="Courier New" pitchFamily="34" charset="-120"/>
+              </a:rPr>
+              <a:t>:</a:t>
+            </a:r>
+          </a:p>
+        </p:txBody>
+      </p:sp>
+      <p:sp>
+        <p:nvSpPr>
+          <p:cNvPr id="4" name="Shape 2"/>
+          <p:cNvSpPr/>
+          <p:nvPr/>
+        </p:nvSpPr>
+        <p:spPr>
+          <a:xfrm>
+            <a:off x="457200" y="1188720"/>
+            <a:ext cx="4114800" cy="1617785"/>
           </a:xfrm>
           <a:prstGeom prst="rect">
             <a:avLst/>
@@ -16968,14 +19773,14 @@
       </p:sp>
       <p:sp>
         <p:nvSpPr>
-          <p:cNvPr id="4" name="Text 2"/>
-          <p:cNvSpPr/>
-          <p:nvPr/>
-        </p:nvSpPr>
-        <p:spPr>
-          <a:xfrm>
-            <a:off x="548640" y="868680"/>
-            <a:ext cx="8046720" cy="2743200"/>
+          <p:cNvPr id="5" name="Text 3"/>
+          <p:cNvSpPr/>
+          <p:nvPr/>
+        </p:nvSpPr>
+        <p:spPr>
+          <a:xfrm>
+            <a:off x="548640" y="1234440"/>
+            <a:ext cx="4023360" cy="1515794"/>
           </a:xfrm>
           <a:prstGeom prst="rect">
             <a:avLst/>
@@ -16990,6 +19795,32 @@
             <a:pPr marL="0" indent="0">
               <a:buNone/>
             </a:pPr>
+            <a:endParaRPr lang="ru-RU" sz="900" dirty="0">
+              <a:solidFill>
+                <a:srgbClr val="D4D4D4"/>
+              </a:solidFill>
+              <a:latin typeface="Courier New" pitchFamily="34" charset="0"/>
+              <a:ea typeface="Courier New" pitchFamily="34" charset="-122"/>
+              <a:cs typeface="Courier New" pitchFamily="34" charset="-120"/>
+            </a:endParaRPr>
+          </a:p>
+          <a:p>
+            <a:pPr marL="0" indent="0">
+              <a:buNone/>
+            </a:pPr>
+            <a:endParaRPr lang="ru-RU" sz="900" dirty="0">
+              <a:solidFill>
+                <a:srgbClr val="D4D4D4"/>
+              </a:solidFill>
+              <a:latin typeface="Courier New" pitchFamily="34" charset="0"/>
+              <a:ea typeface="Courier New" pitchFamily="34" charset="-122"/>
+              <a:cs typeface="Courier New" pitchFamily="34" charset="-120"/>
+            </a:endParaRPr>
+          </a:p>
+          <a:p>
+            <a:pPr marL="0" indent="0">
+              <a:buNone/>
+            </a:pPr>
             <a:r>
               <a:rPr lang="en-US" sz="900" dirty="0">
                 <a:solidFill>
@@ -16999,9 +19830,21 @@
                 <a:ea typeface="Courier New" pitchFamily="34" charset="-122"/>
                 <a:cs typeface="Courier New" pitchFamily="34" charset="-120"/>
               </a:rPr>
-              <a:t>fn calculate_area(r: f64) -&gt; f64 {</a:t>
-            </a:r>
-            <a:endParaRPr lang="en-US" sz="900" dirty="0"/>
+              <a:t>let x = if true { 5 } else { 10 };  // x = 5</a:t>
+            </a:r>
+          </a:p>
+          <a:p>
+            <a:pPr marL="0" indent="0">
+              <a:buNone/>
+            </a:pPr>
+            <a:endParaRPr lang="en-US" sz="900" dirty="0">
+              <a:solidFill>
+                <a:srgbClr val="D4D4D4"/>
+              </a:solidFill>
+              <a:latin typeface="Courier New" pitchFamily="34" charset="0"/>
+              <a:ea typeface="Courier New" pitchFamily="34" charset="-122"/>
+              <a:cs typeface="Courier New" pitchFamily="34" charset="-120"/>
+            </a:endParaRPr>
           </a:p>
           <a:p>
             <a:pPr marL="0" indent="0">
@@ -17016,9 +19859,8 @@
                 <a:ea typeface="Courier New" pitchFamily="34" charset="-122"/>
                 <a:cs typeface="Courier New" pitchFamily="34" charset="-120"/>
               </a:rPr>
-              <a:t>    3.14159265 * r * r</a:t>
-            </a:r>
-            <a:endParaRPr lang="en-US" sz="900" dirty="0"/>
+              <a:t>let y = {</a:t>
+            </a:r>
           </a:p>
           <a:p>
             <a:pPr marL="0" indent="0">
@@ -17033,15 +19875,8 @@
                 <a:ea typeface="Courier New" pitchFamily="34" charset="-122"/>
                 <a:cs typeface="Courier New" pitchFamily="34" charset="-120"/>
               </a:rPr>
-              <a:t>}</a:t>
-            </a:r>
-            <a:endParaRPr lang="en-US" sz="900" dirty="0"/>
-          </a:p>
-          <a:p>
-            <a:pPr marL="0" indent="0">
-              <a:buNone/>
-            </a:pPr>
-            <a:endParaRPr lang="en-US" sz="900" dirty="0"/>
+              <a:t>    let a = 1;</a:t>
+            </a:r>
           </a:p>
           <a:p>
             <a:pPr marL="0" indent="0">
@@ -17056,9 +19891,8 @@
                 <a:ea typeface="Courier New" pitchFamily="34" charset="-122"/>
                 <a:cs typeface="Courier New" pitchFamily="34" charset="-120"/>
               </a:rPr>
-              <a:t>fn main() {</a:t>
-            </a:r>
-            <a:endParaRPr lang="en-US" sz="900" dirty="0"/>
+              <a:t>    let b = 2;</a:t>
+            </a:r>
           </a:p>
           <a:p>
             <a:pPr marL="0" indent="0">
@@ -17073,14 +19907,87 @@
                 <a:ea typeface="Courier New" pitchFamily="34" charset="-122"/>
                 <a:cs typeface="Courier New" pitchFamily="34" charset="-120"/>
               </a:rPr>
-              <a:t>    let radius = 5.0;</a:t>
-            </a:r>
-            <a:endParaRPr lang="en-US" sz="900" dirty="0"/>
-          </a:p>
-          <a:p>
-            <a:pPr marL="0" indent="0">
-              <a:buNone/>
-            </a:pPr>
+              <a:t>    a + b       // </a:t>
+            </a:r>
+            <a:r>
+              <a:rPr lang="ru-RU" sz="900" dirty="0" err="1">
+                <a:solidFill>
+                  <a:srgbClr val="D4D4D4"/>
+                </a:solidFill>
+                <a:latin typeface="Courier New" pitchFamily="34" charset="0"/>
+                <a:ea typeface="Courier New" pitchFamily="34" charset="-122"/>
+                <a:cs typeface="Courier New" pitchFamily="34" charset="-120"/>
+              </a:rPr>
+              <a:t>останній</a:t>
+            </a:r>
+            <a:r>
+              <a:rPr lang="ru-RU" sz="900" dirty="0">
+                <a:solidFill>
+                  <a:srgbClr val="D4D4D4"/>
+                </a:solidFill>
+                <a:latin typeface="Courier New" pitchFamily="34" charset="0"/>
+                <a:ea typeface="Courier New" pitchFamily="34" charset="-122"/>
+                <a:cs typeface="Courier New" pitchFamily="34" charset="-120"/>
+              </a:rPr>
+              <a:t> </a:t>
+            </a:r>
+            <a:r>
+              <a:rPr lang="ru-RU" sz="900" dirty="0" err="1">
+                <a:solidFill>
+                  <a:srgbClr val="D4D4D4"/>
+                </a:solidFill>
+                <a:latin typeface="Courier New" pitchFamily="34" charset="0"/>
+                <a:ea typeface="Courier New" pitchFamily="34" charset="-122"/>
+                <a:cs typeface="Courier New" pitchFamily="34" charset="-120"/>
+              </a:rPr>
+              <a:t>вираз</a:t>
+            </a:r>
+            <a:r>
+              <a:rPr lang="ru-RU" sz="900" dirty="0">
+                <a:solidFill>
+                  <a:srgbClr val="D4D4D4"/>
+                </a:solidFill>
+                <a:latin typeface="Courier New" pitchFamily="34" charset="0"/>
+                <a:ea typeface="Courier New" pitchFamily="34" charset="-122"/>
+                <a:cs typeface="Courier New" pitchFamily="34" charset="-120"/>
+              </a:rPr>
+              <a:t> без ; → </a:t>
+            </a:r>
+            <a:r>
+              <a:rPr lang="ru-RU" sz="900" dirty="0" err="1">
+                <a:solidFill>
+                  <a:srgbClr val="D4D4D4"/>
+                </a:solidFill>
+                <a:latin typeface="Courier New" pitchFamily="34" charset="0"/>
+                <a:ea typeface="Courier New" pitchFamily="34" charset="-122"/>
+                <a:cs typeface="Courier New" pitchFamily="34" charset="-120"/>
+              </a:rPr>
+              <a:t>повертається</a:t>
+            </a:r>
+            <a:endParaRPr lang="ru-RU" sz="900" dirty="0">
+              <a:solidFill>
+                <a:srgbClr val="D4D4D4"/>
+              </a:solidFill>
+              <a:latin typeface="Courier New" pitchFamily="34" charset="0"/>
+              <a:ea typeface="Courier New" pitchFamily="34" charset="-122"/>
+              <a:cs typeface="Courier New" pitchFamily="34" charset="-120"/>
+            </a:endParaRPr>
+          </a:p>
+          <a:p>
+            <a:pPr marL="0" indent="0">
+              <a:buNone/>
+            </a:pPr>
+            <a:r>
+              <a:rPr lang="ru-RU" sz="900" dirty="0">
+                <a:solidFill>
+                  <a:srgbClr val="D4D4D4"/>
+                </a:solidFill>
+                <a:latin typeface="Courier New" pitchFamily="34" charset="0"/>
+                <a:ea typeface="Courier New" pitchFamily="34" charset="-122"/>
+                <a:cs typeface="Courier New" pitchFamily="34" charset="-120"/>
+              </a:rPr>
+              <a:t>};              // </a:t>
+            </a:r>
             <a:r>
               <a:rPr lang="en-US" sz="900" dirty="0">
                 <a:solidFill>
@@ -17090,459 +19997,23 @@
                 <a:ea typeface="Courier New" pitchFamily="34" charset="-122"/>
                 <a:cs typeface="Courier New" pitchFamily="34" charset="-120"/>
               </a:rPr>
-              <a:t>    let area = calculate_area(radius);</a:t>
-            </a:r>
-            <a:endParaRPr lang="en-US" sz="900" dirty="0"/>
-          </a:p>
-          <a:p>
-            <a:pPr marL="0" indent="0">
-              <a:buNone/>
-            </a:pPr>
-            <a:r>
-              <a:rPr lang="en-US" sz="900" dirty="0">
-                <a:solidFill>
-                  <a:srgbClr val="D4D4D4"/>
-                </a:solidFill>
-                <a:latin typeface="Courier New" pitchFamily="34" charset="0"/>
-                <a:ea typeface="Courier New" pitchFamily="34" charset="-122"/>
-                <a:cs typeface="Courier New" pitchFamily="34" charset="-120"/>
-              </a:rPr>
-              <a:t>    </a:t>
-            </a:r>
-            <a:endParaRPr lang="en-US" sz="900" dirty="0"/>
-          </a:p>
-          <a:p>
-            <a:pPr marL="0" indent="0">
-              <a:buNone/>
-            </a:pPr>
-            <a:r>
-              <a:rPr lang="en-US" sz="900" dirty="0">
-                <a:solidFill>
-                  <a:srgbClr val="D4D4D4"/>
-                </a:solidFill>
-                <a:latin typeface="Courier New" pitchFamily="34" charset="0"/>
-                <a:ea typeface="Courier New" pitchFamily="34" charset="-122"/>
-                <a:cs typeface="Courier New" pitchFamily="34" charset="-120"/>
-              </a:rPr>
-              <a:t>    println!("Радіус: {}", radius);</a:t>
-            </a:r>
-            <a:endParaRPr lang="en-US" sz="900" dirty="0"/>
-          </a:p>
-          <a:p>
-            <a:pPr marL="0" indent="0">
-              <a:buNone/>
-            </a:pPr>
-            <a:r>
-              <a:rPr lang="en-US" sz="900" dirty="0">
-                <a:solidFill>
-                  <a:srgbClr val="D4D4D4"/>
-                </a:solidFill>
-                <a:latin typeface="Courier New" pitchFamily="34" charset="0"/>
-                <a:ea typeface="Courier New" pitchFamily="34" charset="-122"/>
-                <a:cs typeface="Courier New" pitchFamily="34" charset="-120"/>
-              </a:rPr>
-              <a:t>    println!("Площа: {:.2}", area);</a:t>
-            </a:r>
-            <a:endParaRPr lang="en-US" sz="900" dirty="0"/>
-          </a:p>
-          <a:p>
-            <a:pPr marL="0" indent="0">
-              <a:buNone/>
-            </a:pPr>
-            <a:r>
-              <a:rPr lang="en-US" sz="900" dirty="0">
-                <a:solidFill>
-                  <a:srgbClr val="D4D4D4"/>
-                </a:solidFill>
-                <a:latin typeface="Courier New" pitchFamily="34" charset="0"/>
-                <a:ea typeface="Courier New" pitchFamily="34" charset="-122"/>
-                <a:cs typeface="Courier New" pitchFamily="34" charset="-120"/>
-              </a:rPr>
-              <a:t>}</a:t>
-            </a:r>
-            <a:endParaRPr lang="en-US" sz="900" dirty="0"/>
-          </a:p>
-          <a:p>
-            <a:pPr marL="0" indent="0">
-              <a:buNone/>
-            </a:pPr>
-            <a:endParaRPr lang="en-US" sz="900" dirty="0"/>
-          </a:p>
-          <a:p>
-            <a:pPr marL="0" indent="0">
-              <a:buNone/>
-            </a:pPr>
-            <a:r>
-              <a:rPr lang="en-US" sz="900" dirty="0">
-                <a:solidFill>
-                  <a:srgbClr val="D4D4D4"/>
-                </a:solidFill>
-                <a:latin typeface="Courier New" pitchFamily="34" charset="0"/>
-                <a:ea typeface="Courier New" pitchFamily="34" charset="-122"/>
-                <a:cs typeface="Courier New" pitchFamily="34" charset="-120"/>
-              </a:rPr>
-              <a:t>// Радіус: 5</a:t>
-            </a:r>
-            <a:endParaRPr lang="en-US" sz="900" dirty="0"/>
-          </a:p>
-          <a:p>
-            <a:pPr marL="0" indent="0">
-              <a:buNone/>
-            </a:pPr>
-            <a:r>
-              <a:rPr lang="en-US" sz="900" dirty="0">
-                <a:solidFill>
-                  <a:srgbClr val="D4D4D4"/>
-                </a:solidFill>
-                <a:latin typeface="Courier New" pitchFamily="34" charset="0"/>
-                <a:ea typeface="Courier New" pitchFamily="34" charset="-122"/>
-                <a:cs typeface="Courier New" pitchFamily="34" charset="-120"/>
-              </a:rPr>
-              <a:t>// Площа: 78.54</a:t>
-            </a:r>
+              <a:t>y = 3</a:t>
+            </a:r>
+          </a:p>
+          <a:p>
+            <a:pPr marL="0" indent="0">
+              <a:buNone/>
+            </a:pPr>
             <a:endParaRPr lang="en-US" sz="900" dirty="0"/>
           </a:p>
         </p:txBody>
       </p:sp>
     </p:spTree>
-  </p:cSld>
-  <p:clrMapOvr>
-    <a:masterClrMapping/>
-  </p:clrMapOvr>
-</p:sld>
-</file>
-
-<file path=ppt/slides/slide39.xml><?xml version="1.0" encoding="utf-8"?>
-<p:sld xmlns:a="http://schemas.openxmlformats.org/drawingml/2006/main" xmlns:r="http://schemas.openxmlformats.org/officeDocument/2006/relationships" xmlns:p="http://schemas.openxmlformats.org/presentationml/2006/main">
-  <p:cSld name="Slide 38">
-    <p:bg>
-      <p:bgPr>
-        <a:solidFill>
-          <a:srgbClr val="1E1E1E"/>
-        </a:solidFill>
-        <a:effectLst/>
-      </p:bgPr>
-    </p:bg>
-    <p:spTree>
-      <p:nvGrpSpPr>
-        <p:cNvPr id="1" name=""/>
-        <p:cNvGrpSpPr/>
-        <p:nvPr/>
-      </p:nvGrpSpPr>
-      <p:grpSpPr>
-        <a:xfrm>
-          <a:off x="0" y="0"/>
-          <a:ext cx="0" cy="0"/>
-          <a:chOff x="0" y="0"/>
-          <a:chExt cx="0" cy="0"/>
-        </a:xfrm>
-      </p:grpSpPr>
-      <p:sp>
-        <p:nvSpPr>
-          <p:cNvPr id="2" name="Text 0"/>
-          <p:cNvSpPr/>
-          <p:nvPr/>
-        </p:nvSpPr>
-        <p:spPr>
-          <a:xfrm>
-            <a:off x="457200" y="274320"/>
-            <a:ext cx="8229600" cy="457200"/>
-          </a:xfrm>
-          <a:prstGeom prst="rect">
-            <a:avLst/>
-          </a:prstGeom>
-          <a:noFill/>
-          <a:ln/>
-        </p:spPr>
-        <p:txBody>
-          <a:bodyPr wrap="square" rtlCol="0" anchor="ctr"/>
-          <a:lstStyle/>
-          <a:p>
-            <a:pPr marL="0" indent="0">
-              <a:buNone/>
-            </a:pPr>
-            <a:r>
-              <a:rPr lang="en-US" sz="3200" b="1" dirty="0">
-                <a:solidFill>
-                  <a:srgbClr val="CE422B"/>
-                </a:solidFill>
-              </a:rPr>
-              <a:t>Приклад: конвертер температури</a:t>
-            </a:r>
-            <a:endParaRPr lang="en-US" sz="3200" dirty="0"/>
-          </a:p>
-        </p:txBody>
-      </p:sp>
-      <p:sp>
-        <p:nvSpPr>
-          <p:cNvPr id="3" name="Shape 1"/>
-          <p:cNvSpPr/>
-          <p:nvPr/>
-        </p:nvSpPr>
-        <p:spPr>
-          <a:xfrm>
-            <a:off x="457200" y="822960"/>
-            <a:ext cx="8229600" cy="2834640"/>
-          </a:xfrm>
-          <a:prstGeom prst="rect">
-            <a:avLst/>
-          </a:prstGeom>
-          <a:solidFill>
-            <a:srgbClr val="0D3B2E"/>
-          </a:solidFill>
-          <a:ln/>
-        </p:spPr>
-      </p:sp>
-      <p:sp>
-        <p:nvSpPr>
-          <p:cNvPr id="4" name="Text 2"/>
-          <p:cNvSpPr/>
-          <p:nvPr/>
-        </p:nvSpPr>
-        <p:spPr>
-          <a:xfrm>
-            <a:off x="548640" y="868680"/>
-            <a:ext cx="8046720" cy="2743200"/>
-          </a:xfrm>
-          <a:prstGeom prst="rect">
-            <a:avLst/>
-          </a:prstGeom>
-          <a:noFill/>
-          <a:ln/>
-        </p:spPr>
-        <p:txBody>
-          <a:bodyPr wrap="square" rtlCol="0" anchor="ctr"/>
-          <a:lstStyle/>
-          <a:p>
-            <a:pPr marL="0" indent="0">
-              <a:buNone/>
-            </a:pPr>
-            <a:r>
-              <a:rPr lang="en-US" sz="900" dirty="0">
-                <a:solidFill>
-                  <a:srgbClr val="D4D4D4"/>
-                </a:solidFill>
-                <a:latin typeface="Courier New" pitchFamily="34" charset="0"/>
-                <a:ea typeface="Courier New" pitchFamily="34" charset="-122"/>
-                <a:cs typeface="Courier New" pitchFamily="34" charset="-120"/>
-              </a:rPr>
-              <a:t>fn celsius_to_fahrenheit(c: f64) -&gt; f64 {</a:t>
-            </a:r>
-            <a:endParaRPr lang="en-US" sz="900" dirty="0"/>
-          </a:p>
-          <a:p>
-            <a:pPr marL="0" indent="0">
-              <a:buNone/>
-            </a:pPr>
-            <a:r>
-              <a:rPr lang="en-US" sz="900" dirty="0">
-                <a:solidFill>
-                  <a:srgbClr val="D4D4D4"/>
-                </a:solidFill>
-                <a:latin typeface="Courier New" pitchFamily="34" charset="0"/>
-                <a:ea typeface="Courier New" pitchFamily="34" charset="-122"/>
-                <a:cs typeface="Courier New" pitchFamily="34" charset="-120"/>
-              </a:rPr>
-              <a:t>    c * 9.0 / 5.0 + 32.0</a:t>
-            </a:r>
-            <a:endParaRPr lang="en-US" sz="900" dirty="0"/>
-          </a:p>
-          <a:p>
-            <a:pPr marL="0" indent="0">
-              <a:buNone/>
-            </a:pPr>
-            <a:r>
-              <a:rPr lang="en-US" sz="900" dirty="0">
-                <a:solidFill>
-                  <a:srgbClr val="D4D4D4"/>
-                </a:solidFill>
-                <a:latin typeface="Courier New" pitchFamily="34" charset="0"/>
-                <a:ea typeface="Courier New" pitchFamily="34" charset="-122"/>
-                <a:cs typeface="Courier New" pitchFamily="34" charset="-120"/>
-              </a:rPr>
-              <a:t>}</a:t>
-            </a:r>
-            <a:endParaRPr lang="en-US" sz="900" dirty="0"/>
-          </a:p>
-          <a:p>
-            <a:pPr marL="0" indent="0">
-              <a:buNone/>
-            </a:pPr>
-            <a:endParaRPr lang="en-US" sz="900" dirty="0"/>
-          </a:p>
-          <a:p>
-            <a:pPr marL="0" indent="0">
-              <a:buNone/>
-            </a:pPr>
-            <a:r>
-              <a:rPr lang="en-US" sz="900" dirty="0">
-                <a:solidFill>
-                  <a:srgbClr val="D4D4D4"/>
-                </a:solidFill>
-                <a:latin typeface="Courier New" pitchFamily="34" charset="0"/>
-                <a:ea typeface="Courier New" pitchFamily="34" charset="-122"/>
-                <a:cs typeface="Courier New" pitchFamily="34" charset="-120"/>
-              </a:rPr>
-              <a:t>fn main() {</a:t>
-            </a:r>
-            <a:endParaRPr lang="en-US" sz="900" dirty="0"/>
-          </a:p>
-          <a:p>
-            <a:pPr marL="0" indent="0">
-              <a:buNone/>
-            </a:pPr>
-            <a:r>
-              <a:rPr lang="en-US" sz="900" dirty="0">
-                <a:solidFill>
-                  <a:srgbClr val="D4D4D4"/>
-                </a:solidFill>
-                <a:latin typeface="Courier New" pitchFamily="34" charset="0"/>
-                <a:ea typeface="Courier New" pitchFamily="34" charset="-122"/>
-                <a:cs typeface="Courier New" pitchFamily="34" charset="-120"/>
-              </a:rPr>
-              <a:t>    let temps = [0.0, 20.0, 36.6, 100.0];</a:t>
-            </a:r>
-            <a:endParaRPr lang="en-US" sz="900" dirty="0"/>
-          </a:p>
-          <a:p>
-            <a:pPr marL="0" indent="0">
-              <a:buNone/>
-            </a:pPr>
-            <a:r>
-              <a:rPr lang="en-US" sz="900" dirty="0">
-                <a:solidFill>
-                  <a:srgbClr val="D4D4D4"/>
-                </a:solidFill>
-                <a:latin typeface="Courier New" pitchFamily="34" charset="0"/>
-                <a:ea typeface="Courier New" pitchFamily="34" charset="-122"/>
-                <a:cs typeface="Courier New" pitchFamily="34" charset="-120"/>
-              </a:rPr>
-              <a:t>    </a:t>
-            </a:r>
-            <a:endParaRPr lang="en-US" sz="900" dirty="0"/>
-          </a:p>
-          <a:p>
-            <a:pPr marL="0" indent="0">
-              <a:buNone/>
-            </a:pPr>
-            <a:r>
-              <a:rPr lang="en-US" sz="900" dirty="0">
-                <a:solidFill>
-                  <a:srgbClr val="D4D4D4"/>
-                </a:solidFill>
-                <a:latin typeface="Courier New" pitchFamily="34" charset="0"/>
-                <a:ea typeface="Courier New" pitchFamily="34" charset="-122"/>
-                <a:cs typeface="Courier New" pitchFamily="34" charset="-120"/>
-              </a:rPr>
-              <a:t>    for c in temps {</a:t>
-            </a:r>
-            <a:endParaRPr lang="en-US" sz="900" dirty="0"/>
-          </a:p>
-          <a:p>
-            <a:pPr marL="0" indent="0">
-              <a:buNone/>
-            </a:pPr>
-            <a:r>
-              <a:rPr lang="en-US" sz="900" dirty="0">
-                <a:solidFill>
-                  <a:srgbClr val="D4D4D4"/>
-                </a:solidFill>
-                <a:latin typeface="Courier New" pitchFamily="34" charset="0"/>
-                <a:ea typeface="Courier New" pitchFamily="34" charset="-122"/>
-                <a:cs typeface="Courier New" pitchFamily="34" charset="-120"/>
-              </a:rPr>
-              <a:t>        let f = celsius_to_fahrenheit(c);</a:t>
-            </a:r>
-            <a:endParaRPr lang="en-US" sz="900" dirty="0"/>
-          </a:p>
-          <a:p>
-            <a:pPr marL="0" indent="0">
-              <a:buNone/>
-            </a:pPr>
-            <a:r>
-              <a:rPr lang="en-US" sz="900" dirty="0">
-                <a:solidFill>
-                  <a:srgbClr val="D4D4D4"/>
-                </a:solidFill>
-                <a:latin typeface="Courier New" pitchFamily="34" charset="0"/>
-                <a:ea typeface="Courier New" pitchFamily="34" charset="-122"/>
-                <a:cs typeface="Courier New" pitchFamily="34" charset="-120"/>
-              </a:rPr>
-              <a:t>        println!("{:.1}°C = {:.1}°F", c, f);</a:t>
-            </a:r>
-            <a:endParaRPr lang="en-US" sz="900" dirty="0"/>
-          </a:p>
-          <a:p>
-            <a:pPr marL="0" indent="0">
-              <a:buNone/>
-            </a:pPr>
-            <a:r>
-              <a:rPr lang="en-US" sz="900" dirty="0">
-                <a:solidFill>
-                  <a:srgbClr val="D4D4D4"/>
-                </a:solidFill>
-                <a:latin typeface="Courier New" pitchFamily="34" charset="0"/>
-                <a:ea typeface="Courier New" pitchFamily="34" charset="-122"/>
-                <a:cs typeface="Courier New" pitchFamily="34" charset="-120"/>
-              </a:rPr>
-              <a:t>    }</a:t>
-            </a:r>
-            <a:endParaRPr lang="en-US" sz="900" dirty="0"/>
-          </a:p>
-          <a:p>
-            <a:pPr marL="0" indent="0">
-              <a:buNone/>
-            </a:pPr>
-            <a:r>
-              <a:rPr lang="en-US" sz="900" dirty="0">
-                <a:solidFill>
-                  <a:srgbClr val="D4D4D4"/>
-                </a:solidFill>
-                <a:latin typeface="Courier New" pitchFamily="34" charset="0"/>
-                <a:ea typeface="Courier New" pitchFamily="34" charset="-122"/>
-                <a:cs typeface="Courier New" pitchFamily="34" charset="-120"/>
-              </a:rPr>
-              <a:t>}</a:t>
-            </a:r>
-            <a:endParaRPr lang="en-US" sz="900" dirty="0"/>
-          </a:p>
-          <a:p>
-            <a:pPr marL="0" indent="0">
-              <a:buNone/>
-            </a:pPr>
-            <a:r>
-              <a:rPr lang="en-US" sz="900" dirty="0">
-                <a:solidFill>
-                  <a:srgbClr val="D4D4D4"/>
-                </a:solidFill>
-                <a:latin typeface="Courier New" pitchFamily="34" charset="0"/>
-                <a:ea typeface="Courier New" pitchFamily="34" charset="-122"/>
-                <a:cs typeface="Courier New" pitchFamily="34" charset="-120"/>
-              </a:rPr>
-              <a:t>// 0.0°C = 32.0°F</a:t>
-            </a:r>
-            <a:endParaRPr lang="en-US" sz="900" dirty="0"/>
-          </a:p>
-          <a:p>
-            <a:pPr marL="0" indent="0">
-              <a:buNone/>
-            </a:pPr>
-            <a:r>
-              <a:rPr lang="en-US" sz="900" dirty="0">
-                <a:solidFill>
-                  <a:srgbClr val="D4D4D4"/>
-                </a:solidFill>
-                <a:latin typeface="Courier New" pitchFamily="34" charset="0"/>
-                <a:ea typeface="Courier New" pitchFamily="34" charset="-122"/>
-                <a:cs typeface="Courier New" pitchFamily="34" charset="-120"/>
-              </a:rPr>
-              <a:t>// 20.0°C = 68.0°F</a:t>
-            </a:r>
-            <a:endParaRPr lang="en-US" sz="900" dirty="0"/>
-          </a:p>
-        </p:txBody>
-      </p:sp>
-    </p:spTree>
+    <p:extLst>
+      <p:ext uri="{BB962C8B-B14F-4D97-AF65-F5344CB8AC3E}">
+        <p14:creationId xmlns:p14="http://schemas.microsoft.com/office/powerpoint/2010/main" val="2677197158"/>
+      </p:ext>
+    </p:extLst>
   </p:cSld>
   <p:clrMapOvr>
     <a:masterClrMapping/>
@@ -17804,6 +20275,671 @@
 
 <file path=ppt/slides/slide40.xml><?xml version="1.0" encoding="utf-8"?>
 <p:sld xmlns:a="http://schemas.openxmlformats.org/drawingml/2006/main" xmlns:r="http://schemas.openxmlformats.org/officeDocument/2006/relationships" xmlns:p="http://schemas.openxmlformats.org/presentationml/2006/main">
+  <p:cSld name="Slide 37">
+    <p:bg>
+      <p:bgPr>
+        <a:solidFill>
+          <a:srgbClr val="1E1E1E"/>
+        </a:solidFill>
+        <a:effectLst/>
+      </p:bgPr>
+    </p:bg>
+    <p:spTree>
+      <p:nvGrpSpPr>
+        <p:cNvPr id="1" name=""/>
+        <p:cNvGrpSpPr/>
+        <p:nvPr/>
+      </p:nvGrpSpPr>
+      <p:grpSpPr>
+        <a:xfrm>
+          <a:off x="0" y="0"/>
+          <a:ext cx="0" cy="0"/>
+          <a:chOff x="0" y="0"/>
+          <a:chExt cx="0" cy="0"/>
+        </a:xfrm>
+      </p:grpSpPr>
+      <p:sp>
+        <p:nvSpPr>
+          <p:cNvPr id="2" name="Text 0"/>
+          <p:cNvSpPr/>
+          <p:nvPr/>
+        </p:nvSpPr>
+        <p:spPr>
+          <a:xfrm>
+            <a:off x="457200" y="274320"/>
+            <a:ext cx="8229600" cy="457200"/>
+          </a:xfrm>
+          <a:prstGeom prst="rect">
+            <a:avLst/>
+          </a:prstGeom>
+          <a:noFill/>
+          <a:ln/>
+        </p:spPr>
+        <p:txBody>
+          <a:bodyPr wrap="square" rtlCol="0" anchor="ctr"/>
+          <a:lstStyle/>
+          <a:p>
+            <a:pPr marL="0" indent="0">
+              <a:buNone/>
+            </a:pPr>
+            <a:r>
+              <a:rPr lang="en-US" sz="3200" b="1" dirty="0">
+                <a:solidFill>
+                  <a:srgbClr val="CE422B"/>
+                </a:solidFill>
+              </a:rPr>
+              <a:t>Приклад: площа круга</a:t>
+            </a:r>
+            <a:endParaRPr lang="en-US" sz="3200" dirty="0"/>
+          </a:p>
+        </p:txBody>
+      </p:sp>
+      <p:sp>
+        <p:nvSpPr>
+          <p:cNvPr id="3" name="Shape 1"/>
+          <p:cNvSpPr/>
+          <p:nvPr/>
+        </p:nvSpPr>
+        <p:spPr>
+          <a:xfrm>
+            <a:off x="457200" y="822960"/>
+            <a:ext cx="8229600" cy="2834640"/>
+          </a:xfrm>
+          <a:prstGeom prst="rect">
+            <a:avLst/>
+          </a:prstGeom>
+          <a:solidFill>
+            <a:srgbClr val="0D3B2E"/>
+          </a:solidFill>
+          <a:ln/>
+        </p:spPr>
+      </p:sp>
+      <p:sp>
+        <p:nvSpPr>
+          <p:cNvPr id="4" name="Text 2"/>
+          <p:cNvSpPr/>
+          <p:nvPr/>
+        </p:nvSpPr>
+        <p:spPr>
+          <a:xfrm>
+            <a:off x="548640" y="868680"/>
+            <a:ext cx="8046720" cy="2743200"/>
+          </a:xfrm>
+          <a:prstGeom prst="rect">
+            <a:avLst/>
+          </a:prstGeom>
+          <a:noFill/>
+          <a:ln/>
+        </p:spPr>
+        <p:txBody>
+          <a:bodyPr wrap="square" rtlCol="0" anchor="ctr"/>
+          <a:lstStyle/>
+          <a:p>
+            <a:pPr marL="0" indent="0">
+              <a:buNone/>
+            </a:pPr>
+            <a:r>
+              <a:rPr lang="en-US" sz="900" dirty="0">
+                <a:solidFill>
+                  <a:srgbClr val="D4D4D4"/>
+                </a:solidFill>
+                <a:latin typeface="Courier New" pitchFamily="34" charset="0"/>
+                <a:ea typeface="Courier New" pitchFamily="34" charset="-122"/>
+                <a:cs typeface="Courier New" pitchFamily="34" charset="-120"/>
+              </a:rPr>
+              <a:t>fn calculate_area(r: f64) -&gt; f64 {</a:t>
+            </a:r>
+            <a:endParaRPr lang="en-US" sz="900" dirty="0"/>
+          </a:p>
+          <a:p>
+            <a:pPr marL="0" indent="0">
+              <a:buNone/>
+            </a:pPr>
+            <a:r>
+              <a:rPr lang="en-US" sz="900" dirty="0">
+                <a:solidFill>
+                  <a:srgbClr val="D4D4D4"/>
+                </a:solidFill>
+                <a:latin typeface="Courier New" pitchFamily="34" charset="0"/>
+                <a:ea typeface="Courier New" pitchFamily="34" charset="-122"/>
+                <a:cs typeface="Courier New" pitchFamily="34" charset="-120"/>
+              </a:rPr>
+              <a:t>    3.14159265 * r * r</a:t>
+            </a:r>
+            <a:endParaRPr lang="en-US" sz="900" dirty="0"/>
+          </a:p>
+          <a:p>
+            <a:pPr marL="0" indent="0">
+              <a:buNone/>
+            </a:pPr>
+            <a:r>
+              <a:rPr lang="en-US" sz="900" dirty="0">
+                <a:solidFill>
+                  <a:srgbClr val="D4D4D4"/>
+                </a:solidFill>
+                <a:latin typeface="Courier New" pitchFamily="34" charset="0"/>
+                <a:ea typeface="Courier New" pitchFamily="34" charset="-122"/>
+                <a:cs typeface="Courier New" pitchFamily="34" charset="-120"/>
+              </a:rPr>
+              <a:t>}</a:t>
+            </a:r>
+            <a:endParaRPr lang="en-US" sz="900" dirty="0"/>
+          </a:p>
+          <a:p>
+            <a:pPr marL="0" indent="0">
+              <a:buNone/>
+            </a:pPr>
+            <a:endParaRPr lang="en-US" sz="900" dirty="0"/>
+          </a:p>
+          <a:p>
+            <a:pPr marL="0" indent="0">
+              <a:buNone/>
+            </a:pPr>
+            <a:r>
+              <a:rPr lang="en-US" sz="900" dirty="0">
+                <a:solidFill>
+                  <a:srgbClr val="D4D4D4"/>
+                </a:solidFill>
+                <a:latin typeface="Courier New" pitchFamily="34" charset="0"/>
+                <a:ea typeface="Courier New" pitchFamily="34" charset="-122"/>
+                <a:cs typeface="Courier New" pitchFamily="34" charset="-120"/>
+              </a:rPr>
+              <a:t>fn main() {</a:t>
+            </a:r>
+            <a:endParaRPr lang="en-US" sz="900" dirty="0"/>
+          </a:p>
+          <a:p>
+            <a:pPr marL="0" indent="0">
+              <a:buNone/>
+            </a:pPr>
+            <a:r>
+              <a:rPr lang="en-US" sz="900" dirty="0">
+                <a:solidFill>
+                  <a:srgbClr val="D4D4D4"/>
+                </a:solidFill>
+                <a:latin typeface="Courier New" pitchFamily="34" charset="0"/>
+                <a:ea typeface="Courier New" pitchFamily="34" charset="-122"/>
+                <a:cs typeface="Courier New" pitchFamily="34" charset="-120"/>
+              </a:rPr>
+              <a:t>    let radius = 5.0;</a:t>
+            </a:r>
+            <a:endParaRPr lang="en-US" sz="900" dirty="0"/>
+          </a:p>
+          <a:p>
+            <a:pPr marL="0" indent="0">
+              <a:buNone/>
+            </a:pPr>
+            <a:r>
+              <a:rPr lang="en-US" sz="900" dirty="0">
+                <a:solidFill>
+                  <a:srgbClr val="D4D4D4"/>
+                </a:solidFill>
+                <a:latin typeface="Courier New" pitchFamily="34" charset="0"/>
+                <a:ea typeface="Courier New" pitchFamily="34" charset="-122"/>
+                <a:cs typeface="Courier New" pitchFamily="34" charset="-120"/>
+              </a:rPr>
+              <a:t>    let area = calculate_area(radius);</a:t>
+            </a:r>
+            <a:endParaRPr lang="en-US" sz="900" dirty="0"/>
+          </a:p>
+          <a:p>
+            <a:pPr marL="0" indent="0">
+              <a:buNone/>
+            </a:pPr>
+            <a:r>
+              <a:rPr lang="en-US" sz="900" dirty="0">
+                <a:solidFill>
+                  <a:srgbClr val="D4D4D4"/>
+                </a:solidFill>
+                <a:latin typeface="Courier New" pitchFamily="34" charset="0"/>
+                <a:ea typeface="Courier New" pitchFamily="34" charset="-122"/>
+                <a:cs typeface="Courier New" pitchFamily="34" charset="-120"/>
+              </a:rPr>
+              <a:t>    </a:t>
+            </a:r>
+            <a:endParaRPr lang="en-US" sz="900" dirty="0"/>
+          </a:p>
+          <a:p>
+            <a:pPr marL="0" indent="0">
+              <a:buNone/>
+            </a:pPr>
+            <a:r>
+              <a:rPr lang="en-US" sz="900" dirty="0">
+                <a:solidFill>
+                  <a:srgbClr val="D4D4D4"/>
+                </a:solidFill>
+                <a:latin typeface="Courier New" pitchFamily="34" charset="0"/>
+                <a:ea typeface="Courier New" pitchFamily="34" charset="-122"/>
+                <a:cs typeface="Courier New" pitchFamily="34" charset="-120"/>
+              </a:rPr>
+              <a:t>    println!("Радіус: {}", radius);</a:t>
+            </a:r>
+            <a:endParaRPr lang="en-US" sz="900" dirty="0"/>
+          </a:p>
+          <a:p>
+            <a:pPr marL="0" indent="0">
+              <a:buNone/>
+            </a:pPr>
+            <a:r>
+              <a:rPr lang="en-US" sz="900" dirty="0">
+                <a:solidFill>
+                  <a:srgbClr val="D4D4D4"/>
+                </a:solidFill>
+                <a:latin typeface="Courier New" pitchFamily="34" charset="0"/>
+                <a:ea typeface="Courier New" pitchFamily="34" charset="-122"/>
+                <a:cs typeface="Courier New" pitchFamily="34" charset="-120"/>
+              </a:rPr>
+              <a:t>    println!("Площа: {:.2}", area);</a:t>
+            </a:r>
+            <a:endParaRPr lang="en-US" sz="900" dirty="0"/>
+          </a:p>
+          <a:p>
+            <a:pPr marL="0" indent="0">
+              <a:buNone/>
+            </a:pPr>
+            <a:r>
+              <a:rPr lang="en-US" sz="900" dirty="0">
+                <a:solidFill>
+                  <a:srgbClr val="D4D4D4"/>
+                </a:solidFill>
+                <a:latin typeface="Courier New" pitchFamily="34" charset="0"/>
+                <a:ea typeface="Courier New" pitchFamily="34" charset="-122"/>
+                <a:cs typeface="Courier New" pitchFamily="34" charset="-120"/>
+              </a:rPr>
+              <a:t>}</a:t>
+            </a:r>
+            <a:endParaRPr lang="en-US" sz="900" dirty="0"/>
+          </a:p>
+          <a:p>
+            <a:pPr marL="0" indent="0">
+              <a:buNone/>
+            </a:pPr>
+            <a:endParaRPr lang="en-US" sz="900" dirty="0"/>
+          </a:p>
+          <a:p>
+            <a:pPr marL="0" indent="0">
+              <a:buNone/>
+            </a:pPr>
+            <a:r>
+              <a:rPr lang="en-US" sz="900" dirty="0">
+                <a:solidFill>
+                  <a:srgbClr val="D4D4D4"/>
+                </a:solidFill>
+                <a:latin typeface="Courier New" pitchFamily="34" charset="0"/>
+                <a:ea typeface="Courier New" pitchFamily="34" charset="-122"/>
+                <a:cs typeface="Courier New" pitchFamily="34" charset="-120"/>
+              </a:rPr>
+              <a:t>// Радіус: 5</a:t>
+            </a:r>
+            <a:endParaRPr lang="en-US" sz="900" dirty="0"/>
+          </a:p>
+          <a:p>
+            <a:pPr marL="0" indent="0">
+              <a:buNone/>
+            </a:pPr>
+            <a:r>
+              <a:rPr lang="en-US" sz="900" dirty="0">
+                <a:solidFill>
+                  <a:srgbClr val="D4D4D4"/>
+                </a:solidFill>
+                <a:latin typeface="Courier New" pitchFamily="34" charset="0"/>
+                <a:ea typeface="Courier New" pitchFamily="34" charset="-122"/>
+                <a:cs typeface="Courier New" pitchFamily="34" charset="-120"/>
+              </a:rPr>
+              <a:t>// Площа: 78.54</a:t>
+            </a:r>
+            <a:endParaRPr lang="en-US" sz="900" dirty="0"/>
+          </a:p>
+        </p:txBody>
+      </p:sp>
+    </p:spTree>
+  </p:cSld>
+  <p:clrMapOvr>
+    <a:masterClrMapping/>
+  </p:clrMapOvr>
+</p:sld>
+</file>
+
+<file path=ppt/slides/slide41.xml><?xml version="1.0" encoding="utf-8"?>
+<p:sld xmlns:a="http://schemas.openxmlformats.org/drawingml/2006/main" xmlns:r="http://schemas.openxmlformats.org/officeDocument/2006/relationships" xmlns:p="http://schemas.openxmlformats.org/presentationml/2006/main">
+  <p:cSld name="Slide 38">
+    <p:bg>
+      <p:bgPr>
+        <a:solidFill>
+          <a:srgbClr val="1E1E1E"/>
+        </a:solidFill>
+        <a:effectLst/>
+      </p:bgPr>
+    </p:bg>
+    <p:spTree>
+      <p:nvGrpSpPr>
+        <p:cNvPr id="1" name=""/>
+        <p:cNvGrpSpPr/>
+        <p:nvPr/>
+      </p:nvGrpSpPr>
+      <p:grpSpPr>
+        <a:xfrm>
+          <a:off x="0" y="0"/>
+          <a:ext cx="0" cy="0"/>
+          <a:chOff x="0" y="0"/>
+          <a:chExt cx="0" cy="0"/>
+        </a:xfrm>
+      </p:grpSpPr>
+      <p:sp>
+        <p:nvSpPr>
+          <p:cNvPr id="2" name="Text 0"/>
+          <p:cNvSpPr/>
+          <p:nvPr/>
+        </p:nvSpPr>
+        <p:spPr>
+          <a:xfrm>
+            <a:off x="457200" y="274320"/>
+            <a:ext cx="8229600" cy="457200"/>
+          </a:xfrm>
+          <a:prstGeom prst="rect">
+            <a:avLst/>
+          </a:prstGeom>
+          <a:noFill/>
+          <a:ln/>
+        </p:spPr>
+        <p:txBody>
+          <a:bodyPr wrap="square" rtlCol="0" anchor="ctr"/>
+          <a:lstStyle/>
+          <a:p>
+            <a:pPr marL="0" indent="0">
+              <a:buNone/>
+            </a:pPr>
+            <a:r>
+              <a:rPr lang="en-US" sz="3200" b="1" dirty="0">
+                <a:solidFill>
+                  <a:srgbClr val="CE422B"/>
+                </a:solidFill>
+              </a:rPr>
+              <a:t>Приклад: конвертер температури</a:t>
+            </a:r>
+            <a:endParaRPr lang="en-US" sz="3200" dirty="0"/>
+          </a:p>
+        </p:txBody>
+      </p:sp>
+      <p:sp>
+        <p:nvSpPr>
+          <p:cNvPr id="3" name="Shape 1"/>
+          <p:cNvSpPr/>
+          <p:nvPr/>
+        </p:nvSpPr>
+        <p:spPr>
+          <a:xfrm>
+            <a:off x="457200" y="822960"/>
+            <a:ext cx="8229600" cy="2834640"/>
+          </a:xfrm>
+          <a:prstGeom prst="rect">
+            <a:avLst/>
+          </a:prstGeom>
+          <a:solidFill>
+            <a:srgbClr val="0D3B2E"/>
+          </a:solidFill>
+          <a:ln/>
+        </p:spPr>
+      </p:sp>
+      <p:sp>
+        <p:nvSpPr>
+          <p:cNvPr id="4" name="Text 2"/>
+          <p:cNvSpPr/>
+          <p:nvPr/>
+        </p:nvSpPr>
+        <p:spPr>
+          <a:xfrm>
+            <a:off x="548640" y="868680"/>
+            <a:ext cx="8046720" cy="2743200"/>
+          </a:xfrm>
+          <a:prstGeom prst="rect">
+            <a:avLst/>
+          </a:prstGeom>
+          <a:noFill/>
+          <a:ln/>
+        </p:spPr>
+        <p:txBody>
+          <a:bodyPr wrap="square" rtlCol="0" anchor="ctr"/>
+          <a:lstStyle/>
+          <a:p>
+            <a:pPr marL="0" indent="0">
+              <a:buNone/>
+            </a:pPr>
+            <a:r>
+              <a:rPr lang="en-US" sz="900" dirty="0">
+                <a:solidFill>
+                  <a:srgbClr val="D4D4D4"/>
+                </a:solidFill>
+                <a:latin typeface="Courier New" pitchFamily="34" charset="0"/>
+                <a:ea typeface="Courier New" pitchFamily="34" charset="-122"/>
+                <a:cs typeface="Courier New" pitchFamily="34" charset="-120"/>
+              </a:rPr>
+              <a:t>fn celsius_to_fahrenheit(c: f64) -&gt; f64 {</a:t>
+            </a:r>
+            <a:endParaRPr lang="en-US" sz="900" dirty="0"/>
+          </a:p>
+          <a:p>
+            <a:pPr marL="0" indent="0">
+              <a:buNone/>
+            </a:pPr>
+            <a:r>
+              <a:rPr lang="en-US" sz="900" dirty="0">
+                <a:solidFill>
+                  <a:srgbClr val="D4D4D4"/>
+                </a:solidFill>
+                <a:latin typeface="Courier New" pitchFamily="34" charset="0"/>
+                <a:ea typeface="Courier New" pitchFamily="34" charset="-122"/>
+                <a:cs typeface="Courier New" pitchFamily="34" charset="-120"/>
+              </a:rPr>
+              <a:t>    c * 9.0 / 5.0 + 32.0</a:t>
+            </a:r>
+            <a:endParaRPr lang="en-US" sz="900" dirty="0"/>
+          </a:p>
+          <a:p>
+            <a:pPr marL="0" indent="0">
+              <a:buNone/>
+            </a:pPr>
+            <a:r>
+              <a:rPr lang="en-US" sz="900" dirty="0">
+                <a:solidFill>
+                  <a:srgbClr val="D4D4D4"/>
+                </a:solidFill>
+                <a:latin typeface="Courier New" pitchFamily="34" charset="0"/>
+                <a:ea typeface="Courier New" pitchFamily="34" charset="-122"/>
+                <a:cs typeface="Courier New" pitchFamily="34" charset="-120"/>
+              </a:rPr>
+              <a:t>}</a:t>
+            </a:r>
+            <a:endParaRPr lang="en-US" sz="900" dirty="0"/>
+          </a:p>
+          <a:p>
+            <a:pPr marL="0" indent="0">
+              <a:buNone/>
+            </a:pPr>
+            <a:endParaRPr lang="en-US" sz="900" dirty="0"/>
+          </a:p>
+          <a:p>
+            <a:pPr marL="0" indent="0">
+              <a:buNone/>
+            </a:pPr>
+            <a:r>
+              <a:rPr lang="en-US" sz="900" dirty="0">
+                <a:solidFill>
+                  <a:srgbClr val="D4D4D4"/>
+                </a:solidFill>
+                <a:latin typeface="Courier New" pitchFamily="34" charset="0"/>
+                <a:ea typeface="Courier New" pitchFamily="34" charset="-122"/>
+                <a:cs typeface="Courier New" pitchFamily="34" charset="-120"/>
+              </a:rPr>
+              <a:t>fn main() {</a:t>
+            </a:r>
+            <a:endParaRPr lang="en-US" sz="900" dirty="0"/>
+          </a:p>
+          <a:p>
+            <a:pPr marL="0" indent="0">
+              <a:buNone/>
+            </a:pPr>
+            <a:r>
+              <a:rPr lang="en-US" sz="900" dirty="0">
+                <a:solidFill>
+                  <a:srgbClr val="D4D4D4"/>
+                </a:solidFill>
+                <a:latin typeface="Courier New" pitchFamily="34" charset="0"/>
+                <a:ea typeface="Courier New" pitchFamily="34" charset="-122"/>
+                <a:cs typeface="Courier New" pitchFamily="34" charset="-120"/>
+              </a:rPr>
+              <a:t>    let temps = [0.0, 20.0, 36.6, 100.0];</a:t>
+            </a:r>
+            <a:endParaRPr lang="en-US" sz="900" dirty="0"/>
+          </a:p>
+          <a:p>
+            <a:pPr marL="0" indent="0">
+              <a:buNone/>
+            </a:pPr>
+            <a:r>
+              <a:rPr lang="en-US" sz="900" dirty="0">
+                <a:solidFill>
+                  <a:srgbClr val="D4D4D4"/>
+                </a:solidFill>
+                <a:latin typeface="Courier New" pitchFamily="34" charset="0"/>
+                <a:ea typeface="Courier New" pitchFamily="34" charset="-122"/>
+                <a:cs typeface="Courier New" pitchFamily="34" charset="-120"/>
+              </a:rPr>
+              <a:t>    </a:t>
+            </a:r>
+            <a:endParaRPr lang="en-US" sz="900" dirty="0"/>
+          </a:p>
+          <a:p>
+            <a:pPr marL="0" indent="0">
+              <a:buNone/>
+            </a:pPr>
+            <a:r>
+              <a:rPr lang="en-US" sz="900" dirty="0">
+                <a:solidFill>
+                  <a:srgbClr val="D4D4D4"/>
+                </a:solidFill>
+                <a:latin typeface="Courier New" pitchFamily="34" charset="0"/>
+                <a:ea typeface="Courier New" pitchFamily="34" charset="-122"/>
+                <a:cs typeface="Courier New" pitchFamily="34" charset="-120"/>
+              </a:rPr>
+              <a:t>    for c in temps {</a:t>
+            </a:r>
+            <a:endParaRPr lang="en-US" sz="900" dirty="0"/>
+          </a:p>
+          <a:p>
+            <a:pPr marL="0" indent="0">
+              <a:buNone/>
+            </a:pPr>
+            <a:r>
+              <a:rPr lang="en-US" sz="900" dirty="0">
+                <a:solidFill>
+                  <a:srgbClr val="D4D4D4"/>
+                </a:solidFill>
+                <a:latin typeface="Courier New" pitchFamily="34" charset="0"/>
+                <a:ea typeface="Courier New" pitchFamily="34" charset="-122"/>
+                <a:cs typeface="Courier New" pitchFamily="34" charset="-120"/>
+              </a:rPr>
+              <a:t>        let f = celsius_to_fahrenheit(c);</a:t>
+            </a:r>
+            <a:endParaRPr lang="en-US" sz="900" dirty="0"/>
+          </a:p>
+          <a:p>
+            <a:pPr marL="0" indent="0">
+              <a:buNone/>
+            </a:pPr>
+            <a:r>
+              <a:rPr lang="en-US" sz="900" dirty="0">
+                <a:solidFill>
+                  <a:srgbClr val="D4D4D4"/>
+                </a:solidFill>
+                <a:latin typeface="Courier New" pitchFamily="34" charset="0"/>
+                <a:ea typeface="Courier New" pitchFamily="34" charset="-122"/>
+                <a:cs typeface="Courier New" pitchFamily="34" charset="-120"/>
+              </a:rPr>
+              <a:t>        println!("{:.1}°C = {:.1}°F", c, f);</a:t>
+            </a:r>
+            <a:endParaRPr lang="en-US" sz="900" dirty="0"/>
+          </a:p>
+          <a:p>
+            <a:pPr marL="0" indent="0">
+              <a:buNone/>
+            </a:pPr>
+            <a:r>
+              <a:rPr lang="en-US" sz="900" dirty="0">
+                <a:solidFill>
+                  <a:srgbClr val="D4D4D4"/>
+                </a:solidFill>
+                <a:latin typeface="Courier New" pitchFamily="34" charset="0"/>
+                <a:ea typeface="Courier New" pitchFamily="34" charset="-122"/>
+                <a:cs typeface="Courier New" pitchFamily="34" charset="-120"/>
+              </a:rPr>
+              <a:t>    }</a:t>
+            </a:r>
+            <a:endParaRPr lang="en-US" sz="900" dirty="0"/>
+          </a:p>
+          <a:p>
+            <a:pPr marL="0" indent="0">
+              <a:buNone/>
+            </a:pPr>
+            <a:r>
+              <a:rPr lang="en-US" sz="900" dirty="0">
+                <a:solidFill>
+                  <a:srgbClr val="D4D4D4"/>
+                </a:solidFill>
+                <a:latin typeface="Courier New" pitchFamily="34" charset="0"/>
+                <a:ea typeface="Courier New" pitchFamily="34" charset="-122"/>
+                <a:cs typeface="Courier New" pitchFamily="34" charset="-120"/>
+              </a:rPr>
+              <a:t>}</a:t>
+            </a:r>
+            <a:endParaRPr lang="en-US" sz="900" dirty="0"/>
+          </a:p>
+          <a:p>
+            <a:pPr marL="0" indent="0">
+              <a:buNone/>
+            </a:pPr>
+            <a:r>
+              <a:rPr lang="en-US" sz="900" dirty="0">
+                <a:solidFill>
+                  <a:srgbClr val="D4D4D4"/>
+                </a:solidFill>
+                <a:latin typeface="Courier New" pitchFamily="34" charset="0"/>
+                <a:ea typeface="Courier New" pitchFamily="34" charset="-122"/>
+                <a:cs typeface="Courier New" pitchFamily="34" charset="-120"/>
+              </a:rPr>
+              <a:t>// 0.0°C = 32.0°F</a:t>
+            </a:r>
+            <a:endParaRPr lang="en-US" sz="900" dirty="0"/>
+          </a:p>
+          <a:p>
+            <a:pPr marL="0" indent="0">
+              <a:buNone/>
+            </a:pPr>
+            <a:r>
+              <a:rPr lang="en-US" sz="900" dirty="0">
+                <a:solidFill>
+                  <a:srgbClr val="D4D4D4"/>
+                </a:solidFill>
+                <a:latin typeface="Courier New" pitchFamily="34" charset="0"/>
+                <a:ea typeface="Courier New" pitchFamily="34" charset="-122"/>
+                <a:cs typeface="Courier New" pitchFamily="34" charset="-120"/>
+              </a:rPr>
+              <a:t>// 20.0°C = 68.0°F</a:t>
+            </a:r>
+            <a:endParaRPr lang="en-US" sz="900" dirty="0"/>
+          </a:p>
+        </p:txBody>
+      </p:sp>
+    </p:spTree>
+  </p:cSld>
+  <p:clrMapOvr>
+    <a:masterClrMapping/>
+  </p:clrMapOvr>
+</p:sld>
+</file>
+
+<file path=ppt/slides/slide42.xml><?xml version="1.0" encoding="utf-8"?>
+<p:sld xmlns:a="http://schemas.openxmlformats.org/drawingml/2006/main" xmlns:r="http://schemas.openxmlformats.org/officeDocument/2006/relationships" xmlns:p="http://schemas.openxmlformats.org/presentationml/2006/main">
   <p:cSld name="Slide 39">
     <p:bg>
       <p:bgPr>
@@ -18082,7 +21218,7 @@
 </p:sld>
 </file>
 
-<file path=ppt/slides/slide41.xml><?xml version="1.0" encoding="utf-8"?>
+<file path=ppt/slides/slide43.xml><?xml version="1.0" encoding="utf-8"?>
 <p:sld xmlns:a="http://schemas.openxmlformats.org/drawingml/2006/main" xmlns:r="http://schemas.openxmlformats.org/officeDocument/2006/relationships" xmlns:p="http://schemas.openxmlformats.org/presentationml/2006/main">
   <p:cSld name="Slide 40">
     <p:bg>
